--- a/0. image&etc/HandlerInterceptor.pptx
+++ b/0. image&etc/HandlerInterceptor.pptx
@@ -5,7 +5,7 @@
     <p:sldMasterId id="2147483648" r:id="rId1"/>
   </p:sldMasterIdLst>
   <p:notesMasterIdLst>
-    <p:notesMasterId r:id="rId8"/>
+    <p:notesMasterId r:id="rId13"/>
   </p:notesMasterIdLst>
   <p:sldIdLst>
     <p:sldId id="257" r:id="rId2"/>
@@ -13,7 +13,12 @@
     <p:sldId id="259" r:id="rId4"/>
     <p:sldId id="261" r:id="rId5"/>
     <p:sldId id="262" r:id="rId6"/>
-    <p:sldId id="263" r:id="rId7"/>
+    <p:sldId id="266" r:id="rId7"/>
+    <p:sldId id="267" r:id="rId8"/>
+    <p:sldId id="263" r:id="rId9"/>
+    <p:sldId id="264" r:id="rId10"/>
+    <p:sldId id="265" r:id="rId11"/>
+    <p:sldId id="268" r:id="rId12"/>
   </p:sldIdLst>
   <p:sldSz cx="9906000" cy="6858000" type="A4"/>
   <p:notesSz cx="6858000" cy="9144000"/>
@@ -114,7 +119,7 @@
   </p:defaultTextStyle>
   <p:extLst>
     <p:ext uri="{EFAFB233-063F-42B5-8137-9DF3F51BA10A}">
-      <p15:sldGuideLst xmlns:p15="http://schemas.microsoft.com/office/powerpoint/2012/main">
+      <p15:sldGuideLst xmlns:p15="http://schemas.microsoft.com/office/powerpoint/2012/main" xmlns="">
         <p15:guide id="1" orient="horz" pos="2160">
           <p15:clr>
             <a:srgbClr val="A4A3A4"/>
@@ -213,7 +218,8 @@
           <a:p>
             <a:fld id="{164221FE-D509-4582-A82C-A903E6CCD310}" type="datetimeFigureOut">
               <a:rPr lang="ko-KR" altLang="en-US" smtClean="0"/>
-              <a:t>2019-12-15</a:t>
+              <a:pPr/>
+              <a:t>2019-12-16</a:t>
             </a:fld>
             <a:endParaRPr lang="ko-KR" altLang="en-US"/>
           </a:p>
@@ -372,6 +378,7 @@
           <a:p>
             <a:fld id="{74BF05DA-44D9-4286-9CF0-77C1FFA4A7A1}" type="slidenum">
               <a:rPr lang="ko-KR" altLang="en-US" smtClean="0"/>
+              <a:pPr/>
               <a:t>‹#›</a:t>
             </a:fld>
             <a:endParaRPr lang="ko-KR" altLang="en-US"/>
@@ -381,7 +388,7 @@
     </p:spTree>
     <p:extLst>
       <p:ext uri="{BB962C8B-B14F-4D97-AF65-F5344CB8AC3E}">
-        <p14:creationId xmlns:p14="http://schemas.microsoft.com/office/powerpoint/2010/main" val="1845965667"/>
+        <p14:creationId xmlns:p14="http://schemas.microsoft.com/office/powerpoint/2010/main" xmlns="" val="1845965667"/>
       </p:ext>
     </p:extLst>
   </p:cSld>
@@ -546,6 +553,7 @@
           <a:p>
             <a:fld id="{74BF05DA-44D9-4286-9CF0-77C1FFA4A7A1}" type="slidenum">
               <a:rPr lang="ko-KR" altLang="en-US" smtClean="0"/>
+              <a:pPr/>
               <a:t>2</a:t>
             </a:fld>
             <a:endParaRPr lang="ko-KR" altLang="en-US"/>
@@ -555,7 +563,92 @@
     </p:spTree>
     <p:extLst>
       <p:ext uri="{BB962C8B-B14F-4D97-AF65-F5344CB8AC3E}">
-        <p14:creationId xmlns:p14="http://schemas.microsoft.com/office/powerpoint/2010/main" val="101509055"/>
+        <p14:creationId xmlns:p14="http://schemas.microsoft.com/office/powerpoint/2010/main" xmlns="" val="101509055"/>
+      </p:ext>
+    </p:extLst>
+  </p:cSld>
+  <p:clrMapOvr>
+    <a:masterClrMapping/>
+  </p:clrMapOvr>
+</p:notes>
+</file>
+
+<file path=ppt/notesSlides/notesSlide10.xml><?xml version="1.0" encoding="utf-8"?>
+<p:notes xmlns:a="http://schemas.openxmlformats.org/drawingml/2006/main" xmlns:r="http://schemas.openxmlformats.org/officeDocument/2006/relationships" xmlns:p="http://schemas.openxmlformats.org/presentationml/2006/main">
+  <p:cSld>
+    <p:spTree>
+      <p:nvGrpSpPr>
+        <p:cNvPr id="1" name=""/>
+        <p:cNvGrpSpPr/>
+        <p:nvPr/>
+      </p:nvGrpSpPr>
+      <p:grpSpPr>
+        <a:xfrm>
+          <a:off x="0" y="0"/>
+          <a:ext cx="0" cy="0"/>
+          <a:chOff x="0" y="0"/>
+          <a:chExt cx="0" cy="0"/>
+        </a:xfrm>
+      </p:grpSpPr>
+      <p:sp>
+        <p:nvSpPr>
+          <p:cNvPr id="2" name="슬라이드 이미지 개체 틀 1"/>
+          <p:cNvSpPr>
+            <a:spLocks noGrp="1" noRot="1" noChangeAspect="1"/>
+          </p:cNvSpPr>
+          <p:nvPr>
+            <p:ph type="sldImg"/>
+          </p:nvPr>
+        </p:nvSpPr>
+        <p:spPr/>
+      </p:sp>
+      <p:sp>
+        <p:nvSpPr>
+          <p:cNvPr id="3" name="슬라이드 노트 개체 틀 2"/>
+          <p:cNvSpPr>
+            <a:spLocks noGrp="1"/>
+          </p:cNvSpPr>
+          <p:nvPr>
+            <p:ph type="body" idx="1"/>
+          </p:nvPr>
+        </p:nvSpPr>
+        <p:spPr/>
+        <p:txBody>
+          <a:bodyPr/>
+          <a:lstStyle/>
+          <a:p>
+            <a:endParaRPr lang="ko-KR" altLang="en-US" dirty="0"/>
+          </a:p>
+        </p:txBody>
+      </p:sp>
+      <p:sp>
+        <p:nvSpPr>
+          <p:cNvPr id="4" name="슬라이드 번호 개체 틀 3"/>
+          <p:cNvSpPr>
+            <a:spLocks noGrp="1"/>
+          </p:cNvSpPr>
+          <p:nvPr>
+            <p:ph type="sldNum" sz="quarter" idx="10"/>
+          </p:nvPr>
+        </p:nvSpPr>
+        <p:spPr/>
+        <p:txBody>
+          <a:bodyPr/>
+          <a:lstStyle/>
+          <a:p>
+            <a:fld id="{74BF05DA-44D9-4286-9CF0-77C1FFA4A7A1}" type="slidenum">
+              <a:rPr lang="ko-KR" altLang="en-US" smtClean="0"/>
+              <a:pPr/>
+              <a:t>11</a:t>
+            </a:fld>
+            <a:endParaRPr lang="ko-KR" altLang="en-US"/>
+          </a:p>
+        </p:txBody>
+      </p:sp>
+    </p:spTree>
+    <p:extLst>
+      <p:ext uri="{BB962C8B-B14F-4D97-AF65-F5344CB8AC3E}">
+        <p14:creationId xmlns:p14="http://schemas.microsoft.com/office/powerpoint/2010/main" xmlns="" val="2315459014"/>
       </p:ext>
     </p:extLst>
   </p:cSld>
@@ -630,6 +723,7 @@
           <a:p>
             <a:fld id="{74BF05DA-44D9-4286-9CF0-77C1FFA4A7A1}" type="slidenum">
               <a:rPr lang="ko-KR" altLang="en-US" smtClean="0"/>
+              <a:pPr/>
               <a:t>3</a:t>
             </a:fld>
             <a:endParaRPr lang="ko-KR" altLang="en-US"/>
@@ -639,7 +733,7 @@
     </p:spTree>
     <p:extLst>
       <p:ext uri="{BB962C8B-B14F-4D97-AF65-F5344CB8AC3E}">
-        <p14:creationId xmlns:p14="http://schemas.microsoft.com/office/powerpoint/2010/main" val="39500123"/>
+        <p14:creationId xmlns:p14="http://schemas.microsoft.com/office/powerpoint/2010/main" xmlns="" val="39500123"/>
       </p:ext>
     </p:extLst>
   </p:cSld>
@@ -714,6 +808,7 @@
           <a:p>
             <a:fld id="{74BF05DA-44D9-4286-9CF0-77C1FFA4A7A1}" type="slidenum">
               <a:rPr lang="ko-KR" altLang="en-US" smtClean="0"/>
+              <a:pPr/>
               <a:t>4</a:t>
             </a:fld>
             <a:endParaRPr lang="ko-KR" altLang="en-US"/>
@@ -723,7 +818,7 @@
     </p:spTree>
     <p:extLst>
       <p:ext uri="{BB962C8B-B14F-4D97-AF65-F5344CB8AC3E}">
-        <p14:creationId xmlns:p14="http://schemas.microsoft.com/office/powerpoint/2010/main" val="3216728183"/>
+        <p14:creationId xmlns:p14="http://schemas.microsoft.com/office/powerpoint/2010/main" xmlns="" val="3216728183"/>
       </p:ext>
     </p:extLst>
   </p:cSld>
@@ -798,6 +893,7 @@
           <a:p>
             <a:fld id="{74BF05DA-44D9-4286-9CF0-77C1FFA4A7A1}" type="slidenum">
               <a:rPr lang="ko-KR" altLang="en-US" smtClean="0"/>
+              <a:pPr/>
               <a:t>5</a:t>
             </a:fld>
             <a:endParaRPr lang="ko-KR" altLang="en-US"/>
@@ -807,7 +903,7 @@
     </p:spTree>
     <p:extLst>
       <p:ext uri="{BB962C8B-B14F-4D97-AF65-F5344CB8AC3E}">
-        <p14:creationId xmlns:p14="http://schemas.microsoft.com/office/powerpoint/2010/main" val="3975929353"/>
+        <p14:creationId xmlns:p14="http://schemas.microsoft.com/office/powerpoint/2010/main" xmlns="" val="3975929353"/>
       </p:ext>
     </p:extLst>
   </p:cSld>
@@ -882,6 +978,7 @@
           <a:p>
             <a:fld id="{74BF05DA-44D9-4286-9CF0-77C1FFA4A7A1}" type="slidenum">
               <a:rPr lang="ko-KR" altLang="en-US" smtClean="0"/>
+              <a:pPr/>
               <a:t>6</a:t>
             </a:fld>
             <a:endParaRPr lang="ko-KR" altLang="en-US"/>
@@ -891,7 +988,347 @@
     </p:spTree>
     <p:extLst>
       <p:ext uri="{BB962C8B-B14F-4D97-AF65-F5344CB8AC3E}">
-        <p14:creationId xmlns:p14="http://schemas.microsoft.com/office/powerpoint/2010/main" val="2315459014"/>
+        <p14:creationId xmlns:p14="http://schemas.microsoft.com/office/powerpoint/2010/main" xmlns="" val="2315459014"/>
+      </p:ext>
+    </p:extLst>
+  </p:cSld>
+  <p:clrMapOvr>
+    <a:masterClrMapping/>
+  </p:clrMapOvr>
+</p:notes>
+</file>
+
+<file path=ppt/notesSlides/notesSlide6.xml><?xml version="1.0" encoding="utf-8"?>
+<p:notes xmlns:a="http://schemas.openxmlformats.org/drawingml/2006/main" xmlns:r="http://schemas.openxmlformats.org/officeDocument/2006/relationships" xmlns:p="http://schemas.openxmlformats.org/presentationml/2006/main">
+  <p:cSld>
+    <p:spTree>
+      <p:nvGrpSpPr>
+        <p:cNvPr id="1" name=""/>
+        <p:cNvGrpSpPr/>
+        <p:nvPr/>
+      </p:nvGrpSpPr>
+      <p:grpSpPr>
+        <a:xfrm>
+          <a:off x="0" y="0"/>
+          <a:ext cx="0" cy="0"/>
+          <a:chOff x="0" y="0"/>
+          <a:chExt cx="0" cy="0"/>
+        </a:xfrm>
+      </p:grpSpPr>
+      <p:sp>
+        <p:nvSpPr>
+          <p:cNvPr id="2" name="슬라이드 이미지 개체 틀 1"/>
+          <p:cNvSpPr>
+            <a:spLocks noGrp="1" noRot="1" noChangeAspect="1"/>
+          </p:cNvSpPr>
+          <p:nvPr>
+            <p:ph type="sldImg"/>
+          </p:nvPr>
+        </p:nvSpPr>
+        <p:spPr/>
+      </p:sp>
+      <p:sp>
+        <p:nvSpPr>
+          <p:cNvPr id="3" name="슬라이드 노트 개체 틀 2"/>
+          <p:cNvSpPr>
+            <a:spLocks noGrp="1"/>
+          </p:cNvSpPr>
+          <p:nvPr>
+            <p:ph type="body" idx="1"/>
+          </p:nvPr>
+        </p:nvSpPr>
+        <p:spPr/>
+        <p:txBody>
+          <a:bodyPr/>
+          <a:lstStyle/>
+          <a:p>
+            <a:endParaRPr lang="ko-KR" altLang="en-US" dirty="0"/>
+          </a:p>
+        </p:txBody>
+      </p:sp>
+      <p:sp>
+        <p:nvSpPr>
+          <p:cNvPr id="4" name="슬라이드 번호 개체 틀 3"/>
+          <p:cNvSpPr>
+            <a:spLocks noGrp="1"/>
+          </p:cNvSpPr>
+          <p:nvPr>
+            <p:ph type="sldNum" sz="quarter" idx="10"/>
+          </p:nvPr>
+        </p:nvSpPr>
+        <p:spPr/>
+        <p:txBody>
+          <a:bodyPr/>
+          <a:lstStyle/>
+          <a:p>
+            <a:fld id="{74BF05DA-44D9-4286-9CF0-77C1FFA4A7A1}" type="slidenum">
+              <a:rPr lang="ko-KR" altLang="en-US" smtClean="0"/>
+              <a:pPr/>
+              <a:t>7</a:t>
+            </a:fld>
+            <a:endParaRPr lang="ko-KR" altLang="en-US"/>
+          </a:p>
+        </p:txBody>
+      </p:sp>
+    </p:spTree>
+    <p:extLst>
+      <p:ext uri="{BB962C8B-B14F-4D97-AF65-F5344CB8AC3E}">
+        <p14:creationId xmlns:p14="http://schemas.microsoft.com/office/powerpoint/2010/main" xmlns="" val="2315459014"/>
+      </p:ext>
+    </p:extLst>
+  </p:cSld>
+  <p:clrMapOvr>
+    <a:masterClrMapping/>
+  </p:clrMapOvr>
+</p:notes>
+</file>
+
+<file path=ppt/notesSlides/notesSlide7.xml><?xml version="1.0" encoding="utf-8"?>
+<p:notes xmlns:a="http://schemas.openxmlformats.org/drawingml/2006/main" xmlns:r="http://schemas.openxmlformats.org/officeDocument/2006/relationships" xmlns:p="http://schemas.openxmlformats.org/presentationml/2006/main">
+  <p:cSld>
+    <p:spTree>
+      <p:nvGrpSpPr>
+        <p:cNvPr id="1" name=""/>
+        <p:cNvGrpSpPr/>
+        <p:nvPr/>
+      </p:nvGrpSpPr>
+      <p:grpSpPr>
+        <a:xfrm>
+          <a:off x="0" y="0"/>
+          <a:ext cx="0" cy="0"/>
+          <a:chOff x="0" y="0"/>
+          <a:chExt cx="0" cy="0"/>
+        </a:xfrm>
+      </p:grpSpPr>
+      <p:sp>
+        <p:nvSpPr>
+          <p:cNvPr id="2" name="슬라이드 이미지 개체 틀 1"/>
+          <p:cNvSpPr>
+            <a:spLocks noGrp="1" noRot="1" noChangeAspect="1"/>
+          </p:cNvSpPr>
+          <p:nvPr>
+            <p:ph type="sldImg"/>
+          </p:nvPr>
+        </p:nvSpPr>
+        <p:spPr/>
+      </p:sp>
+      <p:sp>
+        <p:nvSpPr>
+          <p:cNvPr id="3" name="슬라이드 노트 개체 틀 2"/>
+          <p:cNvSpPr>
+            <a:spLocks noGrp="1"/>
+          </p:cNvSpPr>
+          <p:nvPr>
+            <p:ph type="body" idx="1"/>
+          </p:nvPr>
+        </p:nvSpPr>
+        <p:spPr/>
+        <p:txBody>
+          <a:bodyPr/>
+          <a:lstStyle/>
+          <a:p>
+            <a:endParaRPr lang="ko-KR" altLang="en-US" dirty="0"/>
+          </a:p>
+        </p:txBody>
+      </p:sp>
+      <p:sp>
+        <p:nvSpPr>
+          <p:cNvPr id="4" name="슬라이드 번호 개체 틀 3"/>
+          <p:cNvSpPr>
+            <a:spLocks noGrp="1"/>
+          </p:cNvSpPr>
+          <p:nvPr>
+            <p:ph type="sldNum" sz="quarter" idx="10"/>
+          </p:nvPr>
+        </p:nvSpPr>
+        <p:spPr/>
+        <p:txBody>
+          <a:bodyPr/>
+          <a:lstStyle/>
+          <a:p>
+            <a:fld id="{74BF05DA-44D9-4286-9CF0-77C1FFA4A7A1}" type="slidenum">
+              <a:rPr lang="ko-KR" altLang="en-US" smtClean="0"/>
+              <a:pPr/>
+              <a:t>8</a:t>
+            </a:fld>
+            <a:endParaRPr lang="ko-KR" altLang="en-US"/>
+          </a:p>
+        </p:txBody>
+      </p:sp>
+    </p:spTree>
+    <p:extLst>
+      <p:ext uri="{BB962C8B-B14F-4D97-AF65-F5344CB8AC3E}">
+        <p14:creationId xmlns:p14="http://schemas.microsoft.com/office/powerpoint/2010/main" xmlns="" val="2315459014"/>
+      </p:ext>
+    </p:extLst>
+  </p:cSld>
+  <p:clrMapOvr>
+    <a:masterClrMapping/>
+  </p:clrMapOvr>
+</p:notes>
+</file>
+
+<file path=ppt/notesSlides/notesSlide8.xml><?xml version="1.0" encoding="utf-8"?>
+<p:notes xmlns:a="http://schemas.openxmlformats.org/drawingml/2006/main" xmlns:r="http://schemas.openxmlformats.org/officeDocument/2006/relationships" xmlns:p="http://schemas.openxmlformats.org/presentationml/2006/main">
+  <p:cSld>
+    <p:spTree>
+      <p:nvGrpSpPr>
+        <p:cNvPr id="1" name=""/>
+        <p:cNvGrpSpPr/>
+        <p:nvPr/>
+      </p:nvGrpSpPr>
+      <p:grpSpPr>
+        <a:xfrm>
+          <a:off x="0" y="0"/>
+          <a:ext cx="0" cy="0"/>
+          <a:chOff x="0" y="0"/>
+          <a:chExt cx="0" cy="0"/>
+        </a:xfrm>
+      </p:grpSpPr>
+      <p:sp>
+        <p:nvSpPr>
+          <p:cNvPr id="2" name="슬라이드 이미지 개체 틀 1"/>
+          <p:cNvSpPr>
+            <a:spLocks noGrp="1" noRot="1" noChangeAspect="1"/>
+          </p:cNvSpPr>
+          <p:nvPr>
+            <p:ph type="sldImg"/>
+          </p:nvPr>
+        </p:nvSpPr>
+        <p:spPr/>
+      </p:sp>
+      <p:sp>
+        <p:nvSpPr>
+          <p:cNvPr id="3" name="슬라이드 노트 개체 틀 2"/>
+          <p:cNvSpPr>
+            <a:spLocks noGrp="1"/>
+          </p:cNvSpPr>
+          <p:nvPr>
+            <p:ph type="body" idx="1"/>
+          </p:nvPr>
+        </p:nvSpPr>
+        <p:spPr/>
+        <p:txBody>
+          <a:bodyPr/>
+          <a:lstStyle/>
+          <a:p>
+            <a:endParaRPr lang="ko-KR" altLang="en-US" dirty="0"/>
+          </a:p>
+        </p:txBody>
+      </p:sp>
+      <p:sp>
+        <p:nvSpPr>
+          <p:cNvPr id="4" name="슬라이드 번호 개체 틀 3"/>
+          <p:cNvSpPr>
+            <a:spLocks noGrp="1"/>
+          </p:cNvSpPr>
+          <p:nvPr>
+            <p:ph type="sldNum" sz="quarter" idx="10"/>
+          </p:nvPr>
+        </p:nvSpPr>
+        <p:spPr/>
+        <p:txBody>
+          <a:bodyPr/>
+          <a:lstStyle/>
+          <a:p>
+            <a:fld id="{74BF05DA-44D9-4286-9CF0-77C1FFA4A7A1}" type="slidenum">
+              <a:rPr lang="ko-KR" altLang="en-US" smtClean="0"/>
+              <a:pPr/>
+              <a:t>9</a:t>
+            </a:fld>
+            <a:endParaRPr lang="ko-KR" altLang="en-US"/>
+          </a:p>
+        </p:txBody>
+      </p:sp>
+    </p:spTree>
+    <p:extLst>
+      <p:ext uri="{BB962C8B-B14F-4D97-AF65-F5344CB8AC3E}">
+        <p14:creationId xmlns:p14="http://schemas.microsoft.com/office/powerpoint/2010/main" xmlns="" val="2315459014"/>
+      </p:ext>
+    </p:extLst>
+  </p:cSld>
+  <p:clrMapOvr>
+    <a:masterClrMapping/>
+  </p:clrMapOvr>
+</p:notes>
+</file>
+
+<file path=ppt/notesSlides/notesSlide9.xml><?xml version="1.0" encoding="utf-8"?>
+<p:notes xmlns:a="http://schemas.openxmlformats.org/drawingml/2006/main" xmlns:r="http://schemas.openxmlformats.org/officeDocument/2006/relationships" xmlns:p="http://schemas.openxmlformats.org/presentationml/2006/main">
+  <p:cSld>
+    <p:spTree>
+      <p:nvGrpSpPr>
+        <p:cNvPr id="1" name=""/>
+        <p:cNvGrpSpPr/>
+        <p:nvPr/>
+      </p:nvGrpSpPr>
+      <p:grpSpPr>
+        <a:xfrm>
+          <a:off x="0" y="0"/>
+          <a:ext cx="0" cy="0"/>
+          <a:chOff x="0" y="0"/>
+          <a:chExt cx="0" cy="0"/>
+        </a:xfrm>
+      </p:grpSpPr>
+      <p:sp>
+        <p:nvSpPr>
+          <p:cNvPr id="2" name="슬라이드 이미지 개체 틀 1"/>
+          <p:cNvSpPr>
+            <a:spLocks noGrp="1" noRot="1" noChangeAspect="1"/>
+          </p:cNvSpPr>
+          <p:nvPr>
+            <p:ph type="sldImg"/>
+          </p:nvPr>
+        </p:nvSpPr>
+        <p:spPr/>
+      </p:sp>
+      <p:sp>
+        <p:nvSpPr>
+          <p:cNvPr id="3" name="슬라이드 노트 개체 틀 2"/>
+          <p:cNvSpPr>
+            <a:spLocks noGrp="1"/>
+          </p:cNvSpPr>
+          <p:nvPr>
+            <p:ph type="body" idx="1"/>
+          </p:nvPr>
+        </p:nvSpPr>
+        <p:spPr/>
+        <p:txBody>
+          <a:bodyPr/>
+          <a:lstStyle/>
+          <a:p>
+            <a:endParaRPr lang="ko-KR" altLang="en-US" dirty="0"/>
+          </a:p>
+        </p:txBody>
+      </p:sp>
+      <p:sp>
+        <p:nvSpPr>
+          <p:cNvPr id="4" name="슬라이드 번호 개체 틀 3"/>
+          <p:cNvSpPr>
+            <a:spLocks noGrp="1"/>
+          </p:cNvSpPr>
+          <p:nvPr>
+            <p:ph type="sldNum" sz="quarter" idx="10"/>
+          </p:nvPr>
+        </p:nvSpPr>
+        <p:spPr/>
+        <p:txBody>
+          <a:bodyPr/>
+          <a:lstStyle/>
+          <a:p>
+            <a:fld id="{74BF05DA-44D9-4286-9CF0-77C1FFA4A7A1}" type="slidenum">
+              <a:rPr lang="ko-KR" altLang="en-US" smtClean="0"/>
+              <a:pPr/>
+              <a:t>10</a:t>
+            </a:fld>
+            <a:endParaRPr lang="ko-KR" altLang="en-US"/>
+          </a:p>
+        </p:txBody>
+      </p:sp>
+    </p:spTree>
+    <p:extLst>
+      <p:ext uri="{BB962C8B-B14F-4D97-AF65-F5344CB8AC3E}">
+        <p14:creationId xmlns:p14="http://schemas.microsoft.com/office/powerpoint/2010/main" xmlns="" val="2315459014"/>
       </p:ext>
     </p:extLst>
   </p:cSld>
@@ -1082,7 +1519,8 @@
           <a:p>
             <a:fld id="{9548ACCE-087D-48BC-A6F3-1BB05EDD6B95}" type="datetimeFigureOut">
               <a:rPr lang="ko-KR" altLang="en-US" smtClean="0"/>
-              <a:t>2019-12-15</a:t>
+              <a:pPr/>
+              <a:t>2019-12-16</a:t>
             </a:fld>
             <a:endParaRPr lang="ko-KR" altLang="en-US"/>
           </a:p>
@@ -1124,6 +1562,7 @@
           <a:p>
             <a:fld id="{C2209FBF-5E99-4A5C-8680-16B701687D41}" type="slidenum">
               <a:rPr lang="ko-KR" altLang="en-US" smtClean="0"/>
+              <a:pPr/>
               <a:t>‹#›</a:t>
             </a:fld>
             <a:endParaRPr lang="ko-KR" altLang="en-US"/>
@@ -1247,7 +1686,8 @@
           <a:p>
             <a:fld id="{9548ACCE-087D-48BC-A6F3-1BB05EDD6B95}" type="datetimeFigureOut">
               <a:rPr lang="ko-KR" altLang="en-US" smtClean="0"/>
-              <a:t>2019-12-15</a:t>
+              <a:pPr/>
+              <a:t>2019-12-16</a:t>
             </a:fld>
             <a:endParaRPr lang="ko-KR" altLang="en-US"/>
           </a:p>
@@ -1289,6 +1729,7 @@
           <a:p>
             <a:fld id="{C2209FBF-5E99-4A5C-8680-16B701687D41}" type="slidenum">
               <a:rPr lang="ko-KR" altLang="en-US" smtClean="0"/>
+              <a:pPr/>
               <a:t>‹#›</a:t>
             </a:fld>
             <a:endParaRPr lang="ko-KR" altLang="en-US"/>
@@ -1422,7 +1863,8 @@
           <a:p>
             <a:fld id="{9548ACCE-087D-48BC-A6F3-1BB05EDD6B95}" type="datetimeFigureOut">
               <a:rPr lang="ko-KR" altLang="en-US" smtClean="0"/>
-              <a:t>2019-12-15</a:t>
+              <a:pPr/>
+              <a:t>2019-12-16</a:t>
             </a:fld>
             <a:endParaRPr lang="ko-KR" altLang="en-US"/>
           </a:p>
@@ -1464,6 +1906,7 @@
           <a:p>
             <a:fld id="{C2209FBF-5E99-4A5C-8680-16B701687D41}" type="slidenum">
               <a:rPr lang="ko-KR" altLang="en-US" smtClean="0"/>
+              <a:pPr/>
               <a:t>‹#›</a:t>
             </a:fld>
             <a:endParaRPr lang="ko-KR" altLang="en-US"/>
@@ -1587,7 +2030,8 @@
           <a:p>
             <a:fld id="{9548ACCE-087D-48BC-A6F3-1BB05EDD6B95}" type="datetimeFigureOut">
               <a:rPr lang="ko-KR" altLang="en-US" smtClean="0"/>
-              <a:t>2019-12-15</a:t>
+              <a:pPr/>
+              <a:t>2019-12-16</a:t>
             </a:fld>
             <a:endParaRPr lang="ko-KR" altLang="en-US"/>
           </a:p>
@@ -1629,6 +2073,7 @@
           <a:p>
             <a:fld id="{C2209FBF-5E99-4A5C-8680-16B701687D41}" type="slidenum">
               <a:rPr lang="ko-KR" altLang="en-US" smtClean="0"/>
+              <a:pPr/>
               <a:t>‹#›</a:t>
             </a:fld>
             <a:endParaRPr lang="ko-KR" altLang="en-US"/>
@@ -1828,7 +2273,8 @@
           <a:p>
             <a:fld id="{9548ACCE-087D-48BC-A6F3-1BB05EDD6B95}" type="datetimeFigureOut">
               <a:rPr lang="ko-KR" altLang="en-US" smtClean="0"/>
-              <a:t>2019-12-15</a:t>
+              <a:pPr/>
+              <a:t>2019-12-16</a:t>
             </a:fld>
             <a:endParaRPr lang="ko-KR" altLang="en-US"/>
           </a:p>
@@ -1870,6 +2316,7 @@
           <a:p>
             <a:fld id="{C2209FBF-5E99-4A5C-8680-16B701687D41}" type="slidenum">
               <a:rPr lang="ko-KR" altLang="en-US" smtClean="0"/>
+              <a:pPr/>
               <a:t>‹#›</a:t>
             </a:fld>
             <a:endParaRPr lang="ko-KR" altLang="en-US"/>
@@ -2111,7 +2558,8 @@
           <a:p>
             <a:fld id="{9548ACCE-087D-48BC-A6F3-1BB05EDD6B95}" type="datetimeFigureOut">
               <a:rPr lang="ko-KR" altLang="en-US" smtClean="0"/>
-              <a:t>2019-12-15</a:t>
+              <a:pPr/>
+              <a:t>2019-12-16</a:t>
             </a:fld>
             <a:endParaRPr lang="ko-KR" altLang="en-US"/>
           </a:p>
@@ -2153,6 +2601,7 @@
           <a:p>
             <a:fld id="{C2209FBF-5E99-4A5C-8680-16B701687D41}" type="slidenum">
               <a:rPr lang="ko-KR" altLang="en-US" smtClean="0"/>
+              <a:pPr/>
               <a:t>‹#›</a:t>
             </a:fld>
             <a:endParaRPr lang="ko-KR" altLang="en-US"/>
@@ -2533,7 +2982,8 @@
           <a:p>
             <a:fld id="{9548ACCE-087D-48BC-A6F3-1BB05EDD6B95}" type="datetimeFigureOut">
               <a:rPr lang="ko-KR" altLang="en-US" smtClean="0"/>
-              <a:t>2019-12-15</a:t>
+              <a:pPr/>
+              <a:t>2019-12-16</a:t>
             </a:fld>
             <a:endParaRPr lang="ko-KR" altLang="en-US"/>
           </a:p>
@@ -2575,6 +3025,7 @@
           <a:p>
             <a:fld id="{C2209FBF-5E99-4A5C-8680-16B701687D41}" type="slidenum">
               <a:rPr lang="ko-KR" altLang="en-US" smtClean="0"/>
+              <a:pPr/>
               <a:t>‹#›</a:t>
             </a:fld>
             <a:endParaRPr lang="ko-KR" altLang="en-US"/>
@@ -2646,7 +3097,8 @@
           <a:p>
             <a:fld id="{9548ACCE-087D-48BC-A6F3-1BB05EDD6B95}" type="datetimeFigureOut">
               <a:rPr lang="ko-KR" altLang="en-US" smtClean="0"/>
-              <a:t>2019-12-15</a:t>
+              <a:pPr/>
+              <a:t>2019-12-16</a:t>
             </a:fld>
             <a:endParaRPr lang="ko-KR" altLang="en-US"/>
           </a:p>
@@ -2688,6 +3140,7 @@
           <a:p>
             <a:fld id="{C2209FBF-5E99-4A5C-8680-16B701687D41}" type="slidenum">
               <a:rPr lang="ko-KR" altLang="en-US" smtClean="0"/>
+              <a:pPr/>
               <a:t>‹#›</a:t>
             </a:fld>
             <a:endParaRPr lang="ko-KR" altLang="en-US"/>
@@ -2736,7 +3189,8 @@
           <a:p>
             <a:fld id="{9548ACCE-087D-48BC-A6F3-1BB05EDD6B95}" type="datetimeFigureOut">
               <a:rPr lang="ko-KR" altLang="en-US" smtClean="0"/>
-              <a:t>2019-12-15</a:t>
+              <a:pPr/>
+              <a:t>2019-12-16</a:t>
             </a:fld>
             <a:endParaRPr lang="ko-KR" altLang="en-US"/>
           </a:p>
@@ -2778,6 +3232,7 @@
           <a:p>
             <a:fld id="{C2209FBF-5E99-4A5C-8680-16B701687D41}" type="slidenum">
               <a:rPr lang="ko-KR" altLang="en-US" smtClean="0"/>
+              <a:pPr/>
               <a:t>‹#›</a:t>
             </a:fld>
             <a:endParaRPr lang="ko-KR" altLang="en-US"/>
@@ -3008,7 +3463,8 @@
           <a:p>
             <a:fld id="{9548ACCE-087D-48BC-A6F3-1BB05EDD6B95}" type="datetimeFigureOut">
               <a:rPr lang="ko-KR" altLang="en-US" smtClean="0"/>
-              <a:t>2019-12-15</a:t>
+              <a:pPr/>
+              <a:t>2019-12-16</a:t>
             </a:fld>
             <a:endParaRPr lang="ko-KR" altLang="en-US"/>
           </a:p>
@@ -3050,6 +3506,7 @@
           <a:p>
             <a:fld id="{C2209FBF-5E99-4A5C-8680-16B701687D41}" type="slidenum">
               <a:rPr lang="ko-KR" altLang="en-US" smtClean="0"/>
+              <a:pPr/>
               <a:t>‹#›</a:t>
             </a:fld>
             <a:endParaRPr lang="ko-KR" altLang="en-US"/>
@@ -3256,7 +3713,8 @@
           <a:p>
             <a:fld id="{9548ACCE-087D-48BC-A6F3-1BB05EDD6B95}" type="datetimeFigureOut">
               <a:rPr lang="ko-KR" altLang="en-US" smtClean="0"/>
-              <a:t>2019-12-15</a:t>
+              <a:pPr/>
+              <a:t>2019-12-16</a:t>
             </a:fld>
             <a:endParaRPr lang="ko-KR" altLang="en-US"/>
           </a:p>
@@ -3298,6 +3756,7 @@
           <a:p>
             <a:fld id="{C2209FBF-5E99-4A5C-8680-16B701687D41}" type="slidenum">
               <a:rPr lang="ko-KR" altLang="en-US" smtClean="0"/>
+              <a:pPr/>
               <a:t>‹#›</a:t>
             </a:fld>
             <a:endParaRPr lang="ko-KR" altLang="en-US"/>
@@ -3464,7 +3923,8 @@
           <a:p>
             <a:fld id="{9548ACCE-087D-48BC-A6F3-1BB05EDD6B95}" type="datetimeFigureOut">
               <a:rPr lang="ko-KR" altLang="en-US" smtClean="0"/>
-              <a:t>2019-12-15</a:t>
+              <a:pPr/>
+              <a:t>2019-12-16</a:t>
             </a:fld>
             <a:endParaRPr lang="ko-KR" altLang="en-US"/>
           </a:p>
@@ -3542,6 +4002,7 @@
           <a:p>
             <a:fld id="{C2209FBF-5E99-4A5C-8680-16B701687D41}" type="slidenum">
               <a:rPr lang="ko-KR" altLang="en-US" smtClean="0"/>
+              <a:pPr/>
               <a:t>‹#›</a:t>
             </a:fld>
             <a:endParaRPr lang="ko-KR" altLang="en-US"/>
@@ -4413,6 +4874,3107 @@
 </p:sld>
 </file>
 
+<file path=ppt/slides/slide10.xml><?xml version="1.0" encoding="utf-8"?>
+<p:sld xmlns:a="http://schemas.openxmlformats.org/drawingml/2006/main" xmlns:r="http://schemas.openxmlformats.org/officeDocument/2006/relationships" xmlns:p="http://schemas.openxmlformats.org/presentationml/2006/main">
+  <p:cSld>
+    <p:spTree>
+      <p:nvGrpSpPr>
+        <p:cNvPr id="1" name=""/>
+        <p:cNvGrpSpPr/>
+        <p:nvPr/>
+      </p:nvGrpSpPr>
+      <p:grpSpPr>
+        <a:xfrm>
+          <a:off x="0" y="0"/>
+          <a:ext cx="0" cy="0"/>
+          <a:chOff x="0" y="0"/>
+          <a:chExt cx="0" cy="0"/>
+        </a:xfrm>
+      </p:grpSpPr>
+      <p:grpSp>
+        <p:nvGrpSpPr>
+          <p:cNvPr id="2" name="그룹 38"/>
+          <p:cNvGrpSpPr/>
+          <p:nvPr/>
+        </p:nvGrpSpPr>
+        <p:grpSpPr>
+          <a:xfrm>
+            <a:off x="26636" y="1742752"/>
+            <a:ext cx="9852728" cy="4226244"/>
+            <a:chOff x="10365968" y="1742752"/>
+            <a:chExt cx="9852728" cy="4226244"/>
+          </a:xfrm>
+        </p:grpSpPr>
+        <p:pic>
+          <p:nvPicPr>
+            <p:cNvPr id="40" name="그림 39" descr="springframework.png"/>
+            <p:cNvPicPr>
+              <a:picLocks noChangeAspect="1"/>
+            </p:cNvPicPr>
+            <p:nvPr/>
+          </p:nvPicPr>
+          <p:blipFill>
+            <a:blip r:embed="rId3">
+              <a:duotone>
+                <a:schemeClr val="accent3">
+                  <a:shade val="45000"/>
+                  <a:satMod val="135000"/>
+                </a:schemeClr>
+                <a:prstClr val="white"/>
+              </a:duotone>
+            </a:blip>
+            <a:stretch>
+              <a:fillRect/>
+            </a:stretch>
+          </p:blipFill>
+          <p:spPr>
+            <a:xfrm>
+              <a:off x="10365968" y="1742753"/>
+              <a:ext cx="9838563" cy="4226243"/>
+            </a:xfrm>
+            <a:prstGeom prst="rect">
+              <a:avLst/>
+            </a:prstGeom>
+          </p:spPr>
+        </p:pic>
+        <p:sp>
+          <p:nvSpPr>
+            <p:cNvPr id="41" name="직사각형 40"/>
+            <p:cNvSpPr/>
+            <p:nvPr/>
+          </p:nvSpPr>
+          <p:spPr>
+            <a:xfrm>
+              <a:off x="13954000" y="1742752"/>
+              <a:ext cx="6264696" cy="4226243"/>
+            </a:xfrm>
+            <a:prstGeom prst="rect">
+              <a:avLst/>
+            </a:prstGeom>
+            <a:gradFill flip="none" rotWithShape="1">
+              <a:gsLst>
+                <a:gs pos="0">
+                  <a:schemeClr val="tx1">
+                    <a:lumMod val="85000"/>
+                    <a:lumOff val="15000"/>
+                    <a:alpha val="0"/>
+                  </a:schemeClr>
+                </a:gs>
+                <a:gs pos="70000">
+                  <a:schemeClr val="tx1">
+                    <a:lumMod val="85000"/>
+                    <a:lumOff val="15000"/>
+                    <a:alpha val="80000"/>
+                  </a:schemeClr>
+                </a:gs>
+                <a:gs pos="100000">
+                  <a:schemeClr val="tx1">
+                    <a:lumMod val="85000"/>
+                    <a:lumOff val="15000"/>
+                    <a:alpha val="90000"/>
+                  </a:schemeClr>
+                </a:gs>
+              </a:gsLst>
+              <a:lin ang="0" scaled="1"/>
+              <a:tileRect/>
+            </a:gradFill>
+            <a:ln>
+              <a:noFill/>
+            </a:ln>
+          </p:spPr>
+          <p:style>
+            <a:lnRef idx="2">
+              <a:schemeClr val="accent1">
+                <a:shade val="50000"/>
+              </a:schemeClr>
+            </a:lnRef>
+            <a:fillRef idx="1">
+              <a:schemeClr val="accent1"/>
+            </a:fillRef>
+            <a:effectRef idx="0">
+              <a:schemeClr val="accent1"/>
+            </a:effectRef>
+            <a:fontRef idx="minor">
+              <a:schemeClr val="lt1"/>
+            </a:fontRef>
+          </p:style>
+          <p:txBody>
+            <a:bodyPr rtlCol="0" anchor="ctr"/>
+            <a:lstStyle/>
+            <a:p>
+              <a:pPr algn="ctr"/>
+              <a:endParaRPr lang="ko-KR" altLang="en-US"/>
+            </a:p>
+          </p:txBody>
+        </p:sp>
+      </p:grpSp>
+      <p:sp>
+        <p:nvSpPr>
+          <p:cNvPr id="19" name="TextBox 18"/>
+          <p:cNvSpPr txBox="1"/>
+          <p:nvPr/>
+        </p:nvSpPr>
+        <p:spPr>
+          <a:xfrm>
+            <a:off x="309530" y="2099629"/>
+            <a:ext cx="9254468" cy="4185761"/>
+          </a:xfrm>
+          <a:prstGeom prst="rect">
+            <a:avLst/>
+          </a:prstGeom>
+          <a:solidFill>
+            <a:schemeClr val="bg1">
+              <a:lumMod val="95000"/>
+            </a:schemeClr>
+          </a:solidFill>
+        </p:spPr>
+        <p:txBody>
+          <a:bodyPr wrap="square" rtlCol="0">
+            <a:spAutoFit/>
+          </a:bodyPr>
+          <a:lstStyle/>
+          <a:p>
+            <a:pPr marL="180000"/>
+            <a:r>
+              <a:rPr lang="en-US" altLang="ko-KR" sz="1400" b="1" dirty="0" smtClean="0">
+                <a:solidFill>
+                  <a:srgbClr val="7F0055"/>
+                </a:solidFill>
+                <a:latin typeface="Consolas"/>
+              </a:rPr>
+              <a:t>public</a:t>
+            </a:r>
+            <a:r>
+              <a:rPr lang="en-US" altLang="ko-KR" sz="1400" b="1" dirty="0" smtClean="0">
+                <a:solidFill>
+                  <a:srgbClr val="000000"/>
+                </a:solidFill>
+                <a:latin typeface="Consolas"/>
+              </a:rPr>
+              <a:t> </a:t>
+            </a:r>
+            <a:r>
+              <a:rPr lang="en-US" altLang="ko-KR" sz="1400" b="1" dirty="0" smtClean="0">
+                <a:solidFill>
+                  <a:srgbClr val="7F0055"/>
+                </a:solidFill>
+                <a:latin typeface="Consolas"/>
+              </a:rPr>
+              <a:t>class</a:t>
+            </a:r>
+            <a:r>
+              <a:rPr lang="en-US" altLang="ko-KR" sz="1400" b="1" dirty="0" smtClean="0">
+                <a:solidFill>
+                  <a:srgbClr val="000000"/>
+                </a:solidFill>
+                <a:latin typeface="Consolas"/>
+              </a:rPr>
+              <a:t> </a:t>
+            </a:r>
+            <a:r>
+              <a:rPr lang="en-US" altLang="ko-KR" sz="1400" b="1" dirty="0" err="1" smtClean="0">
+                <a:solidFill>
+                  <a:srgbClr val="000000"/>
+                </a:solidFill>
+                <a:latin typeface="Consolas"/>
+              </a:rPr>
+              <a:t>LoginInter</a:t>
+            </a:r>
+            <a:r>
+              <a:rPr lang="en-US" altLang="ko-KR" sz="1400" b="1" dirty="0" smtClean="0">
+                <a:solidFill>
+                  <a:srgbClr val="000000"/>
+                </a:solidFill>
+                <a:latin typeface="Consolas"/>
+              </a:rPr>
+              <a:t> </a:t>
+            </a:r>
+            <a:r>
+              <a:rPr lang="en-US" altLang="ko-KR" sz="1400" b="1" dirty="0" smtClean="0">
+                <a:solidFill>
+                  <a:srgbClr val="7F0055"/>
+                </a:solidFill>
+                <a:latin typeface="Consolas"/>
+              </a:rPr>
+              <a:t>extends</a:t>
+            </a:r>
+            <a:r>
+              <a:rPr lang="en-US" altLang="ko-KR" sz="1400" b="1" dirty="0" smtClean="0">
+                <a:solidFill>
+                  <a:srgbClr val="000000"/>
+                </a:solidFill>
+                <a:latin typeface="Consolas"/>
+              </a:rPr>
+              <a:t> </a:t>
+            </a:r>
+            <a:r>
+              <a:rPr lang="en-US" altLang="ko-KR" sz="1400" b="1" dirty="0" err="1" smtClean="0">
+                <a:solidFill>
+                  <a:srgbClr val="000000"/>
+                </a:solidFill>
+                <a:latin typeface="Consolas"/>
+              </a:rPr>
+              <a:t>HandlerInterceptorAdapter</a:t>
+            </a:r>
+            <a:r>
+              <a:rPr lang="en-US" altLang="ko-KR" sz="1400" b="1" dirty="0" smtClean="0">
+                <a:solidFill>
+                  <a:srgbClr val="000000"/>
+                </a:solidFill>
+                <a:latin typeface="Consolas"/>
+              </a:rPr>
+              <a:t>{</a:t>
+            </a:r>
+            <a:endParaRPr lang="ko-KR" altLang="en-US" sz="1400" dirty="0" smtClean="0">
+              <a:latin typeface="Consolas"/>
+            </a:endParaRPr>
+          </a:p>
+          <a:p>
+            <a:pPr lvl="1"/>
+            <a:r>
+              <a:rPr lang="en-US" altLang="ko-KR" sz="1400" dirty="0" smtClean="0">
+                <a:solidFill>
+                  <a:srgbClr val="646464"/>
+                </a:solidFill>
+                <a:latin typeface="Consolas"/>
+              </a:rPr>
+              <a:t>@Override</a:t>
+            </a:r>
+          </a:p>
+          <a:p>
+            <a:pPr lvl="1"/>
+            <a:r>
+              <a:rPr lang="en-US" altLang="ko-KR" sz="1400" b="1" dirty="0" smtClean="0">
+                <a:solidFill>
+                  <a:srgbClr val="7F0055"/>
+                </a:solidFill>
+                <a:latin typeface="Consolas"/>
+              </a:rPr>
+              <a:t>public</a:t>
+            </a:r>
+            <a:r>
+              <a:rPr lang="en-US" altLang="ko-KR" sz="1400" b="1" dirty="0" smtClean="0">
+                <a:solidFill>
+                  <a:srgbClr val="000000"/>
+                </a:solidFill>
+                <a:latin typeface="Consolas"/>
+              </a:rPr>
+              <a:t> </a:t>
+            </a:r>
+            <a:r>
+              <a:rPr lang="en-US" altLang="ko-KR" sz="1400" b="1" dirty="0" err="1" smtClean="0">
+                <a:solidFill>
+                  <a:srgbClr val="7F0055"/>
+                </a:solidFill>
+                <a:latin typeface="Consolas"/>
+              </a:rPr>
+              <a:t>boolean</a:t>
+            </a:r>
+            <a:r>
+              <a:rPr lang="en-US" altLang="ko-KR" sz="1400" b="1" dirty="0" smtClean="0">
+                <a:solidFill>
+                  <a:srgbClr val="000000"/>
+                </a:solidFill>
+                <a:latin typeface="Consolas"/>
+              </a:rPr>
+              <a:t> </a:t>
+            </a:r>
+            <a:r>
+              <a:rPr lang="en-US" altLang="ko-KR" sz="1400" b="1" dirty="0" err="1" smtClean="0">
+                <a:solidFill>
+                  <a:srgbClr val="000000"/>
+                </a:solidFill>
+                <a:latin typeface="Consolas"/>
+              </a:rPr>
+              <a:t>preHandle</a:t>
+            </a:r>
+            <a:r>
+              <a:rPr lang="en-US" altLang="ko-KR" sz="1400" b="1" dirty="0" smtClean="0">
+                <a:solidFill>
+                  <a:srgbClr val="000000"/>
+                </a:solidFill>
+                <a:latin typeface="Consolas"/>
+              </a:rPr>
+              <a:t>(</a:t>
+            </a:r>
+          </a:p>
+          <a:p>
+            <a:pPr lvl="1"/>
+            <a:r>
+              <a:rPr lang="en-US" altLang="ko-KR" sz="1400" b="1" dirty="0" smtClean="0">
+                <a:solidFill>
+                  <a:srgbClr val="000000"/>
+                </a:solidFill>
+                <a:latin typeface="Consolas"/>
+              </a:rPr>
+              <a:t>		</a:t>
+            </a:r>
+            <a:r>
+              <a:rPr lang="en-US" altLang="ko-KR" sz="1400" b="1" dirty="0" err="1" smtClean="0">
+                <a:solidFill>
+                  <a:srgbClr val="000000"/>
+                </a:solidFill>
+                <a:latin typeface="Consolas"/>
+              </a:rPr>
+              <a:t>HttpServletRequest</a:t>
+            </a:r>
+            <a:r>
+              <a:rPr lang="en-US" altLang="ko-KR" sz="1400" b="1" dirty="0" smtClean="0">
+                <a:solidFill>
+                  <a:srgbClr val="000000"/>
+                </a:solidFill>
+                <a:latin typeface="Consolas"/>
+              </a:rPr>
+              <a:t> </a:t>
+            </a:r>
+            <a:r>
+              <a:rPr lang="en-US" altLang="ko-KR" sz="1400" b="1" dirty="0" smtClean="0">
+                <a:solidFill>
+                  <a:srgbClr val="6A3E3E"/>
+                </a:solidFill>
+                <a:latin typeface="Consolas"/>
+              </a:rPr>
+              <a:t>request</a:t>
+            </a:r>
+            <a:r>
+              <a:rPr lang="en-US" altLang="ko-KR" sz="1400" b="1" dirty="0" smtClean="0">
+                <a:solidFill>
+                  <a:srgbClr val="000000"/>
+                </a:solidFill>
+                <a:latin typeface="Consolas"/>
+              </a:rPr>
+              <a:t>, </a:t>
+            </a:r>
+            <a:r>
+              <a:rPr lang="en-US" altLang="ko-KR" sz="1400" b="1" dirty="0" err="1" smtClean="0">
+                <a:solidFill>
+                  <a:srgbClr val="000000"/>
+                </a:solidFill>
+                <a:latin typeface="Consolas"/>
+              </a:rPr>
+              <a:t>HttpServletResponse</a:t>
+            </a:r>
+            <a:r>
+              <a:rPr lang="en-US" altLang="ko-KR" sz="1400" b="1" dirty="0" smtClean="0">
+                <a:solidFill>
+                  <a:srgbClr val="000000"/>
+                </a:solidFill>
+                <a:latin typeface="Consolas"/>
+              </a:rPr>
+              <a:t> </a:t>
+            </a:r>
+            <a:r>
+              <a:rPr lang="en-US" altLang="ko-KR" sz="1400" b="1" dirty="0" smtClean="0">
+                <a:solidFill>
+                  <a:srgbClr val="6A3E3E"/>
+                </a:solidFill>
+                <a:latin typeface="Consolas"/>
+              </a:rPr>
+              <a:t>response</a:t>
+            </a:r>
+            <a:r>
+              <a:rPr lang="en-US" altLang="ko-KR" sz="1400" b="1" dirty="0" smtClean="0">
+                <a:solidFill>
+                  <a:srgbClr val="000000"/>
+                </a:solidFill>
+                <a:latin typeface="Consolas"/>
+              </a:rPr>
+              <a:t>, </a:t>
+            </a:r>
+          </a:p>
+          <a:p>
+            <a:pPr lvl="1"/>
+            <a:r>
+              <a:rPr lang="en-US" altLang="ko-KR" sz="1400" b="1" dirty="0" smtClean="0">
+                <a:solidFill>
+                  <a:srgbClr val="000000"/>
+                </a:solidFill>
+                <a:latin typeface="Consolas"/>
+              </a:rPr>
+              <a:t>		Object </a:t>
+            </a:r>
+            <a:r>
+              <a:rPr lang="en-US" altLang="ko-KR" sz="1400" b="1" dirty="0" smtClean="0">
+                <a:solidFill>
+                  <a:srgbClr val="6A3E3E"/>
+                </a:solidFill>
+                <a:latin typeface="Consolas"/>
+              </a:rPr>
+              <a:t>handler</a:t>
+            </a:r>
+            <a:r>
+              <a:rPr lang="en-US" altLang="ko-KR" sz="1400" b="1" dirty="0" smtClean="0">
+                <a:solidFill>
+                  <a:srgbClr val="000000"/>
+                </a:solidFill>
+                <a:latin typeface="Consolas"/>
+              </a:rPr>
+              <a:t>) </a:t>
+            </a:r>
+            <a:r>
+              <a:rPr lang="en-US" altLang="ko-KR" sz="1400" b="1" dirty="0" smtClean="0">
+                <a:solidFill>
+                  <a:srgbClr val="7F0055"/>
+                </a:solidFill>
+                <a:latin typeface="Consolas"/>
+              </a:rPr>
+              <a:t>throws</a:t>
+            </a:r>
+            <a:r>
+              <a:rPr lang="en-US" altLang="ko-KR" sz="1400" b="1" dirty="0" smtClean="0">
+                <a:solidFill>
+                  <a:srgbClr val="000000"/>
+                </a:solidFill>
+                <a:latin typeface="Consolas"/>
+              </a:rPr>
+              <a:t> Exception {</a:t>
+            </a:r>
+          </a:p>
+          <a:p>
+            <a:pPr lvl="1"/>
+            <a:r>
+              <a:rPr lang="en-US" altLang="ko-KR" sz="1400" dirty="0" smtClean="0">
+                <a:solidFill>
+                  <a:srgbClr val="000000"/>
+                </a:solidFill>
+                <a:latin typeface="Consolas"/>
+              </a:rPr>
+              <a:t>	</a:t>
+            </a:r>
+            <a:r>
+              <a:rPr lang="en-US" altLang="ko-KR" sz="1400" dirty="0" err="1" smtClean="0">
+                <a:solidFill>
+                  <a:srgbClr val="000000"/>
+                </a:solidFill>
+                <a:latin typeface="Consolas"/>
+              </a:rPr>
+              <a:t>HttpSession</a:t>
+            </a:r>
+            <a:r>
+              <a:rPr lang="en-US" altLang="ko-KR" sz="1400" dirty="0" smtClean="0">
+                <a:solidFill>
+                  <a:srgbClr val="000000"/>
+                </a:solidFill>
+                <a:latin typeface="Consolas"/>
+              </a:rPr>
+              <a:t> </a:t>
+            </a:r>
+            <a:r>
+              <a:rPr lang="en-US" altLang="ko-KR" sz="1400" dirty="0" smtClean="0">
+                <a:solidFill>
+                  <a:srgbClr val="6A3E3E"/>
+                </a:solidFill>
+                <a:latin typeface="Consolas"/>
+              </a:rPr>
+              <a:t>session</a:t>
+            </a:r>
+            <a:r>
+              <a:rPr lang="en-US" altLang="ko-KR" sz="1400" dirty="0" smtClean="0">
+                <a:solidFill>
+                  <a:srgbClr val="000000"/>
+                </a:solidFill>
+                <a:latin typeface="Consolas"/>
+              </a:rPr>
+              <a:t> = </a:t>
+            </a:r>
+            <a:r>
+              <a:rPr lang="en-US" altLang="ko-KR" sz="1400" dirty="0" err="1" smtClean="0">
+                <a:solidFill>
+                  <a:srgbClr val="6A3E3E"/>
+                </a:solidFill>
+                <a:latin typeface="Consolas"/>
+              </a:rPr>
+              <a:t>request</a:t>
+            </a:r>
+            <a:r>
+              <a:rPr lang="en-US" altLang="ko-KR" sz="1400" dirty="0" err="1" smtClean="0">
+                <a:solidFill>
+                  <a:srgbClr val="000000"/>
+                </a:solidFill>
+                <a:latin typeface="Consolas"/>
+              </a:rPr>
+              <a:t>.getSession</a:t>
+            </a:r>
+            <a:r>
+              <a:rPr lang="en-US" altLang="ko-KR" sz="1400" dirty="0" smtClean="0">
+                <a:solidFill>
+                  <a:srgbClr val="000000"/>
+                </a:solidFill>
+                <a:latin typeface="Consolas"/>
+              </a:rPr>
+              <a:t>();</a:t>
+            </a:r>
+          </a:p>
+          <a:p>
+            <a:pPr lvl="1"/>
+            <a:r>
+              <a:rPr lang="en-US" altLang="ko-KR" sz="1400" dirty="0" smtClean="0">
+                <a:solidFill>
+                  <a:srgbClr val="000000"/>
+                </a:solidFill>
+                <a:latin typeface="Consolas"/>
+              </a:rPr>
+              <a:t>	</a:t>
+            </a:r>
+            <a:r>
+              <a:rPr lang="en-US" altLang="ko-KR" sz="1400" dirty="0" err="1" smtClean="0">
+                <a:solidFill>
+                  <a:srgbClr val="000000"/>
+                </a:solidFill>
+                <a:latin typeface="Consolas"/>
+              </a:rPr>
+              <a:t>System.</a:t>
+            </a:r>
+            <a:r>
+              <a:rPr lang="en-US" altLang="ko-KR" sz="1400" b="1" i="1" dirty="0" err="1" smtClean="0">
+                <a:solidFill>
+                  <a:srgbClr val="0000C0"/>
+                </a:solidFill>
+                <a:latin typeface="Consolas"/>
+              </a:rPr>
+              <a:t>out</a:t>
+            </a:r>
+            <a:r>
+              <a:rPr lang="en-US" altLang="ko-KR" sz="1400" b="1" i="1" dirty="0" err="1" smtClean="0">
+                <a:solidFill>
+                  <a:srgbClr val="000000"/>
+                </a:solidFill>
+                <a:latin typeface="Consolas"/>
+              </a:rPr>
+              <a:t>.println</a:t>
+            </a:r>
+            <a:r>
+              <a:rPr lang="en-US" altLang="ko-KR" sz="1400" b="1" i="1" dirty="0" smtClean="0">
+                <a:solidFill>
+                  <a:srgbClr val="000000"/>
+                </a:solidFill>
+                <a:latin typeface="Consolas"/>
+              </a:rPr>
+              <a:t>(</a:t>
+            </a:r>
+            <a:r>
+              <a:rPr lang="en-US" altLang="ko-KR" sz="1400" b="1" i="1" dirty="0" smtClean="0">
+                <a:solidFill>
+                  <a:srgbClr val="2A00FF"/>
+                </a:solidFill>
+                <a:latin typeface="Consolas"/>
+              </a:rPr>
+              <a:t>"Login </a:t>
+            </a:r>
+            <a:r>
+              <a:rPr lang="en-US" altLang="ko-KR" sz="1400" b="1" i="1" dirty="0" err="1" smtClean="0">
+                <a:solidFill>
+                  <a:srgbClr val="2A00FF"/>
+                </a:solidFill>
+                <a:latin typeface="Consolas"/>
+              </a:rPr>
+              <a:t>preHandle</a:t>
+            </a:r>
+            <a:r>
+              <a:rPr lang="en-US" altLang="ko-KR" sz="1400" b="1" i="1" dirty="0" smtClean="0">
+                <a:solidFill>
+                  <a:srgbClr val="2A00FF"/>
+                </a:solidFill>
+                <a:latin typeface="Consolas"/>
+              </a:rPr>
+              <a:t>"</a:t>
+            </a:r>
+            <a:r>
+              <a:rPr lang="en-US" altLang="ko-KR" sz="1400" b="1" i="1" dirty="0" smtClean="0">
+                <a:solidFill>
+                  <a:srgbClr val="000000"/>
+                </a:solidFill>
+                <a:latin typeface="Consolas"/>
+              </a:rPr>
+              <a:t>);</a:t>
+            </a:r>
+          </a:p>
+          <a:p>
+            <a:pPr lvl="1"/>
+            <a:r>
+              <a:rPr lang="en-US" altLang="ko-KR" sz="1400" dirty="0" smtClean="0">
+                <a:solidFill>
+                  <a:srgbClr val="000000"/>
+                </a:solidFill>
+                <a:latin typeface="Consolas"/>
+              </a:rPr>
+              <a:t>	Object </a:t>
+            </a:r>
+            <a:r>
+              <a:rPr lang="en-US" altLang="ko-KR" sz="1400" dirty="0" err="1" smtClean="0">
+                <a:solidFill>
+                  <a:srgbClr val="6A3E3E"/>
+                </a:solidFill>
+                <a:latin typeface="Consolas"/>
+              </a:rPr>
+              <a:t>obj</a:t>
+            </a:r>
+            <a:r>
+              <a:rPr lang="en-US" altLang="ko-KR" sz="1400" dirty="0" smtClean="0">
+                <a:solidFill>
+                  <a:srgbClr val="000000"/>
+                </a:solidFill>
+                <a:latin typeface="Consolas"/>
+              </a:rPr>
+              <a:t> = </a:t>
+            </a:r>
+            <a:r>
+              <a:rPr lang="en-US" altLang="ko-KR" sz="1400" dirty="0" err="1" smtClean="0">
+                <a:solidFill>
+                  <a:srgbClr val="6A3E3E"/>
+                </a:solidFill>
+                <a:latin typeface="Consolas"/>
+              </a:rPr>
+              <a:t>session</a:t>
+            </a:r>
+            <a:r>
+              <a:rPr lang="en-US" altLang="ko-KR" sz="1400" dirty="0" err="1" smtClean="0">
+                <a:solidFill>
+                  <a:srgbClr val="000000"/>
+                </a:solidFill>
+                <a:latin typeface="Consolas"/>
+              </a:rPr>
+              <a:t>.getAttribute</a:t>
+            </a:r>
+            <a:r>
+              <a:rPr lang="en-US" altLang="ko-KR" sz="1400" dirty="0" smtClean="0">
+                <a:solidFill>
+                  <a:srgbClr val="000000"/>
+                </a:solidFill>
+                <a:latin typeface="Consolas"/>
+              </a:rPr>
+              <a:t>(</a:t>
+            </a:r>
+            <a:r>
+              <a:rPr lang="en-US" altLang="ko-KR" sz="1400" dirty="0" smtClean="0">
+                <a:solidFill>
+                  <a:srgbClr val="2A00FF"/>
+                </a:solidFill>
+                <a:latin typeface="Consolas"/>
+              </a:rPr>
+              <a:t>"</a:t>
+            </a:r>
+            <a:r>
+              <a:rPr lang="en-US" altLang="ko-KR" sz="1400" dirty="0" err="1" smtClean="0">
+                <a:solidFill>
+                  <a:srgbClr val="2A00FF"/>
+                </a:solidFill>
+                <a:latin typeface="Consolas"/>
+              </a:rPr>
+              <a:t>uid</a:t>
+            </a:r>
+            <a:r>
+              <a:rPr lang="en-US" altLang="ko-KR" sz="1400" dirty="0" smtClean="0">
+                <a:solidFill>
+                  <a:srgbClr val="2A00FF"/>
+                </a:solidFill>
+                <a:latin typeface="Consolas"/>
+              </a:rPr>
+              <a:t>"</a:t>
+            </a:r>
+            <a:r>
+              <a:rPr lang="en-US" altLang="ko-KR" sz="1400" dirty="0" smtClean="0">
+                <a:solidFill>
+                  <a:srgbClr val="000000"/>
+                </a:solidFill>
+                <a:latin typeface="Consolas"/>
+              </a:rPr>
+              <a:t>);</a:t>
+            </a:r>
+            <a:endParaRPr lang="ko-KR" altLang="en-US" sz="1400" dirty="0" smtClean="0">
+              <a:latin typeface="Consolas"/>
+            </a:endParaRPr>
+          </a:p>
+          <a:p>
+            <a:pPr lvl="1"/>
+            <a:r>
+              <a:rPr lang="en-US" altLang="ko-KR" sz="1400" b="1" dirty="0" smtClean="0">
+                <a:solidFill>
+                  <a:srgbClr val="7F0055"/>
+                </a:solidFill>
+                <a:latin typeface="Consolas"/>
+              </a:rPr>
+              <a:t>	</a:t>
+            </a:r>
+            <a:r>
+              <a:rPr lang="en-US" altLang="ko-KR" sz="1400" b="1" dirty="0" err="1" smtClean="0">
+                <a:solidFill>
+                  <a:srgbClr val="7F0055"/>
+                </a:solidFill>
+                <a:latin typeface="Consolas"/>
+              </a:rPr>
+              <a:t>boolean</a:t>
+            </a:r>
+            <a:r>
+              <a:rPr lang="en-US" altLang="ko-KR" sz="1400" b="1" dirty="0" smtClean="0">
+                <a:solidFill>
+                  <a:srgbClr val="000000"/>
+                </a:solidFill>
+                <a:latin typeface="Consolas"/>
+              </a:rPr>
+              <a:t> </a:t>
+            </a:r>
+            <a:r>
+              <a:rPr lang="en-US" altLang="ko-KR" sz="1400" b="1" dirty="0" err="1" smtClean="0">
+                <a:solidFill>
+                  <a:srgbClr val="6A3E3E"/>
+                </a:solidFill>
+                <a:latin typeface="Consolas"/>
+              </a:rPr>
+              <a:t>islogin</a:t>
+            </a:r>
+            <a:r>
+              <a:rPr lang="en-US" altLang="ko-KR" sz="1400" b="1" dirty="0" smtClean="0">
+                <a:solidFill>
+                  <a:srgbClr val="000000"/>
+                </a:solidFill>
+                <a:latin typeface="Consolas"/>
+              </a:rPr>
+              <a:t> = </a:t>
+            </a:r>
+            <a:r>
+              <a:rPr lang="en-US" altLang="ko-KR" sz="1400" b="1" dirty="0" smtClean="0">
+                <a:solidFill>
+                  <a:srgbClr val="7F0055"/>
+                </a:solidFill>
+                <a:latin typeface="Consolas"/>
+              </a:rPr>
+              <a:t>false</a:t>
+            </a:r>
+            <a:r>
+              <a:rPr lang="en-US" altLang="ko-KR" sz="1400" b="1" dirty="0" smtClean="0">
+                <a:solidFill>
+                  <a:srgbClr val="000000"/>
+                </a:solidFill>
+                <a:latin typeface="Consolas"/>
+              </a:rPr>
+              <a:t>;</a:t>
+            </a:r>
+            <a:endParaRPr lang="ko-KR" altLang="en-US" sz="1400" dirty="0" smtClean="0">
+              <a:latin typeface="Consolas"/>
+            </a:endParaRPr>
+          </a:p>
+          <a:p>
+            <a:pPr lvl="1"/>
+            <a:r>
+              <a:rPr lang="en-US" altLang="ko-KR" sz="1400" b="1" dirty="0" smtClean="0">
+                <a:solidFill>
+                  <a:srgbClr val="7F0055"/>
+                </a:solidFill>
+                <a:latin typeface="Consolas"/>
+              </a:rPr>
+              <a:t>	if </a:t>
+            </a:r>
+            <a:r>
+              <a:rPr lang="en-US" altLang="ko-KR" sz="1400" b="1" dirty="0" smtClean="0">
+                <a:solidFill>
+                  <a:srgbClr val="000000"/>
+                </a:solidFill>
+                <a:latin typeface="Consolas"/>
+              </a:rPr>
+              <a:t>(</a:t>
+            </a:r>
+            <a:r>
+              <a:rPr lang="en-US" altLang="ko-KR" sz="1400" b="1" dirty="0" err="1" smtClean="0">
+                <a:solidFill>
+                  <a:srgbClr val="6A3E3E"/>
+                </a:solidFill>
+                <a:latin typeface="Consolas"/>
+              </a:rPr>
+              <a:t>obj</a:t>
+            </a:r>
+            <a:r>
+              <a:rPr lang="en-US" altLang="ko-KR" sz="1400" b="1" dirty="0" smtClean="0">
+                <a:solidFill>
+                  <a:srgbClr val="000000"/>
+                </a:solidFill>
+                <a:latin typeface="Consolas"/>
+              </a:rPr>
+              <a:t> </a:t>
+            </a:r>
+            <a:r>
+              <a:rPr lang="en-US" altLang="ko-KR" sz="1400" b="1" dirty="0" smtClean="0">
+                <a:solidFill>
+                  <a:srgbClr val="000000"/>
+                </a:solidFill>
+                <a:latin typeface="Consolas"/>
+              </a:rPr>
+              <a:t>== </a:t>
+            </a:r>
+            <a:r>
+              <a:rPr lang="en-US" altLang="ko-KR" sz="1400" b="1" dirty="0" smtClean="0">
+                <a:solidFill>
+                  <a:srgbClr val="7F0055"/>
+                </a:solidFill>
+                <a:latin typeface="Consolas"/>
+              </a:rPr>
+              <a:t>null</a:t>
+            </a:r>
+            <a:r>
+              <a:rPr lang="en-US" altLang="ko-KR" sz="1400" b="1" dirty="0" smtClean="0">
+                <a:solidFill>
+                  <a:srgbClr val="000000"/>
+                </a:solidFill>
+                <a:latin typeface="Consolas"/>
+              </a:rPr>
+              <a:t>) {</a:t>
+            </a:r>
+          </a:p>
+          <a:p>
+            <a:pPr lvl="1"/>
+            <a:r>
+              <a:rPr lang="en-US" altLang="ko-KR" sz="1200" dirty="0" smtClean="0">
+                <a:solidFill>
+                  <a:srgbClr val="3F7F5F"/>
+                </a:solidFill>
+                <a:latin typeface="Consolas"/>
+              </a:rPr>
+              <a:t>		</a:t>
+            </a:r>
+            <a:r>
+              <a:rPr lang="en-US" altLang="ko-KR" sz="1400" dirty="0" err="1" smtClean="0">
+                <a:solidFill>
+                  <a:srgbClr val="6A3E3E"/>
+                </a:solidFill>
+                <a:latin typeface="Consolas"/>
+              </a:rPr>
+              <a:t>response</a:t>
+            </a:r>
+            <a:r>
+              <a:rPr lang="en-US" altLang="ko-KR" sz="1400" dirty="0" err="1" smtClean="0">
+                <a:solidFill>
+                  <a:srgbClr val="000000"/>
+                </a:solidFill>
+                <a:latin typeface="Consolas"/>
+              </a:rPr>
+              <a:t>.sendRedirect</a:t>
+            </a:r>
+            <a:r>
+              <a:rPr lang="en-US" altLang="ko-KR" sz="1400" dirty="0" smtClean="0">
+                <a:solidFill>
+                  <a:srgbClr val="000000"/>
+                </a:solidFill>
+                <a:latin typeface="Consolas"/>
+              </a:rPr>
+              <a:t>(</a:t>
+            </a:r>
+            <a:r>
+              <a:rPr lang="en-US" altLang="ko-KR" sz="1400" dirty="0" smtClean="0">
+                <a:solidFill>
+                  <a:srgbClr val="2A00FF"/>
+                </a:solidFill>
+                <a:latin typeface="Consolas"/>
+              </a:rPr>
+              <a:t>"../</a:t>
+            </a:r>
+            <a:r>
+              <a:rPr lang="en-US" altLang="ko-KR" sz="1400" dirty="0" err="1" smtClean="0">
+                <a:solidFill>
+                  <a:srgbClr val="2A00FF"/>
+                </a:solidFill>
+                <a:latin typeface="Consolas"/>
+              </a:rPr>
+              <a:t>joinus</a:t>
+            </a:r>
+            <a:r>
+              <a:rPr lang="en-US" altLang="ko-KR" sz="1400" dirty="0" smtClean="0">
+                <a:solidFill>
+                  <a:srgbClr val="2A00FF"/>
+                </a:solidFill>
+                <a:latin typeface="Consolas"/>
+              </a:rPr>
+              <a:t>/login.htm</a:t>
+            </a:r>
+            <a:r>
+              <a:rPr lang="en-US" altLang="ko-KR" sz="1400" dirty="0" smtClean="0">
+                <a:solidFill>
+                  <a:srgbClr val="2A00FF"/>
+                </a:solidFill>
+                <a:latin typeface="Consolas"/>
+              </a:rPr>
+              <a:t>"</a:t>
+            </a:r>
+            <a:r>
+              <a:rPr lang="en-US" altLang="ko-KR" sz="1400" dirty="0" smtClean="0">
+                <a:solidFill>
+                  <a:srgbClr val="000000"/>
+                </a:solidFill>
+                <a:latin typeface="Consolas"/>
+              </a:rPr>
+              <a:t>);</a:t>
+            </a:r>
+            <a:r>
+              <a:rPr lang="en-US" altLang="ko-KR" sz="1400" dirty="0" smtClean="0">
+                <a:solidFill>
+                  <a:srgbClr val="3F7F5F"/>
+                </a:solidFill>
+                <a:latin typeface="Consolas"/>
+              </a:rPr>
+              <a:t> </a:t>
+            </a:r>
+            <a:endParaRPr lang="en-US" altLang="ko-KR" sz="1400" dirty="0" smtClean="0">
+              <a:solidFill>
+                <a:srgbClr val="3F7F5F"/>
+              </a:solidFill>
+              <a:latin typeface="Consolas"/>
+            </a:endParaRPr>
+          </a:p>
+          <a:p>
+            <a:pPr lvl="1"/>
+            <a:r>
+              <a:rPr lang="en-US" altLang="ko-KR" sz="1400" dirty="0" smtClean="0">
+                <a:solidFill>
+                  <a:srgbClr val="3F7F5F"/>
+                </a:solidFill>
+                <a:latin typeface="Consolas"/>
+              </a:rPr>
+              <a:t>	</a:t>
+            </a:r>
+            <a:r>
+              <a:rPr lang="en-US" altLang="ko-KR" sz="1400" dirty="0" smtClean="0">
+                <a:solidFill>
+                  <a:srgbClr val="3F7F5F"/>
+                </a:solidFill>
+                <a:latin typeface="Consolas"/>
+              </a:rPr>
+              <a:t>	</a:t>
+            </a:r>
+            <a:r>
+              <a:rPr lang="en-US" altLang="ko-KR" sz="1200" dirty="0" smtClean="0">
+                <a:solidFill>
+                  <a:srgbClr val="3F7F5F"/>
+                </a:solidFill>
+                <a:latin typeface="Consolas"/>
+              </a:rPr>
+              <a:t>//</a:t>
+            </a:r>
+            <a:r>
+              <a:rPr lang="ko-KR" altLang="en-US" sz="1200" dirty="0" err="1" smtClean="0">
+                <a:solidFill>
+                  <a:srgbClr val="3F7F5F"/>
+                </a:solidFill>
+                <a:latin typeface="Consolas"/>
+              </a:rPr>
+              <a:t>로그인이</a:t>
+            </a:r>
+            <a:r>
+              <a:rPr lang="ko-KR" altLang="en-US" sz="1200" dirty="0" smtClean="0">
+                <a:solidFill>
+                  <a:srgbClr val="3F7F5F"/>
+                </a:solidFill>
+                <a:latin typeface="Consolas"/>
+              </a:rPr>
+              <a:t> 되어있지 않으면 로그인 폼으로 이동</a:t>
+            </a:r>
+            <a:endParaRPr lang="en-US" altLang="ko-KR" sz="1200" dirty="0" smtClean="0">
+              <a:solidFill>
+                <a:srgbClr val="000000"/>
+              </a:solidFill>
+              <a:latin typeface="Consolas"/>
+            </a:endParaRPr>
+          </a:p>
+          <a:p>
+            <a:pPr lvl="1"/>
+            <a:r>
+              <a:rPr lang="en-US" altLang="ko-KR" sz="1400" dirty="0" smtClean="0">
+                <a:solidFill>
+                  <a:srgbClr val="6A3E3E"/>
+                </a:solidFill>
+                <a:latin typeface="Consolas"/>
+              </a:rPr>
+              <a:t>		</a:t>
+            </a:r>
+            <a:r>
+              <a:rPr lang="en-US" altLang="ko-KR" sz="1400" dirty="0" err="1" smtClean="0">
+                <a:solidFill>
+                  <a:srgbClr val="6A3E3E"/>
+                </a:solidFill>
+                <a:latin typeface="Consolas"/>
+              </a:rPr>
+              <a:t>islogin</a:t>
+            </a:r>
+            <a:r>
+              <a:rPr lang="en-US" altLang="ko-KR" sz="1400" dirty="0" smtClean="0">
+                <a:solidFill>
+                  <a:srgbClr val="000000"/>
+                </a:solidFill>
+                <a:latin typeface="Consolas"/>
+              </a:rPr>
+              <a:t> </a:t>
+            </a:r>
+            <a:r>
+              <a:rPr lang="en-US" altLang="ko-KR" sz="1400" dirty="0" smtClean="0">
+                <a:solidFill>
+                  <a:srgbClr val="000000"/>
+                </a:solidFill>
+                <a:latin typeface="Consolas"/>
+              </a:rPr>
+              <a:t>= </a:t>
+            </a:r>
+            <a:r>
+              <a:rPr lang="en-US" altLang="ko-KR" sz="1400" b="1" dirty="0" smtClean="0">
+                <a:solidFill>
+                  <a:srgbClr val="7F0055"/>
+                </a:solidFill>
+                <a:latin typeface="Consolas"/>
+              </a:rPr>
+              <a:t>false</a:t>
+            </a:r>
+            <a:r>
+              <a:rPr lang="en-US" altLang="ko-KR" sz="1400" b="1" dirty="0" smtClean="0">
+                <a:solidFill>
+                  <a:srgbClr val="000000"/>
+                </a:solidFill>
+                <a:latin typeface="Consolas"/>
+              </a:rPr>
+              <a:t>;</a:t>
+            </a:r>
+          </a:p>
+          <a:p>
+            <a:pPr lvl="1"/>
+            <a:r>
+              <a:rPr lang="en-US" altLang="ko-KR" sz="1400" dirty="0" smtClean="0">
+                <a:solidFill>
+                  <a:srgbClr val="000000"/>
+                </a:solidFill>
+                <a:latin typeface="Consolas"/>
+              </a:rPr>
+              <a:t>	} </a:t>
+            </a:r>
+            <a:r>
+              <a:rPr lang="en-US" altLang="ko-KR" sz="1400" b="1" dirty="0" smtClean="0">
+                <a:solidFill>
+                  <a:srgbClr val="7F0055"/>
+                </a:solidFill>
+                <a:latin typeface="Consolas"/>
+              </a:rPr>
+              <a:t>else</a:t>
+            </a:r>
+            <a:r>
+              <a:rPr lang="en-US" altLang="ko-KR" sz="1400" b="1" dirty="0" smtClean="0">
+                <a:solidFill>
+                  <a:srgbClr val="000000"/>
+                </a:solidFill>
+                <a:latin typeface="Consolas"/>
+              </a:rPr>
+              <a:t> </a:t>
+            </a:r>
+            <a:r>
+              <a:rPr lang="en-US" altLang="ko-KR" sz="1400" b="1" dirty="0" smtClean="0">
+                <a:solidFill>
+                  <a:srgbClr val="000000"/>
+                </a:solidFill>
+                <a:latin typeface="Consolas"/>
+              </a:rPr>
+              <a:t>{</a:t>
+            </a:r>
+          </a:p>
+          <a:p>
+            <a:pPr lvl="1"/>
+            <a:r>
+              <a:rPr lang="en-US" altLang="ko-KR" sz="1400" dirty="0" smtClean="0">
+                <a:solidFill>
+                  <a:srgbClr val="6A3E3E"/>
+                </a:solidFill>
+                <a:latin typeface="Consolas"/>
+              </a:rPr>
+              <a:t>		</a:t>
+            </a:r>
+            <a:r>
+              <a:rPr lang="en-US" altLang="ko-KR" sz="1400" dirty="0" err="1" smtClean="0">
+                <a:solidFill>
+                  <a:srgbClr val="6A3E3E"/>
+                </a:solidFill>
+                <a:latin typeface="Consolas"/>
+              </a:rPr>
+              <a:t>islogin</a:t>
+            </a:r>
+            <a:r>
+              <a:rPr lang="en-US" altLang="ko-KR" sz="1400" dirty="0" smtClean="0">
+                <a:solidFill>
+                  <a:srgbClr val="000000"/>
+                </a:solidFill>
+                <a:latin typeface="Consolas"/>
+              </a:rPr>
+              <a:t> </a:t>
+            </a:r>
+            <a:r>
+              <a:rPr lang="en-US" altLang="ko-KR" sz="1400" dirty="0" smtClean="0">
+                <a:solidFill>
+                  <a:srgbClr val="000000"/>
+                </a:solidFill>
+                <a:latin typeface="Consolas"/>
+              </a:rPr>
+              <a:t>= </a:t>
+            </a:r>
+            <a:r>
+              <a:rPr lang="en-US" altLang="ko-KR" sz="1400" b="1" dirty="0" smtClean="0">
+                <a:solidFill>
+                  <a:srgbClr val="7F0055"/>
+                </a:solidFill>
+                <a:latin typeface="Consolas"/>
+              </a:rPr>
+              <a:t>true</a:t>
+            </a:r>
+            <a:r>
+              <a:rPr lang="en-US" altLang="ko-KR" sz="1400" b="1" dirty="0" smtClean="0">
+                <a:solidFill>
+                  <a:srgbClr val="000000"/>
+                </a:solidFill>
+                <a:latin typeface="Consolas"/>
+              </a:rPr>
+              <a:t>;</a:t>
+            </a:r>
+          </a:p>
+          <a:p>
+            <a:pPr lvl="1"/>
+            <a:r>
+              <a:rPr lang="en-US" altLang="ko-KR" sz="1400" dirty="0" smtClean="0">
+                <a:solidFill>
+                  <a:srgbClr val="000000"/>
+                </a:solidFill>
+                <a:latin typeface="Consolas"/>
+              </a:rPr>
+              <a:t>	}</a:t>
+            </a:r>
+            <a:r>
+              <a:rPr lang="en-US" altLang="ko-KR" sz="1400" dirty="0" smtClean="0">
+                <a:solidFill>
+                  <a:srgbClr val="3F7F5F"/>
+                </a:solidFill>
+                <a:latin typeface="Consolas"/>
+              </a:rPr>
+              <a:t> </a:t>
+            </a:r>
+            <a:r>
+              <a:rPr lang="en-US" altLang="ko-KR" sz="1200" dirty="0" smtClean="0">
+                <a:solidFill>
+                  <a:srgbClr val="3F7F5F"/>
+                </a:solidFill>
+                <a:latin typeface="Consolas"/>
+              </a:rPr>
+              <a:t>//</a:t>
+            </a:r>
+            <a:r>
+              <a:rPr lang="ko-KR" altLang="en-US" sz="1200" dirty="0" err="1" smtClean="0">
+                <a:solidFill>
+                  <a:srgbClr val="3F7F5F"/>
+                </a:solidFill>
+                <a:latin typeface="Consolas"/>
+              </a:rPr>
+              <a:t>로그인이</a:t>
+            </a:r>
+            <a:r>
+              <a:rPr lang="ko-KR" altLang="en-US" sz="1200" dirty="0" smtClean="0">
+                <a:solidFill>
+                  <a:srgbClr val="3F7F5F"/>
+                </a:solidFill>
+                <a:latin typeface="Consolas"/>
+              </a:rPr>
+              <a:t> 되어있다면 다음 컨트롤러 </a:t>
+            </a:r>
+            <a:r>
+              <a:rPr lang="ko-KR" altLang="en-US" sz="1200" dirty="0" smtClean="0">
+                <a:solidFill>
+                  <a:srgbClr val="3F7F5F"/>
+                </a:solidFill>
+                <a:latin typeface="Consolas"/>
+              </a:rPr>
+              <a:t>실행</a:t>
+            </a:r>
+            <a:endParaRPr lang="en-US" altLang="ko-KR" sz="1200" dirty="0" smtClean="0">
+              <a:solidFill>
+                <a:srgbClr val="000000"/>
+              </a:solidFill>
+              <a:latin typeface="Consolas"/>
+            </a:endParaRPr>
+          </a:p>
+          <a:p>
+            <a:pPr lvl="1"/>
+            <a:r>
+              <a:rPr lang="en-US" altLang="ko-KR" sz="1200" dirty="0" smtClean="0">
+                <a:solidFill>
+                  <a:srgbClr val="3F7F5F"/>
+                </a:solidFill>
+                <a:latin typeface="Consolas"/>
+              </a:rPr>
+              <a:t>	</a:t>
+            </a:r>
+            <a:r>
+              <a:rPr lang="en-US" altLang="ko-KR" sz="1400" b="1" dirty="0" smtClean="0">
+                <a:solidFill>
+                  <a:srgbClr val="7F0055"/>
+                </a:solidFill>
+                <a:latin typeface="Consolas"/>
+              </a:rPr>
+              <a:t>return</a:t>
+            </a:r>
+            <a:r>
+              <a:rPr lang="en-US" altLang="ko-KR" sz="1400" b="1" dirty="0" smtClean="0">
+                <a:solidFill>
+                  <a:srgbClr val="000000"/>
+                </a:solidFill>
+                <a:latin typeface="Consolas"/>
+              </a:rPr>
+              <a:t> </a:t>
+            </a:r>
+            <a:r>
+              <a:rPr lang="en-US" altLang="ko-KR" sz="1400" b="1" dirty="0" err="1" smtClean="0">
+                <a:solidFill>
+                  <a:srgbClr val="6A3E3E"/>
+                </a:solidFill>
+                <a:latin typeface="Consolas"/>
+              </a:rPr>
+              <a:t>islogin</a:t>
+            </a:r>
+            <a:r>
+              <a:rPr lang="en-US" altLang="ko-KR" sz="1400" b="1" dirty="0" smtClean="0">
+                <a:solidFill>
+                  <a:srgbClr val="000000"/>
+                </a:solidFill>
+                <a:latin typeface="Consolas"/>
+              </a:rPr>
+              <a:t>;</a:t>
+            </a:r>
+          </a:p>
+          <a:p>
+            <a:pPr lvl="1"/>
+            <a:r>
+              <a:rPr lang="en-US" altLang="ko-KR" sz="1400" dirty="0" smtClean="0">
+                <a:solidFill>
+                  <a:srgbClr val="000000"/>
+                </a:solidFill>
+                <a:latin typeface="Consolas"/>
+              </a:rPr>
+              <a:t>}</a:t>
+            </a:r>
+            <a:endParaRPr lang="en-US" altLang="ko-KR" sz="1400" dirty="0" smtClean="0">
+              <a:solidFill>
+                <a:srgbClr val="000000"/>
+              </a:solidFill>
+              <a:latin typeface="Consolas"/>
+            </a:endParaRPr>
+          </a:p>
+          <a:p>
+            <a:pPr marL="180000"/>
+            <a:r>
+              <a:rPr lang="en-US" altLang="ko-KR" sz="1400" dirty="0" smtClean="0">
+                <a:solidFill>
+                  <a:srgbClr val="000000"/>
+                </a:solidFill>
+                <a:latin typeface="Consolas"/>
+              </a:rPr>
+              <a:t>}</a:t>
+            </a:r>
+            <a:endParaRPr lang="ko-KR" altLang="en-US" sz="1400" dirty="0"/>
+          </a:p>
+        </p:txBody>
+      </p:sp>
+      <p:grpSp>
+        <p:nvGrpSpPr>
+          <p:cNvPr id="6" name="그룹 1"/>
+          <p:cNvGrpSpPr/>
+          <p:nvPr/>
+        </p:nvGrpSpPr>
+        <p:grpSpPr>
+          <a:xfrm>
+            <a:off x="0" y="0"/>
+            <a:ext cx="9906000" cy="6970871"/>
+            <a:chOff x="0" y="0"/>
+            <a:chExt cx="9906000" cy="6970871"/>
+          </a:xfrm>
+        </p:grpSpPr>
+        <p:pic>
+          <p:nvPicPr>
+            <p:cNvPr id="2050" name="Picture 2" descr="C:\Users\USER\Desktop\2차 프로젝트(WEB)_4조\images\macbook_PNG36.png"/>
+            <p:cNvPicPr>
+              <a:picLocks noChangeAspect="1" noChangeArrowheads="1"/>
+            </p:cNvPicPr>
+            <p:nvPr/>
+          </p:nvPicPr>
+          <p:blipFill>
+            <a:blip r:embed="rId4"/>
+            <a:srcRect l="9199" r="9199"/>
+            <a:stretch>
+              <a:fillRect/>
+            </a:stretch>
+          </p:blipFill>
+          <p:spPr bwMode="auto">
+            <a:xfrm>
+              <a:off x="0" y="0"/>
+              <a:ext cx="9906000" cy="6970871"/>
+            </a:xfrm>
+            <a:prstGeom prst="rect">
+              <a:avLst/>
+            </a:prstGeom>
+            <a:noFill/>
+          </p:spPr>
+        </p:pic>
+        <p:sp>
+          <p:nvSpPr>
+            <p:cNvPr id="3" name="직사각형 2"/>
+            <p:cNvSpPr/>
+            <p:nvPr/>
+          </p:nvSpPr>
+          <p:spPr>
+            <a:xfrm>
+              <a:off x="0" y="0"/>
+              <a:ext cx="9906000" cy="6858000"/>
+            </a:xfrm>
+            <a:prstGeom prst="rect">
+              <a:avLst/>
+            </a:prstGeom>
+            <a:solidFill>
+              <a:schemeClr val="tx1">
+                <a:lumMod val="85000"/>
+                <a:lumOff val="15000"/>
+                <a:alpha val="60000"/>
+              </a:schemeClr>
+            </a:solidFill>
+            <a:ln>
+              <a:noFill/>
+            </a:ln>
+          </p:spPr>
+          <p:style>
+            <a:lnRef idx="2">
+              <a:schemeClr val="accent1">
+                <a:shade val="50000"/>
+              </a:schemeClr>
+            </a:lnRef>
+            <a:fillRef idx="1">
+              <a:schemeClr val="accent1"/>
+            </a:fillRef>
+            <a:effectRef idx="0">
+              <a:schemeClr val="accent1"/>
+            </a:effectRef>
+            <a:fontRef idx="minor">
+              <a:schemeClr val="lt1"/>
+            </a:fontRef>
+          </p:style>
+          <p:txBody>
+            <a:bodyPr rtlCol="0" anchor="ctr"/>
+            <a:lstStyle/>
+            <a:p>
+              <a:pPr algn="ctr"/>
+              <a:endParaRPr lang="ko-KR" altLang="en-US"/>
+            </a:p>
+          </p:txBody>
+        </p:sp>
+      </p:grpSp>
+      <p:grpSp>
+        <p:nvGrpSpPr>
+          <p:cNvPr id="7" name="그룹 43"/>
+          <p:cNvGrpSpPr/>
+          <p:nvPr/>
+        </p:nvGrpSpPr>
+        <p:grpSpPr>
+          <a:xfrm>
+            <a:off x="5851866" y="641157"/>
+            <a:ext cx="4357718" cy="613925"/>
+            <a:chOff x="0" y="641157"/>
+            <a:chExt cx="4357718" cy="613925"/>
+          </a:xfrm>
+        </p:grpSpPr>
+        <p:sp>
+          <p:nvSpPr>
+            <p:cNvPr id="4" name="TextBox 3"/>
+            <p:cNvSpPr txBox="1"/>
+            <p:nvPr/>
+          </p:nvSpPr>
+          <p:spPr>
+            <a:xfrm>
+              <a:off x="1643074" y="641157"/>
+              <a:ext cx="2714644" cy="307777"/>
+            </a:xfrm>
+            <a:prstGeom prst="rect">
+              <a:avLst/>
+            </a:prstGeom>
+            <a:noFill/>
+            <a:ln>
+              <a:noFill/>
+            </a:ln>
+          </p:spPr>
+          <p:txBody>
+            <a:bodyPr wrap="square" rtlCol="0">
+              <a:spAutoFit/>
+            </a:bodyPr>
+            <a:lstStyle/>
+            <a:p>
+              <a:r>
+                <a:rPr lang="en-US" altLang="ko-KR" sz="1400" dirty="0" err="1" smtClean="0">
+                  <a:solidFill>
+                    <a:schemeClr val="bg1">
+                      <a:lumMod val="65000"/>
+                    </a:schemeClr>
+                  </a:solidFill>
+                  <a:latin typeface="한컴 윤고딕 250" pitchFamily="18" charset="-127"/>
+                  <a:ea typeface="한컴 윤고딕 250" pitchFamily="18" charset="-127"/>
+                </a:rPr>
+                <a:t>SpringFramework</a:t>
+              </a:r>
+              <a:endParaRPr lang="en-US" altLang="ko-KR" sz="1400" dirty="0" smtClean="0">
+                <a:solidFill>
+                  <a:schemeClr val="bg1">
+                    <a:lumMod val="65000"/>
+                  </a:schemeClr>
+                </a:solidFill>
+                <a:latin typeface="한컴 윤고딕 250" pitchFamily="18" charset="-127"/>
+                <a:ea typeface="한컴 윤고딕 250" pitchFamily="18" charset="-127"/>
+              </a:endParaRPr>
+            </a:p>
+          </p:txBody>
+        </p:sp>
+        <p:sp>
+          <p:nvSpPr>
+            <p:cNvPr id="5" name="TextBox 4"/>
+            <p:cNvSpPr txBox="1"/>
+            <p:nvPr/>
+          </p:nvSpPr>
+          <p:spPr>
+            <a:xfrm>
+              <a:off x="0" y="916528"/>
+              <a:ext cx="4357718" cy="338554"/>
+            </a:xfrm>
+            <a:prstGeom prst="rect">
+              <a:avLst/>
+            </a:prstGeom>
+            <a:noFill/>
+            <a:ln>
+              <a:noFill/>
+            </a:ln>
+          </p:spPr>
+          <p:txBody>
+            <a:bodyPr wrap="square" rtlCol="0">
+              <a:spAutoFit/>
+            </a:bodyPr>
+            <a:lstStyle/>
+            <a:p>
+              <a:pPr algn="ctr"/>
+              <a:r>
+                <a:rPr lang="en-US" altLang="ko-KR" sz="1600" dirty="0" err="1" smtClean="0">
+                  <a:solidFill>
+                    <a:schemeClr val="bg1">
+                      <a:lumMod val="65000"/>
+                    </a:schemeClr>
+                  </a:solidFill>
+                  <a:latin typeface="한컴 윤고딕 250" pitchFamily="18" charset="-127"/>
+                  <a:ea typeface="한컴 윤고딕 250" pitchFamily="18" charset="-127"/>
+                </a:rPr>
+                <a:t>HandlerInterceptor</a:t>
+              </a:r>
+              <a:endParaRPr lang="ko-KR" altLang="en-US" sz="1600" dirty="0">
+                <a:solidFill>
+                  <a:schemeClr val="bg1">
+                    <a:lumMod val="65000"/>
+                  </a:schemeClr>
+                </a:solidFill>
+                <a:latin typeface="한컴 윤고딕 250" pitchFamily="18" charset="-127"/>
+                <a:ea typeface="한컴 윤고딕 250" pitchFamily="18" charset="-127"/>
+              </a:endParaRPr>
+            </a:p>
+          </p:txBody>
+        </p:sp>
+        <p:cxnSp>
+          <p:nvCxnSpPr>
+            <p:cNvPr id="13" name="직선 연결선 12"/>
+            <p:cNvCxnSpPr/>
+            <p:nvPr/>
+          </p:nvCxnSpPr>
+          <p:spPr>
+            <a:xfrm>
+              <a:off x="1693422" y="929740"/>
+              <a:ext cx="1944216" cy="0"/>
+            </a:xfrm>
+            <a:prstGeom prst="line">
+              <a:avLst/>
+            </a:prstGeom>
+            <a:ln w="19050">
+              <a:solidFill>
+                <a:schemeClr val="bg1">
+                  <a:lumMod val="65000"/>
+                </a:schemeClr>
+              </a:solidFill>
+            </a:ln>
+          </p:spPr>
+          <p:style>
+            <a:lnRef idx="1">
+              <a:schemeClr val="accent1"/>
+            </a:lnRef>
+            <a:fillRef idx="0">
+              <a:schemeClr val="accent1"/>
+            </a:fillRef>
+            <a:effectRef idx="0">
+              <a:schemeClr val="accent1"/>
+            </a:effectRef>
+            <a:fontRef idx="minor">
+              <a:schemeClr val="tx1"/>
+            </a:fontRef>
+          </p:style>
+        </p:cxnSp>
+        <p:cxnSp>
+          <p:nvCxnSpPr>
+            <p:cNvPr id="14" name="직선 연결선 13"/>
+            <p:cNvCxnSpPr/>
+            <p:nvPr/>
+          </p:nvCxnSpPr>
+          <p:spPr>
+            <a:xfrm>
+              <a:off x="988894" y="1218345"/>
+              <a:ext cx="2376264" cy="0"/>
+            </a:xfrm>
+            <a:prstGeom prst="line">
+              <a:avLst/>
+            </a:prstGeom>
+            <a:ln w="19050">
+              <a:solidFill>
+                <a:schemeClr val="bg1">
+                  <a:lumMod val="65000"/>
+                </a:schemeClr>
+              </a:solidFill>
+            </a:ln>
+          </p:spPr>
+          <p:style>
+            <a:lnRef idx="1">
+              <a:schemeClr val="accent1"/>
+            </a:lnRef>
+            <a:fillRef idx="0">
+              <a:schemeClr val="accent1"/>
+            </a:fillRef>
+            <a:effectRef idx="0">
+              <a:schemeClr val="accent1"/>
+            </a:effectRef>
+            <a:fontRef idx="minor">
+              <a:schemeClr val="tx1"/>
+            </a:fontRef>
+          </p:style>
+        </p:cxnSp>
+      </p:grpSp>
+      <p:grpSp>
+        <p:nvGrpSpPr>
+          <p:cNvPr id="8" name="그룹 58"/>
+          <p:cNvGrpSpPr/>
+          <p:nvPr/>
+        </p:nvGrpSpPr>
+        <p:grpSpPr>
+          <a:xfrm>
+            <a:off x="469097" y="1213678"/>
+            <a:ext cx="5222583" cy="400110"/>
+            <a:chOff x="469098" y="1285686"/>
+            <a:chExt cx="4843942" cy="400110"/>
+          </a:xfrm>
+        </p:grpSpPr>
+        <p:sp>
+          <p:nvSpPr>
+            <p:cNvPr id="60" name="TextBox 59"/>
+            <p:cNvSpPr txBox="1"/>
+            <p:nvPr/>
+          </p:nvSpPr>
+          <p:spPr>
+            <a:xfrm>
+              <a:off x="469098" y="1285686"/>
+              <a:ext cx="4843942" cy="400110"/>
+            </a:xfrm>
+            <a:prstGeom prst="rect">
+              <a:avLst/>
+            </a:prstGeom>
+            <a:noFill/>
+          </p:spPr>
+          <p:txBody>
+            <a:bodyPr wrap="square" rtlCol="0">
+              <a:spAutoFit/>
+            </a:bodyPr>
+            <a:lstStyle/>
+            <a:p>
+              <a:r>
+                <a:rPr lang="en-US" altLang="ko-KR" sz="2000" dirty="0" err="1" smtClean="0">
+                  <a:solidFill>
+                    <a:schemeClr val="bg1">
+                      <a:lumMod val="95000"/>
+                    </a:schemeClr>
+                  </a:solidFill>
+                  <a:latin typeface="한컴 윤고딕 250" pitchFamily="18" charset="-127"/>
+                  <a:ea typeface="한컴 윤고딕 250" pitchFamily="18" charset="-127"/>
+                </a:rPr>
+                <a:t>HandlerInterceptor</a:t>
+              </a:r>
+              <a:r>
+                <a:rPr lang="en-US" altLang="ko-KR" sz="2000" dirty="0" smtClean="0">
+                  <a:solidFill>
+                    <a:schemeClr val="bg1">
+                      <a:lumMod val="95000"/>
+                    </a:schemeClr>
+                  </a:solidFill>
+                  <a:latin typeface="한컴 윤고딕 250" pitchFamily="18" charset="-127"/>
+                  <a:ea typeface="한컴 윤고딕 250" pitchFamily="18" charset="-127"/>
+                </a:rPr>
+                <a:t> </a:t>
+              </a:r>
+              <a:r>
+                <a:rPr lang="ko-KR" altLang="en-US" sz="2000" dirty="0" smtClean="0">
+                  <a:solidFill>
+                    <a:schemeClr val="bg1">
+                      <a:lumMod val="95000"/>
+                    </a:schemeClr>
+                  </a:solidFill>
+                  <a:latin typeface="한컴 윤고딕 250" pitchFamily="18" charset="-127"/>
+                  <a:ea typeface="한컴 윤고딕 250" pitchFamily="18" charset="-127"/>
+                </a:rPr>
+                <a:t>사용 예제</a:t>
+              </a:r>
+              <a:endParaRPr lang="en-US" altLang="ko-KR" sz="2000" dirty="0" smtClean="0">
+                <a:solidFill>
+                  <a:schemeClr val="bg1">
+                    <a:lumMod val="95000"/>
+                  </a:schemeClr>
+                </a:solidFill>
+                <a:latin typeface="한컴 윤고딕 250" pitchFamily="18" charset="-127"/>
+                <a:ea typeface="한컴 윤고딕 250" pitchFamily="18" charset="-127"/>
+              </a:endParaRPr>
+            </a:p>
+          </p:txBody>
+        </p:sp>
+        <p:cxnSp>
+          <p:nvCxnSpPr>
+            <p:cNvPr id="65" name="직선 연결선 64"/>
+            <p:cNvCxnSpPr/>
+            <p:nvPr/>
+          </p:nvCxnSpPr>
+          <p:spPr>
+            <a:xfrm>
+              <a:off x="577204" y="1685796"/>
+              <a:ext cx="3739677" cy="0"/>
+            </a:xfrm>
+            <a:prstGeom prst="line">
+              <a:avLst/>
+            </a:prstGeom>
+            <a:ln w="19050">
+              <a:solidFill>
+                <a:schemeClr val="bg1">
+                  <a:lumMod val="75000"/>
+                </a:schemeClr>
+              </a:solidFill>
+            </a:ln>
+          </p:spPr>
+          <p:style>
+            <a:lnRef idx="1">
+              <a:schemeClr val="accent1"/>
+            </a:lnRef>
+            <a:fillRef idx="0">
+              <a:schemeClr val="accent1"/>
+            </a:fillRef>
+            <a:effectRef idx="0">
+              <a:schemeClr val="accent1"/>
+            </a:effectRef>
+            <a:fontRef idx="minor">
+              <a:schemeClr val="tx1"/>
+            </a:fontRef>
+          </p:style>
+        </p:cxnSp>
+      </p:grpSp>
+      <p:sp>
+        <p:nvSpPr>
+          <p:cNvPr id="25" name="TextBox 24"/>
+          <p:cNvSpPr txBox="1"/>
+          <p:nvPr/>
+        </p:nvSpPr>
+        <p:spPr>
+          <a:xfrm>
+            <a:off x="704528" y="1693659"/>
+            <a:ext cx="4247838" cy="369332"/>
+          </a:xfrm>
+          <a:prstGeom prst="rect">
+            <a:avLst/>
+          </a:prstGeom>
+          <a:noFill/>
+        </p:spPr>
+        <p:txBody>
+          <a:bodyPr wrap="square" rtlCol="0" anchor="ctr" anchorCtr="0">
+            <a:spAutoFit/>
+          </a:bodyPr>
+          <a:lstStyle/>
+          <a:p>
+            <a:r>
+              <a:rPr lang="en-US" altLang="ko-KR" dirty="0" smtClean="0">
+                <a:solidFill>
+                  <a:schemeClr val="bg1">
+                    <a:lumMod val="95000"/>
+                  </a:schemeClr>
+                </a:solidFill>
+                <a:latin typeface="한컴 윤고딕 250" pitchFamily="18" charset="-127"/>
+                <a:ea typeface="한컴 윤고딕 250" pitchFamily="18" charset="-127"/>
+              </a:rPr>
+              <a:t>#</a:t>
+            </a:r>
+            <a:r>
+              <a:rPr lang="ko-KR" altLang="en-US" dirty="0" smtClean="0">
+                <a:solidFill>
+                  <a:schemeClr val="bg1">
+                    <a:lumMod val="95000"/>
+                  </a:schemeClr>
+                </a:solidFill>
+                <a:latin typeface="한컴 윤고딕 250" pitchFamily="18" charset="-127"/>
+                <a:ea typeface="한컴 윤고딕 250" pitchFamily="18" charset="-127"/>
+              </a:rPr>
+              <a:t> </a:t>
+            </a:r>
+            <a:r>
+              <a:rPr lang="en-US" altLang="ko-KR" dirty="0" smtClean="0">
+                <a:solidFill>
+                  <a:schemeClr val="bg1">
+                    <a:lumMod val="95000"/>
+                  </a:schemeClr>
+                </a:solidFill>
+                <a:latin typeface="한컴 윤고딕 250" pitchFamily="18" charset="-127"/>
+                <a:ea typeface="한컴 윤고딕 250" pitchFamily="18" charset="-127"/>
+              </a:rPr>
+              <a:t>Login-</a:t>
+            </a:r>
+            <a:r>
+              <a:rPr lang="en-US" altLang="ko-KR" dirty="0" err="1" smtClean="0">
+                <a:solidFill>
+                  <a:schemeClr val="bg1">
+                    <a:lumMod val="95000"/>
+                  </a:schemeClr>
+                </a:solidFill>
+                <a:latin typeface="한컴 윤고딕 250" pitchFamily="18" charset="-127"/>
+                <a:ea typeface="한컴 윤고딕 250" pitchFamily="18" charset="-127"/>
+              </a:rPr>
+              <a:t>preHandle</a:t>
+            </a:r>
+            <a:endParaRPr lang="en-US" altLang="ko-KR" dirty="0" smtClean="0">
+              <a:solidFill>
+                <a:schemeClr val="bg1">
+                  <a:lumMod val="95000"/>
+                </a:schemeClr>
+              </a:solidFill>
+              <a:latin typeface="한컴 윤고딕 250" pitchFamily="18" charset="-127"/>
+              <a:ea typeface="한컴 윤고딕 250" pitchFamily="18" charset="-127"/>
+            </a:endParaRPr>
+          </a:p>
+        </p:txBody>
+      </p:sp>
+      <p:cxnSp>
+        <p:nvCxnSpPr>
+          <p:cNvPr id="26" name="직선 연결선 25"/>
+          <p:cNvCxnSpPr/>
+          <p:nvPr/>
+        </p:nvCxnSpPr>
+        <p:spPr>
+          <a:xfrm>
+            <a:off x="789926" y="2027646"/>
+            <a:ext cx="2700000" cy="0"/>
+          </a:xfrm>
+          <a:prstGeom prst="line">
+            <a:avLst/>
+          </a:prstGeom>
+          <a:ln w="19050">
+            <a:solidFill>
+              <a:schemeClr val="bg1">
+                <a:lumMod val="75000"/>
+              </a:schemeClr>
+            </a:solidFill>
+          </a:ln>
+        </p:spPr>
+        <p:style>
+          <a:lnRef idx="1">
+            <a:schemeClr val="accent1"/>
+          </a:lnRef>
+          <a:fillRef idx="0">
+            <a:schemeClr val="accent1"/>
+          </a:fillRef>
+          <a:effectRef idx="0">
+            <a:schemeClr val="accent1"/>
+          </a:effectRef>
+          <a:fontRef idx="minor">
+            <a:schemeClr val="tx1"/>
+          </a:fontRef>
+        </p:style>
+      </p:cxnSp>
+    </p:spTree>
+    <p:extLst>
+      <p:ext uri="{BB962C8B-B14F-4D97-AF65-F5344CB8AC3E}">
+        <p14:creationId xmlns:p14="http://schemas.microsoft.com/office/powerpoint/2010/main" xmlns="" val="823508735"/>
+      </p:ext>
+    </p:extLst>
+  </p:cSld>
+  <p:clrMapOvr>
+    <a:masterClrMapping/>
+  </p:clrMapOvr>
+  <p:timing>
+    <p:tnLst>
+      <p:par>
+        <p:cTn id="1" dur="indefinite" restart="never" nodeType="tmRoot"/>
+      </p:par>
+    </p:tnLst>
+  </p:timing>
+</p:sld>
+</file>
+
+<file path=ppt/slides/slide11.xml><?xml version="1.0" encoding="utf-8"?>
+<p:sld xmlns:a="http://schemas.openxmlformats.org/drawingml/2006/main" xmlns:r="http://schemas.openxmlformats.org/officeDocument/2006/relationships" xmlns:p="http://schemas.openxmlformats.org/presentationml/2006/main">
+  <p:cSld>
+    <p:spTree>
+      <p:nvGrpSpPr>
+        <p:cNvPr id="1" name=""/>
+        <p:cNvGrpSpPr/>
+        <p:nvPr/>
+      </p:nvGrpSpPr>
+      <p:grpSpPr>
+        <a:xfrm>
+          <a:off x="0" y="0"/>
+          <a:ext cx="0" cy="0"/>
+          <a:chOff x="0" y="0"/>
+          <a:chExt cx="0" cy="0"/>
+        </a:xfrm>
+      </p:grpSpPr>
+      <p:grpSp>
+        <p:nvGrpSpPr>
+          <p:cNvPr id="2" name="그룹 38"/>
+          <p:cNvGrpSpPr/>
+          <p:nvPr/>
+        </p:nvGrpSpPr>
+        <p:grpSpPr>
+          <a:xfrm>
+            <a:off x="26636" y="1742752"/>
+            <a:ext cx="9852728" cy="4226244"/>
+            <a:chOff x="10365968" y="1742752"/>
+            <a:chExt cx="9852728" cy="4226244"/>
+          </a:xfrm>
+        </p:grpSpPr>
+        <p:pic>
+          <p:nvPicPr>
+            <p:cNvPr id="40" name="그림 39" descr="springframework.png"/>
+            <p:cNvPicPr>
+              <a:picLocks noChangeAspect="1"/>
+            </p:cNvPicPr>
+            <p:nvPr/>
+          </p:nvPicPr>
+          <p:blipFill>
+            <a:blip r:embed="rId3">
+              <a:duotone>
+                <a:schemeClr val="accent3">
+                  <a:shade val="45000"/>
+                  <a:satMod val="135000"/>
+                </a:schemeClr>
+                <a:prstClr val="white"/>
+              </a:duotone>
+            </a:blip>
+            <a:stretch>
+              <a:fillRect/>
+            </a:stretch>
+          </p:blipFill>
+          <p:spPr>
+            <a:xfrm>
+              <a:off x="10365968" y="1742753"/>
+              <a:ext cx="9838563" cy="4226243"/>
+            </a:xfrm>
+            <a:prstGeom prst="rect">
+              <a:avLst/>
+            </a:prstGeom>
+          </p:spPr>
+        </p:pic>
+        <p:sp>
+          <p:nvSpPr>
+            <p:cNvPr id="41" name="직사각형 40"/>
+            <p:cNvSpPr/>
+            <p:nvPr/>
+          </p:nvSpPr>
+          <p:spPr>
+            <a:xfrm>
+              <a:off x="13954000" y="1742752"/>
+              <a:ext cx="6264696" cy="4226243"/>
+            </a:xfrm>
+            <a:prstGeom prst="rect">
+              <a:avLst/>
+            </a:prstGeom>
+            <a:gradFill flip="none" rotWithShape="1">
+              <a:gsLst>
+                <a:gs pos="0">
+                  <a:schemeClr val="tx1">
+                    <a:lumMod val="85000"/>
+                    <a:lumOff val="15000"/>
+                    <a:alpha val="0"/>
+                  </a:schemeClr>
+                </a:gs>
+                <a:gs pos="70000">
+                  <a:schemeClr val="tx1">
+                    <a:lumMod val="85000"/>
+                    <a:lumOff val="15000"/>
+                    <a:alpha val="80000"/>
+                  </a:schemeClr>
+                </a:gs>
+                <a:gs pos="100000">
+                  <a:schemeClr val="tx1">
+                    <a:lumMod val="85000"/>
+                    <a:lumOff val="15000"/>
+                    <a:alpha val="90000"/>
+                  </a:schemeClr>
+                </a:gs>
+              </a:gsLst>
+              <a:lin ang="0" scaled="1"/>
+              <a:tileRect/>
+            </a:gradFill>
+            <a:ln>
+              <a:noFill/>
+            </a:ln>
+          </p:spPr>
+          <p:style>
+            <a:lnRef idx="2">
+              <a:schemeClr val="accent1">
+                <a:shade val="50000"/>
+              </a:schemeClr>
+            </a:lnRef>
+            <a:fillRef idx="1">
+              <a:schemeClr val="accent1"/>
+            </a:fillRef>
+            <a:effectRef idx="0">
+              <a:schemeClr val="accent1"/>
+            </a:effectRef>
+            <a:fontRef idx="minor">
+              <a:schemeClr val="lt1"/>
+            </a:fontRef>
+          </p:style>
+          <p:txBody>
+            <a:bodyPr rtlCol="0" anchor="ctr"/>
+            <a:lstStyle/>
+            <a:p>
+              <a:pPr algn="ctr"/>
+              <a:endParaRPr lang="ko-KR" altLang="en-US"/>
+            </a:p>
+          </p:txBody>
+        </p:sp>
+      </p:grpSp>
+      <p:grpSp>
+        <p:nvGrpSpPr>
+          <p:cNvPr id="22" name="그룹 21"/>
+          <p:cNvGrpSpPr/>
+          <p:nvPr/>
+        </p:nvGrpSpPr>
+        <p:grpSpPr>
+          <a:xfrm>
+            <a:off x="1916885" y="2143116"/>
+            <a:ext cx="6072230" cy="3385542"/>
+            <a:chOff x="738158" y="2143116"/>
+            <a:chExt cx="6072230" cy="3385542"/>
+          </a:xfrm>
+          <a:solidFill>
+            <a:schemeClr val="bg1">
+              <a:lumMod val="95000"/>
+            </a:schemeClr>
+          </a:solidFill>
+        </p:grpSpPr>
+        <p:sp>
+          <p:nvSpPr>
+            <p:cNvPr id="20" name="직사각형 19"/>
+            <p:cNvSpPr/>
+            <p:nvPr/>
+          </p:nvSpPr>
+          <p:spPr>
+            <a:xfrm>
+              <a:off x="738158" y="2143116"/>
+              <a:ext cx="2714644" cy="3385542"/>
+            </a:xfrm>
+            <a:prstGeom prst="rect">
+              <a:avLst/>
+            </a:prstGeom>
+            <a:grpFill/>
+          </p:spPr>
+          <p:txBody>
+            <a:bodyPr wrap="square">
+              <a:spAutoFit/>
+            </a:bodyPr>
+            <a:lstStyle/>
+            <a:p>
+              <a:r>
+                <a:rPr lang="en-US" altLang="ko-KR" sz="1600" dirty="0" smtClean="0">
+                  <a:solidFill>
+                    <a:schemeClr val="tx1">
+                      <a:lumMod val="85000"/>
+                      <a:lumOff val="15000"/>
+                    </a:schemeClr>
+                  </a:solidFill>
+                  <a:latin typeface="한컴 윤고딕 230" pitchFamily="18" charset="-127"/>
+                  <a:ea typeface="한컴 윤고딕 230" pitchFamily="18" charset="-127"/>
+                </a:rPr>
+                <a:t>Customer</a:t>
+              </a:r>
+              <a:r>
+                <a:rPr lang="ko-KR" altLang="en-US" sz="1600" dirty="0" smtClean="0">
+                  <a:solidFill>
+                    <a:schemeClr val="tx1">
+                      <a:lumMod val="85000"/>
+                      <a:lumOff val="15000"/>
+                    </a:schemeClr>
+                  </a:solidFill>
+                  <a:latin typeface="한컴 윤고딕 230" pitchFamily="18" charset="-127"/>
+                  <a:ea typeface="한컴 윤고딕 230" pitchFamily="18" charset="-127"/>
+                </a:rPr>
+                <a:t>를 타지 않았을 때</a:t>
+              </a:r>
+            </a:p>
+            <a:p>
+              <a:r>
+                <a:rPr lang="en-US" altLang="ko-KR" sz="1600" dirty="0" smtClean="0">
+                  <a:solidFill>
+                    <a:schemeClr val="tx1">
+                      <a:lumMod val="85000"/>
+                      <a:lumOff val="15000"/>
+                    </a:schemeClr>
+                  </a:solidFill>
+                  <a:latin typeface="한컴 윤고딕 230" pitchFamily="18" charset="-127"/>
+                  <a:ea typeface="한컴 윤고딕 230" pitchFamily="18" charset="-127"/>
+                </a:rPr>
+                <a:t>Time Start</a:t>
+              </a:r>
+            </a:p>
+            <a:p>
+              <a:r>
+                <a:rPr lang="en-US" altLang="ko-KR" sz="1600" dirty="0" smtClean="0">
+                  <a:solidFill>
+                    <a:schemeClr val="tx1">
+                      <a:lumMod val="85000"/>
+                      <a:lumOff val="15000"/>
+                    </a:schemeClr>
+                  </a:solidFill>
+                  <a:latin typeface="한컴 윤고딕 230" pitchFamily="18" charset="-127"/>
+                  <a:ea typeface="한컴 윤고딕 230" pitchFamily="18" charset="-127"/>
+                </a:rPr>
+                <a:t>Time Stop</a:t>
+              </a:r>
+            </a:p>
+            <a:p>
+              <a:r>
+                <a:rPr lang="ko-KR" altLang="en-US" sz="1600" dirty="0" smtClean="0">
+                  <a:solidFill>
+                    <a:schemeClr val="tx1">
+                      <a:lumMod val="85000"/>
+                      <a:lumOff val="15000"/>
+                    </a:schemeClr>
+                  </a:solidFill>
+                  <a:latin typeface="한컴 윤고딕 230" pitchFamily="18" charset="-127"/>
+                  <a:ea typeface="한컴 윤고딕 230" pitchFamily="18" charset="-127"/>
+                </a:rPr>
+                <a:t>실행시간 </a:t>
+              </a:r>
+              <a:r>
+                <a:rPr lang="en-US" altLang="ko-KR" sz="1600" dirty="0" smtClean="0">
+                  <a:solidFill>
+                    <a:schemeClr val="tx1">
+                      <a:lumMod val="85000"/>
+                      <a:lumOff val="15000"/>
+                    </a:schemeClr>
+                  </a:solidFill>
+                  <a:latin typeface="한컴 윤고딕 230" pitchFamily="18" charset="-127"/>
+                  <a:ea typeface="한컴 윤고딕 230" pitchFamily="18" charset="-127"/>
+                </a:rPr>
+                <a:t>: 9</a:t>
+              </a:r>
+            </a:p>
+            <a:p>
+              <a:endParaRPr lang="en-US" altLang="ko-KR" sz="1600" dirty="0" smtClean="0">
+                <a:solidFill>
+                  <a:schemeClr val="tx1">
+                    <a:lumMod val="85000"/>
+                    <a:lumOff val="15000"/>
+                  </a:schemeClr>
+                </a:solidFill>
+                <a:latin typeface="한컴 윤고딕 230" pitchFamily="18" charset="-127"/>
+                <a:ea typeface="한컴 윤고딕 230" pitchFamily="18" charset="-127"/>
+              </a:endParaRPr>
+            </a:p>
+            <a:p>
+              <a:r>
+                <a:rPr lang="en-US" altLang="ko-KR" sz="1600" dirty="0" smtClean="0">
+                  <a:solidFill>
+                    <a:schemeClr val="tx1">
+                      <a:lumMod val="85000"/>
+                      <a:lumOff val="15000"/>
+                    </a:schemeClr>
+                  </a:solidFill>
+                  <a:latin typeface="한컴 윤고딕 230" pitchFamily="18" charset="-127"/>
+                  <a:ea typeface="한컴 윤고딕 230" pitchFamily="18" charset="-127"/>
+                </a:rPr>
+                <a:t>Customer</a:t>
+              </a:r>
+              <a:r>
+                <a:rPr lang="ko-KR" altLang="en-US" sz="1600" dirty="0" smtClean="0">
+                  <a:solidFill>
+                    <a:schemeClr val="tx1">
+                      <a:lumMod val="85000"/>
+                      <a:lumOff val="15000"/>
+                    </a:schemeClr>
+                  </a:solidFill>
+                  <a:latin typeface="한컴 윤고딕 230" pitchFamily="18" charset="-127"/>
+                  <a:ea typeface="한컴 윤고딕 230" pitchFamily="18" charset="-127"/>
+                </a:rPr>
+                <a:t>를 탔을 때</a:t>
+              </a:r>
+            </a:p>
+            <a:p>
+              <a:r>
+                <a:rPr lang="en-US" altLang="ko-KR" sz="1600" dirty="0" smtClean="0">
+                  <a:solidFill>
+                    <a:schemeClr val="tx1">
+                      <a:lumMod val="85000"/>
+                      <a:lumOff val="15000"/>
+                    </a:schemeClr>
+                  </a:solidFill>
+                  <a:latin typeface="한컴 윤고딕 230" pitchFamily="18" charset="-127"/>
+                  <a:ea typeface="한컴 윤고딕 230" pitchFamily="18" charset="-127"/>
+                </a:rPr>
+                <a:t>Time Start</a:t>
+              </a:r>
+            </a:p>
+            <a:p>
+              <a:r>
+                <a:rPr lang="en-US" altLang="ko-KR" sz="1600" dirty="0" smtClean="0">
+                  <a:solidFill>
+                    <a:schemeClr val="tx1">
+                      <a:lumMod val="85000"/>
+                      <a:lumOff val="15000"/>
+                    </a:schemeClr>
+                  </a:solidFill>
+                  <a:latin typeface="한컴 윤고딕 230" pitchFamily="18" charset="-127"/>
+                  <a:ea typeface="한컴 윤고딕 230" pitchFamily="18" charset="-127"/>
+                </a:rPr>
+                <a:t>Login </a:t>
+              </a:r>
+              <a:r>
+                <a:rPr lang="en-US" altLang="ko-KR" sz="1600" dirty="0" err="1" smtClean="0">
+                  <a:solidFill>
+                    <a:schemeClr val="tx1">
+                      <a:lumMod val="85000"/>
+                      <a:lumOff val="15000"/>
+                    </a:schemeClr>
+                  </a:solidFill>
+                  <a:latin typeface="한컴 윤고딕 230" pitchFamily="18" charset="-127"/>
+                  <a:ea typeface="한컴 윤고딕 230" pitchFamily="18" charset="-127"/>
+                </a:rPr>
+                <a:t>preHandle</a:t>
+              </a:r>
+              <a:endParaRPr lang="en-US" altLang="ko-KR" sz="1600" dirty="0" smtClean="0">
+                <a:solidFill>
+                  <a:schemeClr val="tx1">
+                    <a:lumMod val="85000"/>
+                    <a:lumOff val="15000"/>
+                  </a:schemeClr>
+                </a:solidFill>
+                <a:latin typeface="한컴 윤고딕 230" pitchFamily="18" charset="-127"/>
+                <a:ea typeface="한컴 윤고딕 230" pitchFamily="18" charset="-127"/>
+              </a:endParaRPr>
+            </a:p>
+            <a:p>
+              <a:r>
+                <a:rPr lang="en-US" altLang="ko-KR" sz="1600" dirty="0" smtClean="0">
+                  <a:solidFill>
+                    <a:schemeClr val="tx1">
+                      <a:lumMod val="85000"/>
+                      <a:lumOff val="15000"/>
+                    </a:schemeClr>
+                  </a:solidFill>
+                  <a:latin typeface="한컴 윤고딕 230" pitchFamily="18" charset="-127"/>
+                  <a:ea typeface="한컴 윤고딕 230" pitchFamily="18" charset="-127"/>
+                </a:rPr>
+                <a:t>Time Stop</a:t>
+              </a:r>
+            </a:p>
+            <a:p>
+              <a:r>
+                <a:rPr lang="ko-KR" altLang="en-US" sz="1600" dirty="0" smtClean="0">
+                  <a:solidFill>
+                    <a:schemeClr val="tx1">
+                      <a:lumMod val="85000"/>
+                      <a:lumOff val="15000"/>
+                    </a:schemeClr>
+                  </a:solidFill>
+                  <a:latin typeface="한컴 윤고딕 230" pitchFamily="18" charset="-127"/>
+                  <a:ea typeface="한컴 윤고딕 230" pitchFamily="18" charset="-127"/>
+                </a:rPr>
+                <a:t>실행시간 </a:t>
+              </a:r>
+              <a:r>
+                <a:rPr lang="en-US" altLang="ko-KR" sz="1600" dirty="0" smtClean="0">
+                  <a:solidFill>
+                    <a:schemeClr val="tx1">
+                      <a:lumMod val="85000"/>
+                      <a:lumOff val="15000"/>
+                    </a:schemeClr>
+                  </a:solidFill>
+                  <a:latin typeface="한컴 윤고딕 230" pitchFamily="18" charset="-127"/>
+                  <a:ea typeface="한컴 윤고딕 230" pitchFamily="18" charset="-127"/>
+                </a:rPr>
+                <a:t>: 0</a:t>
+              </a:r>
+            </a:p>
+            <a:p>
+              <a:r>
+                <a:rPr lang="en-US" altLang="ko-KR" sz="1600" dirty="0" smtClean="0">
+                  <a:solidFill>
+                    <a:schemeClr val="tx1">
+                      <a:lumMod val="85000"/>
+                      <a:lumOff val="15000"/>
+                    </a:schemeClr>
+                  </a:solidFill>
+                  <a:latin typeface="한컴 윤고딕 230" pitchFamily="18" charset="-127"/>
+                  <a:ea typeface="한컴 윤고딕 230" pitchFamily="18" charset="-127"/>
+                </a:rPr>
+                <a:t>Time Start</a:t>
+              </a:r>
+            </a:p>
+            <a:p>
+              <a:r>
+                <a:rPr lang="en-US" altLang="ko-KR" sz="1600" dirty="0" smtClean="0">
+                  <a:solidFill>
+                    <a:schemeClr val="tx1">
+                      <a:lumMod val="85000"/>
+                      <a:lumOff val="15000"/>
+                    </a:schemeClr>
+                  </a:solidFill>
+                  <a:latin typeface="한컴 윤고딕 230" pitchFamily="18" charset="-127"/>
+                  <a:ea typeface="한컴 윤고딕 230" pitchFamily="18" charset="-127"/>
+                </a:rPr>
+                <a:t>Time Stop</a:t>
+              </a:r>
+            </a:p>
+            <a:p>
+              <a:r>
+                <a:rPr lang="ko-KR" altLang="en-US" sz="1600" dirty="0" smtClean="0">
+                  <a:solidFill>
+                    <a:schemeClr val="tx1">
+                      <a:lumMod val="85000"/>
+                      <a:lumOff val="15000"/>
+                    </a:schemeClr>
+                  </a:solidFill>
+                  <a:latin typeface="한컴 윤고딕 230" pitchFamily="18" charset="-127"/>
+                  <a:ea typeface="한컴 윤고딕 230" pitchFamily="18" charset="-127"/>
+                </a:rPr>
+                <a:t>실행시간 </a:t>
+              </a:r>
+              <a:r>
+                <a:rPr lang="en-US" altLang="ko-KR" sz="1600" dirty="0" smtClean="0">
+                  <a:solidFill>
+                    <a:schemeClr val="tx1">
+                      <a:lumMod val="85000"/>
+                      <a:lumOff val="15000"/>
+                    </a:schemeClr>
+                  </a:solidFill>
+                  <a:latin typeface="한컴 윤고딕 230" pitchFamily="18" charset="-127"/>
+                  <a:ea typeface="한컴 윤고딕 230" pitchFamily="18" charset="-127"/>
+                </a:rPr>
+                <a:t>: 9</a:t>
+              </a:r>
+              <a:endParaRPr lang="en-US" altLang="ko-KR" sz="1600" dirty="0">
+                <a:solidFill>
+                  <a:schemeClr val="tx1">
+                    <a:lumMod val="85000"/>
+                    <a:lumOff val="15000"/>
+                  </a:schemeClr>
+                </a:solidFill>
+                <a:latin typeface="한컴 윤고딕 230" pitchFamily="18" charset="-127"/>
+                <a:ea typeface="한컴 윤고딕 230" pitchFamily="18" charset="-127"/>
+              </a:endParaRPr>
+            </a:p>
+          </p:txBody>
+        </p:sp>
+        <p:sp>
+          <p:nvSpPr>
+            <p:cNvPr id="21" name="직사각형 20"/>
+            <p:cNvSpPr/>
+            <p:nvPr/>
+          </p:nvSpPr>
+          <p:spPr>
+            <a:xfrm>
+              <a:off x="3667116" y="2143116"/>
+              <a:ext cx="3143272" cy="2800767"/>
+            </a:xfrm>
+            <a:prstGeom prst="rect">
+              <a:avLst/>
+            </a:prstGeom>
+            <a:grpFill/>
+          </p:spPr>
+          <p:txBody>
+            <a:bodyPr wrap="square">
+              <a:spAutoFit/>
+            </a:bodyPr>
+            <a:lstStyle/>
+            <a:p>
+              <a:r>
+                <a:rPr lang="ko-KR" altLang="en-US" sz="1600" dirty="0" smtClean="0">
+                  <a:solidFill>
+                    <a:schemeClr val="tx1">
+                      <a:lumMod val="85000"/>
+                      <a:lumOff val="15000"/>
+                    </a:schemeClr>
+                  </a:solidFill>
+                  <a:latin typeface="한컴 윤고딕 230" pitchFamily="18" charset="-127"/>
+                  <a:ea typeface="한컴 윤고딕 230" pitchFamily="18" charset="-127"/>
+                </a:rPr>
+                <a:t>로그인 했을 때</a:t>
+              </a:r>
+            </a:p>
+            <a:p>
+              <a:r>
+                <a:rPr lang="en-US" altLang="ko-KR" sz="1600" dirty="0" smtClean="0">
+                  <a:solidFill>
+                    <a:schemeClr val="tx1">
+                      <a:lumMod val="85000"/>
+                      <a:lumOff val="15000"/>
+                    </a:schemeClr>
+                  </a:solidFill>
+                  <a:latin typeface="한컴 윤고딕 230" pitchFamily="18" charset="-127"/>
+                  <a:ea typeface="한컴 윤고딕 230" pitchFamily="18" charset="-127"/>
+                </a:rPr>
+                <a:t>Time Start</a:t>
+              </a:r>
+            </a:p>
+            <a:p>
+              <a:r>
+                <a:rPr lang="en-US" altLang="ko-KR" sz="1600" dirty="0" smtClean="0">
+                  <a:solidFill>
+                    <a:schemeClr val="tx1">
+                      <a:lumMod val="85000"/>
+                      <a:lumOff val="15000"/>
+                    </a:schemeClr>
+                  </a:solidFill>
+                  <a:latin typeface="한컴 윤고딕 230" pitchFamily="18" charset="-127"/>
+                  <a:ea typeface="한컴 윤고딕 230" pitchFamily="18" charset="-127"/>
+                </a:rPr>
+                <a:t>admin / 1004</a:t>
+              </a:r>
+            </a:p>
+            <a:p>
+              <a:r>
+                <a:rPr lang="en-US" altLang="ko-KR" sz="1600" dirty="0" smtClean="0">
+                  <a:solidFill>
+                    <a:schemeClr val="tx1">
+                      <a:lumMod val="85000"/>
+                      <a:lumOff val="15000"/>
+                    </a:schemeClr>
+                  </a:solidFill>
+                  <a:latin typeface="한컴 윤고딕 230" pitchFamily="18" charset="-127"/>
+                  <a:ea typeface="한컴 윤고딕 230" pitchFamily="18" charset="-127"/>
+                </a:rPr>
+                <a:t>Time Stop</a:t>
+              </a:r>
+            </a:p>
+            <a:p>
+              <a:r>
+                <a:rPr lang="ko-KR" altLang="en-US" sz="1600" dirty="0" smtClean="0">
+                  <a:solidFill>
+                    <a:schemeClr val="tx1">
+                      <a:lumMod val="85000"/>
+                      <a:lumOff val="15000"/>
+                    </a:schemeClr>
+                  </a:solidFill>
+                  <a:latin typeface="한컴 윤고딕 230" pitchFamily="18" charset="-127"/>
+                  <a:ea typeface="한컴 윤고딕 230" pitchFamily="18" charset="-127"/>
+                </a:rPr>
+                <a:t>실행시간 </a:t>
+              </a:r>
+              <a:r>
+                <a:rPr lang="en-US" altLang="ko-KR" sz="1600" dirty="0" smtClean="0">
+                  <a:solidFill>
+                    <a:schemeClr val="tx1">
+                      <a:lumMod val="85000"/>
+                      <a:lumOff val="15000"/>
+                    </a:schemeClr>
+                  </a:solidFill>
+                  <a:latin typeface="한컴 윤고딕 230" pitchFamily="18" charset="-127"/>
+                  <a:ea typeface="한컴 윤고딕 230" pitchFamily="18" charset="-127"/>
+                </a:rPr>
+                <a:t>: 60</a:t>
+              </a:r>
+            </a:p>
+            <a:p>
+              <a:endParaRPr lang="en-US" altLang="ko-KR" sz="1600" dirty="0" smtClean="0">
+                <a:solidFill>
+                  <a:schemeClr val="tx1">
+                    <a:lumMod val="85000"/>
+                    <a:lumOff val="15000"/>
+                  </a:schemeClr>
+                </a:solidFill>
+                <a:latin typeface="한컴 윤고딕 230" pitchFamily="18" charset="-127"/>
+                <a:ea typeface="한컴 윤고딕 230" pitchFamily="18" charset="-127"/>
+              </a:endParaRPr>
+            </a:p>
+            <a:p>
+              <a:r>
+                <a:rPr lang="ko-KR" altLang="en-US" sz="1600" dirty="0" smtClean="0">
+                  <a:solidFill>
+                    <a:schemeClr val="tx1">
+                      <a:lumMod val="85000"/>
+                      <a:lumOff val="15000"/>
+                    </a:schemeClr>
+                  </a:solidFill>
+                  <a:latin typeface="한컴 윤고딕 230" pitchFamily="18" charset="-127"/>
+                  <a:ea typeface="한컴 윤고딕 230" pitchFamily="18" charset="-127"/>
+                </a:rPr>
+                <a:t>로그인 후 </a:t>
+              </a:r>
+              <a:r>
+                <a:rPr lang="en-US" altLang="ko-KR" sz="1600" dirty="0" smtClean="0">
+                  <a:solidFill>
+                    <a:schemeClr val="tx1">
+                      <a:lumMod val="85000"/>
+                      <a:lumOff val="15000"/>
+                    </a:schemeClr>
+                  </a:solidFill>
+                  <a:latin typeface="한컴 윤고딕 230" pitchFamily="18" charset="-127"/>
+                  <a:ea typeface="한컴 윤고딕 230" pitchFamily="18" charset="-127"/>
+                </a:rPr>
+                <a:t>Customer</a:t>
+              </a:r>
+              <a:r>
+                <a:rPr lang="ko-KR" altLang="en-US" sz="1600" dirty="0" smtClean="0">
+                  <a:solidFill>
+                    <a:schemeClr val="tx1">
+                      <a:lumMod val="85000"/>
+                      <a:lumOff val="15000"/>
+                    </a:schemeClr>
+                  </a:solidFill>
+                  <a:latin typeface="한컴 윤고딕 230" pitchFamily="18" charset="-127"/>
+                  <a:ea typeface="한컴 윤고딕 230" pitchFamily="18" charset="-127"/>
+                </a:rPr>
+                <a:t>를 탔을 때</a:t>
+              </a:r>
+            </a:p>
+            <a:p>
+              <a:r>
+                <a:rPr lang="en-US" altLang="ko-KR" sz="1600" dirty="0" smtClean="0">
+                  <a:solidFill>
+                    <a:schemeClr val="tx1">
+                      <a:lumMod val="85000"/>
+                      <a:lumOff val="15000"/>
+                    </a:schemeClr>
+                  </a:solidFill>
+                  <a:latin typeface="한컴 윤고딕 230" pitchFamily="18" charset="-127"/>
+                  <a:ea typeface="한컴 윤고딕 230" pitchFamily="18" charset="-127"/>
+                </a:rPr>
+                <a:t>Time Start</a:t>
+              </a:r>
+            </a:p>
+            <a:p>
+              <a:r>
+                <a:rPr lang="en-US" altLang="ko-KR" sz="1600" dirty="0" smtClean="0">
+                  <a:solidFill>
+                    <a:schemeClr val="tx1">
+                      <a:lumMod val="85000"/>
+                      <a:lumOff val="15000"/>
+                    </a:schemeClr>
+                  </a:solidFill>
+                  <a:latin typeface="한컴 윤고딕 230" pitchFamily="18" charset="-127"/>
+                  <a:ea typeface="한컴 윤고딕 230" pitchFamily="18" charset="-127"/>
+                </a:rPr>
+                <a:t>Login </a:t>
+              </a:r>
+              <a:r>
+                <a:rPr lang="en-US" altLang="ko-KR" sz="1600" dirty="0" err="1" smtClean="0">
+                  <a:solidFill>
+                    <a:schemeClr val="tx1">
+                      <a:lumMod val="85000"/>
+                      <a:lumOff val="15000"/>
+                    </a:schemeClr>
+                  </a:solidFill>
+                  <a:latin typeface="한컴 윤고딕 230" pitchFamily="18" charset="-127"/>
+                  <a:ea typeface="한컴 윤고딕 230" pitchFamily="18" charset="-127"/>
+                </a:rPr>
+                <a:t>preHandle</a:t>
+              </a:r>
+              <a:endParaRPr lang="en-US" altLang="ko-KR" sz="1600" dirty="0" smtClean="0">
+                <a:solidFill>
+                  <a:schemeClr val="tx1">
+                    <a:lumMod val="85000"/>
+                    <a:lumOff val="15000"/>
+                  </a:schemeClr>
+                </a:solidFill>
+                <a:latin typeface="한컴 윤고딕 230" pitchFamily="18" charset="-127"/>
+                <a:ea typeface="한컴 윤고딕 230" pitchFamily="18" charset="-127"/>
+              </a:endParaRPr>
+            </a:p>
+            <a:p>
+              <a:r>
+                <a:rPr lang="en-US" altLang="ko-KR" sz="1600" dirty="0" smtClean="0">
+                  <a:solidFill>
+                    <a:schemeClr val="tx1">
+                      <a:lumMod val="85000"/>
+                      <a:lumOff val="15000"/>
+                    </a:schemeClr>
+                  </a:solidFill>
+                  <a:latin typeface="한컴 윤고딕 230" pitchFamily="18" charset="-127"/>
+                  <a:ea typeface="한컴 윤고딕 230" pitchFamily="18" charset="-127"/>
+                </a:rPr>
+                <a:t>Time Stop</a:t>
+              </a:r>
+            </a:p>
+            <a:p>
+              <a:r>
+                <a:rPr lang="ko-KR" altLang="en-US" sz="1600" dirty="0" smtClean="0">
+                  <a:solidFill>
+                    <a:schemeClr val="tx1">
+                      <a:lumMod val="85000"/>
+                      <a:lumOff val="15000"/>
+                    </a:schemeClr>
+                  </a:solidFill>
+                  <a:latin typeface="한컴 윤고딕 230" pitchFamily="18" charset="-127"/>
+                  <a:ea typeface="한컴 윤고딕 230" pitchFamily="18" charset="-127"/>
+                </a:rPr>
+                <a:t>실행시간 </a:t>
+              </a:r>
+              <a:r>
+                <a:rPr lang="en-US" altLang="ko-KR" sz="1600" dirty="0" smtClean="0">
+                  <a:solidFill>
+                    <a:schemeClr val="tx1">
+                      <a:lumMod val="85000"/>
+                      <a:lumOff val="15000"/>
+                    </a:schemeClr>
+                  </a:solidFill>
+                  <a:latin typeface="한컴 윤고딕 230" pitchFamily="18" charset="-127"/>
+                  <a:ea typeface="한컴 윤고딕 230" pitchFamily="18" charset="-127"/>
+                </a:rPr>
+                <a:t>: 29</a:t>
+              </a:r>
+              <a:endParaRPr lang="ko-KR" altLang="en-US" sz="1600" dirty="0">
+                <a:solidFill>
+                  <a:schemeClr val="tx1">
+                    <a:lumMod val="85000"/>
+                    <a:lumOff val="15000"/>
+                  </a:schemeClr>
+                </a:solidFill>
+                <a:latin typeface="한컴 윤고딕 230" pitchFamily="18" charset="-127"/>
+                <a:ea typeface="한컴 윤고딕 230" pitchFamily="18" charset="-127"/>
+              </a:endParaRPr>
+            </a:p>
+          </p:txBody>
+        </p:sp>
+      </p:grpSp>
+      <p:grpSp>
+        <p:nvGrpSpPr>
+          <p:cNvPr id="6" name="그룹 1"/>
+          <p:cNvGrpSpPr/>
+          <p:nvPr/>
+        </p:nvGrpSpPr>
+        <p:grpSpPr>
+          <a:xfrm>
+            <a:off x="0" y="0"/>
+            <a:ext cx="9906000" cy="6970871"/>
+            <a:chOff x="0" y="0"/>
+            <a:chExt cx="9906000" cy="6970871"/>
+          </a:xfrm>
+        </p:grpSpPr>
+        <p:pic>
+          <p:nvPicPr>
+            <p:cNvPr id="2050" name="Picture 2" descr="C:\Users\USER\Desktop\2차 프로젝트(WEB)_4조\images\macbook_PNG36.png"/>
+            <p:cNvPicPr>
+              <a:picLocks noChangeAspect="1" noChangeArrowheads="1"/>
+            </p:cNvPicPr>
+            <p:nvPr/>
+          </p:nvPicPr>
+          <p:blipFill>
+            <a:blip r:embed="rId4"/>
+            <a:srcRect l="9199" r="9199"/>
+            <a:stretch>
+              <a:fillRect/>
+            </a:stretch>
+          </p:blipFill>
+          <p:spPr bwMode="auto">
+            <a:xfrm>
+              <a:off x="0" y="0"/>
+              <a:ext cx="9906000" cy="6970871"/>
+            </a:xfrm>
+            <a:prstGeom prst="rect">
+              <a:avLst/>
+            </a:prstGeom>
+            <a:noFill/>
+          </p:spPr>
+        </p:pic>
+        <p:sp>
+          <p:nvSpPr>
+            <p:cNvPr id="3" name="직사각형 2"/>
+            <p:cNvSpPr/>
+            <p:nvPr/>
+          </p:nvSpPr>
+          <p:spPr>
+            <a:xfrm>
+              <a:off x="0" y="0"/>
+              <a:ext cx="9906000" cy="6858000"/>
+            </a:xfrm>
+            <a:prstGeom prst="rect">
+              <a:avLst/>
+            </a:prstGeom>
+            <a:solidFill>
+              <a:schemeClr val="tx1">
+                <a:lumMod val="85000"/>
+                <a:lumOff val="15000"/>
+                <a:alpha val="60000"/>
+              </a:schemeClr>
+            </a:solidFill>
+            <a:ln>
+              <a:noFill/>
+            </a:ln>
+          </p:spPr>
+          <p:style>
+            <a:lnRef idx="2">
+              <a:schemeClr val="accent1">
+                <a:shade val="50000"/>
+              </a:schemeClr>
+            </a:lnRef>
+            <a:fillRef idx="1">
+              <a:schemeClr val="accent1"/>
+            </a:fillRef>
+            <a:effectRef idx="0">
+              <a:schemeClr val="accent1"/>
+            </a:effectRef>
+            <a:fontRef idx="minor">
+              <a:schemeClr val="lt1"/>
+            </a:fontRef>
+          </p:style>
+          <p:txBody>
+            <a:bodyPr rtlCol="0" anchor="ctr"/>
+            <a:lstStyle/>
+            <a:p>
+              <a:pPr algn="ctr"/>
+              <a:endParaRPr lang="ko-KR" altLang="en-US"/>
+            </a:p>
+          </p:txBody>
+        </p:sp>
+      </p:grpSp>
+      <p:grpSp>
+        <p:nvGrpSpPr>
+          <p:cNvPr id="7" name="그룹 43"/>
+          <p:cNvGrpSpPr/>
+          <p:nvPr/>
+        </p:nvGrpSpPr>
+        <p:grpSpPr>
+          <a:xfrm>
+            <a:off x="5851866" y="641157"/>
+            <a:ext cx="4357718" cy="613925"/>
+            <a:chOff x="0" y="641157"/>
+            <a:chExt cx="4357718" cy="613925"/>
+          </a:xfrm>
+        </p:grpSpPr>
+        <p:sp>
+          <p:nvSpPr>
+            <p:cNvPr id="4" name="TextBox 3"/>
+            <p:cNvSpPr txBox="1"/>
+            <p:nvPr/>
+          </p:nvSpPr>
+          <p:spPr>
+            <a:xfrm>
+              <a:off x="1643074" y="641157"/>
+              <a:ext cx="2714644" cy="307777"/>
+            </a:xfrm>
+            <a:prstGeom prst="rect">
+              <a:avLst/>
+            </a:prstGeom>
+            <a:noFill/>
+            <a:ln>
+              <a:noFill/>
+            </a:ln>
+          </p:spPr>
+          <p:txBody>
+            <a:bodyPr wrap="square" rtlCol="0">
+              <a:spAutoFit/>
+            </a:bodyPr>
+            <a:lstStyle/>
+            <a:p>
+              <a:r>
+                <a:rPr lang="en-US" altLang="ko-KR" sz="1400" dirty="0" err="1" smtClean="0">
+                  <a:solidFill>
+                    <a:schemeClr val="bg1">
+                      <a:lumMod val="65000"/>
+                    </a:schemeClr>
+                  </a:solidFill>
+                  <a:latin typeface="한컴 윤고딕 250" pitchFamily="18" charset="-127"/>
+                  <a:ea typeface="한컴 윤고딕 250" pitchFamily="18" charset="-127"/>
+                </a:rPr>
+                <a:t>SpringFramework</a:t>
+              </a:r>
+              <a:endParaRPr lang="en-US" altLang="ko-KR" sz="1400" dirty="0" smtClean="0">
+                <a:solidFill>
+                  <a:schemeClr val="bg1">
+                    <a:lumMod val="65000"/>
+                  </a:schemeClr>
+                </a:solidFill>
+                <a:latin typeface="한컴 윤고딕 250" pitchFamily="18" charset="-127"/>
+                <a:ea typeface="한컴 윤고딕 250" pitchFamily="18" charset="-127"/>
+              </a:endParaRPr>
+            </a:p>
+          </p:txBody>
+        </p:sp>
+        <p:sp>
+          <p:nvSpPr>
+            <p:cNvPr id="5" name="TextBox 4"/>
+            <p:cNvSpPr txBox="1"/>
+            <p:nvPr/>
+          </p:nvSpPr>
+          <p:spPr>
+            <a:xfrm>
+              <a:off x="0" y="916528"/>
+              <a:ext cx="4357718" cy="338554"/>
+            </a:xfrm>
+            <a:prstGeom prst="rect">
+              <a:avLst/>
+            </a:prstGeom>
+            <a:noFill/>
+            <a:ln>
+              <a:noFill/>
+            </a:ln>
+          </p:spPr>
+          <p:txBody>
+            <a:bodyPr wrap="square" rtlCol="0">
+              <a:spAutoFit/>
+            </a:bodyPr>
+            <a:lstStyle/>
+            <a:p>
+              <a:pPr algn="ctr"/>
+              <a:r>
+                <a:rPr lang="en-US" altLang="ko-KR" sz="1600" dirty="0" err="1" smtClean="0">
+                  <a:solidFill>
+                    <a:schemeClr val="bg1">
+                      <a:lumMod val="65000"/>
+                    </a:schemeClr>
+                  </a:solidFill>
+                  <a:latin typeface="한컴 윤고딕 250" pitchFamily="18" charset="-127"/>
+                  <a:ea typeface="한컴 윤고딕 250" pitchFamily="18" charset="-127"/>
+                </a:rPr>
+                <a:t>HandlerInterceptor</a:t>
+              </a:r>
+              <a:endParaRPr lang="ko-KR" altLang="en-US" sz="1600" dirty="0">
+                <a:solidFill>
+                  <a:schemeClr val="bg1">
+                    <a:lumMod val="65000"/>
+                  </a:schemeClr>
+                </a:solidFill>
+                <a:latin typeface="한컴 윤고딕 250" pitchFamily="18" charset="-127"/>
+                <a:ea typeface="한컴 윤고딕 250" pitchFamily="18" charset="-127"/>
+              </a:endParaRPr>
+            </a:p>
+          </p:txBody>
+        </p:sp>
+        <p:cxnSp>
+          <p:nvCxnSpPr>
+            <p:cNvPr id="13" name="직선 연결선 12"/>
+            <p:cNvCxnSpPr/>
+            <p:nvPr/>
+          </p:nvCxnSpPr>
+          <p:spPr>
+            <a:xfrm>
+              <a:off x="1693422" y="929740"/>
+              <a:ext cx="1944216" cy="0"/>
+            </a:xfrm>
+            <a:prstGeom prst="line">
+              <a:avLst/>
+            </a:prstGeom>
+            <a:ln w="19050">
+              <a:solidFill>
+                <a:schemeClr val="bg1">
+                  <a:lumMod val="65000"/>
+                </a:schemeClr>
+              </a:solidFill>
+            </a:ln>
+          </p:spPr>
+          <p:style>
+            <a:lnRef idx="1">
+              <a:schemeClr val="accent1"/>
+            </a:lnRef>
+            <a:fillRef idx="0">
+              <a:schemeClr val="accent1"/>
+            </a:fillRef>
+            <a:effectRef idx="0">
+              <a:schemeClr val="accent1"/>
+            </a:effectRef>
+            <a:fontRef idx="minor">
+              <a:schemeClr val="tx1"/>
+            </a:fontRef>
+          </p:style>
+        </p:cxnSp>
+        <p:cxnSp>
+          <p:nvCxnSpPr>
+            <p:cNvPr id="14" name="직선 연결선 13"/>
+            <p:cNvCxnSpPr/>
+            <p:nvPr/>
+          </p:nvCxnSpPr>
+          <p:spPr>
+            <a:xfrm>
+              <a:off x="988894" y="1218345"/>
+              <a:ext cx="2376264" cy="0"/>
+            </a:xfrm>
+            <a:prstGeom prst="line">
+              <a:avLst/>
+            </a:prstGeom>
+            <a:ln w="19050">
+              <a:solidFill>
+                <a:schemeClr val="bg1">
+                  <a:lumMod val="65000"/>
+                </a:schemeClr>
+              </a:solidFill>
+            </a:ln>
+          </p:spPr>
+          <p:style>
+            <a:lnRef idx="1">
+              <a:schemeClr val="accent1"/>
+            </a:lnRef>
+            <a:fillRef idx="0">
+              <a:schemeClr val="accent1"/>
+            </a:fillRef>
+            <a:effectRef idx="0">
+              <a:schemeClr val="accent1"/>
+            </a:effectRef>
+            <a:fontRef idx="minor">
+              <a:schemeClr val="tx1"/>
+            </a:fontRef>
+          </p:style>
+        </p:cxnSp>
+      </p:grpSp>
+      <p:grpSp>
+        <p:nvGrpSpPr>
+          <p:cNvPr id="8" name="그룹 58"/>
+          <p:cNvGrpSpPr/>
+          <p:nvPr/>
+        </p:nvGrpSpPr>
+        <p:grpSpPr>
+          <a:xfrm>
+            <a:off x="469097" y="1213678"/>
+            <a:ext cx="5222583" cy="400110"/>
+            <a:chOff x="469098" y="1285686"/>
+            <a:chExt cx="4843942" cy="400110"/>
+          </a:xfrm>
+        </p:grpSpPr>
+        <p:sp>
+          <p:nvSpPr>
+            <p:cNvPr id="60" name="TextBox 59"/>
+            <p:cNvSpPr txBox="1"/>
+            <p:nvPr/>
+          </p:nvSpPr>
+          <p:spPr>
+            <a:xfrm>
+              <a:off x="469098" y="1285686"/>
+              <a:ext cx="4843942" cy="400110"/>
+            </a:xfrm>
+            <a:prstGeom prst="rect">
+              <a:avLst/>
+            </a:prstGeom>
+            <a:noFill/>
+          </p:spPr>
+          <p:txBody>
+            <a:bodyPr wrap="square" rtlCol="0">
+              <a:spAutoFit/>
+            </a:bodyPr>
+            <a:lstStyle/>
+            <a:p>
+              <a:r>
+                <a:rPr lang="en-US" altLang="ko-KR" sz="2000" dirty="0" err="1" smtClean="0">
+                  <a:solidFill>
+                    <a:schemeClr val="bg1">
+                      <a:lumMod val="95000"/>
+                    </a:schemeClr>
+                  </a:solidFill>
+                  <a:latin typeface="한컴 윤고딕 250" pitchFamily="18" charset="-127"/>
+                  <a:ea typeface="한컴 윤고딕 250" pitchFamily="18" charset="-127"/>
+                </a:rPr>
+                <a:t>HandlerInterceptor</a:t>
+              </a:r>
+              <a:r>
+                <a:rPr lang="en-US" altLang="ko-KR" sz="2000" dirty="0" smtClean="0">
+                  <a:solidFill>
+                    <a:schemeClr val="bg1">
+                      <a:lumMod val="95000"/>
+                    </a:schemeClr>
+                  </a:solidFill>
+                  <a:latin typeface="한컴 윤고딕 250" pitchFamily="18" charset="-127"/>
+                  <a:ea typeface="한컴 윤고딕 250" pitchFamily="18" charset="-127"/>
+                </a:rPr>
+                <a:t> </a:t>
+              </a:r>
+              <a:r>
+                <a:rPr lang="ko-KR" altLang="en-US" sz="2000" dirty="0" smtClean="0">
+                  <a:solidFill>
+                    <a:schemeClr val="bg1">
+                      <a:lumMod val="95000"/>
+                    </a:schemeClr>
+                  </a:solidFill>
+                  <a:latin typeface="한컴 윤고딕 250" pitchFamily="18" charset="-127"/>
+                  <a:ea typeface="한컴 윤고딕 250" pitchFamily="18" charset="-127"/>
+                </a:rPr>
+                <a:t>사용 예제</a:t>
+              </a:r>
+              <a:endParaRPr lang="en-US" altLang="ko-KR" sz="2000" dirty="0" smtClean="0">
+                <a:solidFill>
+                  <a:schemeClr val="bg1">
+                    <a:lumMod val="95000"/>
+                  </a:schemeClr>
+                </a:solidFill>
+                <a:latin typeface="한컴 윤고딕 250" pitchFamily="18" charset="-127"/>
+                <a:ea typeface="한컴 윤고딕 250" pitchFamily="18" charset="-127"/>
+              </a:endParaRPr>
+            </a:p>
+          </p:txBody>
+        </p:sp>
+        <p:cxnSp>
+          <p:nvCxnSpPr>
+            <p:cNvPr id="65" name="직선 연결선 64"/>
+            <p:cNvCxnSpPr/>
+            <p:nvPr/>
+          </p:nvCxnSpPr>
+          <p:spPr>
+            <a:xfrm>
+              <a:off x="577204" y="1685796"/>
+              <a:ext cx="3739677" cy="0"/>
+            </a:xfrm>
+            <a:prstGeom prst="line">
+              <a:avLst/>
+            </a:prstGeom>
+            <a:ln w="19050">
+              <a:solidFill>
+                <a:schemeClr val="bg1">
+                  <a:lumMod val="75000"/>
+                </a:schemeClr>
+              </a:solidFill>
+            </a:ln>
+          </p:spPr>
+          <p:style>
+            <a:lnRef idx="1">
+              <a:schemeClr val="accent1"/>
+            </a:lnRef>
+            <a:fillRef idx="0">
+              <a:schemeClr val="accent1"/>
+            </a:fillRef>
+            <a:effectRef idx="0">
+              <a:schemeClr val="accent1"/>
+            </a:effectRef>
+            <a:fontRef idx="minor">
+              <a:schemeClr val="tx1"/>
+            </a:fontRef>
+          </p:style>
+        </p:cxnSp>
+      </p:grpSp>
+      <p:sp>
+        <p:nvSpPr>
+          <p:cNvPr id="25" name="TextBox 24"/>
+          <p:cNvSpPr txBox="1"/>
+          <p:nvPr/>
+        </p:nvSpPr>
+        <p:spPr>
+          <a:xfrm>
+            <a:off x="704528" y="1693659"/>
+            <a:ext cx="4247838" cy="369332"/>
+          </a:xfrm>
+          <a:prstGeom prst="rect">
+            <a:avLst/>
+          </a:prstGeom>
+          <a:noFill/>
+        </p:spPr>
+        <p:txBody>
+          <a:bodyPr wrap="square" rtlCol="0" anchor="ctr" anchorCtr="0">
+            <a:spAutoFit/>
+          </a:bodyPr>
+          <a:lstStyle/>
+          <a:p>
+            <a:r>
+              <a:rPr lang="en-US" altLang="ko-KR" dirty="0" smtClean="0">
+                <a:solidFill>
+                  <a:schemeClr val="bg1">
+                    <a:lumMod val="95000"/>
+                  </a:schemeClr>
+                </a:solidFill>
+                <a:latin typeface="한컴 윤고딕 250" pitchFamily="18" charset="-127"/>
+                <a:ea typeface="한컴 윤고딕 250" pitchFamily="18" charset="-127"/>
+              </a:rPr>
+              <a:t>#</a:t>
+            </a:r>
+            <a:r>
+              <a:rPr lang="ko-KR" altLang="en-US" dirty="0" smtClean="0">
+                <a:solidFill>
+                  <a:schemeClr val="bg1">
+                    <a:lumMod val="95000"/>
+                  </a:schemeClr>
+                </a:solidFill>
+                <a:latin typeface="한컴 윤고딕 250" pitchFamily="18" charset="-127"/>
+                <a:ea typeface="한컴 윤고딕 250" pitchFamily="18" charset="-127"/>
+              </a:rPr>
+              <a:t> </a:t>
+            </a:r>
+            <a:r>
+              <a:rPr lang="en-US" altLang="ko-KR" dirty="0" smtClean="0">
+                <a:solidFill>
+                  <a:schemeClr val="bg1">
+                    <a:lumMod val="95000"/>
+                  </a:schemeClr>
+                </a:solidFill>
+                <a:latin typeface="한컴 윤고딕 250" pitchFamily="18" charset="-127"/>
+                <a:ea typeface="한컴 윤고딕 250" pitchFamily="18" charset="-127"/>
+              </a:rPr>
+              <a:t>Console</a:t>
+            </a:r>
+            <a:endParaRPr lang="en-US" altLang="ko-KR" dirty="0" smtClean="0">
+              <a:solidFill>
+                <a:schemeClr val="bg1">
+                  <a:lumMod val="95000"/>
+                </a:schemeClr>
+              </a:solidFill>
+              <a:latin typeface="한컴 윤고딕 250" pitchFamily="18" charset="-127"/>
+              <a:ea typeface="한컴 윤고딕 250" pitchFamily="18" charset="-127"/>
+            </a:endParaRPr>
+          </a:p>
+        </p:txBody>
+      </p:sp>
+      <p:cxnSp>
+        <p:nvCxnSpPr>
+          <p:cNvPr id="26" name="직선 연결선 25"/>
+          <p:cNvCxnSpPr/>
+          <p:nvPr/>
+        </p:nvCxnSpPr>
+        <p:spPr>
+          <a:xfrm>
+            <a:off x="789926" y="2027646"/>
+            <a:ext cx="1368000" cy="0"/>
+          </a:xfrm>
+          <a:prstGeom prst="line">
+            <a:avLst/>
+          </a:prstGeom>
+          <a:ln w="19050">
+            <a:solidFill>
+              <a:schemeClr val="bg1">
+                <a:lumMod val="75000"/>
+              </a:schemeClr>
+            </a:solidFill>
+          </a:ln>
+        </p:spPr>
+        <p:style>
+          <a:lnRef idx="1">
+            <a:schemeClr val="accent1"/>
+          </a:lnRef>
+          <a:fillRef idx="0">
+            <a:schemeClr val="accent1"/>
+          </a:fillRef>
+          <a:effectRef idx="0">
+            <a:schemeClr val="accent1"/>
+          </a:effectRef>
+          <a:fontRef idx="minor">
+            <a:schemeClr val="tx1"/>
+          </a:fontRef>
+        </p:style>
+      </p:cxnSp>
+    </p:spTree>
+    <p:extLst>
+      <p:ext uri="{BB962C8B-B14F-4D97-AF65-F5344CB8AC3E}">
+        <p14:creationId xmlns:p14="http://schemas.microsoft.com/office/powerpoint/2010/main" xmlns="" val="823508735"/>
+      </p:ext>
+    </p:extLst>
+  </p:cSld>
+  <p:clrMapOvr>
+    <a:masterClrMapping/>
+  </p:clrMapOvr>
+  <p:timing>
+    <p:tnLst>
+      <p:par>
+        <p:cTn id="1" dur="indefinite" restart="never" nodeType="tmRoot"/>
+      </p:par>
+    </p:tnLst>
+  </p:timing>
+</p:sld>
+</file>
+
 <file path=ppt/slides/slide2.xml><?xml version="1.0" encoding="utf-8"?>
 <p:sld xmlns:a="http://schemas.openxmlformats.org/drawingml/2006/main" xmlns:r="http://schemas.openxmlformats.org/officeDocument/2006/relationships" xmlns:p="http://schemas.openxmlformats.org/presentationml/2006/main">
   <p:cSld>
@@ -5578,7 +9140,7 @@
             <a:blip r:embed="rId4">
               <a:extLst>
                 <a:ext uri="{28A0092B-C50C-407E-A947-70E740481C1C}">
-                  <a14:useLocalDpi xmlns:a14="http://schemas.microsoft.com/office/drawing/2010/main" val="0"/>
+                  <a14:useLocalDpi xmlns:a14="http://schemas.microsoft.com/office/drawing/2010/main" xmlns="" val="0"/>
                 </a:ext>
               </a:extLst>
             </a:blip>
@@ -5608,7 +9170,7 @@
             <a:blip r:embed="rId5">
               <a:extLst>
                 <a:ext uri="{28A0092B-C50C-407E-A947-70E740481C1C}">
-                  <a14:useLocalDpi xmlns:a14="http://schemas.microsoft.com/office/drawing/2010/main" val="0"/>
+                  <a14:useLocalDpi xmlns:a14="http://schemas.microsoft.com/office/drawing/2010/main" xmlns="" val="0"/>
                 </a:ext>
               </a:extLst>
             </a:blip>
@@ -6633,7 +10195,7 @@
     </p:spTree>
     <p:extLst>
       <p:ext uri="{BB962C8B-B14F-4D97-AF65-F5344CB8AC3E}">
-        <p14:creationId xmlns:p14="http://schemas.microsoft.com/office/powerpoint/2010/main" val="1595481233"/>
+        <p14:creationId xmlns:p14="http://schemas.microsoft.com/office/powerpoint/2010/main" xmlns="" val="1595481233"/>
       </p:ext>
     </p:extLst>
   </p:cSld>
@@ -6812,7 +10374,7 @@
             <a:blip r:embed="rId4">
               <a:extLst>
                 <a:ext uri="{28A0092B-C50C-407E-A947-70E740481C1C}">
-                  <a14:useLocalDpi xmlns:a14="http://schemas.microsoft.com/office/drawing/2010/main" val="0"/>
+                  <a14:useLocalDpi xmlns:a14="http://schemas.microsoft.com/office/drawing/2010/main" xmlns="" val="0"/>
                 </a:ext>
               </a:extLst>
             </a:blip>
@@ -6842,7 +10404,7 @@
             <a:blip r:embed="rId5">
               <a:extLst>
                 <a:ext uri="{28A0092B-C50C-407E-A947-70E740481C1C}">
-                  <a14:useLocalDpi xmlns:a14="http://schemas.microsoft.com/office/drawing/2010/main" val="0"/>
+                  <a14:useLocalDpi xmlns:a14="http://schemas.microsoft.com/office/drawing/2010/main" xmlns="" val="0"/>
                 </a:ext>
               </a:extLst>
             </a:blip>
@@ -8274,7 +11836,7 @@
     </p:spTree>
     <p:extLst>
       <p:ext uri="{BB962C8B-B14F-4D97-AF65-F5344CB8AC3E}">
-        <p14:creationId xmlns:p14="http://schemas.microsoft.com/office/powerpoint/2010/main" val="1016083968"/>
+        <p14:creationId xmlns:p14="http://schemas.microsoft.com/office/powerpoint/2010/main" xmlns="" val="1016083968"/>
       </p:ext>
     </p:extLst>
   </p:cSld>
@@ -10051,7 +13613,7 @@
     </p:spTree>
     <p:extLst>
       <p:ext uri="{BB962C8B-B14F-4D97-AF65-F5344CB8AC3E}">
-        <p14:creationId xmlns:p14="http://schemas.microsoft.com/office/powerpoint/2010/main" val="1843104547"/>
+        <p14:creationId xmlns:p14="http://schemas.microsoft.com/office/powerpoint/2010/main" xmlns="" val="1843104547"/>
       </p:ext>
     </p:extLst>
   </p:cSld>
@@ -10069,6 +13631,2439 @@
 </file>
 
 <file path=ppt/slides/slide6.xml><?xml version="1.0" encoding="utf-8"?>
+<p:sld xmlns:a="http://schemas.openxmlformats.org/drawingml/2006/main" xmlns:r="http://schemas.openxmlformats.org/officeDocument/2006/relationships" xmlns:p="http://schemas.openxmlformats.org/presentationml/2006/main">
+  <p:cSld>
+    <p:spTree>
+      <p:nvGrpSpPr>
+        <p:cNvPr id="1" name=""/>
+        <p:cNvGrpSpPr/>
+        <p:nvPr/>
+      </p:nvGrpSpPr>
+      <p:grpSpPr>
+        <a:xfrm>
+          <a:off x="0" y="0"/>
+          <a:ext cx="0" cy="0"/>
+          <a:chOff x="0" y="0"/>
+          <a:chExt cx="0" cy="0"/>
+        </a:xfrm>
+      </p:grpSpPr>
+      <p:grpSp>
+        <p:nvGrpSpPr>
+          <p:cNvPr id="2" name="그룹 38"/>
+          <p:cNvGrpSpPr/>
+          <p:nvPr/>
+        </p:nvGrpSpPr>
+        <p:grpSpPr>
+          <a:xfrm>
+            <a:off x="26636" y="1742752"/>
+            <a:ext cx="9852728" cy="4226244"/>
+            <a:chOff x="10365968" y="1742752"/>
+            <a:chExt cx="9852728" cy="4226244"/>
+          </a:xfrm>
+        </p:grpSpPr>
+        <p:pic>
+          <p:nvPicPr>
+            <p:cNvPr id="40" name="그림 39" descr="springframework.png"/>
+            <p:cNvPicPr>
+              <a:picLocks noChangeAspect="1"/>
+            </p:cNvPicPr>
+            <p:nvPr/>
+          </p:nvPicPr>
+          <p:blipFill>
+            <a:blip r:embed="rId3">
+              <a:duotone>
+                <a:schemeClr val="accent3">
+                  <a:shade val="45000"/>
+                  <a:satMod val="135000"/>
+                </a:schemeClr>
+                <a:prstClr val="white"/>
+              </a:duotone>
+            </a:blip>
+            <a:stretch>
+              <a:fillRect/>
+            </a:stretch>
+          </p:blipFill>
+          <p:spPr>
+            <a:xfrm>
+              <a:off x="10365968" y="1742753"/>
+              <a:ext cx="9838563" cy="4226243"/>
+            </a:xfrm>
+            <a:prstGeom prst="rect">
+              <a:avLst/>
+            </a:prstGeom>
+          </p:spPr>
+        </p:pic>
+        <p:sp>
+          <p:nvSpPr>
+            <p:cNvPr id="41" name="직사각형 40"/>
+            <p:cNvSpPr/>
+            <p:nvPr/>
+          </p:nvSpPr>
+          <p:spPr>
+            <a:xfrm>
+              <a:off x="13954000" y="1742752"/>
+              <a:ext cx="6264696" cy="4226243"/>
+            </a:xfrm>
+            <a:prstGeom prst="rect">
+              <a:avLst/>
+            </a:prstGeom>
+            <a:gradFill flip="none" rotWithShape="1">
+              <a:gsLst>
+                <a:gs pos="0">
+                  <a:schemeClr val="tx1">
+                    <a:lumMod val="85000"/>
+                    <a:lumOff val="15000"/>
+                    <a:alpha val="0"/>
+                  </a:schemeClr>
+                </a:gs>
+                <a:gs pos="70000">
+                  <a:schemeClr val="tx1">
+                    <a:lumMod val="85000"/>
+                    <a:lumOff val="15000"/>
+                    <a:alpha val="80000"/>
+                  </a:schemeClr>
+                </a:gs>
+                <a:gs pos="100000">
+                  <a:schemeClr val="tx1">
+                    <a:lumMod val="85000"/>
+                    <a:lumOff val="15000"/>
+                    <a:alpha val="90000"/>
+                  </a:schemeClr>
+                </a:gs>
+              </a:gsLst>
+              <a:lin ang="0" scaled="1"/>
+              <a:tileRect/>
+            </a:gradFill>
+            <a:ln>
+              <a:noFill/>
+            </a:ln>
+          </p:spPr>
+          <p:style>
+            <a:lnRef idx="2">
+              <a:schemeClr val="accent1">
+                <a:shade val="50000"/>
+              </a:schemeClr>
+            </a:lnRef>
+            <a:fillRef idx="1">
+              <a:schemeClr val="accent1"/>
+            </a:fillRef>
+            <a:effectRef idx="0">
+              <a:schemeClr val="accent1"/>
+            </a:effectRef>
+            <a:fontRef idx="minor">
+              <a:schemeClr val="lt1"/>
+            </a:fontRef>
+          </p:style>
+          <p:txBody>
+            <a:bodyPr rtlCol="0" anchor="ctr"/>
+            <a:lstStyle/>
+            <a:p>
+              <a:pPr algn="ctr"/>
+              <a:endParaRPr lang="ko-KR" altLang="en-US"/>
+            </a:p>
+          </p:txBody>
+        </p:sp>
+      </p:grpSp>
+      <p:sp>
+        <p:nvSpPr>
+          <p:cNvPr id="19" name="TextBox 18"/>
+          <p:cNvSpPr txBox="1"/>
+          <p:nvPr/>
+        </p:nvSpPr>
+        <p:spPr>
+          <a:xfrm>
+            <a:off x="309530" y="2322980"/>
+            <a:ext cx="9254468" cy="2677656"/>
+          </a:xfrm>
+          <a:prstGeom prst="rect">
+            <a:avLst/>
+          </a:prstGeom>
+          <a:solidFill>
+            <a:schemeClr val="bg1">
+              <a:lumMod val="95000"/>
+            </a:schemeClr>
+          </a:solidFill>
+        </p:spPr>
+        <p:txBody>
+          <a:bodyPr wrap="square" rtlCol="0" anchor="ctr">
+            <a:spAutoFit/>
+          </a:bodyPr>
+          <a:lstStyle/>
+          <a:p>
+            <a:pPr latinLnBrk="0"/>
+            <a:r>
+              <a:rPr lang="en-US" sz="1400" dirty="0" smtClean="0">
+                <a:solidFill>
+                  <a:srgbClr val="999999"/>
+                </a:solidFill>
+              </a:rPr>
+              <a:t>	&lt;!-- </a:t>
+            </a:r>
+            <a:r>
+              <a:rPr lang="en-US" sz="1400" dirty="0" smtClean="0">
+                <a:solidFill>
+                  <a:srgbClr val="999999"/>
+                </a:solidFill>
+              </a:rPr>
+              <a:t>interceptors --&gt;</a:t>
+            </a:r>
+            <a:endParaRPr lang="en-US" sz="1400" dirty="0" smtClean="0"/>
+          </a:p>
+          <a:p>
+            <a:pPr latinLnBrk="0"/>
+            <a:r>
+              <a:rPr lang="en-US" sz="1400" dirty="0" smtClean="0">
+                <a:solidFill>
+                  <a:srgbClr val="010101"/>
+                </a:solidFill>
+              </a:rPr>
+              <a:t>	&lt;</a:t>
+            </a:r>
+            <a:r>
+              <a:rPr lang="en-US" sz="1400" dirty="0" smtClean="0">
+                <a:solidFill>
+                  <a:srgbClr val="066DE2"/>
+                </a:solidFill>
+              </a:rPr>
+              <a:t>dependency</a:t>
+            </a:r>
+            <a:r>
+              <a:rPr lang="en-US" sz="1400" dirty="0" smtClean="0">
+                <a:solidFill>
+                  <a:srgbClr val="010101"/>
+                </a:solidFill>
+              </a:rPr>
+              <a:t>&gt;</a:t>
+            </a:r>
+            <a:endParaRPr lang="en-US" sz="1400" dirty="0" smtClean="0"/>
+          </a:p>
+          <a:p>
+            <a:pPr lvl="3" latinLnBrk="0"/>
+            <a:r>
+              <a:rPr lang="en-US" sz="1400" dirty="0" smtClean="0">
+                <a:solidFill>
+                  <a:srgbClr val="010101"/>
+                </a:solidFill>
+              </a:rPr>
+              <a:t>&lt;</a:t>
+            </a:r>
+            <a:r>
+              <a:rPr lang="en-US" sz="1400" dirty="0" err="1" smtClean="0">
+                <a:solidFill>
+                  <a:srgbClr val="066DE2"/>
+                </a:solidFill>
+              </a:rPr>
+              <a:t>groupId</a:t>
+            </a:r>
+            <a:r>
+              <a:rPr lang="en-US" sz="1400" dirty="0" smtClean="0">
+                <a:solidFill>
+                  <a:srgbClr val="010101"/>
+                </a:solidFill>
+              </a:rPr>
+              <a:t>&gt;</a:t>
+            </a:r>
+            <a:r>
+              <a:rPr lang="en-US" sz="1400" dirty="0" err="1" smtClean="0"/>
+              <a:t>javax.servlet</a:t>
+            </a:r>
+            <a:r>
+              <a:rPr lang="en-US" sz="1400" dirty="0" smtClean="0">
+                <a:solidFill>
+                  <a:srgbClr val="010101"/>
+                </a:solidFill>
+              </a:rPr>
+              <a:t>&lt;/</a:t>
+            </a:r>
+            <a:r>
+              <a:rPr lang="en-US" sz="1400" dirty="0" err="1" smtClean="0">
+                <a:solidFill>
+                  <a:srgbClr val="066DE2"/>
+                </a:solidFill>
+              </a:rPr>
+              <a:t>groupId</a:t>
+            </a:r>
+            <a:r>
+              <a:rPr lang="en-US" sz="1400" dirty="0" smtClean="0">
+                <a:solidFill>
+                  <a:srgbClr val="010101"/>
+                </a:solidFill>
+              </a:rPr>
+              <a:t>&gt;</a:t>
+            </a:r>
+            <a:endParaRPr lang="en-US" sz="1400" dirty="0" smtClean="0"/>
+          </a:p>
+          <a:p>
+            <a:pPr lvl="3" latinLnBrk="0"/>
+            <a:r>
+              <a:rPr lang="en-US" sz="1400" dirty="0" smtClean="0">
+                <a:solidFill>
+                  <a:srgbClr val="010101"/>
+                </a:solidFill>
+              </a:rPr>
+              <a:t>&lt;</a:t>
+            </a:r>
+            <a:r>
+              <a:rPr lang="en-US" sz="1400" dirty="0" err="1" smtClean="0">
+                <a:solidFill>
+                  <a:srgbClr val="066DE2"/>
+                </a:solidFill>
+              </a:rPr>
+              <a:t>artifactId</a:t>
+            </a:r>
+            <a:r>
+              <a:rPr lang="en-US" sz="1400" dirty="0" smtClean="0">
+                <a:solidFill>
+                  <a:srgbClr val="010101"/>
+                </a:solidFill>
+              </a:rPr>
+              <a:t>&gt;</a:t>
+            </a:r>
+            <a:r>
+              <a:rPr lang="en-US" sz="1400" dirty="0" err="1" smtClean="0"/>
+              <a:t>javax.servlet-api</a:t>
+            </a:r>
+            <a:r>
+              <a:rPr lang="en-US" sz="1400" dirty="0" smtClean="0">
+                <a:solidFill>
+                  <a:srgbClr val="010101"/>
+                </a:solidFill>
+              </a:rPr>
+              <a:t>&lt;/</a:t>
+            </a:r>
+            <a:r>
+              <a:rPr lang="en-US" sz="1400" dirty="0" err="1" smtClean="0">
+                <a:solidFill>
+                  <a:srgbClr val="066DE2"/>
+                </a:solidFill>
+              </a:rPr>
+              <a:t>artifactId</a:t>
+            </a:r>
+            <a:r>
+              <a:rPr lang="en-US" sz="1400" dirty="0" smtClean="0">
+                <a:solidFill>
+                  <a:srgbClr val="010101"/>
+                </a:solidFill>
+              </a:rPr>
+              <a:t>&gt;</a:t>
+            </a:r>
+            <a:endParaRPr lang="en-US" sz="1400" dirty="0" smtClean="0"/>
+          </a:p>
+          <a:p>
+            <a:pPr lvl="3" latinLnBrk="0"/>
+            <a:r>
+              <a:rPr lang="en-US" sz="1400" dirty="0" smtClean="0">
+                <a:solidFill>
+                  <a:srgbClr val="010101"/>
+                </a:solidFill>
+              </a:rPr>
+              <a:t>&lt;</a:t>
+            </a:r>
+            <a:r>
+              <a:rPr lang="en-US" sz="1400" dirty="0" smtClean="0">
+                <a:solidFill>
+                  <a:srgbClr val="066DE2"/>
+                </a:solidFill>
+              </a:rPr>
+              <a:t>version</a:t>
+            </a:r>
+            <a:r>
+              <a:rPr lang="en-US" sz="1400" dirty="0" smtClean="0">
+                <a:solidFill>
+                  <a:srgbClr val="010101"/>
+                </a:solidFill>
+              </a:rPr>
+              <a:t>&gt;</a:t>
+            </a:r>
+            <a:r>
+              <a:rPr lang="en-US" sz="1400" dirty="0" smtClean="0"/>
+              <a:t>3.0.1</a:t>
+            </a:r>
+            <a:r>
+              <a:rPr lang="en-US" sz="1400" dirty="0" smtClean="0">
+                <a:solidFill>
+                  <a:srgbClr val="010101"/>
+                </a:solidFill>
+              </a:rPr>
+              <a:t>&lt;/</a:t>
+            </a:r>
+            <a:r>
+              <a:rPr lang="en-US" sz="1400" dirty="0" smtClean="0">
+                <a:solidFill>
+                  <a:srgbClr val="066DE2"/>
+                </a:solidFill>
+              </a:rPr>
+              <a:t>version</a:t>
+            </a:r>
+            <a:r>
+              <a:rPr lang="en-US" sz="1400" dirty="0" smtClean="0">
+                <a:solidFill>
+                  <a:srgbClr val="010101"/>
+                </a:solidFill>
+              </a:rPr>
+              <a:t>&gt;</a:t>
+            </a:r>
+            <a:endParaRPr lang="en-US" sz="1400" dirty="0" smtClean="0"/>
+          </a:p>
+          <a:p>
+            <a:pPr latinLnBrk="0"/>
+            <a:r>
+              <a:rPr lang="en-US" sz="1400" dirty="0" smtClean="0">
+                <a:solidFill>
+                  <a:srgbClr val="010101"/>
+                </a:solidFill>
+              </a:rPr>
+              <a:t>	&lt;/</a:t>
+            </a:r>
+            <a:r>
+              <a:rPr lang="en-US" sz="1400" dirty="0" smtClean="0">
+                <a:solidFill>
+                  <a:srgbClr val="066DE2"/>
+                </a:solidFill>
+              </a:rPr>
+              <a:t>dependency</a:t>
+            </a:r>
+            <a:r>
+              <a:rPr lang="en-US" sz="1400" dirty="0" smtClean="0">
+                <a:solidFill>
+                  <a:srgbClr val="010101"/>
+                </a:solidFill>
+              </a:rPr>
+              <a:t>&gt;</a:t>
+            </a:r>
+            <a:endParaRPr lang="en-US" sz="1400" dirty="0" smtClean="0"/>
+          </a:p>
+          <a:p>
+            <a:pPr latinLnBrk="0"/>
+            <a:r>
+              <a:rPr lang="en-US" sz="1400" dirty="0" smtClean="0">
+                <a:solidFill>
+                  <a:srgbClr val="999999"/>
+                </a:solidFill>
+              </a:rPr>
+              <a:t>	&lt;!-- </a:t>
+            </a:r>
+            <a:r>
+              <a:rPr lang="en-US" sz="1400" dirty="0" smtClean="0">
+                <a:solidFill>
+                  <a:srgbClr val="999999"/>
+                </a:solidFill>
+              </a:rPr>
+              <a:t>JSP UI JSTL LIB --&gt;</a:t>
+            </a:r>
+            <a:endParaRPr lang="en-US" sz="1400" dirty="0" smtClean="0"/>
+          </a:p>
+          <a:p>
+            <a:pPr latinLnBrk="0"/>
+            <a:r>
+              <a:rPr lang="en-US" sz="1400" dirty="0" smtClean="0">
+                <a:solidFill>
+                  <a:srgbClr val="010101"/>
+                </a:solidFill>
+              </a:rPr>
+              <a:t>	&lt;</a:t>
+            </a:r>
+            <a:r>
+              <a:rPr lang="en-US" sz="1400" dirty="0" smtClean="0">
+                <a:solidFill>
+                  <a:srgbClr val="066DE2"/>
+                </a:solidFill>
+              </a:rPr>
+              <a:t>dependency</a:t>
+            </a:r>
+            <a:r>
+              <a:rPr lang="en-US" sz="1400" dirty="0" smtClean="0">
+                <a:solidFill>
+                  <a:srgbClr val="010101"/>
+                </a:solidFill>
+              </a:rPr>
+              <a:t>&gt;</a:t>
+            </a:r>
+            <a:endParaRPr lang="en-US" sz="1400" dirty="0" smtClean="0"/>
+          </a:p>
+          <a:p>
+            <a:pPr lvl="3" latinLnBrk="0"/>
+            <a:r>
+              <a:rPr lang="en-US" sz="1400" dirty="0" smtClean="0">
+                <a:solidFill>
+                  <a:srgbClr val="010101"/>
+                </a:solidFill>
+              </a:rPr>
+              <a:t>&lt;</a:t>
+            </a:r>
+            <a:r>
+              <a:rPr lang="en-US" sz="1400" dirty="0" err="1" smtClean="0">
+                <a:solidFill>
+                  <a:srgbClr val="066DE2"/>
+                </a:solidFill>
+              </a:rPr>
+              <a:t>groupId</a:t>
+            </a:r>
+            <a:r>
+              <a:rPr lang="en-US" sz="1400" dirty="0" smtClean="0">
+                <a:solidFill>
+                  <a:srgbClr val="010101"/>
+                </a:solidFill>
+              </a:rPr>
+              <a:t>&gt;</a:t>
+            </a:r>
+            <a:r>
+              <a:rPr lang="en-US" sz="1400" dirty="0" err="1" smtClean="0"/>
+              <a:t>javax.servlet</a:t>
+            </a:r>
+            <a:r>
+              <a:rPr lang="en-US" sz="1400" dirty="0" smtClean="0">
+                <a:solidFill>
+                  <a:srgbClr val="010101"/>
+                </a:solidFill>
+              </a:rPr>
+              <a:t>&lt;/</a:t>
+            </a:r>
+            <a:r>
+              <a:rPr lang="en-US" sz="1400" dirty="0" err="1" smtClean="0">
+                <a:solidFill>
+                  <a:srgbClr val="066DE2"/>
+                </a:solidFill>
+              </a:rPr>
+              <a:t>groupId</a:t>
+            </a:r>
+            <a:r>
+              <a:rPr lang="en-US" sz="1400" dirty="0" smtClean="0">
+                <a:solidFill>
+                  <a:srgbClr val="010101"/>
+                </a:solidFill>
+              </a:rPr>
+              <a:t>&gt;</a:t>
+            </a:r>
+            <a:endParaRPr lang="en-US" sz="1400" dirty="0" smtClean="0"/>
+          </a:p>
+          <a:p>
+            <a:pPr lvl="3" latinLnBrk="0"/>
+            <a:r>
+              <a:rPr lang="en-US" sz="1400" dirty="0" smtClean="0">
+                <a:solidFill>
+                  <a:srgbClr val="010101"/>
+                </a:solidFill>
+              </a:rPr>
+              <a:t>&lt;</a:t>
+            </a:r>
+            <a:r>
+              <a:rPr lang="en-US" sz="1400" dirty="0" err="1" smtClean="0">
+                <a:solidFill>
+                  <a:srgbClr val="066DE2"/>
+                </a:solidFill>
+              </a:rPr>
+              <a:t>artifactId</a:t>
+            </a:r>
+            <a:r>
+              <a:rPr lang="en-US" sz="1400" dirty="0" smtClean="0">
+                <a:solidFill>
+                  <a:srgbClr val="010101"/>
+                </a:solidFill>
+              </a:rPr>
+              <a:t>&gt;</a:t>
+            </a:r>
+            <a:r>
+              <a:rPr lang="en-US" sz="1400" dirty="0" err="1" smtClean="0"/>
+              <a:t>jstl</a:t>
+            </a:r>
+            <a:r>
+              <a:rPr lang="en-US" sz="1400" dirty="0" smtClean="0">
+                <a:solidFill>
+                  <a:srgbClr val="010101"/>
+                </a:solidFill>
+              </a:rPr>
+              <a:t>&lt;/</a:t>
+            </a:r>
+            <a:r>
+              <a:rPr lang="en-US" sz="1400" dirty="0" err="1" smtClean="0">
+                <a:solidFill>
+                  <a:srgbClr val="066DE2"/>
+                </a:solidFill>
+              </a:rPr>
+              <a:t>artifactId</a:t>
+            </a:r>
+            <a:r>
+              <a:rPr lang="en-US" sz="1400" dirty="0" smtClean="0">
+                <a:solidFill>
+                  <a:srgbClr val="010101"/>
+                </a:solidFill>
+              </a:rPr>
+              <a:t>&gt;</a:t>
+            </a:r>
+            <a:endParaRPr lang="en-US" sz="1400" dirty="0" smtClean="0"/>
+          </a:p>
+          <a:p>
+            <a:pPr lvl="3" latinLnBrk="0"/>
+            <a:r>
+              <a:rPr lang="en-US" sz="1400" dirty="0" smtClean="0">
+                <a:solidFill>
+                  <a:srgbClr val="010101"/>
+                </a:solidFill>
+              </a:rPr>
+              <a:t>&lt;</a:t>
+            </a:r>
+            <a:r>
+              <a:rPr lang="en-US" sz="1400" dirty="0" smtClean="0">
+                <a:solidFill>
+                  <a:srgbClr val="066DE2"/>
+                </a:solidFill>
+              </a:rPr>
+              <a:t>version</a:t>
+            </a:r>
+            <a:r>
+              <a:rPr lang="en-US" sz="1400" dirty="0" smtClean="0">
+                <a:solidFill>
+                  <a:srgbClr val="010101"/>
+                </a:solidFill>
+              </a:rPr>
+              <a:t>&gt;</a:t>
+            </a:r>
+            <a:r>
+              <a:rPr lang="en-US" sz="1400" dirty="0" smtClean="0"/>
+              <a:t>1.2</a:t>
+            </a:r>
+            <a:r>
+              <a:rPr lang="en-US" sz="1400" dirty="0" smtClean="0">
+                <a:solidFill>
+                  <a:srgbClr val="010101"/>
+                </a:solidFill>
+              </a:rPr>
+              <a:t>&lt;/</a:t>
+            </a:r>
+            <a:r>
+              <a:rPr lang="en-US" sz="1400" dirty="0" smtClean="0">
+                <a:solidFill>
+                  <a:srgbClr val="066DE2"/>
+                </a:solidFill>
+              </a:rPr>
+              <a:t>version</a:t>
+            </a:r>
+            <a:r>
+              <a:rPr lang="en-US" sz="1400" dirty="0" smtClean="0">
+                <a:solidFill>
+                  <a:srgbClr val="010101"/>
+                </a:solidFill>
+              </a:rPr>
+              <a:t>&gt;</a:t>
+            </a:r>
+            <a:endParaRPr lang="en-US" sz="1400" dirty="0" smtClean="0"/>
+          </a:p>
+          <a:p>
+            <a:pPr lvl="2" latinLnBrk="0"/>
+            <a:r>
+              <a:rPr lang="en-US" sz="1400" dirty="0" smtClean="0">
+                <a:solidFill>
+                  <a:srgbClr val="010101"/>
+                </a:solidFill>
+              </a:rPr>
+              <a:t>&lt;/</a:t>
+            </a:r>
+            <a:r>
+              <a:rPr lang="en-US" sz="1400" dirty="0" smtClean="0">
+                <a:solidFill>
+                  <a:srgbClr val="066DE2"/>
+                </a:solidFill>
+              </a:rPr>
+              <a:t>dependency</a:t>
+            </a:r>
+            <a:r>
+              <a:rPr lang="en-US" sz="1400" dirty="0" smtClean="0">
+                <a:solidFill>
+                  <a:srgbClr val="010101"/>
+                </a:solidFill>
+              </a:rPr>
+              <a:t>&gt;</a:t>
+            </a:r>
+            <a:endParaRPr lang="ko-KR" altLang="en-US" sz="1400" dirty="0"/>
+          </a:p>
+        </p:txBody>
+      </p:sp>
+      <p:grpSp>
+        <p:nvGrpSpPr>
+          <p:cNvPr id="6" name="그룹 1"/>
+          <p:cNvGrpSpPr/>
+          <p:nvPr/>
+        </p:nvGrpSpPr>
+        <p:grpSpPr>
+          <a:xfrm>
+            <a:off x="0" y="0"/>
+            <a:ext cx="9906000" cy="6970871"/>
+            <a:chOff x="0" y="0"/>
+            <a:chExt cx="9906000" cy="6970871"/>
+          </a:xfrm>
+        </p:grpSpPr>
+        <p:pic>
+          <p:nvPicPr>
+            <p:cNvPr id="2050" name="Picture 2" descr="C:\Users\USER\Desktop\2차 프로젝트(WEB)_4조\images\macbook_PNG36.png"/>
+            <p:cNvPicPr>
+              <a:picLocks noChangeAspect="1" noChangeArrowheads="1"/>
+            </p:cNvPicPr>
+            <p:nvPr/>
+          </p:nvPicPr>
+          <p:blipFill>
+            <a:blip r:embed="rId4"/>
+            <a:srcRect l="9199" r="9199"/>
+            <a:stretch>
+              <a:fillRect/>
+            </a:stretch>
+          </p:blipFill>
+          <p:spPr bwMode="auto">
+            <a:xfrm>
+              <a:off x="0" y="0"/>
+              <a:ext cx="9906000" cy="6970871"/>
+            </a:xfrm>
+            <a:prstGeom prst="rect">
+              <a:avLst/>
+            </a:prstGeom>
+            <a:noFill/>
+          </p:spPr>
+        </p:pic>
+        <p:sp>
+          <p:nvSpPr>
+            <p:cNvPr id="3" name="직사각형 2"/>
+            <p:cNvSpPr/>
+            <p:nvPr/>
+          </p:nvSpPr>
+          <p:spPr>
+            <a:xfrm>
+              <a:off x="0" y="0"/>
+              <a:ext cx="9906000" cy="6858000"/>
+            </a:xfrm>
+            <a:prstGeom prst="rect">
+              <a:avLst/>
+            </a:prstGeom>
+            <a:solidFill>
+              <a:schemeClr val="tx1">
+                <a:lumMod val="85000"/>
+                <a:lumOff val="15000"/>
+                <a:alpha val="60000"/>
+              </a:schemeClr>
+            </a:solidFill>
+            <a:ln>
+              <a:noFill/>
+            </a:ln>
+          </p:spPr>
+          <p:style>
+            <a:lnRef idx="2">
+              <a:schemeClr val="accent1">
+                <a:shade val="50000"/>
+              </a:schemeClr>
+            </a:lnRef>
+            <a:fillRef idx="1">
+              <a:schemeClr val="accent1"/>
+            </a:fillRef>
+            <a:effectRef idx="0">
+              <a:schemeClr val="accent1"/>
+            </a:effectRef>
+            <a:fontRef idx="minor">
+              <a:schemeClr val="lt1"/>
+            </a:fontRef>
+          </p:style>
+          <p:txBody>
+            <a:bodyPr rtlCol="0" anchor="ctr"/>
+            <a:lstStyle/>
+            <a:p>
+              <a:pPr algn="ctr"/>
+              <a:endParaRPr lang="ko-KR" altLang="en-US"/>
+            </a:p>
+          </p:txBody>
+        </p:sp>
+      </p:grpSp>
+      <p:grpSp>
+        <p:nvGrpSpPr>
+          <p:cNvPr id="7" name="그룹 43"/>
+          <p:cNvGrpSpPr/>
+          <p:nvPr/>
+        </p:nvGrpSpPr>
+        <p:grpSpPr>
+          <a:xfrm>
+            <a:off x="5851866" y="641157"/>
+            <a:ext cx="4357718" cy="613925"/>
+            <a:chOff x="0" y="641157"/>
+            <a:chExt cx="4357718" cy="613925"/>
+          </a:xfrm>
+        </p:grpSpPr>
+        <p:sp>
+          <p:nvSpPr>
+            <p:cNvPr id="4" name="TextBox 3"/>
+            <p:cNvSpPr txBox="1"/>
+            <p:nvPr/>
+          </p:nvSpPr>
+          <p:spPr>
+            <a:xfrm>
+              <a:off x="1643074" y="641157"/>
+              <a:ext cx="2714644" cy="307777"/>
+            </a:xfrm>
+            <a:prstGeom prst="rect">
+              <a:avLst/>
+            </a:prstGeom>
+            <a:noFill/>
+            <a:ln>
+              <a:noFill/>
+            </a:ln>
+          </p:spPr>
+          <p:txBody>
+            <a:bodyPr wrap="square" rtlCol="0">
+              <a:spAutoFit/>
+            </a:bodyPr>
+            <a:lstStyle/>
+            <a:p>
+              <a:r>
+                <a:rPr lang="en-US" altLang="ko-KR" sz="1400" dirty="0" err="1" smtClean="0">
+                  <a:solidFill>
+                    <a:schemeClr val="bg1">
+                      <a:lumMod val="65000"/>
+                    </a:schemeClr>
+                  </a:solidFill>
+                  <a:latin typeface="한컴 윤고딕 250" pitchFamily="18" charset="-127"/>
+                  <a:ea typeface="한컴 윤고딕 250" pitchFamily="18" charset="-127"/>
+                </a:rPr>
+                <a:t>SpringFramework</a:t>
+              </a:r>
+              <a:endParaRPr lang="en-US" altLang="ko-KR" sz="1400" dirty="0" smtClean="0">
+                <a:solidFill>
+                  <a:schemeClr val="bg1">
+                    <a:lumMod val="65000"/>
+                  </a:schemeClr>
+                </a:solidFill>
+                <a:latin typeface="한컴 윤고딕 250" pitchFamily="18" charset="-127"/>
+                <a:ea typeface="한컴 윤고딕 250" pitchFamily="18" charset="-127"/>
+              </a:endParaRPr>
+            </a:p>
+          </p:txBody>
+        </p:sp>
+        <p:sp>
+          <p:nvSpPr>
+            <p:cNvPr id="5" name="TextBox 4"/>
+            <p:cNvSpPr txBox="1"/>
+            <p:nvPr/>
+          </p:nvSpPr>
+          <p:spPr>
+            <a:xfrm>
+              <a:off x="0" y="916528"/>
+              <a:ext cx="4357718" cy="338554"/>
+            </a:xfrm>
+            <a:prstGeom prst="rect">
+              <a:avLst/>
+            </a:prstGeom>
+            <a:noFill/>
+            <a:ln>
+              <a:noFill/>
+            </a:ln>
+          </p:spPr>
+          <p:txBody>
+            <a:bodyPr wrap="square" rtlCol="0">
+              <a:spAutoFit/>
+            </a:bodyPr>
+            <a:lstStyle/>
+            <a:p>
+              <a:pPr algn="ctr"/>
+              <a:r>
+                <a:rPr lang="en-US" altLang="ko-KR" sz="1600" dirty="0" err="1" smtClean="0">
+                  <a:solidFill>
+                    <a:schemeClr val="bg1">
+                      <a:lumMod val="65000"/>
+                    </a:schemeClr>
+                  </a:solidFill>
+                  <a:latin typeface="한컴 윤고딕 250" pitchFamily="18" charset="-127"/>
+                  <a:ea typeface="한컴 윤고딕 250" pitchFamily="18" charset="-127"/>
+                </a:rPr>
+                <a:t>HandlerInterceptor</a:t>
+              </a:r>
+              <a:endParaRPr lang="ko-KR" altLang="en-US" sz="1600" dirty="0">
+                <a:solidFill>
+                  <a:schemeClr val="bg1">
+                    <a:lumMod val="65000"/>
+                  </a:schemeClr>
+                </a:solidFill>
+                <a:latin typeface="한컴 윤고딕 250" pitchFamily="18" charset="-127"/>
+                <a:ea typeface="한컴 윤고딕 250" pitchFamily="18" charset="-127"/>
+              </a:endParaRPr>
+            </a:p>
+          </p:txBody>
+        </p:sp>
+        <p:cxnSp>
+          <p:nvCxnSpPr>
+            <p:cNvPr id="13" name="직선 연결선 12"/>
+            <p:cNvCxnSpPr/>
+            <p:nvPr/>
+          </p:nvCxnSpPr>
+          <p:spPr>
+            <a:xfrm>
+              <a:off x="1693422" y="929740"/>
+              <a:ext cx="1944216" cy="0"/>
+            </a:xfrm>
+            <a:prstGeom prst="line">
+              <a:avLst/>
+            </a:prstGeom>
+            <a:ln w="19050">
+              <a:solidFill>
+                <a:schemeClr val="bg1">
+                  <a:lumMod val="65000"/>
+                </a:schemeClr>
+              </a:solidFill>
+            </a:ln>
+          </p:spPr>
+          <p:style>
+            <a:lnRef idx="1">
+              <a:schemeClr val="accent1"/>
+            </a:lnRef>
+            <a:fillRef idx="0">
+              <a:schemeClr val="accent1"/>
+            </a:fillRef>
+            <a:effectRef idx="0">
+              <a:schemeClr val="accent1"/>
+            </a:effectRef>
+            <a:fontRef idx="minor">
+              <a:schemeClr val="tx1"/>
+            </a:fontRef>
+          </p:style>
+        </p:cxnSp>
+        <p:cxnSp>
+          <p:nvCxnSpPr>
+            <p:cNvPr id="14" name="직선 연결선 13"/>
+            <p:cNvCxnSpPr/>
+            <p:nvPr/>
+          </p:nvCxnSpPr>
+          <p:spPr>
+            <a:xfrm>
+              <a:off x="988894" y="1218345"/>
+              <a:ext cx="2376264" cy="0"/>
+            </a:xfrm>
+            <a:prstGeom prst="line">
+              <a:avLst/>
+            </a:prstGeom>
+            <a:ln w="19050">
+              <a:solidFill>
+                <a:schemeClr val="bg1">
+                  <a:lumMod val="65000"/>
+                </a:schemeClr>
+              </a:solidFill>
+            </a:ln>
+          </p:spPr>
+          <p:style>
+            <a:lnRef idx="1">
+              <a:schemeClr val="accent1"/>
+            </a:lnRef>
+            <a:fillRef idx="0">
+              <a:schemeClr val="accent1"/>
+            </a:fillRef>
+            <a:effectRef idx="0">
+              <a:schemeClr val="accent1"/>
+            </a:effectRef>
+            <a:fontRef idx="minor">
+              <a:schemeClr val="tx1"/>
+            </a:fontRef>
+          </p:style>
+        </p:cxnSp>
+      </p:grpSp>
+      <p:grpSp>
+        <p:nvGrpSpPr>
+          <p:cNvPr id="8" name="그룹 58"/>
+          <p:cNvGrpSpPr/>
+          <p:nvPr/>
+        </p:nvGrpSpPr>
+        <p:grpSpPr>
+          <a:xfrm>
+            <a:off x="469097" y="1213678"/>
+            <a:ext cx="5222583" cy="400110"/>
+            <a:chOff x="469098" y="1285686"/>
+            <a:chExt cx="4843942" cy="400110"/>
+          </a:xfrm>
+        </p:grpSpPr>
+        <p:sp>
+          <p:nvSpPr>
+            <p:cNvPr id="60" name="TextBox 59"/>
+            <p:cNvSpPr txBox="1"/>
+            <p:nvPr/>
+          </p:nvSpPr>
+          <p:spPr>
+            <a:xfrm>
+              <a:off x="469098" y="1285686"/>
+              <a:ext cx="4843942" cy="400110"/>
+            </a:xfrm>
+            <a:prstGeom prst="rect">
+              <a:avLst/>
+            </a:prstGeom>
+            <a:noFill/>
+          </p:spPr>
+          <p:txBody>
+            <a:bodyPr wrap="square" rtlCol="0">
+              <a:spAutoFit/>
+            </a:bodyPr>
+            <a:lstStyle/>
+            <a:p>
+              <a:r>
+                <a:rPr lang="en-US" altLang="ko-KR" sz="2000" dirty="0" err="1" smtClean="0">
+                  <a:solidFill>
+                    <a:schemeClr val="bg1">
+                      <a:lumMod val="95000"/>
+                    </a:schemeClr>
+                  </a:solidFill>
+                  <a:latin typeface="한컴 윤고딕 250" pitchFamily="18" charset="-127"/>
+                  <a:ea typeface="한컴 윤고딕 250" pitchFamily="18" charset="-127"/>
+                </a:rPr>
+                <a:t>HandlerInterceptor</a:t>
+              </a:r>
+              <a:r>
+                <a:rPr lang="en-US" altLang="ko-KR" sz="2000" dirty="0" smtClean="0">
+                  <a:solidFill>
+                    <a:schemeClr val="bg1">
+                      <a:lumMod val="95000"/>
+                    </a:schemeClr>
+                  </a:solidFill>
+                  <a:latin typeface="한컴 윤고딕 250" pitchFamily="18" charset="-127"/>
+                  <a:ea typeface="한컴 윤고딕 250" pitchFamily="18" charset="-127"/>
+                </a:rPr>
+                <a:t> </a:t>
+              </a:r>
+              <a:r>
+                <a:rPr lang="ko-KR" altLang="en-US" sz="2000" dirty="0" smtClean="0">
+                  <a:solidFill>
+                    <a:schemeClr val="bg1">
+                      <a:lumMod val="95000"/>
+                    </a:schemeClr>
+                  </a:solidFill>
+                  <a:latin typeface="한컴 윤고딕 250" pitchFamily="18" charset="-127"/>
+                  <a:ea typeface="한컴 윤고딕 250" pitchFamily="18" charset="-127"/>
+                </a:rPr>
+                <a:t>사용 예제</a:t>
+              </a:r>
+              <a:endParaRPr lang="en-US" altLang="ko-KR" sz="2000" dirty="0" smtClean="0">
+                <a:solidFill>
+                  <a:schemeClr val="bg1">
+                    <a:lumMod val="95000"/>
+                  </a:schemeClr>
+                </a:solidFill>
+                <a:latin typeface="한컴 윤고딕 250" pitchFamily="18" charset="-127"/>
+                <a:ea typeface="한컴 윤고딕 250" pitchFamily="18" charset="-127"/>
+              </a:endParaRPr>
+            </a:p>
+          </p:txBody>
+        </p:sp>
+        <p:cxnSp>
+          <p:nvCxnSpPr>
+            <p:cNvPr id="65" name="직선 연결선 64"/>
+            <p:cNvCxnSpPr/>
+            <p:nvPr/>
+          </p:nvCxnSpPr>
+          <p:spPr>
+            <a:xfrm>
+              <a:off x="577204" y="1685796"/>
+              <a:ext cx="3739677" cy="0"/>
+            </a:xfrm>
+            <a:prstGeom prst="line">
+              <a:avLst/>
+            </a:prstGeom>
+            <a:ln w="19050">
+              <a:solidFill>
+                <a:schemeClr val="bg1">
+                  <a:lumMod val="75000"/>
+                </a:schemeClr>
+              </a:solidFill>
+            </a:ln>
+          </p:spPr>
+          <p:style>
+            <a:lnRef idx="1">
+              <a:schemeClr val="accent1"/>
+            </a:lnRef>
+            <a:fillRef idx="0">
+              <a:schemeClr val="accent1"/>
+            </a:fillRef>
+            <a:effectRef idx="0">
+              <a:schemeClr val="accent1"/>
+            </a:effectRef>
+            <a:fontRef idx="minor">
+              <a:schemeClr val="tx1"/>
+            </a:fontRef>
+          </p:style>
+        </p:cxnSp>
+      </p:grpSp>
+      <p:sp>
+        <p:nvSpPr>
+          <p:cNvPr id="25" name="TextBox 24"/>
+          <p:cNvSpPr txBox="1"/>
+          <p:nvPr/>
+        </p:nvSpPr>
+        <p:spPr>
+          <a:xfrm>
+            <a:off x="704528" y="1693659"/>
+            <a:ext cx="4247838" cy="369332"/>
+          </a:xfrm>
+          <a:prstGeom prst="rect">
+            <a:avLst/>
+          </a:prstGeom>
+          <a:noFill/>
+        </p:spPr>
+        <p:txBody>
+          <a:bodyPr wrap="square" rtlCol="0" anchor="ctr" anchorCtr="0">
+            <a:spAutoFit/>
+          </a:bodyPr>
+          <a:lstStyle/>
+          <a:p>
+            <a:r>
+              <a:rPr lang="en-US" altLang="ko-KR" dirty="0" smtClean="0">
+                <a:solidFill>
+                  <a:schemeClr val="bg1">
+                    <a:lumMod val="95000"/>
+                  </a:schemeClr>
+                </a:solidFill>
+                <a:latin typeface="한컴 윤고딕 250" pitchFamily="18" charset="-127"/>
+                <a:ea typeface="한컴 윤고딕 250" pitchFamily="18" charset="-127"/>
+              </a:rPr>
+              <a:t>#</a:t>
+            </a:r>
+            <a:r>
+              <a:rPr lang="en-US" altLang="ko-KR" dirty="0" smtClean="0">
+                <a:solidFill>
+                  <a:schemeClr val="bg1">
+                    <a:lumMod val="95000"/>
+                  </a:schemeClr>
+                </a:solidFill>
+                <a:latin typeface="한컴 윤고딕 250" pitchFamily="18" charset="-127"/>
+                <a:ea typeface="한컴 윤고딕 250" pitchFamily="18" charset="-127"/>
+              </a:rPr>
+              <a:t> </a:t>
+            </a:r>
+            <a:r>
+              <a:rPr lang="en-US" altLang="ko-KR" dirty="0" smtClean="0">
+                <a:solidFill>
+                  <a:schemeClr val="bg1">
+                    <a:lumMod val="95000"/>
+                  </a:schemeClr>
+                </a:solidFill>
+                <a:latin typeface="한컴 윤고딕 250" pitchFamily="18" charset="-127"/>
+                <a:ea typeface="한컴 윤고딕 250" pitchFamily="18" charset="-127"/>
+              </a:rPr>
+              <a:t>pom.xml </a:t>
+            </a:r>
+            <a:r>
+              <a:rPr lang="ko-KR" altLang="en-US" dirty="0" smtClean="0">
+                <a:solidFill>
+                  <a:schemeClr val="bg1">
+                    <a:lumMod val="95000"/>
+                  </a:schemeClr>
+                </a:solidFill>
+                <a:latin typeface="한컴 윤고딕 250" pitchFamily="18" charset="-127"/>
+                <a:ea typeface="한컴 윤고딕 250" pitchFamily="18" charset="-127"/>
+              </a:rPr>
+              <a:t>설정</a:t>
+            </a:r>
+            <a:endParaRPr lang="en-US" altLang="ko-KR" dirty="0" smtClean="0">
+              <a:solidFill>
+                <a:schemeClr val="bg1">
+                  <a:lumMod val="95000"/>
+                </a:schemeClr>
+              </a:solidFill>
+              <a:latin typeface="한컴 윤고딕 250" pitchFamily="18" charset="-127"/>
+              <a:ea typeface="한컴 윤고딕 250" pitchFamily="18" charset="-127"/>
+            </a:endParaRPr>
+          </a:p>
+        </p:txBody>
+      </p:sp>
+      <p:cxnSp>
+        <p:nvCxnSpPr>
+          <p:cNvPr id="26" name="직선 연결선 25"/>
+          <p:cNvCxnSpPr/>
+          <p:nvPr/>
+        </p:nvCxnSpPr>
+        <p:spPr>
+          <a:xfrm>
+            <a:off x="776536" y="2071678"/>
+            <a:ext cx="1908000" cy="0"/>
+          </a:xfrm>
+          <a:prstGeom prst="line">
+            <a:avLst/>
+          </a:prstGeom>
+          <a:ln w="19050">
+            <a:solidFill>
+              <a:schemeClr val="bg1">
+                <a:lumMod val="75000"/>
+              </a:schemeClr>
+            </a:solidFill>
+          </a:ln>
+        </p:spPr>
+        <p:style>
+          <a:lnRef idx="1">
+            <a:schemeClr val="accent1"/>
+          </a:lnRef>
+          <a:fillRef idx="0">
+            <a:schemeClr val="accent1"/>
+          </a:fillRef>
+          <a:effectRef idx="0">
+            <a:schemeClr val="accent1"/>
+          </a:effectRef>
+          <a:fontRef idx="minor">
+            <a:schemeClr val="tx1"/>
+          </a:fontRef>
+        </p:style>
+      </p:cxnSp>
+    </p:spTree>
+    <p:extLst>
+      <p:ext uri="{BB962C8B-B14F-4D97-AF65-F5344CB8AC3E}">
+        <p14:creationId xmlns:p14="http://schemas.microsoft.com/office/powerpoint/2010/main" xmlns="" val="823508735"/>
+      </p:ext>
+    </p:extLst>
+  </p:cSld>
+  <p:clrMapOvr>
+    <a:masterClrMapping/>
+  </p:clrMapOvr>
+  <p:timing>
+    <p:tnLst>
+      <p:par>
+        <p:cTn id="1" dur="indefinite" restart="never" nodeType="tmRoot"/>
+      </p:par>
+    </p:tnLst>
+  </p:timing>
+</p:sld>
+</file>
+
+<file path=ppt/slides/slide7.xml><?xml version="1.0" encoding="utf-8"?>
+<p:sld xmlns:a="http://schemas.openxmlformats.org/drawingml/2006/main" xmlns:r="http://schemas.openxmlformats.org/officeDocument/2006/relationships" xmlns:p="http://schemas.openxmlformats.org/presentationml/2006/main">
+  <p:cSld>
+    <p:spTree>
+      <p:nvGrpSpPr>
+        <p:cNvPr id="1" name=""/>
+        <p:cNvGrpSpPr/>
+        <p:nvPr/>
+      </p:nvGrpSpPr>
+      <p:grpSpPr>
+        <a:xfrm>
+          <a:off x="0" y="0"/>
+          <a:ext cx="0" cy="0"/>
+          <a:chOff x="0" y="0"/>
+          <a:chExt cx="0" cy="0"/>
+        </a:xfrm>
+      </p:grpSpPr>
+      <p:grpSp>
+        <p:nvGrpSpPr>
+          <p:cNvPr id="2" name="그룹 38"/>
+          <p:cNvGrpSpPr/>
+          <p:nvPr/>
+        </p:nvGrpSpPr>
+        <p:grpSpPr>
+          <a:xfrm>
+            <a:off x="26636" y="1742752"/>
+            <a:ext cx="9852728" cy="4226244"/>
+            <a:chOff x="10365968" y="1742752"/>
+            <a:chExt cx="9852728" cy="4226244"/>
+          </a:xfrm>
+        </p:grpSpPr>
+        <p:pic>
+          <p:nvPicPr>
+            <p:cNvPr id="40" name="그림 39" descr="springframework.png"/>
+            <p:cNvPicPr>
+              <a:picLocks noChangeAspect="1"/>
+            </p:cNvPicPr>
+            <p:nvPr/>
+          </p:nvPicPr>
+          <p:blipFill>
+            <a:blip r:embed="rId3">
+              <a:duotone>
+                <a:schemeClr val="accent3">
+                  <a:shade val="45000"/>
+                  <a:satMod val="135000"/>
+                </a:schemeClr>
+                <a:prstClr val="white"/>
+              </a:duotone>
+            </a:blip>
+            <a:stretch>
+              <a:fillRect/>
+            </a:stretch>
+          </p:blipFill>
+          <p:spPr>
+            <a:xfrm>
+              <a:off x="10365968" y="1742753"/>
+              <a:ext cx="9838563" cy="4226243"/>
+            </a:xfrm>
+            <a:prstGeom prst="rect">
+              <a:avLst/>
+            </a:prstGeom>
+          </p:spPr>
+        </p:pic>
+        <p:sp>
+          <p:nvSpPr>
+            <p:cNvPr id="41" name="직사각형 40"/>
+            <p:cNvSpPr/>
+            <p:nvPr/>
+          </p:nvSpPr>
+          <p:spPr>
+            <a:xfrm>
+              <a:off x="13954000" y="1742752"/>
+              <a:ext cx="6264696" cy="4226243"/>
+            </a:xfrm>
+            <a:prstGeom prst="rect">
+              <a:avLst/>
+            </a:prstGeom>
+            <a:gradFill flip="none" rotWithShape="1">
+              <a:gsLst>
+                <a:gs pos="0">
+                  <a:schemeClr val="tx1">
+                    <a:lumMod val="85000"/>
+                    <a:lumOff val="15000"/>
+                    <a:alpha val="0"/>
+                  </a:schemeClr>
+                </a:gs>
+                <a:gs pos="70000">
+                  <a:schemeClr val="tx1">
+                    <a:lumMod val="85000"/>
+                    <a:lumOff val="15000"/>
+                    <a:alpha val="80000"/>
+                  </a:schemeClr>
+                </a:gs>
+                <a:gs pos="100000">
+                  <a:schemeClr val="tx1">
+                    <a:lumMod val="85000"/>
+                    <a:lumOff val="15000"/>
+                    <a:alpha val="90000"/>
+                  </a:schemeClr>
+                </a:gs>
+              </a:gsLst>
+              <a:lin ang="0" scaled="1"/>
+              <a:tileRect/>
+            </a:gradFill>
+            <a:ln>
+              <a:noFill/>
+            </a:ln>
+          </p:spPr>
+          <p:style>
+            <a:lnRef idx="2">
+              <a:schemeClr val="accent1">
+                <a:shade val="50000"/>
+              </a:schemeClr>
+            </a:lnRef>
+            <a:fillRef idx="1">
+              <a:schemeClr val="accent1"/>
+            </a:fillRef>
+            <a:effectRef idx="0">
+              <a:schemeClr val="accent1"/>
+            </a:effectRef>
+            <a:fontRef idx="minor">
+              <a:schemeClr val="lt1"/>
+            </a:fontRef>
+          </p:style>
+          <p:txBody>
+            <a:bodyPr rtlCol="0" anchor="ctr"/>
+            <a:lstStyle/>
+            <a:p>
+              <a:pPr algn="ctr"/>
+              <a:endParaRPr lang="ko-KR" altLang="en-US"/>
+            </a:p>
+          </p:txBody>
+        </p:sp>
+      </p:grpSp>
+      <p:sp>
+        <p:nvSpPr>
+          <p:cNvPr id="19" name="TextBox 18"/>
+          <p:cNvSpPr txBox="1"/>
+          <p:nvPr/>
+        </p:nvSpPr>
+        <p:spPr>
+          <a:xfrm>
+            <a:off x="309530" y="2214554"/>
+            <a:ext cx="9254468" cy="2893100"/>
+          </a:xfrm>
+          <a:prstGeom prst="rect">
+            <a:avLst/>
+          </a:prstGeom>
+          <a:solidFill>
+            <a:schemeClr val="bg1">
+              <a:lumMod val="95000"/>
+            </a:schemeClr>
+          </a:solidFill>
+        </p:spPr>
+        <p:txBody>
+          <a:bodyPr wrap="square" rtlCol="0" anchor="ctr">
+            <a:spAutoFit/>
+          </a:bodyPr>
+          <a:lstStyle/>
+          <a:p>
+            <a:pPr lvl="1" latinLnBrk="0"/>
+            <a:r>
+              <a:rPr lang="en-US" sz="1400" dirty="0" smtClean="0">
+                <a:solidFill>
+                  <a:srgbClr val="999999"/>
+                </a:solidFill>
+              </a:rPr>
+              <a:t>&lt;!-- </a:t>
+            </a:r>
+            <a:r>
+              <a:rPr lang="en-US" sz="1400" dirty="0" err="1" smtClean="0">
+                <a:solidFill>
+                  <a:srgbClr val="999999"/>
+                </a:solidFill>
+              </a:rPr>
+              <a:t>HandlerInterceptor</a:t>
+            </a:r>
+            <a:r>
+              <a:rPr lang="en-US" sz="1400" dirty="0" smtClean="0">
+                <a:solidFill>
+                  <a:srgbClr val="999999"/>
+                </a:solidFill>
+              </a:rPr>
+              <a:t> </a:t>
+            </a:r>
+            <a:r>
+              <a:rPr lang="ko-KR" altLang="en-US" sz="1400" dirty="0" smtClean="0">
+                <a:solidFill>
+                  <a:srgbClr val="999999"/>
+                </a:solidFill>
+              </a:rPr>
+              <a:t>설정 </a:t>
+            </a:r>
+            <a:r>
+              <a:rPr lang="en-US" altLang="ko-KR" sz="1400" dirty="0" smtClean="0">
+                <a:solidFill>
+                  <a:srgbClr val="999999"/>
+                </a:solidFill>
+              </a:rPr>
+              <a:t>--&gt;</a:t>
+            </a:r>
+            <a:endParaRPr lang="ko-KR" altLang="en-US" sz="1400" dirty="0" smtClean="0"/>
+          </a:p>
+          <a:p>
+            <a:pPr lvl="1" latinLnBrk="0"/>
+            <a:r>
+              <a:rPr lang="en-US" altLang="ko-KR" sz="1400" dirty="0" smtClean="0">
+                <a:solidFill>
+                  <a:srgbClr val="010101"/>
+                </a:solidFill>
+              </a:rPr>
+              <a:t>&lt;</a:t>
+            </a:r>
+            <a:r>
+              <a:rPr lang="en-US" sz="1400" dirty="0" err="1" smtClean="0">
+                <a:solidFill>
+                  <a:srgbClr val="066DE2"/>
+                </a:solidFill>
+              </a:rPr>
+              <a:t>mvc:interceptors</a:t>
+            </a:r>
+            <a:r>
+              <a:rPr lang="en-US" sz="1400" dirty="0" smtClean="0">
+                <a:solidFill>
+                  <a:srgbClr val="010101"/>
+                </a:solidFill>
+              </a:rPr>
+              <a:t>&gt;</a:t>
+            </a:r>
+            <a:endParaRPr lang="en-US" sz="1400" dirty="0" smtClean="0"/>
+          </a:p>
+          <a:p>
+            <a:pPr lvl="2" latinLnBrk="0"/>
+            <a:r>
+              <a:rPr lang="en-US" sz="1400" dirty="0" smtClean="0">
+                <a:solidFill>
+                  <a:srgbClr val="010101"/>
+                </a:solidFill>
+              </a:rPr>
+              <a:t>&lt;</a:t>
+            </a:r>
+            <a:r>
+              <a:rPr lang="en-US" sz="1400" dirty="0" err="1" smtClean="0">
+                <a:solidFill>
+                  <a:srgbClr val="066DE2"/>
+                </a:solidFill>
+              </a:rPr>
+              <a:t>mvc:interceptor</a:t>
+            </a:r>
+            <a:r>
+              <a:rPr lang="en-US" sz="1400" dirty="0" smtClean="0">
+                <a:solidFill>
+                  <a:srgbClr val="010101"/>
+                </a:solidFill>
+              </a:rPr>
+              <a:t>&gt;</a:t>
+            </a:r>
+            <a:endParaRPr lang="en-US" sz="1400" dirty="0" smtClean="0"/>
+          </a:p>
+          <a:p>
+            <a:pPr lvl="3" latinLnBrk="0"/>
+            <a:r>
+              <a:rPr lang="en-US" sz="1400" dirty="0" smtClean="0">
+                <a:solidFill>
+                  <a:srgbClr val="010101"/>
+                </a:solidFill>
+              </a:rPr>
+              <a:t>&lt;</a:t>
+            </a:r>
+            <a:r>
+              <a:rPr lang="en-US" sz="1400" dirty="0" err="1" smtClean="0">
+                <a:solidFill>
+                  <a:srgbClr val="066DE2"/>
+                </a:solidFill>
+              </a:rPr>
+              <a:t>mvc:mapping</a:t>
+            </a:r>
+            <a:r>
+              <a:rPr lang="en-US" sz="1400" dirty="0" smtClean="0"/>
+              <a:t> </a:t>
+            </a:r>
+            <a:r>
+              <a:rPr lang="en-US" sz="1400" dirty="0" smtClean="0">
+                <a:solidFill>
+                  <a:srgbClr val="0A9989"/>
+                </a:solidFill>
+              </a:rPr>
+              <a:t>path</a:t>
+            </a:r>
+            <a:r>
+              <a:rPr lang="en-US" sz="1400" dirty="0" smtClean="0"/>
+              <a:t>=</a:t>
+            </a:r>
+            <a:r>
+              <a:rPr lang="en-US" sz="1400" dirty="0" smtClean="0">
+                <a:solidFill>
+                  <a:srgbClr val="DF5000"/>
+                </a:solidFill>
+              </a:rPr>
+              <a:t>"/**"</a:t>
+            </a:r>
+            <a:r>
+              <a:rPr lang="en-US" sz="1400" dirty="0" smtClean="0"/>
+              <a:t> </a:t>
+            </a:r>
+            <a:r>
+              <a:rPr lang="en-US" sz="1400" dirty="0" smtClean="0">
+                <a:solidFill>
+                  <a:srgbClr val="0A9989"/>
+                </a:solidFill>
+              </a:rPr>
+              <a:t>/</a:t>
+            </a:r>
+            <a:r>
+              <a:rPr lang="en-US" sz="1400" dirty="0" smtClean="0">
+                <a:solidFill>
+                  <a:srgbClr val="010101"/>
+                </a:solidFill>
+              </a:rPr>
+              <a:t>&gt;</a:t>
+            </a:r>
+            <a:endParaRPr lang="en-US" sz="1400" dirty="0" smtClean="0"/>
+          </a:p>
+          <a:p>
+            <a:pPr lvl="3" latinLnBrk="0"/>
+            <a:r>
+              <a:rPr lang="en-US" sz="1400" dirty="0" smtClean="0">
+                <a:solidFill>
+                  <a:srgbClr val="010101"/>
+                </a:solidFill>
+              </a:rPr>
+              <a:t>&lt;</a:t>
+            </a:r>
+            <a:r>
+              <a:rPr lang="en-US" sz="1400" dirty="0" smtClean="0">
+                <a:solidFill>
+                  <a:srgbClr val="066DE2"/>
+                </a:solidFill>
+              </a:rPr>
+              <a:t>bean</a:t>
+            </a:r>
+            <a:r>
+              <a:rPr lang="en-US" sz="1400" dirty="0" smtClean="0"/>
+              <a:t> </a:t>
+            </a:r>
+            <a:r>
+              <a:rPr lang="en-US" sz="1400" dirty="0" smtClean="0">
+                <a:solidFill>
+                  <a:srgbClr val="0A9989"/>
+                </a:solidFill>
+              </a:rPr>
+              <a:t>class</a:t>
+            </a:r>
+            <a:r>
+              <a:rPr lang="en-US" sz="1400" dirty="0" smtClean="0"/>
+              <a:t>=</a:t>
+            </a:r>
+            <a:r>
+              <a:rPr lang="en-US" sz="1400" dirty="0" smtClean="0">
+                <a:solidFill>
+                  <a:srgbClr val="DF5000"/>
+                </a:solidFill>
+              </a:rPr>
+              <a:t>"</a:t>
+            </a:r>
+            <a:r>
+              <a:rPr lang="en-US" sz="1400" dirty="0" err="1" smtClean="0">
+                <a:solidFill>
+                  <a:srgbClr val="DF5000"/>
+                </a:solidFill>
+              </a:rPr>
+              <a:t>common.Interceptor</a:t>
+            </a:r>
+            <a:r>
+              <a:rPr lang="en-US" sz="1400" dirty="0" smtClean="0">
+                <a:solidFill>
+                  <a:srgbClr val="DF5000"/>
+                </a:solidFill>
+              </a:rPr>
+              <a:t>“ </a:t>
+            </a:r>
+            <a:r>
+              <a:rPr lang="en-US" sz="1400" dirty="0" smtClean="0">
+                <a:solidFill>
+                  <a:srgbClr val="0A9989"/>
+                </a:solidFill>
+              </a:rPr>
+              <a:t>/</a:t>
+            </a:r>
+            <a:r>
+              <a:rPr lang="en-US" sz="1400" dirty="0" smtClean="0">
+                <a:solidFill>
+                  <a:srgbClr val="010101"/>
+                </a:solidFill>
+              </a:rPr>
+              <a:t>&gt;</a:t>
+            </a:r>
+            <a:endParaRPr lang="en-US" sz="1400" dirty="0" smtClean="0"/>
+          </a:p>
+          <a:p>
+            <a:pPr lvl="2" latinLnBrk="0"/>
+            <a:r>
+              <a:rPr lang="en-US" sz="1400" dirty="0" smtClean="0">
+                <a:solidFill>
+                  <a:srgbClr val="010101"/>
+                </a:solidFill>
+              </a:rPr>
+              <a:t>&lt;/</a:t>
+            </a:r>
+            <a:r>
+              <a:rPr lang="en-US" sz="1400" dirty="0" err="1" smtClean="0">
+                <a:solidFill>
+                  <a:srgbClr val="066DE2"/>
+                </a:solidFill>
+              </a:rPr>
+              <a:t>mvc:interceptor</a:t>
+            </a:r>
+            <a:r>
+              <a:rPr lang="en-US" sz="1400" dirty="0" smtClean="0">
+                <a:solidFill>
+                  <a:srgbClr val="010101"/>
+                </a:solidFill>
+              </a:rPr>
+              <a:t>&gt;</a:t>
+            </a:r>
+          </a:p>
+          <a:p>
+            <a:pPr lvl="2" latinLnBrk="0"/>
+            <a:endParaRPr lang="en-US" sz="1400" dirty="0" smtClean="0"/>
+          </a:p>
+          <a:p>
+            <a:pPr lvl="2" latinLnBrk="0"/>
+            <a:r>
+              <a:rPr lang="en-US" sz="1400" dirty="0" smtClean="0">
+                <a:solidFill>
+                  <a:srgbClr val="999999"/>
+                </a:solidFill>
+              </a:rPr>
+              <a:t>&lt;!-- context </a:t>
+            </a:r>
+            <a:r>
+              <a:rPr lang="ko-KR" altLang="en-US" sz="1400" dirty="0" smtClean="0">
+                <a:solidFill>
+                  <a:srgbClr val="999999"/>
+                </a:solidFill>
+              </a:rPr>
+              <a:t>이후의 주소</a:t>
+            </a:r>
+            <a:r>
+              <a:rPr lang="en-US" altLang="ko-KR" sz="1400" dirty="0" smtClean="0">
+                <a:solidFill>
+                  <a:srgbClr val="999999"/>
+                </a:solidFill>
+              </a:rPr>
+              <a:t>(</a:t>
+            </a:r>
+            <a:r>
+              <a:rPr lang="ko-KR" altLang="en-US" sz="1400" dirty="0" smtClean="0">
+                <a:solidFill>
+                  <a:srgbClr val="999999"/>
+                </a:solidFill>
+              </a:rPr>
+              <a:t>요청주소</a:t>
+            </a:r>
+            <a:r>
+              <a:rPr lang="en-US" altLang="ko-KR" sz="1400" dirty="0" smtClean="0">
+                <a:solidFill>
+                  <a:srgbClr val="999999"/>
+                </a:solidFill>
+              </a:rPr>
+              <a:t>)--&gt;</a:t>
+            </a:r>
+            <a:endParaRPr lang="ko-KR" altLang="en-US" sz="1400" dirty="0" smtClean="0"/>
+          </a:p>
+          <a:p>
+            <a:pPr lvl="2" latinLnBrk="0"/>
+            <a:r>
+              <a:rPr lang="en-US" altLang="ko-KR" sz="1400" dirty="0" smtClean="0">
+                <a:solidFill>
+                  <a:srgbClr val="010101"/>
+                </a:solidFill>
+              </a:rPr>
+              <a:t>&lt;</a:t>
+            </a:r>
+            <a:r>
+              <a:rPr lang="en-US" sz="1400" dirty="0" err="1" smtClean="0">
+                <a:solidFill>
+                  <a:srgbClr val="066DE2"/>
+                </a:solidFill>
+              </a:rPr>
+              <a:t>mvc:interceptor</a:t>
+            </a:r>
+            <a:r>
+              <a:rPr lang="en-US" sz="1400" dirty="0" smtClean="0">
+                <a:solidFill>
+                  <a:srgbClr val="010101"/>
+                </a:solidFill>
+              </a:rPr>
+              <a:t>&gt;</a:t>
+            </a:r>
+            <a:endParaRPr lang="en-US" sz="1400" dirty="0" smtClean="0"/>
+          </a:p>
+          <a:p>
+            <a:pPr lvl="3" latinLnBrk="0"/>
+            <a:r>
+              <a:rPr lang="en-US" sz="1400" dirty="0" smtClean="0">
+                <a:solidFill>
+                  <a:srgbClr val="010101"/>
+                </a:solidFill>
+              </a:rPr>
+              <a:t>&lt;</a:t>
+            </a:r>
+            <a:r>
+              <a:rPr lang="en-US" sz="1400" dirty="0" err="1" smtClean="0">
+                <a:solidFill>
+                  <a:srgbClr val="066DE2"/>
+                </a:solidFill>
+              </a:rPr>
+              <a:t>mvc:mapping</a:t>
+            </a:r>
+            <a:r>
+              <a:rPr lang="en-US" sz="1400" dirty="0" smtClean="0"/>
+              <a:t> </a:t>
+            </a:r>
+            <a:r>
+              <a:rPr lang="en-US" sz="1400" dirty="0" smtClean="0">
+                <a:solidFill>
+                  <a:srgbClr val="0A9989"/>
+                </a:solidFill>
+              </a:rPr>
+              <a:t>path</a:t>
+            </a:r>
+            <a:r>
+              <a:rPr lang="en-US" sz="1400" dirty="0" smtClean="0"/>
+              <a:t>=</a:t>
+            </a:r>
+            <a:r>
+              <a:rPr lang="en-US" sz="1400" dirty="0" smtClean="0">
+                <a:solidFill>
+                  <a:srgbClr val="DF5000"/>
+                </a:solidFill>
+              </a:rPr>
+              <a:t>"/customer/*.htm"</a:t>
+            </a:r>
+            <a:r>
+              <a:rPr lang="en-US" sz="1400" dirty="0" smtClean="0"/>
+              <a:t> </a:t>
+            </a:r>
+            <a:r>
+              <a:rPr lang="en-US" sz="1400" dirty="0" smtClean="0">
+                <a:solidFill>
+                  <a:srgbClr val="0A9989"/>
+                </a:solidFill>
+              </a:rPr>
+              <a:t>/</a:t>
+            </a:r>
+            <a:r>
+              <a:rPr lang="en-US" sz="1400" dirty="0" smtClean="0">
+                <a:solidFill>
+                  <a:srgbClr val="010101"/>
+                </a:solidFill>
+              </a:rPr>
+              <a:t>&gt;</a:t>
+            </a:r>
+            <a:endParaRPr lang="en-US" sz="1400" dirty="0" smtClean="0"/>
+          </a:p>
+          <a:p>
+            <a:pPr lvl="3" latinLnBrk="0"/>
+            <a:r>
+              <a:rPr lang="en-US" sz="1400" dirty="0" smtClean="0">
+                <a:solidFill>
+                  <a:srgbClr val="010101"/>
+                </a:solidFill>
+              </a:rPr>
+              <a:t>&lt;</a:t>
+            </a:r>
+            <a:r>
+              <a:rPr lang="en-US" sz="1400" dirty="0" smtClean="0">
+                <a:solidFill>
+                  <a:srgbClr val="066DE2"/>
+                </a:solidFill>
+              </a:rPr>
+              <a:t>bean</a:t>
+            </a:r>
+            <a:r>
+              <a:rPr lang="en-US" sz="1400" dirty="0" smtClean="0"/>
+              <a:t> </a:t>
+            </a:r>
+            <a:r>
+              <a:rPr lang="en-US" sz="1400" dirty="0" smtClean="0">
+                <a:solidFill>
+                  <a:srgbClr val="0A9989"/>
+                </a:solidFill>
+              </a:rPr>
+              <a:t>class</a:t>
+            </a:r>
+            <a:r>
+              <a:rPr lang="en-US" sz="1400" dirty="0" smtClean="0"/>
+              <a:t>=</a:t>
+            </a:r>
+            <a:r>
+              <a:rPr lang="en-US" sz="1400" dirty="0" smtClean="0">
+                <a:solidFill>
+                  <a:srgbClr val="DF5000"/>
+                </a:solidFill>
+              </a:rPr>
+              <a:t>"</a:t>
+            </a:r>
+            <a:r>
+              <a:rPr lang="en-US" sz="1400" dirty="0" err="1" smtClean="0">
+                <a:solidFill>
+                  <a:srgbClr val="DF5000"/>
+                </a:solidFill>
+              </a:rPr>
+              <a:t>common.LoginInter</a:t>
+            </a:r>
+            <a:r>
+              <a:rPr lang="en-US" sz="1400" dirty="0" smtClean="0">
+                <a:solidFill>
+                  <a:srgbClr val="DF5000"/>
+                </a:solidFill>
+              </a:rPr>
+              <a:t>"</a:t>
+            </a:r>
+            <a:r>
+              <a:rPr lang="en-US" sz="1400" dirty="0" smtClean="0"/>
+              <a:t> </a:t>
+            </a:r>
+            <a:r>
+              <a:rPr lang="en-US" sz="1400" dirty="0" smtClean="0">
+                <a:solidFill>
+                  <a:srgbClr val="0A9989"/>
+                </a:solidFill>
+              </a:rPr>
+              <a:t>/</a:t>
+            </a:r>
+            <a:r>
+              <a:rPr lang="en-US" sz="1400" dirty="0" smtClean="0">
+                <a:solidFill>
+                  <a:srgbClr val="010101"/>
+                </a:solidFill>
+              </a:rPr>
+              <a:t>&gt;</a:t>
+            </a:r>
+            <a:endParaRPr lang="en-US" sz="1400" dirty="0" smtClean="0"/>
+          </a:p>
+          <a:p>
+            <a:pPr lvl="2" latinLnBrk="0"/>
+            <a:r>
+              <a:rPr lang="en-US" sz="1400" dirty="0" smtClean="0">
+                <a:solidFill>
+                  <a:srgbClr val="010101"/>
+                </a:solidFill>
+              </a:rPr>
+              <a:t>&lt;/</a:t>
+            </a:r>
+            <a:r>
+              <a:rPr lang="en-US" sz="1400" dirty="0" err="1" smtClean="0">
+                <a:solidFill>
+                  <a:srgbClr val="066DE2"/>
+                </a:solidFill>
+              </a:rPr>
+              <a:t>mvc:interceptor</a:t>
+            </a:r>
+            <a:r>
+              <a:rPr lang="en-US" sz="1400" dirty="0" smtClean="0">
+                <a:solidFill>
+                  <a:srgbClr val="010101"/>
+                </a:solidFill>
+              </a:rPr>
+              <a:t>&gt;</a:t>
+            </a:r>
+            <a:endParaRPr lang="en-US" sz="1400" dirty="0" smtClean="0"/>
+          </a:p>
+          <a:p>
+            <a:pPr lvl="1" latinLnBrk="0"/>
+            <a:r>
+              <a:rPr lang="en-US" sz="1400" dirty="0" smtClean="0">
+                <a:solidFill>
+                  <a:srgbClr val="010101"/>
+                </a:solidFill>
+              </a:rPr>
+              <a:t>&lt;/</a:t>
+            </a:r>
+            <a:r>
+              <a:rPr lang="en-US" sz="1400" dirty="0" err="1" smtClean="0">
+                <a:solidFill>
+                  <a:srgbClr val="066DE2"/>
+                </a:solidFill>
+              </a:rPr>
+              <a:t>mvc:interceptors</a:t>
+            </a:r>
+            <a:r>
+              <a:rPr lang="en-US" sz="1400" dirty="0" smtClean="0">
+                <a:solidFill>
+                  <a:srgbClr val="010101"/>
+                </a:solidFill>
+              </a:rPr>
+              <a:t>&gt;</a:t>
+            </a:r>
+            <a:endParaRPr lang="ko-KR" altLang="en-US" sz="1400" dirty="0"/>
+          </a:p>
+        </p:txBody>
+      </p:sp>
+      <p:grpSp>
+        <p:nvGrpSpPr>
+          <p:cNvPr id="6" name="그룹 1"/>
+          <p:cNvGrpSpPr/>
+          <p:nvPr/>
+        </p:nvGrpSpPr>
+        <p:grpSpPr>
+          <a:xfrm>
+            <a:off x="0" y="0"/>
+            <a:ext cx="9906000" cy="6970871"/>
+            <a:chOff x="0" y="0"/>
+            <a:chExt cx="9906000" cy="6970871"/>
+          </a:xfrm>
+        </p:grpSpPr>
+        <p:pic>
+          <p:nvPicPr>
+            <p:cNvPr id="2050" name="Picture 2" descr="C:\Users\USER\Desktop\2차 프로젝트(WEB)_4조\images\macbook_PNG36.png"/>
+            <p:cNvPicPr>
+              <a:picLocks noChangeAspect="1" noChangeArrowheads="1"/>
+            </p:cNvPicPr>
+            <p:nvPr/>
+          </p:nvPicPr>
+          <p:blipFill>
+            <a:blip r:embed="rId4"/>
+            <a:srcRect l="9199" r="9199"/>
+            <a:stretch>
+              <a:fillRect/>
+            </a:stretch>
+          </p:blipFill>
+          <p:spPr bwMode="auto">
+            <a:xfrm>
+              <a:off x="0" y="0"/>
+              <a:ext cx="9906000" cy="6970871"/>
+            </a:xfrm>
+            <a:prstGeom prst="rect">
+              <a:avLst/>
+            </a:prstGeom>
+            <a:noFill/>
+          </p:spPr>
+        </p:pic>
+        <p:sp>
+          <p:nvSpPr>
+            <p:cNvPr id="3" name="직사각형 2"/>
+            <p:cNvSpPr/>
+            <p:nvPr/>
+          </p:nvSpPr>
+          <p:spPr>
+            <a:xfrm>
+              <a:off x="0" y="0"/>
+              <a:ext cx="9906000" cy="6858000"/>
+            </a:xfrm>
+            <a:prstGeom prst="rect">
+              <a:avLst/>
+            </a:prstGeom>
+            <a:solidFill>
+              <a:schemeClr val="tx1">
+                <a:lumMod val="85000"/>
+                <a:lumOff val="15000"/>
+                <a:alpha val="60000"/>
+              </a:schemeClr>
+            </a:solidFill>
+            <a:ln>
+              <a:noFill/>
+            </a:ln>
+          </p:spPr>
+          <p:style>
+            <a:lnRef idx="2">
+              <a:schemeClr val="accent1">
+                <a:shade val="50000"/>
+              </a:schemeClr>
+            </a:lnRef>
+            <a:fillRef idx="1">
+              <a:schemeClr val="accent1"/>
+            </a:fillRef>
+            <a:effectRef idx="0">
+              <a:schemeClr val="accent1"/>
+            </a:effectRef>
+            <a:fontRef idx="minor">
+              <a:schemeClr val="lt1"/>
+            </a:fontRef>
+          </p:style>
+          <p:txBody>
+            <a:bodyPr rtlCol="0" anchor="ctr"/>
+            <a:lstStyle/>
+            <a:p>
+              <a:pPr algn="ctr"/>
+              <a:endParaRPr lang="ko-KR" altLang="en-US"/>
+            </a:p>
+          </p:txBody>
+        </p:sp>
+      </p:grpSp>
+      <p:grpSp>
+        <p:nvGrpSpPr>
+          <p:cNvPr id="7" name="그룹 43"/>
+          <p:cNvGrpSpPr/>
+          <p:nvPr/>
+        </p:nvGrpSpPr>
+        <p:grpSpPr>
+          <a:xfrm>
+            <a:off x="5851866" y="641157"/>
+            <a:ext cx="4357718" cy="613925"/>
+            <a:chOff x="0" y="641157"/>
+            <a:chExt cx="4357718" cy="613925"/>
+          </a:xfrm>
+        </p:grpSpPr>
+        <p:sp>
+          <p:nvSpPr>
+            <p:cNvPr id="4" name="TextBox 3"/>
+            <p:cNvSpPr txBox="1"/>
+            <p:nvPr/>
+          </p:nvSpPr>
+          <p:spPr>
+            <a:xfrm>
+              <a:off x="1643074" y="641157"/>
+              <a:ext cx="2714644" cy="307777"/>
+            </a:xfrm>
+            <a:prstGeom prst="rect">
+              <a:avLst/>
+            </a:prstGeom>
+            <a:noFill/>
+            <a:ln>
+              <a:noFill/>
+            </a:ln>
+          </p:spPr>
+          <p:txBody>
+            <a:bodyPr wrap="square" rtlCol="0">
+              <a:spAutoFit/>
+            </a:bodyPr>
+            <a:lstStyle/>
+            <a:p>
+              <a:r>
+                <a:rPr lang="en-US" altLang="ko-KR" sz="1400" dirty="0" err="1" smtClean="0">
+                  <a:solidFill>
+                    <a:schemeClr val="bg1">
+                      <a:lumMod val="65000"/>
+                    </a:schemeClr>
+                  </a:solidFill>
+                  <a:latin typeface="한컴 윤고딕 250" pitchFamily="18" charset="-127"/>
+                  <a:ea typeface="한컴 윤고딕 250" pitchFamily="18" charset="-127"/>
+                </a:rPr>
+                <a:t>SpringFramework</a:t>
+              </a:r>
+              <a:endParaRPr lang="en-US" altLang="ko-KR" sz="1400" dirty="0" smtClean="0">
+                <a:solidFill>
+                  <a:schemeClr val="bg1">
+                    <a:lumMod val="65000"/>
+                  </a:schemeClr>
+                </a:solidFill>
+                <a:latin typeface="한컴 윤고딕 250" pitchFamily="18" charset="-127"/>
+                <a:ea typeface="한컴 윤고딕 250" pitchFamily="18" charset="-127"/>
+              </a:endParaRPr>
+            </a:p>
+          </p:txBody>
+        </p:sp>
+        <p:sp>
+          <p:nvSpPr>
+            <p:cNvPr id="5" name="TextBox 4"/>
+            <p:cNvSpPr txBox="1"/>
+            <p:nvPr/>
+          </p:nvSpPr>
+          <p:spPr>
+            <a:xfrm>
+              <a:off x="0" y="916528"/>
+              <a:ext cx="4357718" cy="338554"/>
+            </a:xfrm>
+            <a:prstGeom prst="rect">
+              <a:avLst/>
+            </a:prstGeom>
+            <a:noFill/>
+            <a:ln>
+              <a:noFill/>
+            </a:ln>
+          </p:spPr>
+          <p:txBody>
+            <a:bodyPr wrap="square" rtlCol="0">
+              <a:spAutoFit/>
+            </a:bodyPr>
+            <a:lstStyle/>
+            <a:p>
+              <a:pPr algn="ctr"/>
+              <a:r>
+                <a:rPr lang="en-US" altLang="ko-KR" sz="1600" dirty="0" err="1" smtClean="0">
+                  <a:solidFill>
+                    <a:schemeClr val="bg1">
+                      <a:lumMod val="65000"/>
+                    </a:schemeClr>
+                  </a:solidFill>
+                  <a:latin typeface="한컴 윤고딕 250" pitchFamily="18" charset="-127"/>
+                  <a:ea typeface="한컴 윤고딕 250" pitchFamily="18" charset="-127"/>
+                </a:rPr>
+                <a:t>HandlerInterceptor</a:t>
+              </a:r>
+              <a:endParaRPr lang="ko-KR" altLang="en-US" sz="1600" dirty="0">
+                <a:solidFill>
+                  <a:schemeClr val="bg1">
+                    <a:lumMod val="65000"/>
+                  </a:schemeClr>
+                </a:solidFill>
+                <a:latin typeface="한컴 윤고딕 250" pitchFamily="18" charset="-127"/>
+                <a:ea typeface="한컴 윤고딕 250" pitchFamily="18" charset="-127"/>
+              </a:endParaRPr>
+            </a:p>
+          </p:txBody>
+        </p:sp>
+        <p:cxnSp>
+          <p:nvCxnSpPr>
+            <p:cNvPr id="13" name="직선 연결선 12"/>
+            <p:cNvCxnSpPr/>
+            <p:nvPr/>
+          </p:nvCxnSpPr>
+          <p:spPr>
+            <a:xfrm>
+              <a:off x="1693422" y="929740"/>
+              <a:ext cx="1944216" cy="0"/>
+            </a:xfrm>
+            <a:prstGeom prst="line">
+              <a:avLst/>
+            </a:prstGeom>
+            <a:ln w="19050">
+              <a:solidFill>
+                <a:schemeClr val="bg1">
+                  <a:lumMod val="65000"/>
+                </a:schemeClr>
+              </a:solidFill>
+            </a:ln>
+          </p:spPr>
+          <p:style>
+            <a:lnRef idx="1">
+              <a:schemeClr val="accent1"/>
+            </a:lnRef>
+            <a:fillRef idx="0">
+              <a:schemeClr val="accent1"/>
+            </a:fillRef>
+            <a:effectRef idx="0">
+              <a:schemeClr val="accent1"/>
+            </a:effectRef>
+            <a:fontRef idx="minor">
+              <a:schemeClr val="tx1"/>
+            </a:fontRef>
+          </p:style>
+        </p:cxnSp>
+        <p:cxnSp>
+          <p:nvCxnSpPr>
+            <p:cNvPr id="14" name="직선 연결선 13"/>
+            <p:cNvCxnSpPr/>
+            <p:nvPr/>
+          </p:nvCxnSpPr>
+          <p:spPr>
+            <a:xfrm>
+              <a:off x="988894" y="1218345"/>
+              <a:ext cx="2376264" cy="0"/>
+            </a:xfrm>
+            <a:prstGeom prst="line">
+              <a:avLst/>
+            </a:prstGeom>
+            <a:ln w="19050">
+              <a:solidFill>
+                <a:schemeClr val="bg1">
+                  <a:lumMod val="65000"/>
+                </a:schemeClr>
+              </a:solidFill>
+            </a:ln>
+          </p:spPr>
+          <p:style>
+            <a:lnRef idx="1">
+              <a:schemeClr val="accent1"/>
+            </a:lnRef>
+            <a:fillRef idx="0">
+              <a:schemeClr val="accent1"/>
+            </a:fillRef>
+            <a:effectRef idx="0">
+              <a:schemeClr val="accent1"/>
+            </a:effectRef>
+            <a:fontRef idx="minor">
+              <a:schemeClr val="tx1"/>
+            </a:fontRef>
+          </p:style>
+        </p:cxnSp>
+      </p:grpSp>
+      <p:grpSp>
+        <p:nvGrpSpPr>
+          <p:cNvPr id="8" name="그룹 58"/>
+          <p:cNvGrpSpPr/>
+          <p:nvPr/>
+        </p:nvGrpSpPr>
+        <p:grpSpPr>
+          <a:xfrm>
+            <a:off x="469097" y="1213678"/>
+            <a:ext cx="5222583" cy="400110"/>
+            <a:chOff x="469098" y="1285686"/>
+            <a:chExt cx="4843942" cy="400110"/>
+          </a:xfrm>
+        </p:grpSpPr>
+        <p:sp>
+          <p:nvSpPr>
+            <p:cNvPr id="60" name="TextBox 59"/>
+            <p:cNvSpPr txBox="1"/>
+            <p:nvPr/>
+          </p:nvSpPr>
+          <p:spPr>
+            <a:xfrm>
+              <a:off x="469098" y="1285686"/>
+              <a:ext cx="4843942" cy="400110"/>
+            </a:xfrm>
+            <a:prstGeom prst="rect">
+              <a:avLst/>
+            </a:prstGeom>
+            <a:noFill/>
+          </p:spPr>
+          <p:txBody>
+            <a:bodyPr wrap="square" rtlCol="0">
+              <a:spAutoFit/>
+            </a:bodyPr>
+            <a:lstStyle/>
+            <a:p>
+              <a:r>
+                <a:rPr lang="en-US" altLang="ko-KR" sz="2000" dirty="0" err="1" smtClean="0">
+                  <a:solidFill>
+                    <a:schemeClr val="bg1">
+                      <a:lumMod val="95000"/>
+                    </a:schemeClr>
+                  </a:solidFill>
+                  <a:latin typeface="한컴 윤고딕 250" pitchFamily="18" charset="-127"/>
+                  <a:ea typeface="한컴 윤고딕 250" pitchFamily="18" charset="-127"/>
+                </a:rPr>
+                <a:t>HandlerInterceptor</a:t>
+              </a:r>
+              <a:r>
+                <a:rPr lang="en-US" altLang="ko-KR" sz="2000" dirty="0" smtClean="0">
+                  <a:solidFill>
+                    <a:schemeClr val="bg1">
+                      <a:lumMod val="95000"/>
+                    </a:schemeClr>
+                  </a:solidFill>
+                  <a:latin typeface="한컴 윤고딕 250" pitchFamily="18" charset="-127"/>
+                  <a:ea typeface="한컴 윤고딕 250" pitchFamily="18" charset="-127"/>
+                </a:rPr>
+                <a:t> </a:t>
+              </a:r>
+              <a:r>
+                <a:rPr lang="ko-KR" altLang="en-US" sz="2000" dirty="0" smtClean="0">
+                  <a:solidFill>
+                    <a:schemeClr val="bg1">
+                      <a:lumMod val="95000"/>
+                    </a:schemeClr>
+                  </a:solidFill>
+                  <a:latin typeface="한컴 윤고딕 250" pitchFamily="18" charset="-127"/>
+                  <a:ea typeface="한컴 윤고딕 250" pitchFamily="18" charset="-127"/>
+                </a:rPr>
+                <a:t>사용 예제</a:t>
+              </a:r>
+              <a:endParaRPr lang="en-US" altLang="ko-KR" sz="2000" dirty="0" smtClean="0">
+                <a:solidFill>
+                  <a:schemeClr val="bg1">
+                    <a:lumMod val="95000"/>
+                  </a:schemeClr>
+                </a:solidFill>
+                <a:latin typeface="한컴 윤고딕 250" pitchFamily="18" charset="-127"/>
+                <a:ea typeface="한컴 윤고딕 250" pitchFamily="18" charset="-127"/>
+              </a:endParaRPr>
+            </a:p>
+          </p:txBody>
+        </p:sp>
+        <p:cxnSp>
+          <p:nvCxnSpPr>
+            <p:cNvPr id="65" name="직선 연결선 64"/>
+            <p:cNvCxnSpPr/>
+            <p:nvPr/>
+          </p:nvCxnSpPr>
+          <p:spPr>
+            <a:xfrm>
+              <a:off x="577204" y="1685796"/>
+              <a:ext cx="3739677" cy="0"/>
+            </a:xfrm>
+            <a:prstGeom prst="line">
+              <a:avLst/>
+            </a:prstGeom>
+            <a:ln w="19050">
+              <a:solidFill>
+                <a:schemeClr val="bg1">
+                  <a:lumMod val="75000"/>
+                </a:schemeClr>
+              </a:solidFill>
+            </a:ln>
+          </p:spPr>
+          <p:style>
+            <a:lnRef idx="1">
+              <a:schemeClr val="accent1"/>
+            </a:lnRef>
+            <a:fillRef idx="0">
+              <a:schemeClr val="accent1"/>
+            </a:fillRef>
+            <a:effectRef idx="0">
+              <a:schemeClr val="accent1"/>
+            </a:effectRef>
+            <a:fontRef idx="minor">
+              <a:schemeClr val="tx1"/>
+            </a:fontRef>
+          </p:style>
+        </p:cxnSp>
+      </p:grpSp>
+      <p:sp>
+        <p:nvSpPr>
+          <p:cNvPr id="25" name="TextBox 24"/>
+          <p:cNvSpPr txBox="1"/>
+          <p:nvPr/>
+        </p:nvSpPr>
+        <p:spPr>
+          <a:xfrm>
+            <a:off x="704528" y="1693659"/>
+            <a:ext cx="4247838" cy="369332"/>
+          </a:xfrm>
+          <a:prstGeom prst="rect">
+            <a:avLst/>
+          </a:prstGeom>
+          <a:noFill/>
+        </p:spPr>
+        <p:txBody>
+          <a:bodyPr wrap="square" rtlCol="0" anchor="ctr" anchorCtr="0">
+            <a:spAutoFit/>
+          </a:bodyPr>
+          <a:lstStyle/>
+          <a:p>
+            <a:r>
+              <a:rPr lang="en-US" altLang="ko-KR" dirty="0" smtClean="0">
+                <a:solidFill>
+                  <a:schemeClr val="bg1">
+                    <a:lumMod val="95000"/>
+                  </a:schemeClr>
+                </a:solidFill>
+                <a:latin typeface="한컴 윤고딕 250" pitchFamily="18" charset="-127"/>
+                <a:ea typeface="한컴 윤고딕 250" pitchFamily="18" charset="-127"/>
+              </a:rPr>
+              <a:t>#</a:t>
+            </a:r>
+            <a:r>
+              <a:rPr lang="en-US" altLang="ko-KR" dirty="0" smtClean="0">
+                <a:solidFill>
+                  <a:schemeClr val="bg1">
+                    <a:lumMod val="95000"/>
+                  </a:schemeClr>
+                </a:solidFill>
+                <a:latin typeface="한컴 윤고딕 250" pitchFamily="18" charset="-127"/>
+                <a:ea typeface="한컴 윤고딕 250" pitchFamily="18" charset="-127"/>
+              </a:rPr>
+              <a:t> </a:t>
+            </a:r>
+            <a:r>
+              <a:rPr lang="en-US" altLang="ko-KR" dirty="0" smtClean="0">
+                <a:solidFill>
+                  <a:schemeClr val="bg1">
+                    <a:lumMod val="95000"/>
+                  </a:schemeClr>
+                </a:solidFill>
+                <a:latin typeface="한컴 윤고딕 250" pitchFamily="18" charset="-127"/>
+                <a:ea typeface="한컴 윤고딕 250" pitchFamily="18" charset="-127"/>
+              </a:rPr>
+              <a:t>servlet-context.xml </a:t>
+            </a:r>
+            <a:r>
+              <a:rPr lang="ko-KR" altLang="en-US" dirty="0" smtClean="0">
+                <a:solidFill>
+                  <a:schemeClr val="bg1">
+                    <a:lumMod val="95000"/>
+                  </a:schemeClr>
+                </a:solidFill>
+                <a:latin typeface="한컴 윤고딕 250" pitchFamily="18" charset="-127"/>
+                <a:ea typeface="한컴 윤고딕 250" pitchFamily="18" charset="-127"/>
+              </a:rPr>
+              <a:t>설정</a:t>
+            </a:r>
+            <a:endParaRPr lang="en-US" altLang="ko-KR" dirty="0" smtClean="0">
+              <a:solidFill>
+                <a:schemeClr val="bg1">
+                  <a:lumMod val="95000"/>
+                </a:schemeClr>
+              </a:solidFill>
+              <a:latin typeface="한컴 윤고딕 250" pitchFamily="18" charset="-127"/>
+              <a:ea typeface="한컴 윤고딕 250" pitchFamily="18" charset="-127"/>
+            </a:endParaRPr>
+          </a:p>
+        </p:txBody>
+      </p:sp>
+      <p:cxnSp>
+        <p:nvCxnSpPr>
+          <p:cNvPr id="26" name="직선 연결선 25"/>
+          <p:cNvCxnSpPr/>
+          <p:nvPr/>
+        </p:nvCxnSpPr>
+        <p:spPr>
+          <a:xfrm>
+            <a:off x="818058" y="2071678"/>
+            <a:ext cx="3492000" cy="0"/>
+          </a:xfrm>
+          <a:prstGeom prst="line">
+            <a:avLst/>
+          </a:prstGeom>
+          <a:ln w="19050">
+            <a:solidFill>
+              <a:schemeClr val="bg1">
+                <a:lumMod val="75000"/>
+              </a:schemeClr>
+            </a:solidFill>
+          </a:ln>
+        </p:spPr>
+        <p:style>
+          <a:lnRef idx="1">
+            <a:schemeClr val="accent1"/>
+          </a:lnRef>
+          <a:fillRef idx="0">
+            <a:schemeClr val="accent1"/>
+          </a:fillRef>
+          <a:effectRef idx="0">
+            <a:schemeClr val="accent1"/>
+          </a:effectRef>
+          <a:fontRef idx="minor">
+            <a:schemeClr val="tx1"/>
+          </a:fontRef>
+        </p:style>
+      </p:cxnSp>
+    </p:spTree>
+    <p:extLst>
+      <p:ext uri="{BB962C8B-B14F-4D97-AF65-F5344CB8AC3E}">
+        <p14:creationId xmlns:p14="http://schemas.microsoft.com/office/powerpoint/2010/main" xmlns="" val="823508735"/>
+      </p:ext>
+    </p:extLst>
+  </p:cSld>
+  <p:clrMapOvr>
+    <a:masterClrMapping/>
+  </p:clrMapOvr>
+  <p:timing>
+    <p:tnLst>
+      <p:par>
+        <p:cTn id="1" dur="indefinite" restart="never" nodeType="tmRoot"/>
+      </p:par>
+    </p:tnLst>
+  </p:timing>
+</p:sld>
+</file>
+
+<file path=ppt/slides/slide8.xml><?xml version="1.0" encoding="utf-8"?>
 <p:sld xmlns:a="http://schemas.openxmlformats.org/drawingml/2006/main" xmlns:r="http://schemas.openxmlformats.org/officeDocument/2006/relationships" xmlns:p="http://schemas.openxmlformats.org/presentationml/2006/main">
   <p:cSld>
     <p:spTree>
@@ -10202,6 +16197,658 @@
           </p:txBody>
         </p:sp>
       </p:grpSp>
+      <p:sp>
+        <p:nvSpPr>
+          <p:cNvPr id="24" name="TextBox 23"/>
+          <p:cNvSpPr txBox="1"/>
+          <p:nvPr/>
+        </p:nvSpPr>
+        <p:spPr>
+          <a:xfrm>
+            <a:off x="309530" y="2143116"/>
+            <a:ext cx="9254468" cy="3293209"/>
+          </a:xfrm>
+          <a:prstGeom prst="rect">
+            <a:avLst/>
+          </a:prstGeom>
+          <a:solidFill>
+            <a:schemeClr val="bg1">
+              <a:lumMod val="95000"/>
+            </a:schemeClr>
+          </a:solidFill>
+        </p:spPr>
+        <p:txBody>
+          <a:bodyPr wrap="square" rtlCol="0">
+            <a:spAutoFit/>
+          </a:bodyPr>
+          <a:lstStyle/>
+          <a:p>
+            <a:pPr marL="180000"/>
+            <a:r>
+              <a:rPr lang="en-US" altLang="ko-KR" sz="1600" b="1" dirty="0" smtClean="0">
+                <a:solidFill>
+                  <a:srgbClr val="7F0055"/>
+                </a:solidFill>
+                <a:latin typeface="Consolas"/>
+              </a:rPr>
+              <a:t>public</a:t>
+            </a:r>
+            <a:r>
+              <a:rPr lang="en-US" altLang="ko-KR" sz="1600" b="1" dirty="0" smtClean="0">
+                <a:solidFill>
+                  <a:srgbClr val="000000"/>
+                </a:solidFill>
+                <a:latin typeface="Consolas"/>
+              </a:rPr>
+              <a:t> </a:t>
+            </a:r>
+            <a:r>
+              <a:rPr lang="en-US" altLang="ko-KR" sz="1600" b="1" dirty="0" smtClean="0">
+                <a:solidFill>
+                  <a:srgbClr val="7F0055"/>
+                </a:solidFill>
+                <a:latin typeface="Consolas"/>
+              </a:rPr>
+              <a:t>class</a:t>
+            </a:r>
+            <a:r>
+              <a:rPr lang="en-US" altLang="ko-KR" sz="1600" b="1" dirty="0" smtClean="0">
+                <a:solidFill>
+                  <a:srgbClr val="000000"/>
+                </a:solidFill>
+                <a:latin typeface="Consolas"/>
+              </a:rPr>
+              <a:t> Interceptor </a:t>
+            </a:r>
+            <a:r>
+              <a:rPr lang="en-US" altLang="ko-KR" sz="1600" b="1" dirty="0" smtClean="0">
+                <a:solidFill>
+                  <a:srgbClr val="7F0055"/>
+                </a:solidFill>
+                <a:latin typeface="Consolas"/>
+              </a:rPr>
+              <a:t>extends</a:t>
+            </a:r>
+            <a:r>
+              <a:rPr lang="en-US" altLang="ko-KR" sz="1600" b="1" dirty="0" smtClean="0">
+                <a:solidFill>
+                  <a:srgbClr val="000000"/>
+                </a:solidFill>
+                <a:latin typeface="Consolas"/>
+              </a:rPr>
+              <a:t> </a:t>
+            </a:r>
+            <a:r>
+              <a:rPr lang="en-US" altLang="ko-KR" sz="1600" b="1" dirty="0" err="1" smtClean="0">
+                <a:solidFill>
+                  <a:srgbClr val="000000"/>
+                </a:solidFill>
+                <a:latin typeface="Consolas"/>
+              </a:rPr>
+              <a:t>HandlerInterceptorAdapter</a:t>
+            </a:r>
+            <a:r>
+              <a:rPr lang="en-US" altLang="ko-KR" sz="1600" b="1" dirty="0" smtClean="0">
+                <a:solidFill>
+                  <a:srgbClr val="000000"/>
+                </a:solidFill>
+                <a:latin typeface="Consolas"/>
+              </a:rPr>
+              <a:t>{</a:t>
+            </a:r>
+          </a:p>
+          <a:p>
+            <a:pPr marL="180000"/>
+            <a:endParaRPr lang="ko-KR" altLang="en-US" sz="1600" dirty="0" smtClean="0">
+              <a:latin typeface="Consolas"/>
+            </a:endParaRPr>
+          </a:p>
+          <a:p>
+            <a:pPr marL="180000"/>
+            <a:r>
+              <a:rPr lang="en-US" altLang="ko-KR" sz="1600" dirty="0" smtClean="0">
+                <a:solidFill>
+                  <a:srgbClr val="646464"/>
+                </a:solidFill>
+                <a:latin typeface="Consolas"/>
+              </a:rPr>
+              <a:t>	@</a:t>
+            </a:r>
+            <a:r>
+              <a:rPr lang="en-US" altLang="ko-KR" sz="1600" dirty="0" smtClean="0">
+                <a:solidFill>
+                  <a:srgbClr val="646464"/>
+                </a:solidFill>
+                <a:latin typeface="Consolas"/>
+              </a:rPr>
+              <a:t>Override</a:t>
+            </a:r>
+          </a:p>
+          <a:p>
+            <a:pPr marL="180000"/>
+            <a:r>
+              <a:rPr lang="en-US" altLang="ko-KR" sz="1600" b="1" dirty="0" smtClean="0">
+                <a:solidFill>
+                  <a:srgbClr val="7F0055"/>
+                </a:solidFill>
+                <a:latin typeface="Consolas"/>
+              </a:rPr>
+              <a:t>	public</a:t>
+            </a:r>
+            <a:r>
+              <a:rPr lang="en-US" altLang="ko-KR" sz="1600" b="1" dirty="0" smtClean="0">
+                <a:solidFill>
+                  <a:srgbClr val="000000"/>
+                </a:solidFill>
+                <a:latin typeface="Consolas"/>
+              </a:rPr>
+              <a:t> </a:t>
+            </a:r>
+            <a:r>
+              <a:rPr lang="en-US" altLang="ko-KR" sz="1600" b="1" dirty="0" err="1" smtClean="0">
+                <a:solidFill>
+                  <a:srgbClr val="7F0055"/>
+                </a:solidFill>
+                <a:latin typeface="Consolas"/>
+              </a:rPr>
+              <a:t>boolean</a:t>
+            </a:r>
+            <a:r>
+              <a:rPr lang="en-US" altLang="ko-KR" sz="1600" b="1" dirty="0" smtClean="0">
+                <a:solidFill>
+                  <a:srgbClr val="000000"/>
+                </a:solidFill>
+                <a:latin typeface="Consolas"/>
+              </a:rPr>
+              <a:t> </a:t>
+            </a:r>
+            <a:r>
+              <a:rPr lang="en-US" altLang="ko-KR" sz="1600" b="1" dirty="0" err="1" smtClean="0">
+                <a:solidFill>
+                  <a:srgbClr val="000000"/>
+                </a:solidFill>
+                <a:latin typeface="Consolas"/>
+              </a:rPr>
+              <a:t>preHandle</a:t>
+            </a:r>
+            <a:r>
+              <a:rPr lang="en-US" altLang="ko-KR" sz="1600" b="1" dirty="0" smtClean="0">
+                <a:solidFill>
+                  <a:srgbClr val="000000"/>
+                </a:solidFill>
+                <a:latin typeface="Consolas"/>
+              </a:rPr>
+              <a:t>(</a:t>
+            </a:r>
+          </a:p>
+          <a:p>
+            <a:pPr marL="180000"/>
+            <a:r>
+              <a:rPr lang="en-US" altLang="ko-KR" sz="1600" dirty="0" smtClean="0">
+                <a:solidFill>
+                  <a:srgbClr val="000000"/>
+                </a:solidFill>
+                <a:latin typeface="Consolas"/>
+              </a:rPr>
+              <a:t>			</a:t>
+            </a:r>
+            <a:r>
+              <a:rPr lang="en-US" altLang="ko-KR" sz="1600" dirty="0" err="1" smtClean="0">
+                <a:solidFill>
+                  <a:srgbClr val="000000"/>
+                </a:solidFill>
+                <a:latin typeface="Consolas"/>
+              </a:rPr>
+              <a:t>HttpServletRequest</a:t>
+            </a:r>
+            <a:r>
+              <a:rPr lang="en-US" altLang="ko-KR" sz="1600" dirty="0" smtClean="0">
+                <a:solidFill>
+                  <a:srgbClr val="000000"/>
+                </a:solidFill>
+                <a:latin typeface="Consolas"/>
+              </a:rPr>
+              <a:t> </a:t>
+            </a:r>
+            <a:r>
+              <a:rPr lang="en-US" altLang="ko-KR" sz="1600" dirty="0" smtClean="0">
+                <a:solidFill>
+                  <a:srgbClr val="6A3E3E"/>
+                </a:solidFill>
+                <a:latin typeface="Consolas"/>
+              </a:rPr>
+              <a:t>request</a:t>
+            </a:r>
+            <a:r>
+              <a:rPr lang="en-US" altLang="ko-KR" sz="1600" dirty="0" smtClean="0">
+                <a:solidFill>
+                  <a:srgbClr val="000000"/>
+                </a:solidFill>
+                <a:latin typeface="Consolas"/>
+              </a:rPr>
+              <a:t>, </a:t>
+            </a:r>
+            <a:r>
+              <a:rPr lang="en-US" altLang="ko-KR" sz="1600" dirty="0" err="1" smtClean="0">
+                <a:solidFill>
+                  <a:srgbClr val="000000"/>
+                </a:solidFill>
+                <a:latin typeface="Consolas"/>
+              </a:rPr>
+              <a:t>HttpServletResponse</a:t>
+            </a:r>
+            <a:r>
+              <a:rPr lang="en-US" altLang="ko-KR" sz="1600" dirty="0" smtClean="0">
+                <a:solidFill>
+                  <a:srgbClr val="000000"/>
+                </a:solidFill>
+                <a:latin typeface="Consolas"/>
+              </a:rPr>
+              <a:t> </a:t>
+            </a:r>
+            <a:r>
+              <a:rPr lang="en-US" altLang="ko-KR" sz="1600" dirty="0" smtClean="0">
+                <a:solidFill>
+                  <a:srgbClr val="6A3E3E"/>
+                </a:solidFill>
+                <a:latin typeface="Consolas"/>
+              </a:rPr>
+              <a:t>response</a:t>
+            </a:r>
+            <a:r>
+              <a:rPr lang="en-US" altLang="ko-KR" sz="1600" dirty="0" smtClean="0">
+                <a:solidFill>
+                  <a:srgbClr val="000000"/>
+                </a:solidFill>
+                <a:latin typeface="Consolas"/>
+              </a:rPr>
+              <a:t>, </a:t>
+            </a:r>
+          </a:p>
+          <a:p>
+            <a:pPr marL="180000"/>
+            <a:r>
+              <a:rPr lang="en-US" altLang="ko-KR" sz="1600" dirty="0" smtClean="0">
+                <a:solidFill>
+                  <a:srgbClr val="000000"/>
+                </a:solidFill>
+                <a:latin typeface="Consolas"/>
+              </a:rPr>
+              <a:t>			Object </a:t>
+            </a:r>
+            <a:r>
+              <a:rPr lang="en-US" altLang="ko-KR" sz="1600" dirty="0" smtClean="0">
+                <a:solidFill>
+                  <a:srgbClr val="6A3E3E"/>
+                </a:solidFill>
+                <a:latin typeface="Consolas"/>
+              </a:rPr>
+              <a:t>handler</a:t>
+            </a:r>
+            <a:r>
+              <a:rPr lang="en-US" altLang="ko-KR" sz="1600" dirty="0" smtClean="0">
+                <a:solidFill>
+                  <a:srgbClr val="000000"/>
+                </a:solidFill>
+                <a:latin typeface="Consolas"/>
+              </a:rPr>
+              <a:t>) {</a:t>
+            </a:r>
+          </a:p>
+          <a:p>
+            <a:pPr marL="180000"/>
+            <a:r>
+              <a:rPr lang="en-US" altLang="ko-KR" sz="1600" dirty="0" smtClean="0">
+                <a:solidFill>
+                  <a:srgbClr val="000000"/>
+                </a:solidFill>
+                <a:latin typeface="Consolas"/>
+              </a:rPr>
+              <a:t>		</a:t>
+            </a:r>
+            <a:r>
+              <a:rPr lang="en-US" altLang="ko-KR" sz="1600" dirty="0" err="1" smtClean="0">
+                <a:solidFill>
+                  <a:srgbClr val="000000"/>
+                </a:solidFill>
+                <a:latin typeface="Consolas"/>
+              </a:rPr>
+              <a:t>StopWatch</a:t>
+            </a:r>
+            <a:r>
+              <a:rPr lang="en-US" altLang="ko-KR" sz="1600" dirty="0" smtClean="0">
+                <a:solidFill>
+                  <a:srgbClr val="000000"/>
+                </a:solidFill>
+                <a:latin typeface="Consolas"/>
+              </a:rPr>
+              <a:t> </a:t>
+            </a:r>
+            <a:r>
+              <a:rPr lang="en-US" altLang="ko-KR" sz="1600" dirty="0" err="1" smtClean="0">
+                <a:solidFill>
+                  <a:srgbClr val="6A3E3E"/>
+                </a:solidFill>
+                <a:latin typeface="Consolas"/>
+              </a:rPr>
+              <a:t>sw</a:t>
+            </a:r>
+            <a:r>
+              <a:rPr lang="en-US" altLang="ko-KR" sz="1600" dirty="0" smtClean="0">
+                <a:solidFill>
+                  <a:srgbClr val="000000"/>
+                </a:solidFill>
+                <a:latin typeface="Consolas"/>
+              </a:rPr>
+              <a:t> = </a:t>
+            </a:r>
+            <a:r>
+              <a:rPr lang="en-US" altLang="ko-KR" sz="1600" b="1" dirty="0" smtClean="0">
+                <a:solidFill>
+                  <a:srgbClr val="7F0055"/>
+                </a:solidFill>
+                <a:latin typeface="Consolas"/>
+              </a:rPr>
+              <a:t>new</a:t>
+            </a:r>
+            <a:r>
+              <a:rPr lang="en-US" altLang="ko-KR" sz="1600" b="1" dirty="0" smtClean="0">
+                <a:solidFill>
+                  <a:srgbClr val="000000"/>
+                </a:solidFill>
+                <a:latin typeface="Consolas"/>
+              </a:rPr>
+              <a:t> </a:t>
+            </a:r>
+            <a:r>
+              <a:rPr lang="en-US" altLang="ko-KR" sz="1600" b="1" dirty="0" err="1" smtClean="0">
+                <a:solidFill>
+                  <a:srgbClr val="000000"/>
+                </a:solidFill>
+                <a:latin typeface="Consolas"/>
+              </a:rPr>
+              <a:t>StopWatch</a:t>
+            </a:r>
+            <a:r>
+              <a:rPr lang="en-US" altLang="ko-KR" sz="1600" b="1" dirty="0" smtClean="0">
+                <a:solidFill>
+                  <a:srgbClr val="000000"/>
+                </a:solidFill>
+                <a:latin typeface="Consolas"/>
+              </a:rPr>
+              <a:t>();</a:t>
+            </a:r>
+          </a:p>
+          <a:p>
+            <a:pPr marL="180000"/>
+            <a:r>
+              <a:rPr lang="en-US" altLang="ko-KR" sz="1600" dirty="0" smtClean="0">
+                <a:solidFill>
+                  <a:srgbClr val="6A3E3E"/>
+                </a:solidFill>
+                <a:latin typeface="Consolas"/>
+              </a:rPr>
+              <a:t>		</a:t>
+            </a:r>
+            <a:r>
+              <a:rPr lang="en-US" altLang="ko-KR" sz="1600" dirty="0" err="1" smtClean="0">
+                <a:solidFill>
+                  <a:srgbClr val="6A3E3E"/>
+                </a:solidFill>
+                <a:latin typeface="Consolas"/>
+              </a:rPr>
+              <a:t>request</a:t>
+            </a:r>
+            <a:r>
+              <a:rPr lang="en-US" altLang="ko-KR" sz="1600" dirty="0" err="1" smtClean="0">
+                <a:solidFill>
+                  <a:srgbClr val="000000"/>
+                </a:solidFill>
+                <a:latin typeface="Consolas"/>
+              </a:rPr>
+              <a:t>.setAttribute</a:t>
+            </a:r>
+            <a:r>
+              <a:rPr lang="en-US" altLang="ko-KR" sz="1600" dirty="0" smtClean="0">
+                <a:solidFill>
+                  <a:srgbClr val="000000"/>
+                </a:solidFill>
+                <a:latin typeface="Consolas"/>
+              </a:rPr>
+              <a:t>(</a:t>
+            </a:r>
+            <a:r>
+              <a:rPr lang="en-US" altLang="ko-KR" sz="1600" dirty="0" smtClean="0">
+                <a:solidFill>
+                  <a:srgbClr val="2A00FF"/>
+                </a:solidFill>
+                <a:latin typeface="Consolas"/>
+              </a:rPr>
+              <a:t>"</a:t>
+            </a:r>
+            <a:r>
+              <a:rPr lang="en-US" altLang="ko-KR" sz="1600" dirty="0" err="1" smtClean="0">
+                <a:solidFill>
+                  <a:srgbClr val="2A00FF"/>
+                </a:solidFill>
+                <a:latin typeface="Consolas"/>
+              </a:rPr>
+              <a:t>sw</a:t>
+            </a:r>
+            <a:r>
+              <a:rPr lang="en-US" altLang="ko-KR" sz="1600" dirty="0" smtClean="0">
+                <a:solidFill>
+                  <a:srgbClr val="2A00FF"/>
+                </a:solidFill>
+                <a:latin typeface="Consolas"/>
+              </a:rPr>
+              <a:t>"</a:t>
+            </a:r>
+            <a:r>
+              <a:rPr lang="en-US" altLang="ko-KR" sz="1600" dirty="0" smtClean="0">
+                <a:solidFill>
+                  <a:srgbClr val="000000"/>
+                </a:solidFill>
+                <a:latin typeface="Consolas"/>
+              </a:rPr>
+              <a:t>, </a:t>
+            </a:r>
+            <a:r>
+              <a:rPr lang="en-US" altLang="ko-KR" sz="1600" dirty="0" err="1" smtClean="0">
+                <a:solidFill>
+                  <a:srgbClr val="6A3E3E"/>
+                </a:solidFill>
+                <a:latin typeface="Consolas"/>
+              </a:rPr>
+              <a:t>sw</a:t>
+            </a:r>
+            <a:r>
+              <a:rPr lang="en-US" altLang="ko-KR" sz="1600" dirty="0" smtClean="0">
+                <a:solidFill>
+                  <a:srgbClr val="000000"/>
+                </a:solidFill>
+                <a:latin typeface="Consolas"/>
+              </a:rPr>
+              <a:t>);</a:t>
+            </a:r>
+          </a:p>
+          <a:p>
+            <a:pPr marL="180000"/>
+            <a:r>
+              <a:rPr lang="en-US" altLang="ko-KR" sz="1600" dirty="0" smtClean="0">
+                <a:solidFill>
+                  <a:srgbClr val="6A3E3E"/>
+                </a:solidFill>
+                <a:latin typeface="Consolas"/>
+              </a:rPr>
+              <a:t>		</a:t>
+            </a:r>
+            <a:r>
+              <a:rPr lang="en-US" altLang="ko-KR" sz="1600" dirty="0" err="1" smtClean="0">
+                <a:solidFill>
+                  <a:srgbClr val="6A3E3E"/>
+                </a:solidFill>
+                <a:latin typeface="Consolas"/>
+              </a:rPr>
+              <a:t>sw</a:t>
+            </a:r>
+            <a:r>
+              <a:rPr lang="en-US" altLang="ko-KR" sz="1600" dirty="0" err="1" smtClean="0">
+                <a:solidFill>
+                  <a:srgbClr val="000000"/>
+                </a:solidFill>
+                <a:latin typeface="Consolas"/>
+              </a:rPr>
+              <a:t>.start</a:t>
+            </a:r>
+            <a:r>
+              <a:rPr lang="en-US" altLang="ko-KR" sz="1600" dirty="0" smtClean="0">
+                <a:solidFill>
+                  <a:srgbClr val="000000"/>
+                </a:solidFill>
+                <a:latin typeface="Consolas"/>
+              </a:rPr>
+              <a:t>();</a:t>
+            </a:r>
+          </a:p>
+          <a:p>
+            <a:pPr marL="180000"/>
+            <a:r>
+              <a:rPr lang="en-US" altLang="ko-KR" sz="1600" dirty="0" smtClean="0">
+                <a:solidFill>
+                  <a:srgbClr val="000000"/>
+                </a:solidFill>
+                <a:latin typeface="Consolas"/>
+              </a:rPr>
+              <a:t>		</a:t>
+            </a:r>
+            <a:r>
+              <a:rPr lang="en-US" altLang="ko-KR" sz="1600" dirty="0" err="1" smtClean="0">
+                <a:solidFill>
+                  <a:srgbClr val="000000"/>
+                </a:solidFill>
+                <a:latin typeface="Consolas"/>
+              </a:rPr>
+              <a:t>System.</a:t>
+            </a:r>
+            <a:r>
+              <a:rPr lang="en-US" altLang="ko-KR" sz="1600" b="1" i="1" dirty="0" err="1" smtClean="0">
+                <a:solidFill>
+                  <a:srgbClr val="0000C0"/>
+                </a:solidFill>
+                <a:latin typeface="Consolas"/>
+              </a:rPr>
+              <a:t>out</a:t>
+            </a:r>
+            <a:r>
+              <a:rPr lang="en-US" altLang="ko-KR" sz="1600" b="1" i="1" dirty="0" err="1" smtClean="0">
+                <a:solidFill>
+                  <a:srgbClr val="000000"/>
+                </a:solidFill>
+                <a:latin typeface="Consolas"/>
+              </a:rPr>
+              <a:t>.println</a:t>
+            </a:r>
+            <a:r>
+              <a:rPr lang="en-US" altLang="ko-KR" sz="1600" b="1" i="1" dirty="0" smtClean="0">
+                <a:solidFill>
+                  <a:srgbClr val="000000"/>
+                </a:solidFill>
+                <a:latin typeface="Consolas"/>
+              </a:rPr>
+              <a:t>(</a:t>
+            </a:r>
+            <a:r>
+              <a:rPr lang="en-US" altLang="ko-KR" sz="1600" b="1" i="1" dirty="0" smtClean="0">
+                <a:solidFill>
+                  <a:srgbClr val="2A00FF"/>
+                </a:solidFill>
+                <a:latin typeface="Consolas"/>
+              </a:rPr>
+              <a:t>"Time Start"</a:t>
+            </a:r>
+            <a:r>
+              <a:rPr lang="en-US" altLang="ko-KR" sz="1600" b="1" i="1" dirty="0" smtClean="0">
+                <a:solidFill>
+                  <a:srgbClr val="000000"/>
+                </a:solidFill>
+                <a:latin typeface="Consolas"/>
+              </a:rPr>
+              <a:t>);</a:t>
+            </a:r>
+          </a:p>
+          <a:p>
+            <a:pPr marL="180000"/>
+            <a:r>
+              <a:rPr lang="en-US" altLang="ko-KR" sz="1600" b="1" dirty="0" smtClean="0">
+                <a:solidFill>
+                  <a:srgbClr val="7F0055"/>
+                </a:solidFill>
+                <a:latin typeface="Consolas"/>
+              </a:rPr>
+              <a:t>		return</a:t>
+            </a:r>
+            <a:r>
+              <a:rPr lang="en-US" altLang="ko-KR" sz="1600" b="1" dirty="0" smtClean="0">
+                <a:solidFill>
+                  <a:srgbClr val="000000"/>
+                </a:solidFill>
+                <a:latin typeface="Consolas"/>
+              </a:rPr>
+              <a:t> </a:t>
+            </a:r>
+            <a:r>
+              <a:rPr lang="en-US" altLang="ko-KR" sz="1600" b="1" dirty="0" smtClean="0">
+                <a:solidFill>
+                  <a:srgbClr val="7F0055"/>
+                </a:solidFill>
+                <a:latin typeface="Consolas"/>
+              </a:rPr>
+              <a:t>true</a:t>
+            </a:r>
+            <a:r>
+              <a:rPr lang="en-US" altLang="ko-KR" sz="1600" b="1" dirty="0" smtClean="0">
+                <a:solidFill>
+                  <a:srgbClr val="000000"/>
+                </a:solidFill>
+                <a:latin typeface="Consolas"/>
+              </a:rPr>
+              <a:t>;</a:t>
+            </a:r>
+          </a:p>
+          <a:p>
+            <a:pPr marL="180000"/>
+            <a:r>
+              <a:rPr lang="en-US" altLang="ko-KR" sz="1600" dirty="0" smtClean="0">
+                <a:solidFill>
+                  <a:srgbClr val="000000"/>
+                </a:solidFill>
+                <a:latin typeface="Consolas"/>
+              </a:rPr>
+              <a:t>	}</a:t>
+            </a:r>
+            <a:endParaRPr lang="en-US" altLang="ko-KR" sz="1600" dirty="0" smtClean="0">
+              <a:solidFill>
+                <a:srgbClr val="000000"/>
+              </a:solidFill>
+              <a:latin typeface="Consolas"/>
+            </a:endParaRPr>
+          </a:p>
+          <a:p>
+            <a:pPr marL="180000"/>
+            <a:r>
+              <a:rPr lang="en-US" altLang="ko-KR" sz="1600" dirty="0" smtClean="0">
+                <a:solidFill>
+                  <a:srgbClr val="000000"/>
+                </a:solidFill>
+                <a:latin typeface="Consolas"/>
+              </a:rPr>
+              <a:t>}</a:t>
+            </a:r>
+            <a:endParaRPr lang="ko-KR" altLang="en-US" sz="1600" dirty="0"/>
+          </a:p>
+        </p:txBody>
+      </p:sp>
       <p:grpSp>
         <p:nvGrpSpPr>
           <p:cNvPr id="2" name="그룹 1"/>
@@ -10574,7 +17221,7 @@
           <p:spPr>
             <a:xfrm>
               <a:off x="577204" y="1685796"/>
-              <a:ext cx="4518223" cy="0"/>
+              <a:ext cx="3739677" cy="0"/>
             </a:xfrm>
             <a:prstGeom prst="line">
               <a:avLst/>
@@ -10603,10 +17250,1463 @@
           </p:style>
         </p:cxnSp>
       </p:grpSp>
+      <p:sp>
+        <p:nvSpPr>
+          <p:cNvPr id="25" name="TextBox 24"/>
+          <p:cNvSpPr txBox="1"/>
+          <p:nvPr/>
+        </p:nvSpPr>
+        <p:spPr>
+          <a:xfrm>
+            <a:off x="704528" y="1693659"/>
+            <a:ext cx="4247838" cy="369332"/>
+          </a:xfrm>
+          <a:prstGeom prst="rect">
+            <a:avLst/>
+          </a:prstGeom>
+          <a:noFill/>
+        </p:spPr>
+        <p:txBody>
+          <a:bodyPr wrap="square" rtlCol="0" anchor="ctr" anchorCtr="0">
+            <a:spAutoFit/>
+          </a:bodyPr>
+          <a:lstStyle/>
+          <a:p>
+            <a:r>
+              <a:rPr lang="en-US" altLang="ko-KR" dirty="0" smtClean="0">
+                <a:solidFill>
+                  <a:schemeClr val="bg1">
+                    <a:lumMod val="95000"/>
+                  </a:schemeClr>
+                </a:solidFill>
+                <a:latin typeface="한컴 윤고딕 250" pitchFamily="18" charset="-127"/>
+                <a:ea typeface="한컴 윤고딕 250" pitchFamily="18" charset="-127"/>
+              </a:rPr>
+              <a:t>#</a:t>
+            </a:r>
+            <a:r>
+              <a:rPr lang="ko-KR" altLang="en-US" dirty="0" smtClean="0">
+                <a:solidFill>
+                  <a:schemeClr val="bg1">
+                    <a:lumMod val="95000"/>
+                  </a:schemeClr>
+                </a:solidFill>
+                <a:latin typeface="한컴 윤고딕 250" pitchFamily="18" charset="-127"/>
+                <a:ea typeface="한컴 윤고딕 250" pitchFamily="18" charset="-127"/>
+              </a:rPr>
+              <a:t> </a:t>
+            </a:r>
+            <a:r>
+              <a:rPr lang="en-US" altLang="ko-KR" dirty="0" err="1" smtClean="0">
+                <a:solidFill>
+                  <a:schemeClr val="bg1">
+                    <a:lumMod val="95000"/>
+                  </a:schemeClr>
+                </a:solidFill>
+                <a:latin typeface="한컴 윤고딕 250" pitchFamily="18" charset="-127"/>
+                <a:ea typeface="한컴 윤고딕 250" pitchFamily="18" charset="-127"/>
+              </a:rPr>
+              <a:t>preHandle</a:t>
+            </a:r>
+            <a:endParaRPr lang="en-US" altLang="ko-KR" dirty="0" smtClean="0">
+              <a:solidFill>
+                <a:schemeClr val="bg1">
+                  <a:lumMod val="95000"/>
+                </a:schemeClr>
+              </a:solidFill>
+              <a:latin typeface="한컴 윤고딕 250" pitchFamily="18" charset="-127"/>
+              <a:ea typeface="한컴 윤고딕 250" pitchFamily="18" charset="-127"/>
+            </a:endParaRPr>
+          </a:p>
+        </p:txBody>
+      </p:sp>
+      <p:cxnSp>
+        <p:nvCxnSpPr>
+          <p:cNvPr id="26" name="직선 연결선 25"/>
+          <p:cNvCxnSpPr/>
+          <p:nvPr/>
+        </p:nvCxnSpPr>
+        <p:spPr>
+          <a:xfrm>
+            <a:off x="776536" y="2027646"/>
+            <a:ext cx="1728000" cy="0"/>
+          </a:xfrm>
+          <a:prstGeom prst="line">
+            <a:avLst/>
+          </a:prstGeom>
+          <a:ln w="19050">
+            <a:solidFill>
+              <a:schemeClr val="bg1">
+                <a:lumMod val="75000"/>
+              </a:schemeClr>
+            </a:solidFill>
+          </a:ln>
+        </p:spPr>
+        <p:style>
+          <a:lnRef idx="1">
+            <a:schemeClr val="accent1"/>
+          </a:lnRef>
+          <a:fillRef idx="0">
+            <a:schemeClr val="accent1"/>
+          </a:fillRef>
+          <a:effectRef idx="0">
+            <a:schemeClr val="accent1"/>
+          </a:effectRef>
+          <a:fontRef idx="minor">
+            <a:schemeClr val="tx1"/>
+          </a:fontRef>
+        </p:style>
+      </p:cxnSp>
     </p:spTree>
     <p:extLst>
       <p:ext uri="{BB962C8B-B14F-4D97-AF65-F5344CB8AC3E}">
-        <p14:creationId xmlns:p14="http://schemas.microsoft.com/office/powerpoint/2010/main" val="823508735"/>
+        <p14:creationId xmlns:p14="http://schemas.microsoft.com/office/powerpoint/2010/main" xmlns="" val="823508735"/>
+      </p:ext>
+    </p:extLst>
+  </p:cSld>
+  <p:clrMapOvr>
+    <a:masterClrMapping/>
+  </p:clrMapOvr>
+  <p:timing>
+    <p:tnLst>
+      <p:par>
+        <p:cTn id="1" dur="indefinite" restart="never" nodeType="tmRoot"/>
+      </p:par>
+    </p:tnLst>
+  </p:timing>
+</p:sld>
+</file>
+
+<file path=ppt/slides/slide9.xml><?xml version="1.0" encoding="utf-8"?>
+<p:sld xmlns:a="http://schemas.openxmlformats.org/drawingml/2006/main" xmlns:r="http://schemas.openxmlformats.org/officeDocument/2006/relationships" xmlns:p="http://schemas.openxmlformats.org/presentationml/2006/main">
+  <p:cSld>
+    <p:spTree>
+      <p:nvGrpSpPr>
+        <p:cNvPr id="1" name=""/>
+        <p:cNvGrpSpPr/>
+        <p:nvPr/>
+      </p:nvGrpSpPr>
+      <p:grpSpPr>
+        <a:xfrm>
+          <a:off x="0" y="0"/>
+          <a:ext cx="0" cy="0"/>
+          <a:chOff x="0" y="0"/>
+          <a:chExt cx="0" cy="0"/>
+        </a:xfrm>
+      </p:grpSpPr>
+      <p:grpSp>
+        <p:nvGrpSpPr>
+          <p:cNvPr id="2" name="그룹 38"/>
+          <p:cNvGrpSpPr/>
+          <p:nvPr/>
+        </p:nvGrpSpPr>
+        <p:grpSpPr>
+          <a:xfrm>
+            <a:off x="26636" y="1742752"/>
+            <a:ext cx="9852728" cy="4226244"/>
+            <a:chOff x="10365968" y="1742752"/>
+            <a:chExt cx="9852728" cy="4226244"/>
+          </a:xfrm>
+        </p:grpSpPr>
+        <p:pic>
+          <p:nvPicPr>
+            <p:cNvPr id="40" name="그림 39" descr="springframework.png"/>
+            <p:cNvPicPr>
+              <a:picLocks noChangeAspect="1"/>
+            </p:cNvPicPr>
+            <p:nvPr/>
+          </p:nvPicPr>
+          <p:blipFill>
+            <a:blip r:embed="rId3">
+              <a:duotone>
+                <a:schemeClr val="accent3">
+                  <a:shade val="45000"/>
+                  <a:satMod val="135000"/>
+                </a:schemeClr>
+                <a:prstClr val="white"/>
+              </a:duotone>
+            </a:blip>
+            <a:stretch>
+              <a:fillRect/>
+            </a:stretch>
+          </p:blipFill>
+          <p:spPr>
+            <a:xfrm>
+              <a:off x="10365968" y="1742753"/>
+              <a:ext cx="9838563" cy="4226243"/>
+            </a:xfrm>
+            <a:prstGeom prst="rect">
+              <a:avLst/>
+            </a:prstGeom>
+          </p:spPr>
+        </p:pic>
+        <p:sp>
+          <p:nvSpPr>
+            <p:cNvPr id="41" name="직사각형 40"/>
+            <p:cNvSpPr/>
+            <p:nvPr/>
+          </p:nvSpPr>
+          <p:spPr>
+            <a:xfrm>
+              <a:off x="13954000" y="1742752"/>
+              <a:ext cx="6264696" cy="4226243"/>
+            </a:xfrm>
+            <a:prstGeom prst="rect">
+              <a:avLst/>
+            </a:prstGeom>
+            <a:gradFill flip="none" rotWithShape="1">
+              <a:gsLst>
+                <a:gs pos="0">
+                  <a:schemeClr val="tx1">
+                    <a:lumMod val="85000"/>
+                    <a:lumOff val="15000"/>
+                    <a:alpha val="0"/>
+                  </a:schemeClr>
+                </a:gs>
+                <a:gs pos="70000">
+                  <a:schemeClr val="tx1">
+                    <a:lumMod val="85000"/>
+                    <a:lumOff val="15000"/>
+                    <a:alpha val="80000"/>
+                  </a:schemeClr>
+                </a:gs>
+                <a:gs pos="100000">
+                  <a:schemeClr val="tx1">
+                    <a:lumMod val="85000"/>
+                    <a:lumOff val="15000"/>
+                    <a:alpha val="90000"/>
+                  </a:schemeClr>
+                </a:gs>
+              </a:gsLst>
+              <a:lin ang="0" scaled="1"/>
+              <a:tileRect/>
+            </a:gradFill>
+            <a:ln>
+              <a:noFill/>
+            </a:ln>
+          </p:spPr>
+          <p:style>
+            <a:lnRef idx="2">
+              <a:schemeClr val="accent1">
+                <a:shade val="50000"/>
+              </a:schemeClr>
+            </a:lnRef>
+            <a:fillRef idx="1">
+              <a:schemeClr val="accent1"/>
+            </a:fillRef>
+            <a:effectRef idx="0">
+              <a:schemeClr val="accent1"/>
+            </a:effectRef>
+            <a:fontRef idx="minor">
+              <a:schemeClr val="lt1"/>
+            </a:fontRef>
+          </p:style>
+          <p:txBody>
+            <a:bodyPr rtlCol="0" anchor="ctr"/>
+            <a:lstStyle/>
+            <a:p>
+              <a:pPr algn="ctr"/>
+              <a:endParaRPr lang="ko-KR" altLang="en-US"/>
+            </a:p>
+          </p:txBody>
+        </p:sp>
+      </p:grpSp>
+      <p:sp>
+        <p:nvSpPr>
+          <p:cNvPr id="19" name="TextBox 18"/>
+          <p:cNvSpPr txBox="1"/>
+          <p:nvPr/>
+        </p:nvSpPr>
+        <p:spPr>
+          <a:xfrm>
+            <a:off x="309530" y="2143116"/>
+            <a:ext cx="9254468" cy="3046988"/>
+          </a:xfrm>
+          <a:prstGeom prst="rect">
+            <a:avLst/>
+          </a:prstGeom>
+          <a:solidFill>
+            <a:schemeClr val="bg1">
+              <a:lumMod val="95000"/>
+            </a:schemeClr>
+          </a:solidFill>
+        </p:spPr>
+        <p:txBody>
+          <a:bodyPr wrap="square" rtlCol="0">
+            <a:spAutoFit/>
+          </a:bodyPr>
+          <a:lstStyle/>
+          <a:p>
+            <a:pPr marL="180000"/>
+            <a:r>
+              <a:rPr lang="en-US" altLang="ko-KR" sz="1600" b="1" dirty="0" smtClean="0">
+                <a:solidFill>
+                  <a:srgbClr val="7F0055"/>
+                </a:solidFill>
+                <a:latin typeface="Consolas"/>
+              </a:rPr>
+              <a:t>public</a:t>
+            </a:r>
+            <a:r>
+              <a:rPr lang="en-US" altLang="ko-KR" sz="1600" b="1" dirty="0" smtClean="0">
+                <a:solidFill>
+                  <a:srgbClr val="000000"/>
+                </a:solidFill>
+                <a:latin typeface="Consolas"/>
+              </a:rPr>
+              <a:t> </a:t>
+            </a:r>
+            <a:r>
+              <a:rPr lang="en-US" altLang="ko-KR" sz="1600" b="1" dirty="0" smtClean="0">
+                <a:solidFill>
+                  <a:srgbClr val="7F0055"/>
+                </a:solidFill>
+                <a:latin typeface="Consolas"/>
+              </a:rPr>
+              <a:t>class</a:t>
+            </a:r>
+            <a:r>
+              <a:rPr lang="en-US" altLang="ko-KR" sz="1600" b="1" dirty="0" smtClean="0">
+                <a:solidFill>
+                  <a:srgbClr val="000000"/>
+                </a:solidFill>
+                <a:latin typeface="Consolas"/>
+              </a:rPr>
+              <a:t> Interceptor </a:t>
+            </a:r>
+            <a:r>
+              <a:rPr lang="en-US" altLang="ko-KR" sz="1600" b="1" dirty="0" smtClean="0">
+                <a:solidFill>
+                  <a:srgbClr val="7F0055"/>
+                </a:solidFill>
+                <a:latin typeface="Consolas"/>
+              </a:rPr>
+              <a:t>extends</a:t>
+            </a:r>
+            <a:r>
+              <a:rPr lang="en-US" altLang="ko-KR" sz="1600" b="1" dirty="0" smtClean="0">
+                <a:solidFill>
+                  <a:srgbClr val="000000"/>
+                </a:solidFill>
+                <a:latin typeface="Consolas"/>
+              </a:rPr>
+              <a:t> </a:t>
+            </a:r>
+            <a:r>
+              <a:rPr lang="en-US" altLang="ko-KR" sz="1600" b="1" dirty="0" err="1" smtClean="0">
+                <a:solidFill>
+                  <a:srgbClr val="000000"/>
+                </a:solidFill>
+                <a:latin typeface="Consolas"/>
+              </a:rPr>
+              <a:t>HandlerInterceptorAdapter</a:t>
+            </a:r>
+            <a:r>
+              <a:rPr lang="en-US" altLang="ko-KR" sz="1600" b="1" dirty="0" smtClean="0">
+                <a:solidFill>
+                  <a:srgbClr val="000000"/>
+                </a:solidFill>
+                <a:latin typeface="Consolas"/>
+              </a:rPr>
+              <a:t>{</a:t>
+            </a:r>
+          </a:p>
+          <a:p>
+            <a:pPr marL="180000"/>
+            <a:endParaRPr lang="ko-KR" altLang="en-US" sz="1600" dirty="0" smtClean="0">
+              <a:latin typeface="Consolas"/>
+            </a:endParaRPr>
+          </a:p>
+          <a:p>
+            <a:r>
+              <a:rPr lang="en-US" altLang="ko-KR" sz="1600" dirty="0" smtClean="0">
+                <a:solidFill>
+                  <a:srgbClr val="646464"/>
+                </a:solidFill>
+                <a:latin typeface="Consolas"/>
+              </a:rPr>
+              <a:t>	@Override</a:t>
+            </a:r>
+          </a:p>
+          <a:p>
+            <a:pPr lvl="2"/>
+            <a:r>
+              <a:rPr lang="en-US" altLang="ko-KR" sz="1600" b="1" dirty="0" smtClean="0">
+                <a:solidFill>
+                  <a:srgbClr val="7F0055"/>
+                </a:solidFill>
+                <a:latin typeface="Consolas"/>
+              </a:rPr>
+              <a:t>public</a:t>
+            </a:r>
+            <a:r>
+              <a:rPr lang="en-US" altLang="ko-KR" sz="1600" b="1" dirty="0" smtClean="0">
+                <a:solidFill>
+                  <a:srgbClr val="000000"/>
+                </a:solidFill>
+                <a:latin typeface="Consolas"/>
+              </a:rPr>
+              <a:t> </a:t>
+            </a:r>
+            <a:r>
+              <a:rPr lang="en-US" altLang="ko-KR" sz="1600" b="1" dirty="0" smtClean="0">
+                <a:solidFill>
+                  <a:srgbClr val="7F0055"/>
+                </a:solidFill>
+                <a:latin typeface="Consolas"/>
+              </a:rPr>
+              <a:t>void</a:t>
+            </a:r>
+            <a:r>
+              <a:rPr lang="en-US" altLang="ko-KR" sz="1600" b="1" dirty="0" smtClean="0">
+                <a:solidFill>
+                  <a:srgbClr val="000000"/>
+                </a:solidFill>
+                <a:latin typeface="Consolas"/>
+              </a:rPr>
+              <a:t> </a:t>
+            </a:r>
+            <a:r>
+              <a:rPr lang="en-US" altLang="ko-KR" sz="1600" b="1" dirty="0" err="1" smtClean="0">
+                <a:solidFill>
+                  <a:srgbClr val="000000"/>
+                </a:solidFill>
+                <a:latin typeface="Consolas"/>
+              </a:rPr>
+              <a:t>afterCompletion</a:t>
+            </a:r>
+            <a:r>
+              <a:rPr lang="en-US" altLang="ko-KR" sz="1600" b="1" dirty="0" smtClean="0">
+                <a:solidFill>
+                  <a:srgbClr val="000000"/>
+                </a:solidFill>
+                <a:latin typeface="Consolas"/>
+              </a:rPr>
+              <a:t>(</a:t>
+            </a:r>
+          </a:p>
+          <a:p>
+            <a:pPr lvl="2"/>
+            <a:r>
+              <a:rPr lang="en-US" altLang="ko-KR" sz="1600" dirty="0" smtClean="0">
+                <a:solidFill>
+                  <a:srgbClr val="000000"/>
+                </a:solidFill>
+                <a:latin typeface="Consolas"/>
+              </a:rPr>
+              <a:t>		</a:t>
+            </a:r>
+            <a:r>
+              <a:rPr lang="en-US" altLang="ko-KR" sz="1600" dirty="0" err="1" smtClean="0">
+                <a:solidFill>
+                  <a:srgbClr val="000000"/>
+                </a:solidFill>
+                <a:latin typeface="Consolas"/>
+              </a:rPr>
+              <a:t>HttpServletRequest</a:t>
+            </a:r>
+            <a:r>
+              <a:rPr lang="en-US" altLang="ko-KR" sz="1600" dirty="0" smtClean="0">
+                <a:solidFill>
+                  <a:srgbClr val="000000"/>
+                </a:solidFill>
+                <a:latin typeface="Consolas"/>
+              </a:rPr>
+              <a:t> </a:t>
+            </a:r>
+            <a:r>
+              <a:rPr lang="en-US" altLang="ko-KR" sz="1600" dirty="0" smtClean="0">
+                <a:solidFill>
+                  <a:srgbClr val="6A3E3E"/>
+                </a:solidFill>
+                <a:latin typeface="Consolas"/>
+              </a:rPr>
+              <a:t>request</a:t>
+            </a:r>
+            <a:r>
+              <a:rPr lang="en-US" altLang="ko-KR" sz="1600" dirty="0" smtClean="0">
+                <a:solidFill>
+                  <a:srgbClr val="000000"/>
+                </a:solidFill>
+                <a:latin typeface="Consolas"/>
+              </a:rPr>
+              <a:t>, </a:t>
+            </a:r>
+            <a:r>
+              <a:rPr lang="en-US" altLang="ko-KR" sz="1600" dirty="0" err="1" smtClean="0">
+                <a:solidFill>
+                  <a:srgbClr val="000000"/>
+                </a:solidFill>
+                <a:latin typeface="Consolas"/>
+              </a:rPr>
+              <a:t>HttpServletResponse</a:t>
+            </a:r>
+            <a:r>
+              <a:rPr lang="en-US" altLang="ko-KR" sz="1600" dirty="0" smtClean="0">
+                <a:solidFill>
+                  <a:srgbClr val="000000"/>
+                </a:solidFill>
+                <a:latin typeface="Consolas"/>
+              </a:rPr>
+              <a:t> </a:t>
+            </a:r>
+            <a:r>
+              <a:rPr lang="en-US" altLang="ko-KR" sz="1600" dirty="0" smtClean="0">
+                <a:solidFill>
+                  <a:srgbClr val="6A3E3E"/>
+                </a:solidFill>
+                <a:latin typeface="Consolas"/>
+              </a:rPr>
+              <a:t>response</a:t>
+            </a:r>
+            <a:r>
+              <a:rPr lang="en-US" altLang="ko-KR" sz="1600" dirty="0" smtClean="0">
+                <a:solidFill>
+                  <a:srgbClr val="000000"/>
+                </a:solidFill>
+                <a:latin typeface="Consolas"/>
+              </a:rPr>
+              <a:t>, </a:t>
+            </a:r>
+            <a:r>
+              <a:rPr lang="en-US" altLang="ko-KR" sz="1600" dirty="0" smtClean="0">
+                <a:solidFill>
+                  <a:srgbClr val="000000"/>
+                </a:solidFill>
+                <a:latin typeface="Consolas"/>
+              </a:rPr>
+              <a:t>		Object </a:t>
+            </a:r>
+            <a:r>
+              <a:rPr lang="en-US" altLang="ko-KR" sz="1600" dirty="0" smtClean="0">
+                <a:solidFill>
+                  <a:srgbClr val="6A3E3E"/>
+                </a:solidFill>
+                <a:latin typeface="Consolas"/>
+              </a:rPr>
+              <a:t>handler</a:t>
+            </a:r>
+            <a:r>
+              <a:rPr lang="en-US" altLang="ko-KR" sz="1600" dirty="0" smtClean="0">
+                <a:solidFill>
+                  <a:srgbClr val="000000"/>
+                </a:solidFill>
+                <a:latin typeface="Consolas"/>
+              </a:rPr>
+              <a:t>, Exception </a:t>
+            </a:r>
+            <a:r>
+              <a:rPr lang="en-US" altLang="ko-KR" sz="1600" dirty="0" smtClean="0">
+                <a:solidFill>
+                  <a:srgbClr val="6A3E3E"/>
+                </a:solidFill>
+                <a:latin typeface="Consolas"/>
+              </a:rPr>
+              <a:t>ex</a:t>
+            </a:r>
+            <a:r>
+              <a:rPr lang="en-US" altLang="ko-KR" sz="1600" dirty="0" smtClean="0">
+                <a:solidFill>
+                  <a:srgbClr val="000000"/>
+                </a:solidFill>
+                <a:latin typeface="Consolas"/>
+              </a:rPr>
+              <a:t>) {</a:t>
+            </a:r>
+          </a:p>
+          <a:p>
+            <a:pPr lvl="2"/>
+            <a:r>
+              <a:rPr lang="en-US" altLang="ko-KR" sz="1600" dirty="0" smtClean="0">
+                <a:solidFill>
+                  <a:srgbClr val="000000"/>
+                </a:solidFill>
+                <a:latin typeface="Consolas"/>
+              </a:rPr>
+              <a:t>	</a:t>
+            </a:r>
+            <a:r>
+              <a:rPr lang="en-US" altLang="ko-KR" sz="1600" dirty="0" err="1" smtClean="0">
+                <a:solidFill>
+                  <a:srgbClr val="000000"/>
+                </a:solidFill>
+                <a:latin typeface="Consolas"/>
+              </a:rPr>
+              <a:t>StopWatch</a:t>
+            </a:r>
+            <a:r>
+              <a:rPr lang="en-US" altLang="ko-KR" sz="1600" dirty="0" smtClean="0">
+                <a:solidFill>
+                  <a:srgbClr val="000000"/>
+                </a:solidFill>
+                <a:latin typeface="Consolas"/>
+              </a:rPr>
+              <a:t> </a:t>
+            </a:r>
+            <a:r>
+              <a:rPr lang="en-US" altLang="ko-KR" sz="1600" dirty="0" err="1" smtClean="0">
+                <a:solidFill>
+                  <a:srgbClr val="6A3E3E"/>
+                </a:solidFill>
+                <a:latin typeface="Consolas"/>
+              </a:rPr>
+              <a:t>sw</a:t>
+            </a:r>
+            <a:r>
+              <a:rPr lang="en-US" altLang="ko-KR" sz="1600" dirty="0" smtClean="0">
+                <a:solidFill>
+                  <a:srgbClr val="000000"/>
+                </a:solidFill>
+                <a:latin typeface="Consolas"/>
+              </a:rPr>
+              <a:t> = (</a:t>
+            </a:r>
+            <a:r>
+              <a:rPr lang="en-US" altLang="ko-KR" sz="1600" dirty="0" err="1" smtClean="0">
+                <a:solidFill>
+                  <a:srgbClr val="000000"/>
+                </a:solidFill>
+                <a:latin typeface="Consolas"/>
+              </a:rPr>
+              <a:t>StopWatch</a:t>
+            </a:r>
+            <a:r>
+              <a:rPr lang="en-US" altLang="ko-KR" sz="1600" dirty="0" smtClean="0">
+                <a:solidFill>
+                  <a:srgbClr val="000000"/>
+                </a:solidFill>
+                <a:latin typeface="Consolas"/>
+              </a:rPr>
+              <a:t>) </a:t>
+            </a:r>
+            <a:r>
+              <a:rPr lang="en-US" altLang="ko-KR" sz="1600" dirty="0" err="1" smtClean="0">
+                <a:solidFill>
+                  <a:srgbClr val="6A3E3E"/>
+                </a:solidFill>
+                <a:latin typeface="Consolas"/>
+              </a:rPr>
+              <a:t>request</a:t>
+            </a:r>
+            <a:r>
+              <a:rPr lang="en-US" altLang="ko-KR" sz="1600" dirty="0" err="1" smtClean="0">
+                <a:solidFill>
+                  <a:srgbClr val="000000"/>
+                </a:solidFill>
+                <a:latin typeface="Consolas"/>
+              </a:rPr>
+              <a:t>.getAttribute</a:t>
+            </a:r>
+            <a:r>
+              <a:rPr lang="en-US" altLang="ko-KR" sz="1600" dirty="0" smtClean="0">
+                <a:solidFill>
+                  <a:srgbClr val="000000"/>
+                </a:solidFill>
+                <a:latin typeface="Consolas"/>
+              </a:rPr>
+              <a:t>(</a:t>
+            </a:r>
+            <a:r>
+              <a:rPr lang="en-US" altLang="ko-KR" sz="1600" dirty="0" smtClean="0">
+                <a:solidFill>
+                  <a:srgbClr val="2A00FF"/>
+                </a:solidFill>
+                <a:latin typeface="Consolas"/>
+              </a:rPr>
+              <a:t>"</a:t>
+            </a:r>
+            <a:r>
+              <a:rPr lang="en-US" altLang="ko-KR" sz="1600" dirty="0" err="1" smtClean="0">
+                <a:solidFill>
+                  <a:srgbClr val="2A00FF"/>
+                </a:solidFill>
+                <a:latin typeface="Consolas"/>
+              </a:rPr>
+              <a:t>sw</a:t>
+            </a:r>
+            <a:r>
+              <a:rPr lang="en-US" altLang="ko-KR" sz="1600" dirty="0" smtClean="0">
+                <a:solidFill>
+                  <a:srgbClr val="2A00FF"/>
+                </a:solidFill>
+                <a:latin typeface="Consolas"/>
+              </a:rPr>
+              <a:t>"</a:t>
+            </a:r>
+            <a:r>
+              <a:rPr lang="en-US" altLang="ko-KR" sz="1600" dirty="0" smtClean="0">
+                <a:solidFill>
+                  <a:srgbClr val="000000"/>
+                </a:solidFill>
+                <a:latin typeface="Consolas"/>
+              </a:rPr>
+              <a:t>);</a:t>
+            </a:r>
+          </a:p>
+          <a:p>
+            <a:pPr lvl="2"/>
+            <a:r>
+              <a:rPr lang="en-US" altLang="ko-KR" sz="1600" dirty="0" smtClean="0">
+                <a:solidFill>
+                  <a:srgbClr val="6A3E3E"/>
+                </a:solidFill>
+                <a:latin typeface="Consolas"/>
+              </a:rPr>
+              <a:t>	</a:t>
+            </a:r>
+            <a:r>
+              <a:rPr lang="en-US" altLang="ko-KR" sz="1600" dirty="0" err="1" smtClean="0">
+                <a:solidFill>
+                  <a:srgbClr val="6A3E3E"/>
+                </a:solidFill>
+                <a:latin typeface="Consolas"/>
+              </a:rPr>
+              <a:t>sw</a:t>
+            </a:r>
+            <a:r>
+              <a:rPr lang="en-US" altLang="ko-KR" sz="1600" dirty="0" err="1" smtClean="0">
+                <a:solidFill>
+                  <a:srgbClr val="000000"/>
+                </a:solidFill>
+                <a:latin typeface="Consolas"/>
+              </a:rPr>
+              <a:t>.stop</a:t>
+            </a:r>
+            <a:r>
+              <a:rPr lang="en-US" altLang="ko-KR" sz="1600" dirty="0" smtClean="0">
+                <a:solidFill>
+                  <a:srgbClr val="000000"/>
+                </a:solidFill>
+                <a:latin typeface="Consolas"/>
+              </a:rPr>
+              <a:t>();</a:t>
+            </a:r>
+          </a:p>
+          <a:p>
+            <a:pPr lvl="2"/>
+            <a:r>
+              <a:rPr lang="en-US" altLang="ko-KR" sz="1600" dirty="0" smtClean="0">
+                <a:solidFill>
+                  <a:srgbClr val="000000"/>
+                </a:solidFill>
+                <a:latin typeface="Consolas"/>
+              </a:rPr>
+              <a:t>	</a:t>
+            </a:r>
+            <a:r>
+              <a:rPr lang="en-US" altLang="ko-KR" sz="1600" dirty="0" err="1" smtClean="0">
+                <a:solidFill>
+                  <a:srgbClr val="000000"/>
+                </a:solidFill>
+                <a:latin typeface="Consolas"/>
+              </a:rPr>
+              <a:t>System.</a:t>
+            </a:r>
+            <a:r>
+              <a:rPr lang="en-US" altLang="ko-KR" sz="1600" b="1" i="1" dirty="0" err="1" smtClean="0">
+                <a:solidFill>
+                  <a:srgbClr val="0000C0"/>
+                </a:solidFill>
+                <a:latin typeface="Consolas"/>
+              </a:rPr>
+              <a:t>out</a:t>
+            </a:r>
+            <a:r>
+              <a:rPr lang="en-US" altLang="ko-KR" sz="1600" b="1" i="1" dirty="0" err="1" smtClean="0">
+                <a:solidFill>
+                  <a:srgbClr val="000000"/>
+                </a:solidFill>
+                <a:latin typeface="Consolas"/>
+              </a:rPr>
+              <a:t>.println</a:t>
+            </a:r>
+            <a:r>
+              <a:rPr lang="en-US" altLang="ko-KR" sz="1600" b="1" i="1" dirty="0" smtClean="0">
+                <a:solidFill>
+                  <a:srgbClr val="000000"/>
+                </a:solidFill>
+                <a:latin typeface="Consolas"/>
+              </a:rPr>
+              <a:t>(</a:t>
+            </a:r>
+            <a:r>
+              <a:rPr lang="en-US" altLang="ko-KR" sz="1600" b="1" i="1" dirty="0" smtClean="0">
+                <a:solidFill>
+                  <a:srgbClr val="2A00FF"/>
+                </a:solidFill>
+                <a:latin typeface="Consolas"/>
+              </a:rPr>
+              <a:t>"Time Stop"</a:t>
+            </a:r>
+            <a:r>
+              <a:rPr lang="en-US" altLang="ko-KR" sz="1600" b="1" i="1" dirty="0" smtClean="0">
+                <a:solidFill>
+                  <a:srgbClr val="000000"/>
+                </a:solidFill>
+                <a:latin typeface="Consolas"/>
+              </a:rPr>
+              <a:t>);</a:t>
+            </a:r>
+          </a:p>
+          <a:p>
+            <a:pPr lvl="2"/>
+            <a:r>
+              <a:rPr lang="en-US" altLang="ko-KR" sz="1600" dirty="0" smtClean="0">
+                <a:solidFill>
+                  <a:srgbClr val="000000"/>
+                </a:solidFill>
+                <a:latin typeface="Consolas"/>
+              </a:rPr>
+              <a:t>	</a:t>
+            </a:r>
+            <a:r>
+              <a:rPr lang="en-US" altLang="ko-KR" sz="1600" dirty="0" err="1" smtClean="0">
+                <a:solidFill>
+                  <a:srgbClr val="000000"/>
+                </a:solidFill>
+                <a:latin typeface="Consolas"/>
+              </a:rPr>
+              <a:t>System.</a:t>
+            </a:r>
+            <a:r>
+              <a:rPr lang="en-US" altLang="ko-KR" sz="1600" b="1" i="1" dirty="0" err="1" smtClean="0">
+                <a:solidFill>
+                  <a:srgbClr val="0000C0"/>
+                </a:solidFill>
+                <a:latin typeface="Consolas"/>
+              </a:rPr>
+              <a:t>out</a:t>
+            </a:r>
+            <a:r>
+              <a:rPr lang="en-US" altLang="ko-KR" sz="1600" b="1" i="1" dirty="0" err="1" smtClean="0">
+                <a:solidFill>
+                  <a:srgbClr val="000000"/>
+                </a:solidFill>
+                <a:latin typeface="Consolas"/>
+              </a:rPr>
+              <a:t>.println</a:t>
+            </a:r>
+            <a:r>
+              <a:rPr lang="en-US" altLang="ko-KR" sz="1600" b="1" i="1" dirty="0" smtClean="0">
+                <a:solidFill>
+                  <a:srgbClr val="000000"/>
+                </a:solidFill>
+                <a:latin typeface="Consolas"/>
+              </a:rPr>
+              <a:t>(</a:t>
+            </a:r>
+            <a:r>
+              <a:rPr lang="en-US" altLang="ko-KR" sz="1600" b="1" i="1" dirty="0" smtClean="0">
+                <a:solidFill>
+                  <a:srgbClr val="2A00FF"/>
+                </a:solidFill>
+                <a:latin typeface="Consolas"/>
+              </a:rPr>
+              <a:t>"</a:t>
+            </a:r>
+            <a:r>
+              <a:rPr lang="ko-KR" altLang="en-US" sz="1600" b="1" i="1" dirty="0" smtClean="0">
+                <a:solidFill>
+                  <a:srgbClr val="2A00FF"/>
+                </a:solidFill>
+                <a:latin typeface="Consolas"/>
+              </a:rPr>
+              <a:t>실행시간 </a:t>
+            </a:r>
+            <a:r>
+              <a:rPr lang="en-US" altLang="ko-KR" sz="1600" b="1" i="1" dirty="0" smtClean="0">
+                <a:solidFill>
+                  <a:srgbClr val="2A00FF"/>
+                </a:solidFill>
+                <a:latin typeface="Consolas"/>
+              </a:rPr>
+              <a:t>: "</a:t>
+            </a:r>
+            <a:r>
+              <a:rPr lang="ko-KR" altLang="en-US" sz="1600" b="1" i="1" dirty="0" smtClean="0">
+                <a:solidFill>
+                  <a:srgbClr val="000000"/>
+                </a:solidFill>
+                <a:latin typeface="Consolas"/>
+              </a:rPr>
+              <a:t> </a:t>
+            </a:r>
+            <a:r>
+              <a:rPr lang="en-US" altLang="ko-KR" sz="1600" b="1" i="1" dirty="0" smtClean="0">
+                <a:solidFill>
+                  <a:srgbClr val="000000"/>
+                </a:solidFill>
+                <a:latin typeface="Consolas"/>
+              </a:rPr>
+              <a:t>+ </a:t>
+            </a:r>
+            <a:r>
+              <a:rPr lang="en-US" altLang="ko-KR" sz="1600" b="1" i="1" dirty="0" err="1" smtClean="0">
+                <a:solidFill>
+                  <a:srgbClr val="6A3E3E"/>
+                </a:solidFill>
+                <a:latin typeface="Consolas"/>
+              </a:rPr>
+              <a:t>sw</a:t>
+            </a:r>
+            <a:r>
+              <a:rPr lang="en-US" altLang="ko-KR" sz="1600" b="1" i="1" dirty="0" err="1" smtClean="0">
+                <a:solidFill>
+                  <a:srgbClr val="000000"/>
+                </a:solidFill>
+                <a:latin typeface="Consolas"/>
+              </a:rPr>
+              <a:t>.getTotalTimeMillis</a:t>
+            </a:r>
+            <a:r>
+              <a:rPr lang="en-US" altLang="ko-KR" sz="1600" b="1" i="1" dirty="0" smtClean="0">
+                <a:solidFill>
+                  <a:srgbClr val="000000"/>
+                </a:solidFill>
+                <a:latin typeface="Consolas"/>
+              </a:rPr>
+              <a:t>());</a:t>
+            </a:r>
+          </a:p>
+          <a:p>
+            <a:pPr lvl="2"/>
+            <a:r>
+              <a:rPr lang="en-US" altLang="ko-KR" sz="1600" dirty="0" smtClean="0">
+                <a:solidFill>
+                  <a:srgbClr val="000000"/>
+                </a:solidFill>
+                <a:latin typeface="Consolas"/>
+              </a:rPr>
+              <a:t>}</a:t>
+            </a:r>
+          </a:p>
+          <a:p>
+            <a:pPr marL="180000"/>
+            <a:r>
+              <a:rPr lang="en-US" altLang="ko-KR" sz="1600" dirty="0" smtClean="0">
+                <a:solidFill>
+                  <a:srgbClr val="000000"/>
+                </a:solidFill>
+                <a:latin typeface="Consolas"/>
+              </a:rPr>
+              <a:t>}</a:t>
+            </a:r>
+            <a:endParaRPr lang="ko-KR" altLang="en-US" sz="1600" dirty="0"/>
+          </a:p>
+        </p:txBody>
+      </p:sp>
+      <p:grpSp>
+        <p:nvGrpSpPr>
+          <p:cNvPr id="6" name="그룹 1"/>
+          <p:cNvGrpSpPr/>
+          <p:nvPr/>
+        </p:nvGrpSpPr>
+        <p:grpSpPr>
+          <a:xfrm>
+            <a:off x="0" y="0"/>
+            <a:ext cx="9906000" cy="6970871"/>
+            <a:chOff x="0" y="0"/>
+            <a:chExt cx="9906000" cy="6970871"/>
+          </a:xfrm>
+        </p:grpSpPr>
+        <p:pic>
+          <p:nvPicPr>
+            <p:cNvPr id="2050" name="Picture 2" descr="C:\Users\USER\Desktop\2차 프로젝트(WEB)_4조\images\macbook_PNG36.png"/>
+            <p:cNvPicPr>
+              <a:picLocks noChangeAspect="1" noChangeArrowheads="1"/>
+            </p:cNvPicPr>
+            <p:nvPr/>
+          </p:nvPicPr>
+          <p:blipFill>
+            <a:blip r:embed="rId4"/>
+            <a:srcRect l="9199" r="9199"/>
+            <a:stretch>
+              <a:fillRect/>
+            </a:stretch>
+          </p:blipFill>
+          <p:spPr bwMode="auto">
+            <a:xfrm>
+              <a:off x="0" y="0"/>
+              <a:ext cx="9906000" cy="6970871"/>
+            </a:xfrm>
+            <a:prstGeom prst="rect">
+              <a:avLst/>
+            </a:prstGeom>
+            <a:noFill/>
+          </p:spPr>
+        </p:pic>
+        <p:sp>
+          <p:nvSpPr>
+            <p:cNvPr id="3" name="직사각형 2"/>
+            <p:cNvSpPr/>
+            <p:nvPr/>
+          </p:nvSpPr>
+          <p:spPr>
+            <a:xfrm>
+              <a:off x="0" y="0"/>
+              <a:ext cx="9906000" cy="6858000"/>
+            </a:xfrm>
+            <a:prstGeom prst="rect">
+              <a:avLst/>
+            </a:prstGeom>
+            <a:solidFill>
+              <a:schemeClr val="tx1">
+                <a:lumMod val="85000"/>
+                <a:lumOff val="15000"/>
+                <a:alpha val="60000"/>
+              </a:schemeClr>
+            </a:solidFill>
+            <a:ln>
+              <a:noFill/>
+            </a:ln>
+          </p:spPr>
+          <p:style>
+            <a:lnRef idx="2">
+              <a:schemeClr val="accent1">
+                <a:shade val="50000"/>
+              </a:schemeClr>
+            </a:lnRef>
+            <a:fillRef idx="1">
+              <a:schemeClr val="accent1"/>
+            </a:fillRef>
+            <a:effectRef idx="0">
+              <a:schemeClr val="accent1"/>
+            </a:effectRef>
+            <a:fontRef idx="minor">
+              <a:schemeClr val="lt1"/>
+            </a:fontRef>
+          </p:style>
+          <p:txBody>
+            <a:bodyPr rtlCol="0" anchor="ctr"/>
+            <a:lstStyle/>
+            <a:p>
+              <a:pPr algn="ctr"/>
+              <a:endParaRPr lang="ko-KR" altLang="en-US"/>
+            </a:p>
+          </p:txBody>
+        </p:sp>
+      </p:grpSp>
+      <p:grpSp>
+        <p:nvGrpSpPr>
+          <p:cNvPr id="7" name="그룹 43"/>
+          <p:cNvGrpSpPr/>
+          <p:nvPr/>
+        </p:nvGrpSpPr>
+        <p:grpSpPr>
+          <a:xfrm>
+            <a:off x="5851866" y="641157"/>
+            <a:ext cx="4357718" cy="613925"/>
+            <a:chOff x="0" y="641157"/>
+            <a:chExt cx="4357718" cy="613925"/>
+          </a:xfrm>
+        </p:grpSpPr>
+        <p:sp>
+          <p:nvSpPr>
+            <p:cNvPr id="4" name="TextBox 3"/>
+            <p:cNvSpPr txBox="1"/>
+            <p:nvPr/>
+          </p:nvSpPr>
+          <p:spPr>
+            <a:xfrm>
+              <a:off x="1643074" y="641157"/>
+              <a:ext cx="2714644" cy="307777"/>
+            </a:xfrm>
+            <a:prstGeom prst="rect">
+              <a:avLst/>
+            </a:prstGeom>
+            <a:noFill/>
+            <a:ln>
+              <a:noFill/>
+            </a:ln>
+          </p:spPr>
+          <p:txBody>
+            <a:bodyPr wrap="square" rtlCol="0">
+              <a:spAutoFit/>
+            </a:bodyPr>
+            <a:lstStyle/>
+            <a:p>
+              <a:r>
+                <a:rPr lang="en-US" altLang="ko-KR" sz="1400" dirty="0" err="1" smtClean="0">
+                  <a:solidFill>
+                    <a:schemeClr val="bg1">
+                      <a:lumMod val="65000"/>
+                    </a:schemeClr>
+                  </a:solidFill>
+                  <a:latin typeface="한컴 윤고딕 250" pitchFamily="18" charset="-127"/>
+                  <a:ea typeface="한컴 윤고딕 250" pitchFamily="18" charset="-127"/>
+                </a:rPr>
+                <a:t>SpringFramework</a:t>
+              </a:r>
+              <a:endParaRPr lang="en-US" altLang="ko-KR" sz="1400" dirty="0" smtClean="0">
+                <a:solidFill>
+                  <a:schemeClr val="bg1">
+                    <a:lumMod val="65000"/>
+                  </a:schemeClr>
+                </a:solidFill>
+                <a:latin typeface="한컴 윤고딕 250" pitchFamily="18" charset="-127"/>
+                <a:ea typeface="한컴 윤고딕 250" pitchFamily="18" charset="-127"/>
+              </a:endParaRPr>
+            </a:p>
+          </p:txBody>
+        </p:sp>
+        <p:sp>
+          <p:nvSpPr>
+            <p:cNvPr id="5" name="TextBox 4"/>
+            <p:cNvSpPr txBox="1"/>
+            <p:nvPr/>
+          </p:nvSpPr>
+          <p:spPr>
+            <a:xfrm>
+              <a:off x="0" y="916528"/>
+              <a:ext cx="4357718" cy="338554"/>
+            </a:xfrm>
+            <a:prstGeom prst="rect">
+              <a:avLst/>
+            </a:prstGeom>
+            <a:noFill/>
+            <a:ln>
+              <a:noFill/>
+            </a:ln>
+          </p:spPr>
+          <p:txBody>
+            <a:bodyPr wrap="square" rtlCol="0">
+              <a:spAutoFit/>
+            </a:bodyPr>
+            <a:lstStyle/>
+            <a:p>
+              <a:pPr algn="ctr"/>
+              <a:r>
+                <a:rPr lang="en-US" altLang="ko-KR" sz="1600" dirty="0" err="1" smtClean="0">
+                  <a:solidFill>
+                    <a:schemeClr val="bg1">
+                      <a:lumMod val="65000"/>
+                    </a:schemeClr>
+                  </a:solidFill>
+                  <a:latin typeface="한컴 윤고딕 250" pitchFamily="18" charset="-127"/>
+                  <a:ea typeface="한컴 윤고딕 250" pitchFamily="18" charset="-127"/>
+                </a:rPr>
+                <a:t>HandlerInterceptor</a:t>
+              </a:r>
+              <a:endParaRPr lang="ko-KR" altLang="en-US" sz="1600" dirty="0">
+                <a:solidFill>
+                  <a:schemeClr val="bg1">
+                    <a:lumMod val="65000"/>
+                  </a:schemeClr>
+                </a:solidFill>
+                <a:latin typeface="한컴 윤고딕 250" pitchFamily="18" charset="-127"/>
+                <a:ea typeface="한컴 윤고딕 250" pitchFamily="18" charset="-127"/>
+              </a:endParaRPr>
+            </a:p>
+          </p:txBody>
+        </p:sp>
+        <p:cxnSp>
+          <p:nvCxnSpPr>
+            <p:cNvPr id="13" name="직선 연결선 12"/>
+            <p:cNvCxnSpPr/>
+            <p:nvPr/>
+          </p:nvCxnSpPr>
+          <p:spPr>
+            <a:xfrm>
+              <a:off x="1693422" y="929740"/>
+              <a:ext cx="1944216" cy="0"/>
+            </a:xfrm>
+            <a:prstGeom prst="line">
+              <a:avLst/>
+            </a:prstGeom>
+            <a:ln w="19050">
+              <a:solidFill>
+                <a:schemeClr val="bg1">
+                  <a:lumMod val="65000"/>
+                </a:schemeClr>
+              </a:solidFill>
+            </a:ln>
+          </p:spPr>
+          <p:style>
+            <a:lnRef idx="1">
+              <a:schemeClr val="accent1"/>
+            </a:lnRef>
+            <a:fillRef idx="0">
+              <a:schemeClr val="accent1"/>
+            </a:fillRef>
+            <a:effectRef idx="0">
+              <a:schemeClr val="accent1"/>
+            </a:effectRef>
+            <a:fontRef idx="minor">
+              <a:schemeClr val="tx1"/>
+            </a:fontRef>
+          </p:style>
+        </p:cxnSp>
+        <p:cxnSp>
+          <p:nvCxnSpPr>
+            <p:cNvPr id="14" name="직선 연결선 13"/>
+            <p:cNvCxnSpPr/>
+            <p:nvPr/>
+          </p:nvCxnSpPr>
+          <p:spPr>
+            <a:xfrm>
+              <a:off x="988894" y="1218345"/>
+              <a:ext cx="2376264" cy="0"/>
+            </a:xfrm>
+            <a:prstGeom prst="line">
+              <a:avLst/>
+            </a:prstGeom>
+            <a:ln w="19050">
+              <a:solidFill>
+                <a:schemeClr val="bg1">
+                  <a:lumMod val="65000"/>
+                </a:schemeClr>
+              </a:solidFill>
+            </a:ln>
+          </p:spPr>
+          <p:style>
+            <a:lnRef idx="1">
+              <a:schemeClr val="accent1"/>
+            </a:lnRef>
+            <a:fillRef idx="0">
+              <a:schemeClr val="accent1"/>
+            </a:fillRef>
+            <a:effectRef idx="0">
+              <a:schemeClr val="accent1"/>
+            </a:effectRef>
+            <a:fontRef idx="minor">
+              <a:schemeClr val="tx1"/>
+            </a:fontRef>
+          </p:style>
+        </p:cxnSp>
+      </p:grpSp>
+      <p:grpSp>
+        <p:nvGrpSpPr>
+          <p:cNvPr id="8" name="그룹 58"/>
+          <p:cNvGrpSpPr/>
+          <p:nvPr/>
+        </p:nvGrpSpPr>
+        <p:grpSpPr>
+          <a:xfrm>
+            <a:off x="469097" y="1213678"/>
+            <a:ext cx="5222583" cy="400110"/>
+            <a:chOff x="469098" y="1285686"/>
+            <a:chExt cx="4843942" cy="400110"/>
+          </a:xfrm>
+        </p:grpSpPr>
+        <p:sp>
+          <p:nvSpPr>
+            <p:cNvPr id="60" name="TextBox 59"/>
+            <p:cNvSpPr txBox="1"/>
+            <p:nvPr/>
+          </p:nvSpPr>
+          <p:spPr>
+            <a:xfrm>
+              <a:off x="469098" y="1285686"/>
+              <a:ext cx="4843942" cy="400110"/>
+            </a:xfrm>
+            <a:prstGeom prst="rect">
+              <a:avLst/>
+            </a:prstGeom>
+            <a:noFill/>
+          </p:spPr>
+          <p:txBody>
+            <a:bodyPr wrap="square" rtlCol="0">
+              <a:spAutoFit/>
+            </a:bodyPr>
+            <a:lstStyle/>
+            <a:p>
+              <a:r>
+                <a:rPr lang="en-US" altLang="ko-KR" sz="2000" dirty="0" err="1" smtClean="0">
+                  <a:solidFill>
+                    <a:schemeClr val="bg1">
+                      <a:lumMod val="95000"/>
+                    </a:schemeClr>
+                  </a:solidFill>
+                  <a:latin typeface="한컴 윤고딕 250" pitchFamily="18" charset="-127"/>
+                  <a:ea typeface="한컴 윤고딕 250" pitchFamily="18" charset="-127"/>
+                </a:rPr>
+                <a:t>HandlerInterceptor</a:t>
+              </a:r>
+              <a:r>
+                <a:rPr lang="en-US" altLang="ko-KR" sz="2000" dirty="0" smtClean="0">
+                  <a:solidFill>
+                    <a:schemeClr val="bg1">
+                      <a:lumMod val="95000"/>
+                    </a:schemeClr>
+                  </a:solidFill>
+                  <a:latin typeface="한컴 윤고딕 250" pitchFamily="18" charset="-127"/>
+                  <a:ea typeface="한컴 윤고딕 250" pitchFamily="18" charset="-127"/>
+                </a:rPr>
+                <a:t> </a:t>
+              </a:r>
+              <a:r>
+                <a:rPr lang="ko-KR" altLang="en-US" sz="2000" dirty="0" smtClean="0">
+                  <a:solidFill>
+                    <a:schemeClr val="bg1">
+                      <a:lumMod val="95000"/>
+                    </a:schemeClr>
+                  </a:solidFill>
+                  <a:latin typeface="한컴 윤고딕 250" pitchFamily="18" charset="-127"/>
+                  <a:ea typeface="한컴 윤고딕 250" pitchFamily="18" charset="-127"/>
+                </a:rPr>
+                <a:t>사용 예제</a:t>
+              </a:r>
+              <a:endParaRPr lang="en-US" altLang="ko-KR" sz="2000" dirty="0" smtClean="0">
+                <a:solidFill>
+                  <a:schemeClr val="bg1">
+                    <a:lumMod val="95000"/>
+                  </a:schemeClr>
+                </a:solidFill>
+                <a:latin typeface="한컴 윤고딕 250" pitchFamily="18" charset="-127"/>
+                <a:ea typeface="한컴 윤고딕 250" pitchFamily="18" charset="-127"/>
+              </a:endParaRPr>
+            </a:p>
+          </p:txBody>
+        </p:sp>
+        <p:cxnSp>
+          <p:nvCxnSpPr>
+            <p:cNvPr id="65" name="직선 연결선 64"/>
+            <p:cNvCxnSpPr/>
+            <p:nvPr/>
+          </p:nvCxnSpPr>
+          <p:spPr>
+            <a:xfrm>
+              <a:off x="577204" y="1685796"/>
+              <a:ext cx="3739677" cy="0"/>
+            </a:xfrm>
+            <a:prstGeom prst="line">
+              <a:avLst/>
+            </a:prstGeom>
+            <a:ln w="19050">
+              <a:solidFill>
+                <a:schemeClr val="bg1">
+                  <a:lumMod val="75000"/>
+                </a:schemeClr>
+              </a:solidFill>
+            </a:ln>
+          </p:spPr>
+          <p:style>
+            <a:lnRef idx="1">
+              <a:schemeClr val="accent1"/>
+            </a:lnRef>
+            <a:fillRef idx="0">
+              <a:schemeClr val="accent1"/>
+            </a:fillRef>
+            <a:effectRef idx="0">
+              <a:schemeClr val="accent1"/>
+            </a:effectRef>
+            <a:fontRef idx="minor">
+              <a:schemeClr val="tx1"/>
+            </a:fontRef>
+          </p:style>
+        </p:cxnSp>
+      </p:grpSp>
+      <p:sp>
+        <p:nvSpPr>
+          <p:cNvPr id="25" name="TextBox 24"/>
+          <p:cNvSpPr txBox="1"/>
+          <p:nvPr/>
+        </p:nvSpPr>
+        <p:spPr>
+          <a:xfrm>
+            <a:off x="704528" y="1693659"/>
+            <a:ext cx="4247838" cy="369332"/>
+          </a:xfrm>
+          <a:prstGeom prst="rect">
+            <a:avLst/>
+          </a:prstGeom>
+          <a:noFill/>
+        </p:spPr>
+        <p:txBody>
+          <a:bodyPr wrap="square" rtlCol="0" anchor="ctr" anchorCtr="0">
+            <a:spAutoFit/>
+          </a:bodyPr>
+          <a:lstStyle/>
+          <a:p>
+            <a:r>
+              <a:rPr lang="en-US" altLang="ko-KR" dirty="0" smtClean="0">
+                <a:solidFill>
+                  <a:schemeClr val="bg1">
+                    <a:lumMod val="95000"/>
+                  </a:schemeClr>
+                </a:solidFill>
+                <a:latin typeface="한컴 윤고딕 250" pitchFamily="18" charset="-127"/>
+                <a:ea typeface="한컴 윤고딕 250" pitchFamily="18" charset="-127"/>
+              </a:rPr>
+              <a:t>#</a:t>
+            </a:r>
+            <a:r>
+              <a:rPr lang="ko-KR" altLang="en-US" dirty="0" smtClean="0">
+                <a:solidFill>
+                  <a:schemeClr val="bg1">
+                    <a:lumMod val="95000"/>
+                  </a:schemeClr>
+                </a:solidFill>
+                <a:latin typeface="한컴 윤고딕 250" pitchFamily="18" charset="-127"/>
+                <a:ea typeface="한컴 윤고딕 250" pitchFamily="18" charset="-127"/>
+              </a:rPr>
+              <a:t> </a:t>
+            </a:r>
+            <a:r>
+              <a:rPr lang="en-US" altLang="ko-KR" dirty="0" err="1" smtClean="0">
+                <a:solidFill>
+                  <a:schemeClr val="bg1">
+                    <a:lumMod val="95000"/>
+                  </a:schemeClr>
+                </a:solidFill>
+                <a:latin typeface="한컴 윤고딕 250" pitchFamily="18" charset="-127"/>
+                <a:ea typeface="한컴 윤고딕 250" pitchFamily="18" charset="-127"/>
+              </a:rPr>
+              <a:t>afterCompletion</a:t>
+            </a:r>
+            <a:endParaRPr lang="en-US" altLang="ko-KR" dirty="0" smtClean="0">
+              <a:solidFill>
+                <a:schemeClr val="bg1">
+                  <a:lumMod val="95000"/>
+                </a:schemeClr>
+              </a:solidFill>
+              <a:latin typeface="한컴 윤고딕 250" pitchFamily="18" charset="-127"/>
+              <a:ea typeface="한컴 윤고딕 250" pitchFamily="18" charset="-127"/>
+            </a:endParaRPr>
+          </a:p>
+        </p:txBody>
+      </p:sp>
+      <p:cxnSp>
+        <p:nvCxnSpPr>
+          <p:cNvPr id="26" name="직선 연결선 25"/>
+          <p:cNvCxnSpPr/>
+          <p:nvPr/>
+        </p:nvCxnSpPr>
+        <p:spPr>
+          <a:xfrm>
+            <a:off x="776536" y="2027646"/>
+            <a:ext cx="2520000" cy="0"/>
+          </a:xfrm>
+          <a:prstGeom prst="line">
+            <a:avLst/>
+          </a:prstGeom>
+          <a:ln w="19050">
+            <a:solidFill>
+              <a:schemeClr val="bg1">
+                <a:lumMod val="75000"/>
+              </a:schemeClr>
+            </a:solidFill>
+          </a:ln>
+        </p:spPr>
+        <p:style>
+          <a:lnRef idx="1">
+            <a:schemeClr val="accent1"/>
+          </a:lnRef>
+          <a:fillRef idx="0">
+            <a:schemeClr val="accent1"/>
+          </a:fillRef>
+          <a:effectRef idx="0">
+            <a:schemeClr val="accent1"/>
+          </a:effectRef>
+          <a:fontRef idx="minor">
+            <a:schemeClr val="tx1"/>
+          </a:fontRef>
+        </p:style>
+      </p:cxnSp>
+    </p:spTree>
+    <p:extLst>
+      <p:ext uri="{BB962C8B-B14F-4D97-AF65-F5344CB8AC3E}">
+        <p14:creationId xmlns:p14="http://schemas.microsoft.com/office/powerpoint/2010/main" xmlns="" val="823508735"/>
       </p:ext>
     </p:extLst>
   </p:cSld>
@@ -10949,7 +19049,7 @@
     </a:clrScheme>
     <a:fontScheme name="Office">
       <a:majorFont>
-        <a:latin typeface="맑은 고딕" panose="020F0302020204030204"/>
+        <a:latin typeface="맑은 고딕"/>
         <a:ea typeface=""/>
         <a:cs typeface=""/>
         <a:font script="Jpan" typeface="游ゴシック Light"/>
@@ -10984,7 +19084,7 @@
         <a:font script="Geor" typeface="Sylfaen"/>
       </a:majorFont>
       <a:minorFont>
-        <a:latin typeface="맑은 고딕" panose="020F0502020204030204"/>
+        <a:latin typeface="맑은 고딕"/>
         <a:ea typeface=""/>
         <a:cs typeface=""/>
         <a:font script="Jpan" typeface="游ゴシック"/>
@@ -11161,7 +19261,7 @@
   <a:extraClrSchemeLst/>
   <a:extLst>
     <a:ext uri="{05A4C25C-085E-4340-85A3-A5531E510DB2}">
-      <thm15:themeFamily xmlns:thm15="http://schemas.microsoft.com/office/thememl/2012/main" name="Office Theme" id="{62F939B6-93AF-4DB8-9C6B-D6C7DFDC589F}" vid="{4A3C46E8-61CC-4603-A589-7422A47A8E4A}"/>
+      <thm15:themeFamily xmlns:thm15="http://schemas.microsoft.com/office/thememl/2012/main" xmlns="" name="Office Theme" id="{62F939B6-93AF-4DB8-9C6B-D6C7DFDC589F}" vid="{4A3C46E8-61CC-4603-A589-7422A47A8E4A}"/>
     </a:ext>
   </a:extLst>
 </a:theme>

--- a/0. image&etc/HandlerInterceptor.pptx
+++ b/0. image&etc/HandlerInterceptor.pptx
@@ -5,7 +5,7 @@
     <p:sldMasterId id="2147483648" r:id="rId1"/>
   </p:sldMasterIdLst>
   <p:notesMasterIdLst>
-    <p:notesMasterId r:id="rId13"/>
+    <p:notesMasterId r:id="rId15"/>
   </p:notesMasterIdLst>
   <p:sldIdLst>
     <p:sldId id="257" r:id="rId2"/>
@@ -14,11 +14,13 @@
     <p:sldId id="261" r:id="rId5"/>
     <p:sldId id="262" r:id="rId6"/>
     <p:sldId id="266" r:id="rId7"/>
-    <p:sldId id="267" r:id="rId8"/>
-    <p:sldId id="263" r:id="rId9"/>
+    <p:sldId id="263" r:id="rId8"/>
+    <p:sldId id="269" r:id="rId9"/>
     <p:sldId id="264" r:id="rId10"/>
     <p:sldId id="265" r:id="rId11"/>
-    <p:sldId id="268" r:id="rId12"/>
+    <p:sldId id="267" r:id="rId12"/>
+    <p:sldId id="268" r:id="rId13"/>
+    <p:sldId id="270" r:id="rId14"/>
   </p:sldIdLst>
   <p:sldSz cx="9906000" cy="6858000" type="A4"/>
   <p:notesSz cx="6858000" cy="9144000"/>
@@ -119,7 +121,7 @@
   </p:defaultTextStyle>
   <p:extLst>
     <p:ext uri="{EFAFB233-063F-42B5-8137-9DF3F51BA10A}">
-      <p15:sldGuideLst xmlns:p15="http://schemas.microsoft.com/office/powerpoint/2012/main" xmlns="">
+      <p15:sldGuideLst xmlns="" xmlns:p15="http://schemas.microsoft.com/office/powerpoint/2012/main">
         <p15:guide id="1" orient="horz" pos="2160">
           <p15:clr>
             <a:srgbClr val="A4A3A4"/>
@@ -219,7 +221,7 @@
             <a:fld id="{164221FE-D509-4582-A82C-A903E6CCD310}" type="datetimeFigureOut">
               <a:rPr lang="ko-KR" altLang="en-US" smtClean="0"/>
               <a:pPr/>
-              <a:t>2019-12-16</a:t>
+              <a:t>2019-12-18</a:t>
             </a:fld>
             <a:endParaRPr lang="ko-KR" altLang="en-US"/>
           </a:p>
@@ -388,7 +390,7 @@
     </p:spTree>
     <p:extLst>
       <p:ext uri="{BB962C8B-B14F-4D97-AF65-F5344CB8AC3E}">
-        <p14:creationId xmlns:p14="http://schemas.microsoft.com/office/powerpoint/2010/main" xmlns="" val="1845965667"/>
+        <p14:creationId xmlns="" xmlns:p14="http://schemas.microsoft.com/office/powerpoint/2010/main" val="1845965667"/>
       </p:ext>
     </p:extLst>
   </p:cSld>
@@ -563,7 +565,7 @@
     </p:spTree>
     <p:extLst>
       <p:ext uri="{BB962C8B-B14F-4D97-AF65-F5344CB8AC3E}">
-        <p14:creationId xmlns:p14="http://schemas.microsoft.com/office/powerpoint/2010/main" xmlns="" val="101509055"/>
+        <p14:creationId xmlns="" xmlns:p14="http://schemas.microsoft.com/office/powerpoint/2010/main" val="101509055"/>
       </p:ext>
     </p:extLst>
   </p:cSld>
@@ -648,7 +650,177 @@
     </p:spTree>
     <p:extLst>
       <p:ext uri="{BB962C8B-B14F-4D97-AF65-F5344CB8AC3E}">
-        <p14:creationId xmlns:p14="http://schemas.microsoft.com/office/powerpoint/2010/main" xmlns="" val="2315459014"/>
+        <p14:creationId xmlns="" xmlns:p14="http://schemas.microsoft.com/office/powerpoint/2010/main" val="2315459014"/>
+      </p:ext>
+    </p:extLst>
+  </p:cSld>
+  <p:clrMapOvr>
+    <a:masterClrMapping/>
+  </p:clrMapOvr>
+</p:notes>
+</file>
+
+<file path=ppt/notesSlides/notesSlide11.xml><?xml version="1.0" encoding="utf-8"?>
+<p:notes xmlns:a="http://schemas.openxmlformats.org/drawingml/2006/main" xmlns:r="http://schemas.openxmlformats.org/officeDocument/2006/relationships" xmlns:p="http://schemas.openxmlformats.org/presentationml/2006/main">
+  <p:cSld>
+    <p:spTree>
+      <p:nvGrpSpPr>
+        <p:cNvPr id="1" name=""/>
+        <p:cNvGrpSpPr/>
+        <p:nvPr/>
+      </p:nvGrpSpPr>
+      <p:grpSpPr>
+        <a:xfrm>
+          <a:off x="0" y="0"/>
+          <a:ext cx="0" cy="0"/>
+          <a:chOff x="0" y="0"/>
+          <a:chExt cx="0" cy="0"/>
+        </a:xfrm>
+      </p:grpSpPr>
+      <p:sp>
+        <p:nvSpPr>
+          <p:cNvPr id="2" name="슬라이드 이미지 개체 틀 1"/>
+          <p:cNvSpPr>
+            <a:spLocks noGrp="1" noRot="1" noChangeAspect="1"/>
+          </p:cNvSpPr>
+          <p:nvPr>
+            <p:ph type="sldImg"/>
+          </p:nvPr>
+        </p:nvSpPr>
+        <p:spPr/>
+      </p:sp>
+      <p:sp>
+        <p:nvSpPr>
+          <p:cNvPr id="3" name="슬라이드 노트 개체 틀 2"/>
+          <p:cNvSpPr>
+            <a:spLocks noGrp="1"/>
+          </p:cNvSpPr>
+          <p:nvPr>
+            <p:ph type="body" idx="1"/>
+          </p:nvPr>
+        </p:nvSpPr>
+        <p:spPr/>
+        <p:txBody>
+          <a:bodyPr/>
+          <a:lstStyle/>
+          <a:p>
+            <a:endParaRPr lang="ko-KR" altLang="en-US" dirty="0"/>
+          </a:p>
+        </p:txBody>
+      </p:sp>
+      <p:sp>
+        <p:nvSpPr>
+          <p:cNvPr id="4" name="슬라이드 번호 개체 틀 3"/>
+          <p:cNvSpPr>
+            <a:spLocks noGrp="1"/>
+          </p:cNvSpPr>
+          <p:nvPr>
+            <p:ph type="sldNum" sz="quarter" idx="10"/>
+          </p:nvPr>
+        </p:nvSpPr>
+        <p:spPr/>
+        <p:txBody>
+          <a:bodyPr/>
+          <a:lstStyle/>
+          <a:p>
+            <a:fld id="{74BF05DA-44D9-4286-9CF0-77C1FFA4A7A1}" type="slidenum">
+              <a:rPr lang="ko-KR" altLang="en-US" smtClean="0"/>
+              <a:pPr/>
+              <a:t>12</a:t>
+            </a:fld>
+            <a:endParaRPr lang="ko-KR" altLang="en-US"/>
+          </a:p>
+        </p:txBody>
+      </p:sp>
+    </p:spTree>
+    <p:extLst>
+      <p:ext uri="{BB962C8B-B14F-4D97-AF65-F5344CB8AC3E}">
+        <p14:creationId xmlns="" xmlns:p14="http://schemas.microsoft.com/office/powerpoint/2010/main" val="2315459014"/>
+      </p:ext>
+    </p:extLst>
+  </p:cSld>
+  <p:clrMapOvr>
+    <a:masterClrMapping/>
+  </p:clrMapOvr>
+</p:notes>
+</file>
+
+<file path=ppt/notesSlides/notesSlide12.xml><?xml version="1.0" encoding="utf-8"?>
+<p:notes xmlns:a="http://schemas.openxmlformats.org/drawingml/2006/main" xmlns:r="http://schemas.openxmlformats.org/officeDocument/2006/relationships" xmlns:p="http://schemas.openxmlformats.org/presentationml/2006/main">
+  <p:cSld>
+    <p:spTree>
+      <p:nvGrpSpPr>
+        <p:cNvPr id="1" name=""/>
+        <p:cNvGrpSpPr/>
+        <p:nvPr/>
+      </p:nvGrpSpPr>
+      <p:grpSpPr>
+        <a:xfrm>
+          <a:off x="0" y="0"/>
+          <a:ext cx="0" cy="0"/>
+          <a:chOff x="0" y="0"/>
+          <a:chExt cx="0" cy="0"/>
+        </a:xfrm>
+      </p:grpSpPr>
+      <p:sp>
+        <p:nvSpPr>
+          <p:cNvPr id="2" name="슬라이드 이미지 개체 틀 1"/>
+          <p:cNvSpPr>
+            <a:spLocks noGrp="1" noRot="1" noChangeAspect="1"/>
+          </p:cNvSpPr>
+          <p:nvPr>
+            <p:ph type="sldImg"/>
+          </p:nvPr>
+        </p:nvSpPr>
+        <p:spPr/>
+      </p:sp>
+      <p:sp>
+        <p:nvSpPr>
+          <p:cNvPr id="3" name="슬라이드 노트 개체 틀 2"/>
+          <p:cNvSpPr>
+            <a:spLocks noGrp="1"/>
+          </p:cNvSpPr>
+          <p:nvPr>
+            <p:ph type="body" idx="1"/>
+          </p:nvPr>
+        </p:nvSpPr>
+        <p:spPr/>
+        <p:txBody>
+          <a:bodyPr/>
+          <a:lstStyle/>
+          <a:p>
+            <a:endParaRPr lang="ko-KR" altLang="en-US" dirty="0"/>
+          </a:p>
+        </p:txBody>
+      </p:sp>
+      <p:sp>
+        <p:nvSpPr>
+          <p:cNvPr id="4" name="슬라이드 번호 개체 틀 3"/>
+          <p:cNvSpPr>
+            <a:spLocks noGrp="1"/>
+          </p:cNvSpPr>
+          <p:nvPr>
+            <p:ph type="sldNum" sz="quarter" idx="10"/>
+          </p:nvPr>
+        </p:nvSpPr>
+        <p:spPr/>
+        <p:txBody>
+          <a:bodyPr/>
+          <a:lstStyle/>
+          <a:p>
+            <a:fld id="{74BF05DA-44D9-4286-9CF0-77C1FFA4A7A1}" type="slidenum">
+              <a:rPr lang="ko-KR" altLang="en-US" smtClean="0"/>
+              <a:pPr/>
+              <a:t>13</a:t>
+            </a:fld>
+            <a:endParaRPr lang="ko-KR" altLang="en-US"/>
+          </a:p>
+        </p:txBody>
+      </p:sp>
+    </p:spTree>
+    <p:extLst>
+      <p:ext uri="{BB962C8B-B14F-4D97-AF65-F5344CB8AC3E}">
+        <p14:creationId xmlns="" xmlns:p14="http://schemas.microsoft.com/office/powerpoint/2010/main" val="2315459014"/>
       </p:ext>
     </p:extLst>
   </p:cSld>
@@ -733,7 +905,7 @@
     </p:spTree>
     <p:extLst>
       <p:ext uri="{BB962C8B-B14F-4D97-AF65-F5344CB8AC3E}">
-        <p14:creationId xmlns:p14="http://schemas.microsoft.com/office/powerpoint/2010/main" xmlns="" val="39500123"/>
+        <p14:creationId xmlns="" xmlns:p14="http://schemas.microsoft.com/office/powerpoint/2010/main" val="39500123"/>
       </p:ext>
     </p:extLst>
   </p:cSld>
@@ -818,7 +990,7 @@
     </p:spTree>
     <p:extLst>
       <p:ext uri="{BB962C8B-B14F-4D97-AF65-F5344CB8AC3E}">
-        <p14:creationId xmlns:p14="http://schemas.microsoft.com/office/powerpoint/2010/main" xmlns="" val="3216728183"/>
+        <p14:creationId xmlns="" xmlns:p14="http://schemas.microsoft.com/office/powerpoint/2010/main" val="3216728183"/>
       </p:ext>
     </p:extLst>
   </p:cSld>
@@ -903,7 +1075,7 @@
     </p:spTree>
     <p:extLst>
       <p:ext uri="{BB962C8B-B14F-4D97-AF65-F5344CB8AC3E}">
-        <p14:creationId xmlns:p14="http://schemas.microsoft.com/office/powerpoint/2010/main" xmlns="" val="3975929353"/>
+        <p14:creationId xmlns="" xmlns:p14="http://schemas.microsoft.com/office/powerpoint/2010/main" val="3975929353"/>
       </p:ext>
     </p:extLst>
   </p:cSld>
@@ -988,7 +1160,7 @@
     </p:spTree>
     <p:extLst>
       <p:ext uri="{BB962C8B-B14F-4D97-AF65-F5344CB8AC3E}">
-        <p14:creationId xmlns:p14="http://schemas.microsoft.com/office/powerpoint/2010/main" xmlns="" val="2315459014"/>
+        <p14:creationId xmlns="" xmlns:p14="http://schemas.microsoft.com/office/powerpoint/2010/main" val="2315459014"/>
       </p:ext>
     </p:extLst>
   </p:cSld>
@@ -1073,7 +1245,7 @@
     </p:spTree>
     <p:extLst>
       <p:ext uri="{BB962C8B-B14F-4D97-AF65-F5344CB8AC3E}">
-        <p14:creationId xmlns:p14="http://schemas.microsoft.com/office/powerpoint/2010/main" xmlns="" val="2315459014"/>
+        <p14:creationId xmlns="" xmlns:p14="http://schemas.microsoft.com/office/powerpoint/2010/main" val="2315459014"/>
       </p:ext>
     </p:extLst>
   </p:cSld>
@@ -1158,7 +1330,7 @@
     </p:spTree>
     <p:extLst>
       <p:ext uri="{BB962C8B-B14F-4D97-AF65-F5344CB8AC3E}">
-        <p14:creationId xmlns:p14="http://schemas.microsoft.com/office/powerpoint/2010/main" xmlns="" val="2315459014"/>
+        <p14:creationId xmlns="" xmlns:p14="http://schemas.microsoft.com/office/powerpoint/2010/main" val="2315459014"/>
       </p:ext>
     </p:extLst>
   </p:cSld>
@@ -1243,7 +1415,7 @@
     </p:spTree>
     <p:extLst>
       <p:ext uri="{BB962C8B-B14F-4D97-AF65-F5344CB8AC3E}">
-        <p14:creationId xmlns:p14="http://schemas.microsoft.com/office/powerpoint/2010/main" xmlns="" val="2315459014"/>
+        <p14:creationId xmlns="" xmlns:p14="http://schemas.microsoft.com/office/powerpoint/2010/main" val="2315459014"/>
       </p:ext>
     </p:extLst>
   </p:cSld>
@@ -1328,7 +1500,7 @@
     </p:spTree>
     <p:extLst>
       <p:ext uri="{BB962C8B-B14F-4D97-AF65-F5344CB8AC3E}">
-        <p14:creationId xmlns:p14="http://schemas.microsoft.com/office/powerpoint/2010/main" xmlns="" val="2315459014"/>
+        <p14:creationId xmlns="" xmlns:p14="http://schemas.microsoft.com/office/powerpoint/2010/main" val="2315459014"/>
       </p:ext>
     </p:extLst>
   </p:cSld>
@@ -1520,7 +1692,7 @@
             <a:fld id="{9548ACCE-087D-48BC-A6F3-1BB05EDD6B95}" type="datetimeFigureOut">
               <a:rPr lang="ko-KR" altLang="en-US" smtClean="0"/>
               <a:pPr/>
-              <a:t>2019-12-16</a:t>
+              <a:t>2019-12-18</a:t>
             </a:fld>
             <a:endParaRPr lang="ko-KR" altLang="en-US"/>
           </a:p>
@@ -1687,7 +1859,7 @@
             <a:fld id="{9548ACCE-087D-48BC-A6F3-1BB05EDD6B95}" type="datetimeFigureOut">
               <a:rPr lang="ko-KR" altLang="en-US" smtClean="0"/>
               <a:pPr/>
-              <a:t>2019-12-16</a:t>
+              <a:t>2019-12-18</a:t>
             </a:fld>
             <a:endParaRPr lang="ko-KR" altLang="en-US"/>
           </a:p>
@@ -1864,7 +2036,7 @@
             <a:fld id="{9548ACCE-087D-48BC-A6F3-1BB05EDD6B95}" type="datetimeFigureOut">
               <a:rPr lang="ko-KR" altLang="en-US" smtClean="0"/>
               <a:pPr/>
-              <a:t>2019-12-16</a:t>
+              <a:t>2019-12-18</a:t>
             </a:fld>
             <a:endParaRPr lang="ko-KR" altLang="en-US"/>
           </a:p>
@@ -2031,7 +2203,7 @@
             <a:fld id="{9548ACCE-087D-48BC-A6F3-1BB05EDD6B95}" type="datetimeFigureOut">
               <a:rPr lang="ko-KR" altLang="en-US" smtClean="0"/>
               <a:pPr/>
-              <a:t>2019-12-16</a:t>
+              <a:t>2019-12-18</a:t>
             </a:fld>
             <a:endParaRPr lang="ko-KR" altLang="en-US"/>
           </a:p>
@@ -2274,7 +2446,7 @@
             <a:fld id="{9548ACCE-087D-48BC-A6F3-1BB05EDD6B95}" type="datetimeFigureOut">
               <a:rPr lang="ko-KR" altLang="en-US" smtClean="0"/>
               <a:pPr/>
-              <a:t>2019-12-16</a:t>
+              <a:t>2019-12-18</a:t>
             </a:fld>
             <a:endParaRPr lang="ko-KR" altLang="en-US"/>
           </a:p>
@@ -2559,7 +2731,7 @@
             <a:fld id="{9548ACCE-087D-48BC-A6F3-1BB05EDD6B95}" type="datetimeFigureOut">
               <a:rPr lang="ko-KR" altLang="en-US" smtClean="0"/>
               <a:pPr/>
-              <a:t>2019-12-16</a:t>
+              <a:t>2019-12-18</a:t>
             </a:fld>
             <a:endParaRPr lang="ko-KR" altLang="en-US"/>
           </a:p>
@@ -2983,7 +3155,7 @@
             <a:fld id="{9548ACCE-087D-48BC-A6F3-1BB05EDD6B95}" type="datetimeFigureOut">
               <a:rPr lang="ko-KR" altLang="en-US" smtClean="0"/>
               <a:pPr/>
-              <a:t>2019-12-16</a:t>
+              <a:t>2019-12-18</a:t>
             </a:fld>
             <a:endParaRPr lang="ko-KR" altLang="en-US"/>
           </a:p>
@@ -3098,7 +3270,7 @@
             <a:fld id="{9548ACCE-087D-48BC-A6F3-1BB05EDD6B95}" type="datetimeFigureOut">
               <a:rPr lang="ko-KR" altLang="en-US" smtClean="0"/>
               <a:pPr/>
-              <a:t>2019-12-16</a:t>
+              <a:t>2019-12-18</a:t>
             </a:fld>
             <a:endParaRPr lang="ko-KR" altLang="en-US"/>
           </a:p>
@@ -3190,7 +3362,7 @@
             <a:fld id="{9548ACCE-087D-48BC-A6F3-1BB05EDD6B95}" type="datetimeFigureOut">
               <a:rPr lang="ko-KR" altLang="en-US" smtClean="0"/>
               <a:pPr/>
-              <a:t>2019-12-16</a:t>
+              <a:t>2019-12-18</a:t>
             </a:fld>
             <a:endParaRPr lang="ko-KR" altLang="en-US"/>
           </a:p>
@@ -3464,7 +3636,7 @@
             <a:fld id="{9548ACCE-087D-48BC-A6F3-1BB05EDD6B95}" type="datetimeFigureOut">
               <a:rPr lang="ko-KR" altLang="en-US" smtClean="0"/>
               <a:pPr/>
-              <a:t>2019-12-16</a:t>
+              <a:t>2019-12-18</a:t>
             </a:fld>
             <a:endParaRPr lang="ko-KR" altLang="en-US"/>
           </a:p>
@@ -3714,7 +3886,7 @@
             <a:fld id="{9548ACCE-087D-48BC-A6F3-1BB05EDD6B95}" type="datetimeFigureOut">
               <a:rPr lang="ko-KR" altLang="en-US" smtClean="0"/>
               <a:pPr/>
-              <a:t>2019-12-16</a:t>
+              <a:t>2019-12-18</a:t>
             </a:fld>
             <a:endParaRPr lang="ko-KR" altLang="en-US"/>
           </a:p>
@@ -3924,7 +4096,7 @@
             <a:fld id="{9548ACCE-087D-48BC-A6F3-1BB05EDD6B95}" type="datetimeFigureOut">
               <a:rPr lang="ko-KR" altLang="en-US" smtClean="0"/>
               <a:pPr/>
-              <a:t>2019-12-16</a:t>
+              <a:t>2019-12-18</a:t>
             </a:fld>
             <a:endParaRPr lang="ko-KR" altLang="en-US"/>
           </a:p>
@@ -4691,7 +4863,31 @@
                 <a:latin typeface="한컴 윤고딕 240" pitchFamily="18" charset="-127"/>
                 <a:ea typeface="한컴 윤고딕 240" pitchFamily="18" charset="-127"/>
               </a:rPr>
-              <a:t>김진호 김정하 김수연 양찬식 양찬식</a:t>
+              <a:t>김진호 김정하 김수연 양찬식 </a:t>
+            </a:r>
+            <a:r>
+              <a:rPr lang="ko-KR" altLang="en-US" sz="2000" dirty="0" smtClean="0">
+                <a:solidFill>
+                  <a:schemeClr val="bg1">
+                    <a:lumMod val="95000"/>
+                  </a:schemeClr>
+                </a:solidFill>
+                <a:latin typeface="한컴 윤고딕 240" pitchFamily="18" charset="-127"/>
+                <a:ea typeface="한컴 윤고딕 240" pitchFamily="18" charset="-127"/>
+              </a:rPr>
+              <a:t>오형</a:t>
+            </a:r>
+            <a:r>
+              <a:rPr lang="ko-KR" altLang="en-US" sz="2000" dirty="0" smtClean="0">
+                <a:solidFill>
+                  <a:schemeClr val="bg1">
+                    <a:lumMod val="95000"/>
+                  </a:schemeClr>
+                </a:solidFill>
+                <a:latin typeface="한컴 윤고딕 240" pitchFamily="18" charset="-127"/>
+                <a:ea typeface="한컴 윤고딕 240" pitchFamily="18" charset="-127"/>
+              </a:rPr>
+              <a:t>남</a:t>
             </a:r>
             <a:endParaRPr lang="en-US" altLang="ko-KR" sz="2000" dirty="0" smtClean="0">
               <a:solidFill>
@@ -5690,154 +5886,121 @@
                 </a:solidFill>
                 <a:latin typeface="Consolas"/>
               </a:rPr>
+              <a:t> == </a:t>
+            </a:r>
+            <a:r>
+              <a:rPr lang="en-US" altLang="ko-KR" sz="1400" b="1" dirty="0" smtClean="0">
+                <a:solidFill>
+                  <a:srgbClr val="7F0055"/>
+                </a:solidFill>
+                <a:latin typeface="Consolas"/>
+              </a:rPr>
+              <a:t>null</a:t>
+            </a:r>
+            <a:r>
+              <a:rPr lang="en-US" altLang="ko-KR" sz="1400" b="1" dirty="0" smtClean="0">
+                <a:solidFill>
+                  <a:srgbClr val="000000"/>
+                </a:solidFill>
+                <a:latin typeface="Consolas"/>
+              </a:rPr>
+              <a:t>) {</a:t>
+            </a:r>
+          </a:p>
+          <a:p>
+            <a:pPr lvl="1"/>
+            <a:r>
+              <a:rPr lang="en-US" altLang="ko-KR" sz="1200" dirty="0" smtClean="0">
+                <a:solidFill>
+                  <a:srgbClr val="3F7F5F"/>
+                </a:solidFill>
+                <a:latin typeface="Consolas"/>
+              </a:rPr>
+              <a:t>		</a:t>
+            </a:r>
+            <a:r>
+              <a:rPr lang="en-US" altLang="ko-KR" sz="1400" dirty="0" err="1" smtClean="0">
+                <a:solidFill>
+                  <a:srgbClr val="6A3E3E"/>
+                </a:solidFill>
+                <a:latin typeface="Consolas"/>
+              </a:rPr>
+              <a:t>response</a:t>
+            </a:r>
+            <a:r>
+              <a:rPr lang="en-US" altLang="ko-KR" sz="1400" dirty="0" err="1" smtClean="0">
+                <a:solidFill>
+                  <a:srgbClr val="000000"/>
+                </a:solidFill>
+                <a:latin typeface="Consolas"/>
+              </a:rPr>
+              <a:t>.sendRedirect</a:t>
+            </a:r>
+            <a:r>
+              <a:rPr lang="en-US" altLang="ko-KR" sz="1400" dirty="0" smtClean="0">
+                <a:solidFill>
+                  <a:srgbClr val="000000"/>
+                </a:solidFill>
+                <a:latin typeface="Consolas"/>
+              </a:rPr>
+              <a:t>(</a:t>
+            </a:r>
+            <a:r>
+              <a:rPr lang="en-US" altLang="ko-KR" sz="1400" dirty="0" smtClean="0">
+                <a:solidFill>
+                  <a:srgbClr val="2A00FF"/>
+                </a:solidFill>
+                <a:latin typeface="Consolas"/>
+              </a:rPr>
+              <a:t>"../</a:t>
+            </a:r>
+            <a:r>
+              <a:rPr lang="en-US" altLang="ko-KR" sz="1400" dirty="0" err="1" smtClean="0">
+                <a:solidFill>
+                  <a:srgbClr val="2A00FF"/>
+                </a:solidFill>
+                <a:latin typeface="Consolas"/>
+              </a:rPr>
+              <a:t>joinus</a:t>
+            </a:r>
+            <a:r>
+              <a:rPr lang="en-US" altLang="ko-KR" sz="1400" dirty="0" smtClean="0">
+                <a:solidFill>
+                  <a:srgbClr val="2A00FF"/>
+                </a:solidFill>
+                <a:latin typeface="Consolas"/>
+              </a:rPr>
+              <a:t>/login.htm"</a:t>
+            </a:r>
+            <a:r>
+              <a:rPr lang="en-US" altLang="ko-KR" sz="1400" dirty="0" smtClean="0">
+                <a:solidFill>
+                  <a:srgbClr val="000000"/>
+                </a:solidFill>
+                <a:latin typeface="Consolas"/>
+              </a:rPr>
+              <a:t>);</a:t>
+            </a:r>
+            <a:r>
+              <a:rPr lang="en-US" altLang="ko-KR" sz="1400" dirty="0" smtClean="0">
+                <a:solidFill>
+                  <a:srgbClr val="3F7F5F"/>
+                </a:solidFill>
+                <a:latin typeface="Consolas"/>
+              </a:rPr>
               <a:t> </a:t>
             </a:r>
-            <a:r>
-              <a:rPr lang="en-US" altLang="ko-KR" sz="1400" b="1" dirty="0" smtClean="0">
-                <a:solidFill>
-                  <a:srgbClr val="000000"/>
-                </a:solidFill>
-                <a:latin typeface="Consolas"/>
-              </a:rPr>
-              <a:t>== </a:t>
-            </a:r>
-            <a:r>
-              <a:rPr lang="en-US" altLang="ko-KR" sz="1400" b="1" dirty="0" smtClean="0">
-                <a:solidFill>
-                  <a:srgbClr val="7F0055"/>
-                </a:solidFill>
-                <a:latin typeface="Consolas"/>
-              </a:rPr>
-              <a:t>null</a:t>
-            </a:r>
-            <a:r>
-              <a:rPr lang="en-US" altLang="ko-KR" sz="1400" b="1" dirty="0" smtClean="0">
-                <a:solidFill>
-                  <a:srgbClr val="000000"/>
-                </a:solidFill>
-                <a:latin typeface="Consolas"/>
-              </a:rPr>
-              <a:t>) {</a:t>
-            </a:r>
           </a:p>
           <a:p>
             <a:pPr lvl="1"/>
             <a:r>
-              <a:rPr lang="en-US" altLang="ko-KR" sz="1200" dirty="0" smtClean="0">
+              <a:rPr lang="en-US" altLang="ko-KR" sz="1400" dirty="0" smtClean="0">
                 <a:solidFill>
                   <a:srgbClr val="3F7F5F"/>
                 </a:solidFill>
                 <a:latin typeface="Consolas"/>
               </a:rPr>
               <a:t>		</a:t>
-            </a:r>
-            <a:r>
-              <a:rPr lang="en-US" altLang="ko-KR" sz="1400" dirty="0" err="1" smtClean="0">
-                <a:solidFill>
-                  <a:srgbClr val="6A3E3E"/>
-                </a:solidFill>
-                <a:latin typeface="Consolas"/>
-              </a:rPr>
-              <a:t>response</a:t>
-            </a:r>
-            <a:r>
-              <a:rPr lang="en-US" altLang="ko-KR" sz="1400" dirty="0" err="1" smtClean="0">
-                <a:solidFill>
-                  <a:srgbClr val="000000"/>
-                </a:solidFill>
-                <a:latin typeface="Consolas"/>
-              </a:rPr>
-              <a:t>.sendRedirect</a:t>
-            </a:r>
-            <a:r>
-              <a:rPr lang="en-US" altLang="ko-KR" sz="1400" dirty="0" smtClean="0">
-                <a:solidFill>
-                  <a:srgbClr val="000000"/>
-                </a:solidFill>
-                <a:latin typeface="Consolas"/>
-              </a:rPr>
-              <a:t>(</a:t>
-            </a:r>
-            <a:r>
-              <a:rPr lang="en-US" altLang="ko-KR" sz="1400" dirty="0" smtClean="0">
-                <a:solidFill>
-                  <a:srgbClr val="2A00FF"/>
-                </a:solidFill>
-                <a:latin typeface="Consolas"/>
-              </a:rPr>
-              <a:t>"../</a:t>
-            </a:r>
-            <a:r>
-              <a:rPr lang="en-US" altLang="ko-KR" sz="1400" dirty="0" err="1" smtClean="0">
-                <a:solidFill>
-                  <a:srgbClr val="2A00FF"/>
-                </a:solidFill>
-                <a:latin typeface="Consolas"/>
-              </a:rPr>
-              <a:t>joinus</a:t>
-            </a:r>
-            <a:r>
-              <a:rPr lang="en-US" altLang="ko-KR" sz="1400" dirty="0" smtClean="0">
-                <a:solidFill>
-                  <a:srgbClr val="2A00FF"/>
-                </a:solidFill>
-                <a:latin typeface="Consolas"/>
-              </a:rPr>
-              <a:t>/login.htm</a:t>
-            </a:r>
-            <a:r>
-              <a:rPr lang="en-US" altLang="ko-KR" sz="1400" dirty="0" smtClean="0">
-                <a:solidFill>
-                  <a:srgbClr val="2A00FF"/>
-                </a:solidFill>
-                <a:latin typeface="Consolas"/>
-              </a:rPr>
-              <a:t>"</a:t>
-            </a:r>
-            <a:r>
-              <a:rPr lang="en-US" altLang="ko-KR" sz="1400" dirty="0" smtClean="0">
-                <a:solidFill>
-                  <a:srgbClr val="000000"/>
-                </a:solidFill>
-                <a:latin typeface="Consolas"/>
-              </a:rPr>
-              <a:t>);</a:t>
-            </a:r>
-            <a:r>
-              <a:rPr lang="en-US" altLang="ko-KR" sz="1400" dirty="0" smtClean="0">
-                <a:solidFill>
-                  <a:srgbClr val="3F7F5F"/>
-                </a:solidFill>
-                <a:latin typeface="Consolas"/>
-              </a:rPr>
-              <a:t> </a:t>
-            </a:r>
-            <a:endParaRPr lang="en-US" altLang="ko-KR" sz="1400" dirty="0" smtClean="0">
-              <a:solidFill>
-                <a:srgbClr val="3F7F5F"/>
-              </a:solidFill>
-              <a:latin typeface="Consolas"/>
-            </a:endParaRPr>
-          </a:p>
-          <a:p>
-            <a:pPr lvl="1"/>
-            <a:r>
-              <a:rPr lang="en-US" altLang="ko-KR" sz="1400" dirty="0" smtClean="0">
-                <a:solidFill>
-                  <a:srgbClr val="3F7F5F"/>
-                </a:solidFill>
-                <a:latin typeface="Consolas"/>
-              </a:rPr>
-              <a:t>	</a:t>
-            </a:r>
-            <a:r>
-              <a:rPr lang="en-US" altLang="ko-KR" sz="1400" dirty="0" smtClean="0">
-                <a:solidFill>
-                  <a:srgbClr val="3F7F5F"/>
-                </a:solidFill>
-                <a:latin typeface="Consolas"/>
-              </a:rPr>
-              <a:t>	</a:t>
             </a:r>
             <a:r>
               <a:rPr lang="en-US" altLang="ko-KR" sz="1200" dirty="0" smtClean="0">
@@ -5900,187 +6063,151 @@
                 </a:solidFill>
                 <a:latin typeface="Consolas"/>
               </a:rPr>
+              <a:t> = </a:t>
+            </a:r>
+            <a:r>
+              <a:rPr lang="en-US" altLang="ko-KR" sz="1400" b="1" dirty="0" smtClean="0">
+                <a:solidFill>
+                  <a:srgbClr val="7F0055"/>
+                </a:solidFill>
+                <a:latin typeface="Consolas"/>
+              </a:rPr>
+              <a:t>false</a:t>
+            </a:r>
+            <a:r>
+              <a:rPr lang="en-US" altLang="ko-KR" sz="1400" b="1" dirty="0" smtClean="0">
+                <a:solidFill>
+                  <a:srgbClr val="000000"/>
+                </a:solidFill>
+                <a:latin typeface="Consolas"/>
+              </a:rPr>
+              <a:t>;</a:t>
+            </a:r>
+          </a:p>
+          <a:p>
+            <a:pPr lvl="1"/>
+            <a:r>
+              <a:rPr lang="en-US" altLang="ko-KR" sz="1400" dirty="0" smtClean="0">
+                <a:solidFill>
+                  <a:srgbClr val="000000"/>
+                </a:solidFill>
+                <a:latin typeface="Consolas"/>
+              </a:rPr>
+              <a:t>	} </a:t>
+            </a:r>
+            <a:r>
+              <a:rPr lang="en-US" altLang="ko-KR" sz="1400" b="1" dirty="0" smtClean="0">
+                <a:solidFill>
+                  <a:srgbClr val="7F0055"/>
+                </a:solidFill>
+                <a:latin typeface="Consolas"/>
+              </a:rPr>
+              <a:t>else</a:t>
+            </a:r>
+            <a:r>
+              <a:rPr lang="en-US" altLang="ko-KR" sz="1400" b="1" dirty="0" smtClean="0">
+                <a:solidFill>
+                  <a:srgbClr val="000000"/>
+                </a:solidFill>
+                <a:latin typeface="Consolas"/>
+              </a:rPr>
+              <a:t> {</a:t>
+            </a:r>
+          </a:p>
+          <a:p>
+            <a:pPr lvl="1"/>
+            <a:r>
+              <a:rPr lang="en-US" altLang="ko-KR" sz="1400" dirty="0" smtClean="0">
+                <a:solidFill>
+                  <a:srgbClr val="6A3E3E"/>
+                </a:solidFill>
+                <a:latin typeface="Consolas"/>
+              </a:rPr>
+              <a:t>		</a:t>
+            </a:r>
+            <a:r>
+              <a:rPr lang="en-US" altLang="ko-KR" sz="1400" dirty="0" err="1" smtClean="0">
+                <a:solidFill>
+                  <a:srgbClr val="6A3E3E"/>
+                </a:solidFill>
+                <a:latin typeface="Consolas"/>
+              </a:rPr>
+              <a:t>islogin</a:t>
+            </a:r>
+            <a:r>
+              <a:rPr lang="en-US" altLang="ko-KR" sz="1400" dirty="0" smtClean="0">
+                <a:solidFill>
+                  <a:srgbClr val="000000"/>
+                </a:solidFill>
+                <a:latin typeface="Consolas"/>
+              </a:rPr>
+              <a:t> = </a:t>
+            </a:r>
+            <a:r>
+              <a:rPr lang="en-US" altLang="ko-KR" sz="1400" b="1" dirty="0" smtClean="0">
+                <a:solidFill>
+                  <a:srgbClr val="7F0055"/>
+                </a:solidFill>
+                <a:latin typeface="Consolas"/>
+              </a:rPr>
+              <a:t>true</a:t>
+            </a:r>
+            <a:r>
+              <a:rPr lang="en-US" altLang="ko-KR" sz="1400" b="1" dirty="0" smtClean="0">
+                <a:solidFill>
+                  <a:srgbClr val="000000"/>
+                </a:solidFill>
+                <a:latin typeface="Consolas"/>
+              </a:rPr>
+              <a:t>;</a:t>
+            </a:r>
+          </a:p>
+          <a:p>
+            <a:pPr lvl="1"/>
+            <a:r>
+              <a:rPr lang="en-US" altLang="ko-KR" sz="1400" dirty="0" smtClean="0">
+                <a:solidFill>
+                  <a:srgbClr val="000000"/>
+                </a:solidFill>
+                <a:latin typeface="Consolas"/>
+              </a:rPr>
+              <a:t>	}</a:t>
+            </a:r>
+            <a:r>
+              <a:rPr lang="en-US" altLang="ko-KR" sz="1400" dirty="0" smtClean="0">
+                <a:solidFill>
+                  <a:srgbClr val="3F7F5F"/>
+                </a:solidFill>
+                <a:latin typeface="Consolas"/>
+              </a:rPr>
               <a:t> </a:t>
             </a:r>
             <a:r>
-              <a:rPr lang="en-US" altLang="ko-KR" sz="1400" dirty="0" smtClean="0">
-                <a:solidFill>
-                  <a:srgbClr val="000000"/>
-                </a:solidFill>
-                <a:latin typeface="Consolas"/>
-              </a:rPr>
-              <a:t>= </a:t>
-            </a:r>
-            <a:r>
-              <a:rPr lang="en-US" altLang="ko-KR" sz="1400" b="1" dirty="0" smtClean="0">
-                <a:solidFill>
-                  <a:srgbClr val="7F0055"/>
-                </a:solidFill>
-                <a:latin typeface="Consolas"/>
-              </a:rPr>
-              <a:t>false</a:t>
-            </a:r>
-            <a:r>
-              <a:rPr lang="en-US" altLang="ko-KR" sz="1400" b="1" dirty="0" smtClean="0">
-                <a:solidFill>
-                  <a:srgbClr val="000000"/>
-                </a:solidFill>
-                <a:latin typeface="Consolas"/>
-              </a:rPr>
-              <a:t>;</a:t>
-            </a:r>
-          </a:p>
-          <a:p>
-            <a:pPr lvl="1"/>
-            <a:r>
-              <a:rPr lang="en-US" altLang="ko-KR" sz="1400" dirty="0" smtClean="0">
-                <a:solidFill>
-                  <a:srgbClr val="000000"/>
-                </a:solidFill>
-                <a:latin typeface="Consolas"/>
-              </a:rPr>
-              <a:t>	} </a:t>
-            </a:r>
-            <a:r>
-              <a:rPr lang="en-US" altLang="ko-KR" sz="1400" b="1" dirty="0" smtClean="0">
-                <a:solidFill>
-                  <a:srgbClr val="7F0055"/>
-                </a:solidFill>
-                <a:latin typeface="Consolas"/>
-              </a:rPr>
-              <a:t>else</a:t>
-            </a:r>
-            <a:r>
-              <a:rPr lang="en-US" altLang="ko-KR" sz="1400" b="1" dirty="0" smtClean="0">
-                <a:solidFill>
-                  <a:srgbClr val="000000"/>
-                </a:solidFill>
-                <a:latin typeface="Consolas"/>
-              </a:rPr>
-              <a:t> </a:t>
-            </a:r>
-            <a:r>
-              <a:rPr lang="en-US" altLang="ko-KR" sz="1400" b="1" dirty="0" smtClean="0">
-                <a:solidFill>
-                  <a:srgbClr val="000000"/>
-                </a:solidFill>
-                <a:latin typeface="Consolas"/>
-              </a:rPr>
-              <a:t>{</a:t>
-            </a:r>
-          </a:p>
-          <a:p>
-            <a:pPr lvl="1"/>
-            <a:r>
-              <a:rPr lang="en-US" altLang="ko-KR" sz="1400" dirty="0" smtClean="0">
-                <a:solidFill>
-                  <a:srgbClr val="6A3E3E"/>
-                </a:solidFill>
-                <a:latin typeface="Consolas"/>
-              </a:rPr>
-              <a:t>		</a:t>
-            </a:r>
-            <a:r>
-              <a:rPr lang="en-US" altLang="ko-KR" sz="1400" dirty="0" err="1" smtClean="0">
-                <a:solidFill>
-                  <a:srgbClr val="6A3E3E"/>
-                </a:solidFill>
-                <a:latin typeface="Consolas"/>
-              </a:rPr>
-              <a:t>islogin</a:t>
-            </a:r>
-            <a:r>
-              <a:rPr lang="en-US" altLang="ko-KR" sz="1400" dirty="0" smtClean="0">
-                <a:solidFill>
-                  <a:srgbClr val="000000"/>
-                </a:solidFill>
-                <a:latin typeface="Consolas"/>
-              </a:rPr>
-              <a:t> </a:t>
-            </a:r>
-            <a:r>
-              <a:rPr lang="en-US" altLang="ko-KR" sz="1400" dirty="0" smtClean="0">
-                <a:solidFill>
-                  <a:srgbClr val="000000"/>
-                </a:solidFill>
-                <a:latin typeface="Consolas"/>
-              </a:rPr>
-              <a:t>= </a:t>
-            </a:r>
-            <a:r>
-              <a:rPr lang="en-US" altLang="ko-KR" sz="1400" b="1" dirty="0" smtClean="0">
-                <a:solidFill>
-                  <a:srgbClr val="7F0055"/>
-                </a:solidFill>
-                <a:latin typeface="Consolas"/>
-              </a:rPr>
-              <a:t>true</a:t>
-            </a:r>
-            <a:r>
-              <a:rPr lang="en-US" altLang="ko-KR" sz="1400" b="1" dirty="0" smtClean="0">
-                <a:solidFill>
-                  <a:srgbClr val="000000"/>
-                </a:solidFill>
-                <a:latin typeface="Consolas"/>
-              </a:rPr>
-              <a:t>;</a:t>
-            </a:r>
-          </a:p>
-          <a:p>
-            <a:pPr lvl="1"/>
-            <a:r>
-              <a:rPr lang="en-US" altLang="ko-KR" sz="1400" dirty="0" smtClean="0">
-                <a:solidFill>
-                  <a:srgbClr val="000000"/>
-                </a:solidFill>
-                <a:latin typeface="Consolas"/>
-              </a:rPr>
-              <a:t>	}</a:t>
-            </a:r>
-            <a:r>
-              <a:rPr lang="en-US" altLang="ko-KR" sz="1400" dirty="0" smtClean="0">
+              <a:rPr lang="en-US" altLang="ko-KR" sz="1200" dirty="0" smtClean="0">
                 <a:solidFill>
                   <a:srgbClr val="3F7F5F"/>
                 </a:solidFill>
                 <a:latin typeface="Consolas"/>
               </a:rPr>
-              <a:t> </a:t>
-            </a:r>
-            <a:r>
-              <a:rPr lang="en-US" altLang="ko-KR" sz="1200" dirty="0" smtClean="0">
+              <a:t>//</a:t>
+            </a:r>
+            <a:r>
+              <a:rPr lang="ko-KR" altLang="en-US" sz="1200" dirty="0" err="1" smtClean="0">
                 <a:solidFill>
                   <a:srgbClr val="3F7F5F"/>
                 </a:solidFill>
                 <a:latin typeface="Consolas"/>
               </a:rPr>
-              <a:t>//</a:t>
-            </a:r>
-            <a:r>
-              <a:rPr lang="ko-KR" altLang="en-US" sz="1200" dirty="0" err="1" smtClean="0">
+              <a:t>로그인이</a:t>
+            </a:r>
+            <a:r>
+              <a:rPr lang="ko-KR" altLang="en-US" sz="1200" dirty="0" smtClean="0">
                 <a:solidFill>
                   <a:srgbClr val="3F7F5F"/>
                 </a:solidFill>
                 <a:latin typeface="Consolas"/>
               </a:rPr>
-              <a:t>로그인이</a:t>
-            </a:r>
-            <a:r>
-              <a:rPr lang="ko-KR" altLang="en-US" sz="1200" dirty="0" smtClean="0">
-                <a:solidFill>
-                  <a:srgbClr val="3F7F5F"/>
-                </a:solidFill>
-                <a:latin typeface="Consolas"/>
-              </a:rPr>
-              <a:t> 되어있다면 다음 컨트롤러 </a:t>
-            </a:r>
-            <a:r>
-              <a:rPr lang="ko-KR" altLang="en-US" sz="1200" dirty="0" smtClean="0">
-                <a:solidFill>
-                  <a:srgbClr val="3F7F5F"/>
-                </a:solidFill>
-                <a:latin typeface="Consolas"/>
-              </a:rPr>
-              <a:t>실행</a:t>
+              <a:t> 되어있다면 다음 컨트롤러 실행</a:t>
             </a:r>
             <a:endParaRPr lang="en-US" altLang="ko-KR" sz="1200" dirty="0" smtClean="0">
               <a:solidFill>
@@ -6148,12 +6275,6 @@
               </a:rPr>
               <a:t>}</a:t>
             </a:r>
-            <a:endParaRPr lang="en-US" altLang="ko-KR" sz="1400" dirty="0" smtClean="0">
-              <a:solidFill>
-                <a:srgbClr val="000000"/>
-              </a:solidFill>
-              <a:latin typeface="Consolas"/>
-            </a:endParaRPr>
           </a:p>
           <a:p>
             <a:pPr marL="180000"/>
@@ -6693,7 +6814,7 @@
     </p:spTree>
     <p:extLst>
       <p:ext uri="{BB962C8B-B14F-4D97-AF65-F5344CB8AC3E}">
-        <p14:creationId xmlns:p14="http://schemas.microsoft.com/office/powerpoint/2010/main" xmlns="" val="823508735"/>
+        <p14:creationId xmlns="" xmlns:p14="http://schemas.microsoft.com/office/powerpoint/2010/main" val="823508735"/>
       </p:ext>
     </p:extLst>
   </p:cSld>
@@ -6844,609 +6965,576 @@
           </p:txBody>
         </p:sp>
       </p:grpSp>
-      <p:grpSp>
-        <p:nvGrpSpPr>
-          <p:cNvPr id="22" name="그룹 21"/>
-          <p:cNvGrpSpPr/>
+      <p:sp>
+        <p:nvSpPr>
+          <p:cNvPr id="19" name="TextBox 18"/>
+          <p:cNvSpPr txBox="1"/>
           <p:nvPr/>
-        </p:nvGrpSpPr>
-        <p:grpSpPr>
+        </p:nvSpPr>
+        <p:spPr>
           <a:xfrm>
-            <a:off x="1916885" y="2143116"/>
-            <a:ext cx="6072230" cy="3385542"/>
-            <a:chOff x="738158" y="2143116"/>
-            <a:chExt cx="6072230" cy="3385542"/>
+            <a:off x="309530" y="2214554"/>
+            <a:ext cx="9254468" cy="2893100"/>
           </a:xfrm>
+          <a:prstGeom prst="rect">
+            <a:avLst/>
+          </a:prstGeom>
           <a:solidFill>
             <a:schemeClr val="bg1">
               <a:lumMod val="95000"/>
             </a:schemeClr>
           </a:solidFill>
-        </p:grpSpPr>
-        <p:sp>
-          <p:nvSpPr>
-            <p:cNvPr id="20" name="직사각형 19"/>
-            <p:cNvSpPr/>
-            <p:nvPr/>
-          </p:nvSpPr>
-          <p:spPr>
-            <a:xfrm>
-              <a:off x="738158" y="2143116"/>
-              <a:ext cx="2714644" cy="3385542"/>
-            </a:xfrm>
-            <a:prstGeom prst="rect">
-              <a:avLst/>
-            </a:prstGeom>
-            <a:grpFill/>
-          </p:spPr>
-          <p:txBody>
-            <a:bodyPr wrap="square">
-              <a:spAutoFit/>
-            </a:bodyPr>
-            <a:lstStyle/>
-            <a:p>
-              <a:r>
-                <a:rPr lang="en-US" altLang="ko-KR" sz="1600" dirty="0" smtClean="0">
-                  <a:solidFill>
-                    <a:schemeClr val="tx1">
-                      <a:lumMod val="85000"/>
-                      <a:lumOff val="15000"/>
-                    </a:schemeClr>
-                  </a:solidFill>
-                  <a:latin typeface="한컴 윤고딕 230" pitchFamily="18" charset="-127"/>
-                  <a:ea typeface="한컴 윤고딕 230" pitchFamily="18" charset="-127"/>
-                </a:rPr>
-                <a:t>Customer</a:t>
-              </a:r>
-              <a:r>
-                <a:rPr lang="ko-KR" altLang="en-US" sz="1600" dirty="0" smtClean="0">
-                  <a:solidFill>
-                    <a:schemeClr val="tx1">
-                      <a:lumMod val="85000"/>
-                      <a:lumOff val="15000"/>
-                    </a:schemeClr>
-                  </a:solidFill>
-                  <a:latin typeface="한컴 윤고딕 230" pitchFamily="18" charset="-127"/>
-                  <a:ea typeface="한컴 윤고딕 230" pitchFamily="18" charset="-127"/>
-                </a:rPr>
-                <a:t>를 타지 않았을 때</a:t>
-              </a:r>
-            </a:p>
-            <a:p>
-              <a:r>
-                <a:rPr lang="en-US" altLang="ko-KR" sz="1600" dirty="0" smtClean="0">
-                  <a:solidFill>
-                    <a:schemeClr val="tx1">
-                      <a:lumMod val="85000"/>
-                      <a:lumOff val="15000"/>
-                    </a:schemeClr>
-                  </a:solidFill>
-                  <a:latin typeface="한컴 윤고딕 230" pitchFamily="18" charset="-127"/>
-                  <a:ea typeface="한컴 윤고딕 230" pitchFamily="18" charset="-127"/>
-                </a:rPr>
-                <a:t>Time Start</a:t>
-              </a:r>
-            </a:p>
-            <a:p>
-              <a:r>
-                <a:rPr lang="en-US" altLang="ko-KR" sz="1600" dirty="0" smtClean="0">
-                  <a:solidFill>
-                    <a:schemeClr val="tx1">
-                      <a:lumMod val="85000"/>
-                      <a:lumOff val="15000"/>
-                    </a:schemeClr>
-                  </a:solidFill>
-                  <a:latin typeface="한컴 윤고딕 230" pitchFamily="18" charset="-127"/>
-                  <a:ea typeface="한컴 윤고딕 230" pitchFamily="18" charset="-127"/>
-                </a:rPr>
-                <a:t>Time Stop</a:t>
-              </a:r>
-            </a:p>
-            <a:p>
-              <a:r>
-                <a:rPr lang="ko-KR" altLang="en-US" sz="1600" dirty="0" smtClean="0">
-                  <a:solidFill>
-                    <a:schemeClr val="tx1">
-                      <a:lumMod val="85000"/>
-                      <a:lumOff val="15000"/>
-                    </a:schemeClr>
-                  </a:solidFill>
-                  <a:latin typeface="한컴 윤고딕 230" pitchFamily="18" charset="-127"/>
-                  <a:ea typeface="한컴 윤고딕 230" pitchFamily="18" charset="-127"/>
-                </a:rPr>
-                <a:t>실행시간 </a:t>
-              </a:r>
-              <a:r>
-                <a:rPr lang="en-US" altLang="ko-KR" sz="1600" dirty="0" smtClean="0">
-                  <a:solidFill>
-                    <a:schemeClr val="tx1">
-                      <a:lumMod val="85000"/>
-                      <a:lumOff val="15000"/>
-                    </a:schemeClr>
-                  </a:solidFill>
-                  <a:latin typeface="한컴 윤고딕 230" pitchFamily="18" charset="-127"/>
-                  <a:ea typeface="한컴 윤고딕 230" pitchFamily="18" charset="-127"/>
-                </a:rPr>
-                <a:t>: 9</a:t>
-              </a:r>
-            </a:p>
-            <a:p>
-              <a:endParaRPr lang="en-US" altLang="ko-KR" sz="1600" dirty="0" smtClean="0">
-                <a:solidFill>
-                  <a:schemeClr val="tx1">
-                    <a:lumMod val="85000"/>
-                    <a:lumOff val="15000"/>
-                  </a:schemeClr>
-                </a:solidFill>
-                <a:latin typeface="한컴 윤고딕 230" pitchFamily="18" charset="-127"/>
-                <a:ea typeface="한컴 윤고딕 230" pitchFamily="18" charset="-127"/>
-              </a:endParaRPr>
-            </a:p>
-            <a:p>
-              <a:r>
-                <a:rPr lang="en-US" altLang="ko-KR" sz="1600" dirty="0" smtClean="0">
-                  <a:solidFill>
-                    <a:schemeClr val="tx1">
-                      <a:lumMod val="85000"/>
-                      <a:lumOff val="15000"/>
-                    </a:schemeClr>
-                  </a:solidFill>
-                  <a:latin typeface="한컴 윤고딕 230" pitchFamily="18" charset="-127"/>
-                  <a:ea typeface="한컴 윤고딕 230" pitchFamily="18" charset="-127"/>
-                </a:rPr>
-                <a:t>Customer</a:t>
-              </a:r>
-              <a:r>
-                <a:rPr lang="ko-KR" altLang="en-US" sz="1600" dirty="0" smtClean="0">
-                  <a:solidFill>
-                    <a:schemeClr val="tx1">
-                      <a:lumMod val="85000"/>
-                      <a:lumOff val="15000"/>
-                    </a:schemeClr>
-                  </a:solidFill>
-                  <a:latin typeface="한컴 윤고딕 230" pitchFamily="18" charset="-127"/>
-                  <a:ea typeface="한컴 윤고딕 230" pitchFamily="18" charset="-127"/>
-                </a:rPr>
-                <a:t>를 탔을 때</a:t>
-              </a:r>
-            </a:p>
-            <a:p>
-              <a:r>
-                <a:rPr lang="en-US" altLang="ko-KR" sz="1600" dirty="0" smtClean="0">
-                  <a:solidFill>
-                    <a:schemeClr val="tx1">
-                      <a:lumMod val="85000"/>
-                      <a:lumOff val="15000"/>
-                    </a:schemeClr>
-                  </a:solidFill>
-                  <a:latin typeface="한컴 윤고딕 230" pitchFamily="18" charset="-127"/>
-                  <a:ea typeface="한컴 윤고딕 230" pitchFamily="18" charset="-127"/>
-                </a:rPr>
-                <a:t>Time Start</a:t>
-              </a:r>
-            </a:p>
-            <a:p>
-              <a:r>
-                <a:rPr lang="en-US" altLang="ko-KR" sz="1600" dirty="0" smtClean="0">
-                  <a:solidFill>
-                    <a:schemeClr val="tx1">
-                      <a:lumMod val="85000"/>
-                      <a:lumOff val="15000"/>
-                    </a:schemeClr>
-                  </a:solidFill>
-                  <a:latin typeface="한컴 윤고딕 230" pitchFamily="18" charset="-127"/>
-                  <a:ea typeface="한컴 윤고딕 230" pitchFamily="18" charset="-127"/>
-                </a:rPr>
-                <a:t>Login </a:t>
-              </a:r>
-              <a:r>
-                <a:rPr lang="en-US" altLang="ko-KR" sz="1600" dirty="0" err="1" smtClean="0">
-                  <a:solidFill>
-                    <a:schemeClr val="tx1">
-                      <a:lumMod val="85000"/>
-                      <a:lumOff val="15000"/>
-                    </a:schemeClr>
-                  </a:solidFill>
-                  <a:latin typeface="한컴 윤고딕 230" pitchFamily="18" charset="-127"/>
-                  <a:ea typeface="한컴 윤고딕 230" pitchFamily="18" charset="-127"/>
-                </a:rPr>
-                <a:t>preHandle</a:t>
-              </a:r>
-              <a:endParaRPr lang="en-US" altLang="ko-KR" sz="1600" dirty="0" smtClean="0">
-                <a:solidFill>
-                  <a:schemeClr val="tx1">
-                    <a:lumMod val="85000"/>
-                    <a:lumOff val="15000"/>
-                  </a:schemeClr>
-                </a:solidFill>
-                <a:latin typeface="한컴 윤고딕 230" pitchFamily="18" charset="-127"/>
-                <a:ea typeface="한컴 윤고딕 230" pitchFamily="18" charset="-127"/>
-              </a:endParaRPr>
-            </a:p>
-            <a:p>
-              <a:r>
-                <a:rPr lang="en-US" altLang="ko-KR" sz="1600" dirty="0" smtClean="0">
-                  <a:solidFill>
-                    <a:schemeClr val="tx1">
-                      <a:lumMod val="85000"/>
-                      <a:lumOff val="15000"/>
-                    </a:schemeClr>
-                  </a:solidFill>
-                  <a:latin typeface="한컴 윤고딕 230" pitchFamily="18" charset="-127"/>
-                  <a:ea typeface="한컴 윤고딕 230" pitchFamily="18" charset="-127"/>
-                </a:rPr>
-                <a:t>Time Stop</a:t>
-              </a:r>
-            </a:p>
-            <a:p>
-              <a:r>
-                <a:rPr lang="ko-KR" altLang="en-US" sz="1600" dirty="0" smtClean="0">
-                  <a:solidFill>
-                    <a:schemeClr val="tx1">
-                      <a:lumMod val="85000"/>
-                      <a:lumOff val="15000"/>
-                    </a:schemeClr>
-                  </a:solidFill>
-                  <a:latin typeface="한컴 윤고딕 230" pitchFamily="18" charset="-127"/>
-                  <a:ea typeface="한컴 윤고딕 230" pitchFamily="18" charset="-127"/>
-                </a:rPr>
-                <a:t>실행시간 </a:t>
-              </a:r>
-              <a:r>
-                <a:rPr lang="en-US" altLang="ko-KR" sz="1600" dirty="0" smtClean="0">
-                  <a:solidFill>
-                    <a:schemeClr val="tx1">
-                      <a:lumMod val="85000"/>
-                      <a:lumOff val="15000"/>
-                    </a:schemeClr>
-                  </a:solidFill>
-                  <a:latin typeface="한컴 윤고딕 230" pitchFamily="18" charset="-127"/>
-                  <a:ea typeface="한컴 윤고딕 230" pitchFamily="18" charset="-127"/>
-                </a:rPr>
-                <a:t>: 0</a:t>
-              </a:r>
-            </a:p>
-            <a:p>
-              <a:r>
-                <a:rPr lang="en-US" altLang="ko-KR" sz="1600" dirty="0" smtClean="0">
-                  <a:solidFill>
-                    <a:schemeClr val="tx1">
-                      <a:lumMod val="85000"/>
-                      <a:lumOff val="15000"/>
-                    </a:schemeClr>
-                  </a:solidFill>
-                  <a:latin typeface="한컴 윤고딕 230" pitchFamily="18" charset="-127"/>
-                  <a:ea typeface="한컴 윤고딕 230" pitchFamily="18" charset="-127"/>
-                </a:rPr>
-                <a:t>Time Start</a:t>
-              </a:r>
-            </a:p>
-            <a:p>
-              <a:r>
-                <a:rPr lang="en-US" altLang="ko-KR" sz="1600" dirty="0" smtClean="0">
-                  <a:solidFill>
-                    <a:schemeClr val="tx1">
-                      <a:lumMod val="85000"/>
-                      <a:lumOff val="15000"/>
-                    </a:schemeClr>
-                  </a:solidFill>
-                  <a:latin typeface="한컴 윤고딕 230" pitchFamily="18" charset="-127"/>
-                  <a:ea typeface="한컴 윤고딕 230" pitchFamily="18" charset="-127"/>
-                </a:rPr>
-                <a:t>Time Stop</a:t>
-              </a:r>
-            </a:p>
-            <a:p>
-              <a:r>
-                <a:rPr lang="ko-KR" altLang="en-US" sz="1600" dirty="0" smtClean="0">
-                  <a:solidFill>
-                    <a:schemeClr val="tx1">
-                      <a:lumMod val="85000"/>
-                      <a:lumOff val="15000"/>
-                    </a:schemeClr>
-                  </a:solidFill>
-                  <a:latin typeface="한컴 윤고딕 230" pitchFamily="18" charset="-127"/>
-                  <a:ea typeface="한컴 윤고딕 230" pitchFamily="18" charset="-127"/>
-                </a:rPr>
-                <a:t>실행시간 </a:t>
-              </a:r>
-              <a:r>
-                <a:rPr lang="en-US" altLang="ko-KR" sz="1600" dirty="0" smtClean="0">
-                  <a:solidFill>
-                    <a:schemeClr val="tx1">
-                      <a:lumMod val="85000"/>
-                      <a:lumOff val="15000"/>
-                    </a:schemeClr>
-                  </a:solidFill>
-                  <a:latin typeface="한컴 윤고딕 230" pitchFamily="18" charset="-127"/>
-                  <a:ea typeface="한컴 윤고딕 230" pitchFamily="18" charset="-127"/>
-                </a:rPr>
-                <a:t>: 9</a:t>
-              </a:r>
-              <a:endParaRPr lang="en-US" altLang="ko-KR" sz="1600" dirty="0">
-                <a:solidFill>
-                  <a:schemeClr val="tx1">
-                    <a:lumMod val="85000"/>
-                    <a:lumOff val="15000"/>
-                  </a:schemeClr>
-                </a:solidFill>
-                <a:latin typeface="한컴 윤고딕 230" pitchFamily="18" charset="-127"/>
-                <a:ea typeface="한컴 윤고딕 230" pitchFamily="18" charset="-127"/>
-              </a:endParaRPr>
-            </a:p>
-          </p:txBody>
-        </p:sp>
-        <p:sp>
-          <p:nvSpPr>
-            <p:cNvPr id="21" name="직사각형 20"/>
-            <p:cNvSpPr/>
-            <p:nvPr/>
-          </p:nvSpPr>
-          <p:spPr>
-            <a:xfrm>
-              <a:off x="3667116" y="2143116"/>
-              <a:ext cx="3143272" cy="2800767"/>
-            </a:xfrm>
-            <a:prstGeom prst="rect">
-              <a:avLst/>
-            </a:prstGeom>
-            <a:grpFill/>
-          </p:spPr>
-          <p:txBody>
-            <a:bodyPr wrap="square">
-              <a:spAutoFit/>
-            </a:bodyPr>
-            <a:lstStyle/>
-            <a:p>
-              <a:r>
-                <a:rPr lang="ko-KR" altLang="en-US" sz="1600" dirty="0" smtClean="0">
-                  <a:solidFill>
-                    <a:schemeClr val="tx1">
-                      <a:lumMod val="85000"/>
-                      <a:lumOff val="15000"/>
-                    </a:schemeClr>
-                  </a:solidFill>
-                  <a:latin typeface="한컴 윤고딕 230" pitchFamily="18" charset="-127"/>
-                  <a:ea typeface="한컴 윤고딕 230" pitchFamily="18" charset="-127"/>
-                </a:rPr>
-                <a:t>로그인 했을 때</a:t>
-              </a:r>
-            </a:p>
-            <a:p>
-              <a:r>
-                <a:rPr lang="en-US" altLang="ko-KR" sz="1600" dirty="0" smtClean="0">
-                  <a:solidFill>
-                    <a:schemeClr val="tx1">
-                      <a:lumMod val="85000"/>
-                      <a:lumOff val="15000"/>
-                    </a:schemeClr>
-                  </a:solidFill>
-                  <a:latin typeface="한컴 윤고딕 230" pitchFamily="18" charset="-127"/>
-                  <a:ea typeface="한컴 윤고딕 230" pitchFamily="18" charset="-127"/>
-                </a:rPr>
-                <a:t>Time Start</a:t>
-              </a:r>
-            </a:p>
-            <a:p>
-              <a:r>
-                <a:rPr lang="en-US" altLang="ko-KR" sz="1600" dirty="0" smtClean="0">
-                  <a:solidFill>
-                    <a:schemeClr val="tx1">
-                      <a:lumMod val="85000"/>
-                      <a:lumOff val="15000"/>
-                    </a:schemeClr>
-                  </a:solidFill>
-                  <a:latin typeface="한컴 윤고딕 230" pitchFamily="18" charset="-127"/>
-                  <a:ea typeface="한컴 윤고딕 230" pitchFamily="18" charset="-127"/>
-                </a:rPr>
-                <a:t>admin / 1004</a:t>
-              </a:r>
-            </a:p>
-            <a:p>
-              <a:r>
-                <a:rPr lang="en-US" altLang="ko-KR" sz="1600" dirty="0" smtClean="0">
-                  <a:solidFill>
-                    <a:schemeClr val="tx1">
-                      <a:lumMod val="85000"/>
-                      <a:lumOff val="15000"/>
-                    </a:schemeClr>
-                  </a:solidFill>
-                  <a:latin typeface="한컴 윤고딕 230" pitchFamily="18" charset="-127"/>
-                  <a:ea typeface="한컴 윤고딕 230" pitchFamily="18" charset="-127"/>
-                </a:rPr>
-                <a:t>Time Stop</a:t>
-              </a:r>
-            </a:p>
-            <a:p>
-              <a:r>
-                <a:rPr lang="ko-KR" altLang="en-US" sz="1600" dirty="0" smtClean="0">
-                  <a:solidFill>
-                    <a:schemeClr val="tx1">
-                      <a:lumMod val="85000"/>
-                      <a:lumOff val="15000"/>
-                    </a:schemeClr>
-                  </a:solidFill>
-                  <a:latin typeface="한컴 윤고딕 230" pitchFamily="18" charset="-127"/>
-                  <a:ea typeface="한컴 윤고딕 230" pitchFamily="18" charset="-127"/>
-                </a:rPr>
-                <a:t>실행시간 </a:t>
-              </a:r>
-              <a:r>
-                <a:rPr lang="en-US" altLang="ko-KR" sz="1600" dirty="0" smtClean="0">
-                  <a:solidFill>
-                    <a:schemeClr val="tx1">
-                      <a:lumMod val="85000"/>
-                      <a:lumOff val="15000"/>
-                    </a:schemeClr>
-                  </a:solidFill>
-                  <a:latin typeface="한컴 윤고딕 230" pitchFamily="18" charset="-127"/>
-                  <a:ea typeface="한컴 윤고딕 230" pitchFamily="18" charset="-127"/>
-                </a:rPr>
-                <a:t>: 60</a:t>
-              </a:r>
-            </a:p>
-            <a:p>
-              <a:endParaRPr lang="en-US" altLang="ko-KR" sz="1600" dirty="0" smtClean="0">
-                <a:solidFill>
-                  <a:schemeClr val="tx1">
-                    <a:lumMod val="85000"/>
-                    <a:lumOff val="15000"/>
-                  </a:schemeClr>
-                </a:solidFill>
-                <a:latin typeface="한컴 윤고딕 230" pitchFamily="18" charset="-127"/>
-                <a:ea typeface="한컴 윤고딕 230" pitchFamily="18" charset="-127"/>
-              </a:endParaRPr>
-            </a:p>
-            <a:p>
-              <a:r>
-                <a:rPr lang="ko-KR" altLang="en-US" sz="1600" dirty="0" smtClean="0">
-                  <a:solidFill>
-                    <a:schemeClr val="tx1">
-                      <a:lumMod val="85000"/>
-                      <a:lumOff val="15000"/>
-                    </a:schemeClr>
-                  </a:solidFill>
-                  <a:latin typeface="한컴 윤고딕 230" pitchFamily="18" charset="-127"/>
-                  <a:ea typeface="한컴 윤고딕 230" pitchFamily="18" charset="-127"/>
-                </a:rPr>
-                <a:t>로그인 후 </a:t>
-              </a:r>
-              <a:r>
-                <a:rPr lang="en-US" altLang="ko-KR" sz="1600" dirty="0" smtClean="0">
-                  <a:solidFill>
-                    <a:schemeClr val="tx1">
-                      <a:lumMod val="85000"/>
-                      <a:lumOff val="15000"/>
-                    </a:schemeClr>
-                  </a:solidFill>
-                  <a:latin typeface="한컴 윤고딕 230" pitchFamily="18" charset="-127"/>
-                  <a:ea typeface="한컴 윤고딕 230" pitchFamily="18" charset="-127"/>
-                </a:rPr>
-                <a:t>Customer</a:t>
-              </a:r>
-              <a:r>
-                <a:rPr lang="ko-KR" altLang="en-US" sz="1600" dirty="0" smtClean="0">
-                  <a:solidFill>
-                    <a:schemeClr val="tx1">
-                      <a:lumMod val="85000"/>
-                      <a:lumOff val="15000"/>
-                    </a:schemeClr>
-                  </a:solidFill>
-                  <a:latin typeface="한컴 윤고딕 230" pitchFamily="18" charset="-127"/>
-                  <a:ea typeface="한컴 윤고딕 230" pitchFamily="18" charset="-127"/>
-                </a:rPr>
-                <a:t>를 탔을 때</a:t>
-              </a:r>
-            </a:p>
-            <a:p>
-              <a:r>
-                <a:rPr lang="en-US" altLang="ko-KR" sz="1600" dirty="0" smtClean="0">
-                  <a:solidFill>
-                    <a:schemeClr val="tx1">
-                      <a:lumMod val="85000"/>
-                      <a:lumOff val="15000"/>
-                    </a:schemeClr>
-                  </a:solidFill>
-                  <a:latin typeface="한컴 윤고딕 230" pitchFamily="18" charset="-127"/>
-                  <a:ea typeface="한컴 윤고딕 230" pitchFamily="18" charset="-127"/>
-                </a:rPr>
-                <a:t>Time Start</a:t>
-              </a:r>
-            </a:p>
-            <a:p>
-              <a:r>
-                <a:rPr lang="en-US" altLang="ko-KR" sz="1600" dirty="0" smtClean="0">
-                  <a:solidFill>
-                    <a:schemeClr val="tx1">
-                      <a:lumMod val="85000"/>
-                      <a:lumOff val="15000"/>
-                    </a:schemeClr>
-                  </a:solidFill>
-                  <a:latin typeface="한컴 윤고딕 230" pitchFamily="18" charset="-127"/>
-                  <a:ea typeface="한컴 윤고딕 230" pitchFamily="18" charset="-127"/>
-                </a:rPr>
-                <a:t>Login </a:t>
-              </a:r>
-              <a:r>
-                <a:rPr lang="en-US" altLang="ko-KR" sz="1600" dirty="0" err="1" smtClean="0">
-                  <a:solidFill>
-                    <a:schemeClr val="tx1">
-                      <a:lumMod val="85000"/>
-                      <a:lumOff val="15000"/>
-                    </a:schemeClr>
-                  </a:solidFill>
-                  <a:latin typeface="한컴 윤고딕 230" pitchFamily="18" charset="-127"/>
-                  <a:ea typeface="한컴 윤고딕 230" pitchFamily="18" charset="-127"/>
-                </a:rPr>
-                <a:t>preHandle</a:t>
-              </a:r>
-              <a:endParaRPr lang="en-US" altLang="ko-KR" sz="1600" dirty="0" smtClean="0">
-                <a:solidFill>
-                  <a:schemeClr val="tx1">
-                    <a:lumMod val="85000"/>
-                    <a:lumOff val="15000"/>
-                  </a:schemeClr>
-                </a:solidFill>
-                <a:latin typeface="한컴 윤고딕 230" pitchFamily="18" charset="-127"/>
-                <a:ea typeface="한컴 윤고딕 230" pitchFamily="18" charset="-127"/>
-              </a:endParaRPr>
-            </a:p>
-            <a:p>
-              <a:r>
-                <a:rPr lang="en-US" altLang="ko-KR" sz="1600" dirty="0" smtClean="0">
-                  <a:solidFill>
-                    <a:schemeClr val="tx1">
-                      <a:lumMod val="85000"/>
-                      <a:lumOff val="15000"/>
-                    </a:schemeClr>
-                  </a:solidFill>
-                  <a:latin typeface="한컴 윤고딕 230" pitchFamily="18" charset="-127"/>
-                  <a:ea typeface="한컴 윤고딕 230" pitchFamily="18" charset="-127"/>
-                </a:rPr>
-                <a:t>Time Stop</a:t>
-              </a:r>
-            </a:p>
-            <a:p>
-              <a:r>
-                <a:rPr lang="ko-KR" altLang="en-US" sz="1600" dirty="0" smtClean="0">
-                  <a:solidFill>
-                    <a:schemeClr val="tx1">
-                      <a:lumMod val="85000"/>
-                      <a:lumOff val="15000"/>
-                    </a:schemeClr>
-                  </a:solidFill>
-                  <a:latin typeface="한컴 윤고딕 230" pitchFamily="18" charset="-127"/>
-                  <a:ea typeface="한컴 윤고딕 230" pitchFamily="18" charset="-127"/>
-                </a:rPr>
-                <a:t>실행시간 </a:t>
-              </a:r>
-              <a:r>
-                <a:rPr lang="en-US" altLang="ko-KR" sz="1600" dirty="0" smtClean="0">
-                  <a:solidFill>
-                    <a:schemeClr val="tx1">
-                      <a:lumMod val="85000"/>
-                      <a:lumOff val="15000"/>
-                    </a:schemeClr>
-                  </a:solidFill>
-                  <a:latin typeface="한컴 윤고딕 230" pitchFamily="18" charset="-127"/>
-                  <a:ea typeface="한컴 윤고딕 230" pitchFamily="18" charset="-127"/>
-                </a:rPr>
-                <a:t>: 29</a:t>
-              </a:r>
-              <a:endParaRPr lang="ko-KR" altLang="en-US" sz="1600" dirty="0">
-                <a:solidFill>
-                  <a:schemeClr val="tx1">
-                    <a:lumMod val="85000"/>
-                    <a:lumOff val="15000"/>
-                  </a:schemeClr>
-                </a:solidFill>
-                <a:latin typeface="한컴 윤고딕 230" pitchFamily="18" charset="-127"/>
-                <a:ea typeface="한컴 윤고딕 230" pitchFamily="18" charset="-127"/>
-              </a:endParaRPr>
-            </a:p>
-          </p:txBody>
-        </p:sp>
-      </p:grpSp>
+        </p:spPr>
+        <p:txBody>
+          <a:bodyPr wrap="square" rtlCol="0" anchor="ctr">
+            <a:spAutoFit/>
+          </a:bodyPr>
+          <a:lstStyle/>
+          <a:p>
+            <a:pPr lvl="1" latinLnBrk="0"/>
+            <a:r>
+              <a:rPr lang="en-US" sz="1400" dirty="0" smtClean="0">
+                <a:solidFill>
+                  <a:srgbClr val="999999"/>
+                </a:solidFill>
+              </a:rPr>
+              <a:t>&lt;!-- </a:t>
+            </a:r>
+            <a:r>
+              <a:rPr lang="en-US" sz="1400" dirty="0" err="1" smtClean="0">
+                <a:solidFill>
+                  <a:srgbClr val="999999"/>
+                </a:solidFill>
+              </a:rPr>
+              <a:t>HandlerInterceptor</a:t>
+            </a:r>
+            <a:r>
+              <a:rPr lang="en-US" sz="1400" dirty="0" smtClean="0">
+                <a:solidFill>
+                  <a:srgbClr val="999999"/>
+                </a:solidFill>
+              </a:rPr>
+              <a:t> </a:t>
+            </a:r>
+            <a:r>
+              <a:rPr lang="ko-KR" altLang="en-US" sz="1400" dirty="0" smtClean="0">
+                <a:solidFill>
+                  <a:srgbClr val="999999"/>
+                </a:solidFill>
+              </a:rPr>
+              <a:t>설정 </a:t>
+            </a:r>
+            <a:r>
+              <a:rPr lang="en-US" altLang="ko-KR" sz="1400" dirty="0" smtClean="0">
+                <a:solidFill>
+                  <a:srgbClr val="999999"/>
+                </a:solidFill>
+              </a:rPr>
+              <a:t>--&gt;</a:t>
+            </a:r>
+            <a:endParaRPr lang="ko-KR" altLang="en-US" sz="1400" dirty="0" smtClean="0"/>
+          </a:p>
+          <a:p>
+            <a:pPr lvl="1" latinLnBrk="0"/>
+            <a:r>
+              <a:rPr lang="en-US" altLang="ko-KR" sz="1400" dirty="0" smtClean="0">
+                <a:solidFill>
+                  <a:srgbClr val="010101"/>
+                </a:solidFill>
+              </a:rPr>
+              <a:t>&lt;</a:t>
+            </a:r>
+            <a:r>
+              <a:rPr lang="en-US" sz="1400" dirty="0" err="1" smtClean="0">
+                <a:solidFill>
+                  <a:srgbClr val="066DE2"/>
+                </a:solidFill>
+              </a:rPr>
+              <a:t>mvc:interceptors</a:t>
+            </a:r>
+            <a:r>
+              <a:rPr lang="en-US" sz="1400" dirty="0" smtClean="0">
+                <a:solidFill>
+                  <a:srgbClr val="010101"/>
+                </a:solidFill>
+              </a:rPr>
+              <a:t>&gt;</a:t>
+            </a:r>
+            <a:endParaRPr lang="en-US" sz="1400" dirty="0" smtClean="0"/>
+          </a:p>
+          <a:p>
+            <a:pPr lvl="2" latinLnBrk="0"/>
+            <a:r>
+              <a:rPr lang="en-US" sz="1400" dirty="0" smtClean="0">
+                <a:solidFill>
+                  <a:srgbClr val="010101"/>
+                </a:solidFill>
+              </a:rPr>
+              <a:t>&lt;</a:t>
+            </a:r>
+            <a:r>
+              <a:rPr lang="en-US" sz="1400" dirty="0" err="1" smtClean="0">
+                <a:solidFill>
+                  <a:srgbClr val="066DE2"/>
+                </a:solidFill>
+              </a:rPr>
+              <a:t>mvc:interceptor</a:t>
+            </a:r>
+            <a:r>
+              <a:rPr lang="en-US" sz="1400" dirty="0" smtClean="0">
+                <a:solidFill>
+                  <a:srgbClr val="010101"/>
+                </a:solidFill>
+              </a:rPr>
+              <a:t>&gt;</a:t>
+            </a:r>
+            <a:endParaRPr lang="en-US" sz="1400" dirty="0" smtClean="0"/>
+          </a:p>
+          <a:p>
+            <a:pPr lvl="3" latinLnBrk="0"/>
+            <a:r>
+              <a:rPr lang="en-US" sz="1400" dirty="0" smtClean="0">
+                <a:solidFill>
+                  <a:srgbClr val="010101"/>
+                </a:solidFill>
+              </a:rPr>
+              <a:t>&lt;</a:t>
+            </a:r>
+            <a:r>
+              <a:rPr lang="en-US" sz="1400" dirty="0" err="1" smtClean="0">
+                <a:solidFill>
+                  <a:srgbClr val="066DE2"/>
+                </a:solidFill>
+              </a:rPr>
+              <a:t>mvc:mapping</a:t>
+            </a:r>
+            <a:r>
+              <a:rPr lang="en-US" sz="1400" dirty="0" smtClean="0"/>
+              <a:t> </a:t>
+            </a:r>
+            <a:r>
+              <a:rPr lang="en-US" sz="1400" dirty="0" smtClean="0">
+                <a:solidFill>
+                  <a:srgbClr val="0A9989"/>
+                </a:solidFill>
+              </a:rPr>
+              <a:t>path</a:t>
+            </a:r>
+            <a:r>
+              <a:rPr lang="en-US" sz="1400" dirty="0" smtClean="0"/>
+              <a:t>=</a:t>
+            </a:r>
+            <a:r>
+              <a:rPr lang="en-US" sz="1400" dirty="0" smtClean="0">
+                <a:solidFill>
+                  <a:srgbClr val="DF5000"/>
+                </a:solidFill>
+              </a:rPr>
+              <a:t>"/**"</a:t>
+            </a:r>
+            <a:r>
+              <a:rPr lang="en-US" sz="1400" dirty="0" smtClean="0"/>
+              <a:t> </a:t>
+            </a:r>
+            <a:r>
+              <a:rPr lang="en-US" sz="1400" dirty="0" smtClean="0">
+                <a:solidFill>
+                  <a:srgbClr val="0A9989"/>
+                </a:solidFill>
+              </a:rPr>
+              <a:t>/</a:t>
+            </a:r>
+            <a:r>
+              <a:rPr lang="en-US" sz="1400" dirty="0" smtClean="0">
+                <a:solidFill>
+                  <a:srgbClr val="010101"/>
+                </a:solidFill>
+              </a:rPr>
+              <a:t>&gt;</a:t>
+            </a:r>
+            <a:endParaRPr lang="en-US" sz="1400" dirty="0" smtClean="0"/>
+          </a:p>
+          <a:p>
+            <a:pPr lvl="3" latinLnBrk="0"/>
+            <a:r>
+              <a:rPr lang="en-US" sz="1400" dirty="0" smtClean="0">
+                <a:solidFill>
+                  <a:srgbClr val="010101"/>
+                </a:solidFill>
+              </a:rPr>
+              <a:t>&lt;</a:t>
+            </a:r>
+            <a:r>
+              <a:rPr lang="en-US" sz="1400" dirty="0" smtClean="0">
+                <a:solidFill>
+                  <a:srgbClr val="066DE2"/>
+                </a:solidFill>
+              </a:rPr>
+              <a:t>bean</a:t>
+            </a:r>
+            <a:r>
+              <a:rPr lang="en-US" sz="1400" dirty="0" smtClean="0"/>
+              <a:t> </a:t>
+            </a:r>
+            <a:r>
+              <a:rPr lang="en-US" sz="1400" dirty="0" smtClean="0">
+                <a:solidFill>
+                  <a:srgbClr val="0A9989"/>
+                </a:solidFill>
+              </a:rPr>
+              <a:t>class</a:t>
+            </a:r>
+            <a:r>
+              <a:rPr lang="en-US" sz="1400" dirty="0" smtClean="0"/>
+              <a:t>=</a:t>
+            </a:r>
+            <a:r>
+              <a:rPr lang="en-US" sz="1400" dirty="0" smtClean="0">
+                <a:solidFill>
+                  <a:srgbClr val="DF5000"/>
+                </a:solidFill>
+              </a:rPr>
+              <a:t>"</a:t>
+            </a:r>
+            <a:r>
+              <a:rPr lang="en-US" sz="1400" dirty="0" err="1" smtClean="0">
+                <a:solidFill>
+                  <a:srgbClr val="DF5000"/>
+                </a:solidFill>
+              </a:rPr>
+              <a:t>common.Interceptor</a:t>
+            </a:r>
+            <a:r>
+              <a:rPr lang="en-US" sz="1400" dirty="0" smtClean="0">
+                <a:solidFill>
+                  <a:srgbClr val="DF5000"/>
+                </a:solidFill>
+              </a:rPr>
+              <a:t>“ </a:t>
+            </a:r>
+            <a:r>
+              <a:rPr lang="en-US" sz="1400" dirty="0" smtClean="0">
+                <a:solidFill>
+                  <a:srgbClr val="0A9989"/>
+                </a:solidFill>
+              </a:rPr>
+              <a:t>/</a:t>
+            </a:r>
+            <a:r>
+              <a:rPr lang="en-US" sz="1400" dirty="0" smtClean="0">
+                <a:solidFill>
+                  <a:srgbClr val="010101"/>
+                </a:solidFill>
+              </a:rPr>
+              <a:t>&gt;</a:t>
+            </a:r>
+            <a:endParaRPr lang="en-US" sz="1400" dirty="0" smtClean="0"/>
+          </a:p>
+          <a:p>
+            <a:pPr lvl="2" latinLnBrk="0"/>
+            <a:r>
+              <a:rPr lang="en-US" sz="1400" dirty="0" smtClean="0">
+                <a:solidFill>
+                  <a:srgbClr val="010101"/>
+                </a:solidFill>
+              </a:rPr>
+              <a:t>&lt;/</a:t>
+            </a:r>
+            <a:r>
+              <a:rPr lang="en-US" sz="1400" dirty="0" err="1" smtClean="0">
+                <a:solidFill>
+                  <a:srgbClr val="066DE2"/>
+                </a:solidFill>
+              </a:rPr>
+              <a:t>mvc:interceptor</a:t>
+            </a:r>
+            <a:r>
+              <a:rPr lang="en-US" sz="1400" dirty="0" smtClean="0">
+                <a:solidFill>
+                  <a:srgbClr val="010101"/>
+                </a:solidFill>
+              </a:rPr>
+              <a:t>&gt;</a:t>
+            </a:r>
+          </a:p>
+          <a:p>
+            <a:pPr lvl="2" latinLnBrk="0"/>
+            <a:endParaRPr lang="en-US" sz="1400" dirty="0" smtClean="0"/>
+          </a:p>
+          <a:p>
+            <a:pPr lvl="2" latinLnBrk="0"/>
+            <a:r>
+              <a:rPr lang="en-US" sz="1400" dirty="0" smtClean="0">
+                <a:solidFill>
+                  <a:srgbClr val="999999"/>
+                </a:solidFill>
+              </a:rPr>
+              <a:t>&lt;!-- context </a:t>
+            </a:r>
+            <a:r>
+              <a:rPr lang="ko-KR" altLang="en-US" sz="1400" dirty="0" smtClean="0">
+                <a:solidFill>
+                  <a:srgbClr val="999999"/>
+                </a:solidFill>
+              </a:rPr>
+              <a:t>이후의 주소</a:t>
+            </a:r>
+            <a:r>
+              <a:rPr lang="en-US" altLang="ko-KR" sz="1400" dirty="0" smtClean="0">
+                <a:solidFill>
+                  <a:srgbClr val="999999"/>
+                </a:solidFill>
+              </a:rPr>
+              <a:t>(</a:t>
+            </a:r>
+            <a:r>
+              <a:rPr lang="ko-KR" altLang="en-US" sz="1400" dirty="0" smtClean="0">
+                <a:solidFill>
+                  <a:srgbClr val="999999"/>
+                </a:solidFill>
+              </a:rPr>
+              <a:t>요청주소</a:t>
+            </a:r>
+            <a:r>
+              <a:rPr lang="en-US" altLang="ko-KR" sz="1400" dirty="0" smtClean="0">
+                <a:solidFill>
+                  <a:srgbClr val="999999"/>
+                </a:solidFill>
+              </a:rPr>
+              <a:t>)--&gt;</a:t>
+            </a:r>
+            <a:endParaRPr lang="ko-KR" altLang="en-US" sz="1400" dirty="0" smtClean="0"/>
+          </a:p>
+          <a:p>
+            <a:pPr lvl="2" latinLnBrk="0"/>
+            <a:r>
+              <a:rPr lang="en-US" altLang="ko-KR" sz="1400" dirty="0" smtClean="0">
+                <a:solidFill>
+                  <a:srgbClr val="010101"/>
+                </a:solidFill>
+              </a:rPr>
+              <a:t>&lt;</a:t>
+            </a:r>
+            <a:r>
+              <a:rPr lang="en-US" sz="1400" dirty="0" err="1" smtClean="0">
+                <a:solidFill>
+                  <a:srgbClr val="066DE2"/>
+                </a:solidFill>
+              </a:rPr>
+              <a:t>mvc:interceptor</a:t>
+            </a:r>
+            <a:r>
+              <a:rPr lang="en-US" sz="1400" dirty="0" smtClean="0">
+                <a:solidFill>
+                  <a:srgbClr val="010101"/>
+                </a:solidFill>
+              </a:rPr>
+              <a:t>&gt;</a:t>
+            </a:r>
+            <a:endParaRPr lang="en-US" sz="1400" dirty="0" smtClean="0"/>
+          </a:p>
+          <a:p>
+            <a:pPr lvl="3" latinLnBrk="0"/>
+            <a:r>
+              <a:rPr lang="en-US" sz="1400" dirty="0" smtClean="0">
+                <a:solidFill>
+                  <a:srgbClr val="010101"/>
+                </a:solidFill>
+              </a:rPr>
+              <a:t>&lt;</a:t>
+            </a:r>
+            <a:r>
+              <a:rPr lang="en-US" sz="1400" dirty="0" err="1" smtClean="0">
+                <a:solidFill>
+                  <a:srgbClr val="066DE2"/>
+                </a:solidFill>
+              </a:rPr>
+              <a:t>mvc:mapping</a:t>
+            </a:r>
+            <a:r>
+              <a:rPr lang="en-US" sz="1400" dirty="0" smtClean="0"/>
+              <a:t> </a:t>
+            </a:r>
+            <a:r>
+              <a:rPr lang="en-US" sz="1400" dirty="0" smtClean="0">
+                <a:solidFill>
+                  <a:srgbClr val="0A9989"/>
+                </a:solidFill>
+              </a:rPr>
+              <a:t>path</a:t>
+            </a:r>
+            <a:r>
+              <a:rPr lang="en-US" sz="1400" dirty="0" smtClean="0"/>
+              <a:t>=</a:t>
+            </a:r>
+            <a:r>
+              <a:rPr lang="en-US" sz="1400" dirty="0" smtClean="0">
+                <a:solidFill>
+                  <a:srgbClr val="DF5000"/>
+                </a:solidFill>
+              </a:rPr>
+              <a:t>"/customer/*.htm"</a:t>
+            </a:r>
+            <a:r>
+              <a:rPr lang="en-US" sz="1400" dirty="0" smtClean="0"/>
+              <a:t> </a:t>
+            </a:r>
+            <a:r>
+              <a:rPr lang="en-US" sz="1400" dirty="0" smtClean="0">
+                <a:solidFill>
+                  <a:srgbClr val="0A9989"/>
+                </a:solidFill>
+              </a:rPr>
+              <a:t>/</a:t>
+            </a:r>
+            <a:r>
+              <a:rPr lang="en-US" sz="1400" dirty="0" smtClean="0">
+                <a:solidFill>
+                  <a:srgbClr val="010101"/>
+                </a:solidFill>
+              </a:rPr>
+              <a:t>&gt;</a:t>
+            </a:r>
+            <a:endParaRPr lang="en-US" sz="1400" dirty="0" smtClean="0"/>
+          </a:p>
+          <a:p>
+            <a:pPr lvl="3" latinLnBrk="0"/>
+            <a:r>
+              <a:rPr lang="en-US" sz="1400" dirty="0" smtClean="0">
+                <a:solidFill>
+                  <a:srgbClr val="010101"/>
+                </a:solidFill>
+              </a:rPr>
+              <a:t>&lt;</a:t>
+            </a:r>
+            <a:r>
+              <a:rPr lang="en-US" sz="1400" dirty="0" smtClean="0">
+                <a:solidFill>
+                  <a:srgbClr val="066DE2"/>
+                </a:solidFill>
+              </a:rPr>
+              <a:t>bean</a:t>
+            </a:r>
+            <a:r>
+              <a:rPr lang="en-US" sz="1400" dirty="0" smtClean="0"/>
+              <a:t> </a:t>
+            </a:r>
+            <a:r>
+              <a:rPr lang="en-US" sz="1400" dirty="0" smtClean="0">
+                <a:solidFill>
+                  <a:srgbClr val="0A9989"/>
+                </a:solidFill>
+              </a:rPr>
+              <a:t>class</a:t>
+            </a:r>
+            <a:r>
+              <a:rPr lang="en-US" sz="1400" dirty="0" smtClean="0"/>
+              <a:t>=</a:t>
+            </a:r>
+            <a:r>
+              <a:rPr lang="en-US" sz="1400" dirty="0" smtClean="0">
+                <a:solidFill>
+                  <a:srgbClr val="DF5000"/>
+                </a:solidFill>
+              </a:rPr>
+              <a:t>"</a:t>
+            </a:r>
+            <a:r>
+              <a:rPr lang="en-US" sz="1400" dirty="0" err="1" smtClean="0">
+                <a:solidFill>
+                  <a:srgbClr val="DF5000"/>
+                </a:solidFill>
+              </a:rPr>
+              <a:t>common.LoginInter</a:t>
+            </a:r>
+            <a:r>
+              <a:rPr lang="en-US" sz="1400" dirty="0" smtClean="0">
+                <a:solidFill>
+                  <a:srgbClr val="DF5000"/>
+                </a:solidFill>
+              </a:rPr>
+              <a:t>"</a:t>
+            </a:r>
+            <a:r>
+              <a:rPr lang="en-US" sz="1400" dirty="0" smtClean="0"/>
+              <a:t> </a:t>
+            </a:r>
+            <a:r>
+              <a:rPr lang="en-US" sz="1400" dirty="0" smtClean="0">
+                <a:solidFill>
+                  <a:srgbClr val="0A9989"/>
+                </a:solidFill>
+              </a:rPr>
+              <a:t>/</a:t>
+            </a:r>
+            <a:r>
+              <a:rPr lang="en-US" sz="1400" dirty="0" smtClean="0">
+                <a:solidFill>
+                  <a:srgbClr val="010101"/>
+                </a:solidFill>
+              </a:rPr>
+              <a:t>&gt;</a:t>
+            </a:r>
+            <a:endParaRPr lang="en-US" sz="1400" dirty="0" smtClean="0"/>
+          </a:p>
+          <a:p>
+            <a:pPr lvl="2" latinLnBrk="0"/>
+            <a:r>
+              <a:rPr lang="en-US" sz="1400" dirty="0" smtClean="0">
+                <a:solidFill>
+                  <a:srgbClr val="010101"/>
+                </a:solidFill>
+              </a:rPr>
+              <a:t>&lt;/</a:t>
+            </a:r>
+            <a:r>
+              <a:rPr lang="en-US" sz="1400" dirty="0" err="1" smtClean="0">
+                <a:solidFill>
+                  <a:srgbClr val="066DE2"/>
+                </a:solidFill>
+              </a:rPr>
+              <a:t>mvc:interceptor</a:t>
+            </a:r>
+            <a:r>
+              <a:rPr lang="en-US" sz="1400" dirty="0" smtClean="0">
+                <a:solidFill>
+                  <a:srgbClr val="010101"/>
+                </a:solidFill>
+              </a:rPr>
+              <a:t>&gt;</a:t>
+            </a:r>
+            <a:endParaRPr lang="en-US" sz="1400" dirty="0" smtClean="0"/>
+          </a:p>
+          <a:p>
+            <a:pPr lvl="1" latinLnBrk="0"/>
+            <a:r>
+              <a:rPr lang="en-US" sz="1400" dirty="0" smtClean="0">
+                <a:solidFill>
+                  <a:srgbClr val="010101"/>
+                </a:solidFill>
+              </a:rPr>
+              <a:t>&lt;/</a:t>
+            </a:r>
+            <a:r>
+              <a:rPr lang="en-US" sz="1400" dirty="0" err="1" smtClean="0">
+                <a:solidFill>
+                  <a:srgbClr val="066DE2"/>
+                </a:solidFill>
+              </a:rPr>
+              <a:t>mvc:interceptors</a:t>
+            </a:r>
+            <a:r>
+              <a:rPr lang="en-US" sz="1400" dirty="0" smtClean="0">
+                <a:solidFill>
+                  <a:srgbClr val="010101"/>
+                </a:solidFill>
+              </a:rPr>
+              <a:t>&gt;</a:t>
+            </a:r>
+            <a:endParaRPr lang="ko-KR" altLang="en-US" sz="1400" dirty="0"/>
+          </a:p>
+        </p:txBody>
+      </p:sp>
       <p:grpSp>
         <p:nvGrpSpPr>
           <p:cNvPr id="6" name="그룹 1"/>
@@ -7880,7 +7968,7 @@
                 <a:latin typeface="한컴 윤고딕 250" pitchFamily="18" charset="-127"/>
                 <a:ea typeface="한컴 윤고딕 250" pitchFamily="18" charset="-127"/>
               </a:rPr>
-              <a:t>#</a:t>
+              <a:t># servlet-context.xml </a:t>
             </a:r>
             <a:r>
               <a:rPr lang="ko-KR" altLang="en-US" dirty="0" smtClean="0">
@@ -7892,19 +7980,7 @@
                 <a:latin typeface="한컴 윤고딕 250" pitchFamily="18" charset="-127"/>
                 <a:ea typeface="한컴 윤고딕 250" pitchFamily="18" charset="-127"/>
               </a:rPr>
-              <a:t> </a:t>
-            </a:r>
-            <a:r>
-              <a:rPr lang="en-US" altLang="ko-KR" dirty="0" smtClean="0">
-                <a:solidFill>
-                  <a:schemeClr val="bg1">
-                    <a:lumMod val="95000"/>
-                  </a:schemeClr>
-                </a:solidFill>
-                <a:latin typeface="한컴 윤고딕 250" pitchFamily="18" charset="-127"/>
-                <a:ea typeface="한컴 윤고딕 250" pitchFamily="18" charset="-127"/>
-              </a:rPr>
-              <a:t>Console</a:t>
+              <a:t>설정</a:t>
             </a:r>
             <a:endParaRPr lang="en-US" altLang="ko-KR" dirty="0" smtClean="0">
               <a:solidFill>
@@ -7915,6 +7991,504 @@
               <a:latin typeface="한컴 윤고딕 250" pitchFamily="18" charset="-127"/>
               <a:ea typeface="한컴 윤고딕 250" pitchFamily="18" charset="-127"/>
             </a:endParaRPr>
+          </a:p>
+        </p:txBody>
+      </p:sp>
+      <p:cxnSp>
+        <p:nvCxnSpPr>
+          <p:cNvPr id="26" name="직선 연결선 25"/>
+          <p:cNvCxnSpPr/>
+          <p:nvPr/>
+        </p:nvCxnSpPr>
+        <p:spPr>
+          <a:xfrm>
+            <a:off x="818058" y="2071678"/>
+            <a:ext cx="3492000" cy="0"/>
+          </a:xfrm>
+          <a:prstGeom prst="line">
+            <a:avLst/>
+          </a:prstGeom>
+          <a:ln w="19050">
+            <a:solidFill>
+              <a:schemeClr val="bg1">
+                <a:lumMod val="75000"/>
+              </a:schemeClr>
+            </a:solidFill>
+          </a:ln>
+        </p:spPr>
+        <p:style>
+          <a:lnRef idx="1">
+            <a:schemeClr val="accent1"/>
+          </a:lnRef>
+          <a:fillRef idx="0">
+            <a:schemeClr val="accent1"/>
+          </a:fillRef>
+          <a:effectRef idx="0">
+            <a:schemeClr val="accent1"/>
+          </a:effectRef>
+          <a:fontRef idx="minor">
+            <a:schemeClr val="tx1"/>
+          </a:fontRef>
+        </p:style>
+      </p:cxnSp>
+    </p:spTree>
+    <p:extLst>
+      <p:ext uri="{BB962C8B-B14F-4D97-AF65-F5344CB8AC3E}">
+        <p14:creationId xmlns="" xmlns:p14="http://schemas.microsoft.com/office/powerpoint/2010/main" val="823508735"/>
+      </p:ext>
+    </p:extLst>
+  </p:cSld>
+  <p:clrMapOvr>
+    <a:masterClrMapping/>
+  </p:clrMapOvr>
+  <p:timing>
+    <p:tnLst>
+      <p:par>
+        <p:cTn id="1" dur="indefinite" restart="never" nodeType="tmRoot"/>
+      </p:par>
+    </p:tnLst>
+  </p:timing>
+</p:sld>
+</file>
+
+<file path=ppt/slides/slide12.xml><?xml version="1.0" encoding="utf-8"?>
+<p:sld xmlns:a="http://schemas.openxmlformats.org/drawingml/2006/main" xmlns:r="http://schemas.openxmlformats.org/officeDocument/2006/relationships" xmlns:p="http://schemas.openxmlformats.org/presentationml/2006/main">
+  <p:cSld>
+    <p:spTree>
+      <p:nvGrpSpPr>
+        <p:cNvPr id="1" name=""/>
+        <p:cNvGrpSpPr/>
+        <p:nvPr/>
+      </p:nvGrpSpPr>
+      <p:grpSpPr>
+        <a:xfrm>
+          <a:off x="0" y="0"/>
+          <a:ext cx="0" cy="0"/>
+          <a:chOff x="0" y="0"/>
+          <a:chExt cx="0" cy="0"/>
+        </a:xfrm>
+      </p:grpSpPr>
+      <p:grpSp>
+        <p:nvGrpSpPr>
+          <p:cNvPr id="2" name="그룹 38"/>
+          <p:cNvGrpSpPr/>
+          <p:nvPr/>
+        </p:nvGrpSpPr>
+        <p:grpSpPr>
+          <a:xfrm>
+            <a:off x="26636" y="1742752"/>
+            <a:ext cx="9852728" cy="4226244"/>
+            <a:chOff x="10365968" y="1742752"/>
+            <a:chExt cx="9852728" cy="4226244"/>
+          </a:xfrm>
+        </p:grpSpPr>
+        <p:pic>
+          <p:nvPicPr>
+            <p:cNvPr id="40" name="그림 39" descr="springframework.png"/>
+            <p:cNvPicPr>
+              <a:picLocks noChangeAspect="1"/>
+            </p:cNvPicPr>
+            <p:nvPr/>
+          </p:nvPicPr>
+          <p:blipFill>
+            <a:blip r:embed="rId3">
+              <a:duotone>
+                <a:schemeClr val="accent3">
+                  <a:shade val="45000"/>
+                  <a:satMod val="135000"/>
+                </a:schemeClr>
+                <a:prstClr val="white"/>
+              </a:duotone>
+            </a:blip>
+            <a:stretch>
+              <a:fillRect/>
+            </a:stretch>
+          </p:blipFill>
+          <p:spPr>
+            <a:xfrm>
+              <a:off x="10365968" y="1742753"/>
+              <a:ext cx="9838563" cy="4226243"/>
+            </a:xfrm>
+            <a:prstGeom prst="rect">
+              <a:avLst/>
+            </a:prstGeom>
+          </p:spPr>
+        </p:pic>
+        <p:sp>
+          <p:nvSpPr>
+            <p:cNvPr id="41" name="직사각형 40"/>
+            <p:cNvSpPr/>
+            <p:nvPr/>
+          </p:nvSpPr>
+          <p:spPr>
+            <a:xfrm>
+              <a:off x="13954000" y="1742752"/>
+              <a:ext cx="6264696" cy="4226243"/>
+            </a:xfrm>
+            <a:prstGeom prst="rect">
+              <a:avLst/>
+            </a:prstGeom>
+            <a:gradFill flip="none" rotWithShape="1">
+              <a:gsLst>
+                <a:gs pos="0">
+                  <a:schemeClr val="tx1">
+                    <a:lumMod val="85000"/>
+                    <a:lumOff val="15000"/>
+                    <a:alpha val="0"/>
+                  </a:schemeClr>
+                </a:gs>
+                <a:gs pos="70000">
+                  <a:schemeClr val="tx1">
+                    <a:lumMod val="85000"/>
+                    <a:lumOff val="15000"/>
+                    <a:alpha val="80000"/>
+                  </a:schemeClr>
+                </a:gs>
+                <a:gs pos="100000">
+                  <a:schemeClr val="tx1">
+                    <a:lumMod val="85000"/>
+                    <a:lumOff val="15000"/>
+                    <a:alpha val="90000"/>
+                  </a:schemeClr>
+                </a:gs>
+              </a:gsLst>
+              <a:lin ang="0" scaled="1"/>
+              <a:tileRect/>
+            </a:gradFill>
+            <a:ln>
+              <a:noFill/>
+            </a:ln>
+          </p:spPr>
+          <p:style>
+            <a:lnRef idx="2">
+              <a:schemeClr val="accent1">
+                <a:shade val="50000"/>
+              </a:schemeClr>
+            </a:lnRef>
+            <a:fillRef idx="1">
+              <a:schemeClr val="accent1"/>
+            </a:fillRef>
+            <a:effectRef idx="0">
+              <a:schemeClr val="accent1"/>
+            </a:effectRef>
+            <a:fontRef idx="minor">
+              <a:schemeClr val="lt1"/>
+            </a:fontRef>
+          </p:style>
+          <p:txBody>
+            <a:bodyPr rtlCol="0" anchor="ctr"/>
+            <a:lstStyle/>
+            <a:p>
+              <a:pPr algn="ctr"/>
+              <a:endParaRPr lang="ko-KR" altLang="en-US"/>
+            </a:p>
+          </p:txBody>
+        </p:sp>
+      </p:grpSp>
+      <p:grpSp>
+        <p:nvGrpSpPr>
+          <p:cNvPr id="6" name="그룹 1"/>
+          <p:cNvGrpSpPr/>
+          <p:nvPr/>
+        </p:nvGrpSpPr>
+        <p:grpSpPr>
+          <a:xfrm>
+            <a:off x="0" y="0"/>
+            <a:ext cx="9906000" cy="6970871"/>
+            <a:chOff x="0" y="0"/>
+            <a:chExt cx="9906000" cy="6970871"/>
+          </a:xfrm>
+        </p:grpSpPr>
+        <p:pic>
+          <p:nvPicPr>
+            <p:cNvPr id="2050" name="Picture 2" descr="C:\Users\USER\Desktop\2차 프로젝트(WEB)_4조\images\macbook_PNG36.png"/>
+            <p:cNvPicPr>
+              <a:picLocks noChangeAspect="1" noChangeArrowheads="1"/>
+            </p:cNvPicPr>
+            <p:nvPr/>
+          </p:nvPicPr>
+          <p:blipFill>
+            <a:blip r:embed="rId4"/>
+            <a:srcRect l="9199" r="9199"/>
+            <a:stretch>
+              <a:fillRect/>
+            </a:stretch>
+          </p:blipFill>
+          <p:spPr bwMode="auto">
+            <a:xfrm>
+              <a:off x="0" y="0"/>
+              <a:ext cx="9906000" cy="6970871"/>
+            </a:xfrm>
+            <a:prstGeom prst="rect">
+              <a:avLst/>
+            </a:prstGeom>
+            <a:noFill/>
+          </p:spPr>
+        </p:pic>
+        <p:sp>
+          <p:nvSpPr>
+            <p:cNvPr id="3" name="직사각형 2"/>
+            <p:cNvSpPr/>
+            <p:nvPr/>
+          </p:nvSpPr>
+          <p:spPr>
+            <a:xfrm>
+              <a:off x="0" y="0"/>
+              <a:ext cx="9906000" cy="6858000"/>
+            </a:xfrm>
+            <a:prstGeom prst="rect">
+              <a:avLst/>
+            </a:prstGeom>
+            <a:solidFill>
+              <a:schemeClr val="tx1">
+                <a:lumMod val="85000"/>
+                <a:lumOff val="15000"/>
+                <a:alpha val="40000"/>
+              </a:schemeClr>
+            </a:solidFill>
+            <a:ln>
+              <a:noFill/>
+            </a:ln>
+          </p:spPr>
+          <p:style>
+            <a:lnRef idx="2">
+              <a:schemeClr val="accent1">
+                <a:shade val="50000"/>
+              </a:schemeClr>
+            </a:lnRef>
+            <a:fillRef idx="1">
+              <a:schemeClr val="accent1"/>
+            </a:fillRef>
+            <a:effectRef idx="0">
+              <a:schemeClr val="accent1"/>
+            </a:effectRef>
+            <a:fontRef idx="minor">
+              <a:schemeClr val="lt1"/>
+            </a:fontRef>
+          </p:style>
+          <p:txBody>
+            <a:bodyPr rtlCol="0" anchor="ctr"/>
+            <a:lstStyle/>
+            <a:p>
+              <a:pPr algn="ctr"/>
+              <a:endParaRPr lang="ko-KR" altLang="en-US"/>
+            </a:p>
+          </p:txBody>
+        </p:sp>
+      </p:grpSp>
+      <p:pic>
+        <p:nvPicPr>
+          <p:cNvPr id="1026" name="Picture 2"/>
+          <p:cNvPicPr>
+            <a:picLocks noChangeAspect="1" noChangeArrowheads="1"/>
+          </p:cNvPicPr>
+          <p:nvPr/>
+        </p:nvPicPr>
+        <p:blipFill>
+          <a:blip r:embed="rId5"/>
+          <a:srcRect/>
+          <a:stretch>
+            <a:fillRect/>
+          </a:stretch>
+        </p:blipFill>
+        <p:spPr bwMode="auto">
+          <a:xfrm>
+            <a:off x="1181100" y="2143116"/>
+            <a:ext cx="7543800" cy="3448050"/>
+          </a:xfrm>
+          <a:prstGeom prst="rect">
+            <a:avLst/>
+          </a:prstGeom>
+          <a:noFill/>
+          <a:ln w="9525">
+            <a:noFill/>
+            <a:miter lim="800000"/>
+            <a:headEnd/>
+            <a:tailEnd/>
+          </a:ln>
+          <a:effectLst/>
+        </p:spPr>
+      </p:pic>
+      <p:grpSp>
+        <p:nvGrpSpPr>
+          <p:cNvPr id="8" name="그룹 58"/>
+          <p:cNvGrpSpPr/>
+          <p:nvPr/>
+        </p:nvGrpSpPr>
+        <p:grpSpPr>
+          <a:xfrm>
+            <a:off x="469097" y="1213678"/>
+            <a:ext cx="5222583" cy="400110"/>
+            <a:chOff x="469098" y="1285686"/>
+            <a:chExt cx="4843942" cy="400110"/>
+          </a:xfrm>
+        </p:grpSpPr>
+        <p:sp>
+          <p:nvSpPr>
+            <p:cNvPr id="60" name="TextBox 59"/>
+            <p:cNvSpPr txBox="1"/>
+            <p:nvPr/>
+          </p:nvSpPr>
+          <p:spPr>
+            <a:xfrm>
+              <a:off x="469098" y="1285686"/>
+              <a:ext cx="4843942" cy="400110"/>
+            </a:xfrm>
+            <a:prstGeom prst="rect">
+              <a:avLst/>
+            </a:prstGeom>
+            <a:noFill/>
+          </p:spPr>
+          <p:txBody>
+            <a:bodyPr wrap="square" rtlCol="0">
+              <a:spAutoFit/>
+            </a:bodyPr>
+            <a:lstStyle/>
+            <a:p>
+              <a:r>
+                <a:rPr lang="en-US" altLang="ko-KR" sz="2000" dirty="0" err="1" smtClean="0">
+                  <a:solidFill>
+                    <a:schemeClr val="bg1">
+                      <a:lumMod val="95000"/>
+                    </a:schemeClr>
+                  </a:solidFill>
+                  <a:latin typeface="한컴 윤고딕 250" pitchFamily="18" charset="-127"/>
+                  <a:ea typeface="한컴 윤고딕 250" pitchFamily="18" charset="-127"/>
+                </a:rPr>
+                <a:t>HandlerInterceptor</a:t>
+              </a:r>
+              <a:r>
+                <a:rPr lang="en-US" altLang="ko-KR" sz="2000" dirty="0" smtClean="0">
+                  <a:solidFill>
+                    <a:schemeClr val="bg1">
+                      <a:lumMod val="95000"/>
+                    </a:schemeClr>
+                  </a:solidFill>
+                  <a:latin typeface="한컴 윤고딕 250" pitchFamily="18" charset="-127"/>
+                  <a:ea typeface="한컴 윤고딕 250" pitchFamily="18" charset="-127"/>
+                </a:rPr>
+                <a:t> </a:t>
+              </a:r>
+              <a:r>
+                <a:rPr lang="ko-KR" altLang="en-US" sz="2000" dirty="0" smtClean="0">
+                  <a:solidFill>
+                    <a:schemeClr val="bg1">
+                      <a:lumMod val="95000"/>
+                    </a:schemeClr>
+                  </a:solidFill>
+                  <a:latin typeface="한컴 윤고딕 250" pitchFamily="18" charset="-127"/>
+                  <a:ea typeface="한컴 윤고딕 250" pitchFamily="18" charset="-127"/>
+                </a:rPr>
+                <a:t>사용 예제</a:t>
+              </a:r>
+              <a:endParaRPr lang="en-US" altLang="ko-KR" sz="2000" dirty="0" smtClean="0">
+                <a:solidFill>
+                  <a:schemeClr val="bg1">
+                    <a:lumMod val="95000"/>
+                  </a:schemeClr>
+                </a:solidFill>
+                <a:latin typeface="한컴 윤고딕 250" pitchFamily="18" charset="-127"/>
+                <a:ea typeface="한컴 윤고딕 250" pitchFamily="18" charset="-127"/>
+              </a:endParaRPr>
+            </a:p>
+          </p:txBody>
+        </p:sp>
+        <p:cxnSp>
+          <p:nvCxnSpPr>
+            <p:cNvPr id="65" name="직선 연결선 64"/>
+            <p:cNvCxnSpPr/>
+            <p:nvPr/>
+          </p:nvCxnSpPr>
+          <p:spPr>
+            <a:xfrm>
+              <a:off x="577204" y="1685796"/>
+              <a:ext cx="3739677" cy="0"/>
+            </a:xfrm>
+            <a:prstGeom prst="line">
+              <a:avLst/>
+            </a:prstGeom>
+            <a:ln w="19050">
+              <a:solidFill>
+                <a:schemeClr val="bg1">
+                  <a:lumMod val="75000"/>
+                </a:schemeClr>
+              </a:solidFill>
+            </a:ln>
+          </p:spPr>
+          <p:style>
+            <a:lnRef idx="1">
+              <a:schemeClr val="accent1"/>
+            </a:lnRef>
+            <a:fillRef idx="0">
+              <a:schemeClr val="accent1"/>
+            </a:fillRef>
+            <a:effectRef idx="0">
+              <a:schemeClr val="accent1"/>
+            </a:effectRef>
+            <a:fontRef idx="minor">
+              <a:schemeClr val="tx1"/>
+            </a:fontRef>
+          </p:style>
+        </p:cxnSp>
+      </p:grpSp>
+      <p:sp>
+        <p:nvSpPr>
+          <p:cNvPr id="25" name="TextBox 24"/>
+          <p:cNvSpPr txBox="1"/>
+          <p:nvPr/>
+        </p:nvSpPr>
+        <p:spPr>
+          <a:xfrm>
+            <a:off x="704528" y="1693659"/>
+            <a:ext cx="4247838" cy="369332"/>
+          </a:xfrm>
+          <a:prstGeom prst="rect">
+            <a:avLst/>
+          </a:prstGeom>
+          <a:noFill/>
+        </p:spPr>
+        <p:txBody>
+          <a:bodyPr wrap="square" rtlCol="0" anchor="ctr" anchorCtr="0">
+            <a:spAutoFit/>
+          </a:bodyPr>
+          <a:lstStyle/>
+          <a:p>
+            <a:r>
+              <a:rPr lang="en-US" altLang="ko-KR" dirty="0" smtClean="0">
+                <a:solidFill>
+                  <a:schemeClr val="bg1">
+                    <a:lumMod val="95000"/>
+                  </a:schemeClr>
+                </a:solidFill>
+                <a:latin typeface="한컴 윤고딕 250" pitchFamily="18" charset="-127"/>
+                <a:ea typeface="한컴 윤고딕 250" pitchFamily="18" charset="-127"/>
+              </a:rPr>
+              <a:t>#</a:t>
+            </a:r>
+            <a:r>
+              <a:rPr lang="ko-KR" altLang="en-US" dirty="0" smtClean="0">
+                <a:solidFill>
+                  <a:schemeClr val="bg1">
+                    <a:lumMod val="95000"/>
+                  </a:schemeClr>
+                </a:solidFill>
+                <a:latin typeface="한컴 윤고딕 250" pitchFamily="18" charset="-127"/>
+                <a:ea typeface="한컴 윤고딕 250" pitchFamily="18" charset="-127"/>
+              </a:rPr>
+              <a:t> </a:t>
+            </a:r>
+            <a:r>
+              <a:rPr lang="en-US" altLang="ko-KR" dirty="0" smtClean="0">
+                <a:solidFill>
+                  <a:schemeClr val="bg1">
+                    <a:lumMod val="95000"/>
+                  </a:schemeClr>
+                </a:solidFill>
+                <a:latin typeface="한컴 윤고딕 250" pitchFamily="18" charset="-127"/>
+                <a:ea typeface="한컴 윤고딕 250" pitchFamily="18" charset="-127"/>
+              </a:rPr>
+              <a:t>Console</a:t>
+            </a:r>
           </a:p>
         </p:txBody>
       </p:sp>
@@ -7955,10 +8529,949 @@
           </a:fontRef>
         </p:style>
       </p:cxnSp>
+      <p:grpSp>
+        <p:nvGrpSpPr>
+          <p:cNvPr id="7" name="그룹 43"/>
+          <p:cNvGrpSpPr/>
+          <p:nvPr/>
+        </p:nvGrpSpPr>
+        <p:grpSpPr>
+          <a:xfrm>
+            <a:off x="5851866" y="641157"/>
+            <a:ext cx="4357718" cy="613925"/>
+            <a:chOff x="0" y="641157"/>
+            <a:chExt cx="4357718" cy="613925"/>
+          </a:xfrm>
+        </p:grpSpPr>
+        <p:sp>
+          <p:nvSpPr>
+            <p:cNvPr id="4" name="TextBox 3"/>
+            <p:cNvSpPr txBox="1"/>
+            <p:nvPr/>
+          </p:nvSpPr>
+          <p:spPr>
+            <a:xfrm>
+              <a:off x="1643074" y="641157"/>
+              <a:ext cx="2714644" cy="307777"/>
+            </a:xfrm>
+            <a:prstGeom prst="rect">
+              <a:avLst/>
+            </a:prstGeom>
+            <a:noFill/>
+            <a:ln>
+              <a:noFill/>
+            </a:ln>
+          </p:spPr>
+          <p:txBody>
+            <a:bodyPr wrap="square" rtlCol="0">
+              <a:spAutoFit/>
+            </a:bodyPr>
+            <a:lstStyle/>
+            <a:p>
+              <a:r>
+                <a:rPr lang="en-US" altLang="ko-KR" sz="1400" dirty="0" err="1" smtClean="0">
+                  <a:solidFill>
+                    <a:schemeClr val="tx1">
+                      <a:lumMod val="50000"/>
+                      <a:lumOff val="50000"/>
+                    </a:schemeClr>
+                  </a:solidFill>
+                  <a:latin typeface="한컴 윤고딕 250" pitchFamily="18" charset="-127"/>
+                  <a:ea typeface="한컴 윤고딕 250" pitchFamily="18" charset="-127"/>
+                </a:rPr>
+                <a:t>SpringFramework</a:t>
+              </a:r>
+              <a:endParaRPr lang="en-US" altLang="ko-KR" sz="1400" dirty="0" smtClean="0">
+                <a:solidFill>
+                  <a:schemeClr val="tx1">
+                    <a:lumMod val="50000"/>
+                    <a:lumOff val="50000"/>
+                  </a:schemeClr>
+                </a:solidFill>
+                <a:latin typeface="한컴 윤고딕 250" pitchFamily="18" charset="-127"/>
+                <a:ea typeface="한컴 윤고딕 250" pitchFamily="18" charset="-127"/>
+              </a:endParaRPr>
+            </a:p>
+          </p:txBody>
+        </p:sp>
+        <p:sp>
+          <p:nvSpPr>
+            <p:cNvPr id="5" name="TextBox 4"/>
+            <p:cNvSpPr txBox="1"/>
+            <p:nvPr/>
+          </p:nvSpPr>
+          <p:spPr>
+            <a:xfrm>
+              <a:off x="0" y="916528"/>
+              <a:ext cx="4357718" cy="338554"/>
+            </a:xfrm>
+            <a:prstGeom prst="rect">
+              <a:avLst/>
+            </a:prstGeom>
+            <a:noFill/>
+            <a:ln>
+              <a:noFill/>
+            </a:ln>
+          </p:spPr>
+          <p:txBody>
+            <a:bodyPr wrap="square" rtlCol="0">
+              <a:spAutoFit/>
+            </a:bodyPr>
+            <a:lstStyle/>
+            <a:p>
+              <a:pPr algn="ctr"/>
+              <a:r>
+                <a:rPr lang="en-US" altLang="ko-KR" sz="1600" dirty="0" err="1" smtClean="0">
+                  <a:solidFill>
+                    <a:schemeClr val="tx1">
+                      <a:lumMod val="50000"/>
+                      <a:lumOff val="50000"/>
+                    </a:schemeClr>
+                  </a:solidFill>
+                  <a:latin typeface="한컴 윤고딕 250" pitchFamily="18" charset="-127"/>
+                  <a:ea typeface="한컴 윤고딕 250" pitchFamily="18" charset="-127"/>
+                </a:rPr>
+                <a:t>HandlerInterceptor</a:t>
+              </a:r>
+              <a:endParaRPr lang="ko-KR" altLang="en-US" sz="1600" dirty="0">
+                <a:solidFill>
+                  <a:schemeClr val="tx1">
+                    <a:lumMod val="50000"/>
+                    <a:lumOff val="50000"/>
+                  </a:schemeClr>
+                </a:solidFill>
+                <a:latin typeface="한컴 윤고딕 250" pitchFamily="18" charset="-127"/>
+                <a:ea typeface="한컴 윤고딕 250" pitchFamily="18" charset="-127"/>
+              </a:endParaRPr>
+            </a:p>
+          </p:txBody>
+        </p:sp>
+        <p:cxnSp>
+          <p:nvCxnSpPr>
+            <p:cNvPr id="13" name="직선 연결선 12"/>
+            <p:cNvCxnSpPr/>
+            <p:nvPr/>
+          </p:nvCxnSpPr>
+          <p:spPr>
+            <a:xfrm>
+              <a:off x="1693422" y="929740"/>
+              <a:ext cx="1944216" cy="0"/>
+            </a:xfrm>
+            <a:prstGeom prst="line">
+              <a:avLst/>
+            </a:prstGeom>
+            <a:ln w="19050">
+              <a:solidFill>
+                <a:schemeClr val="bg1">
+                  <a:lumMod val="65000"/>
+                </a:schemeClr>
+              </a:solidFill>
+            </a:ln>
+          </p:spPr>
+          <p:style>
+            <a:lnRef idx="1">
+              <a:schemeClr val="accent1"/>
+            </a:lnRef>
+            <a:fillRef idx="0">
+              <a:schemeClr val="accent1"/>
+            </a:fillRef>
+            <a:effectRef idx="0">
+              <a:schemeClr val="accent1"/>
+            </a:effectRef>
+            <a:fontRef idx="minor">
+              <a:schemeClr val="tx1"/>
+            </a:fontRef>
+          </p:style>
+        </p:cxnSp>
+        <p:cxnSp>
+          <p:nvCxnSpPr>
+            <p:cNvPr id="14" name="직선 연결선 13"/>
+            <p:cNvCxnSpPr/>
+            <p:nvPr/>
+          </p:nvCxnSpPr>
+          <p:spPr>
+            <a:xfrm>
+              <a:off x="988894" y="1218345"/>
+              <a:ext cx="2376264" cy="0"/>
+            </a:xfrm>
+            <a:prstGeom prst="line">
+              <a:avLst/>
+            </a:prstGeom>
+            <a:ln w="19050">
+              <a:solidFill>
+                <a:schemeClr val="bg1">
+                  <a:lumMod val="65000"/>
+                </a:schemeClr>
+              </a:solidFill>
+            </a:ln>
+          </p:spPr>
+          <p:style>
+            <a:lnRef idx="1">
+              <a:schemeClr val="accent1"/>
+            </a:lnRef>
+            <a:fillRef idx="0">
+              <a:schemeClr val="accent1"/>
+            </a:fillRef>
+            <a:effectRef idx="0">
+              <a:schemeClr val="accent1"/>
+            </a:effectRef>
+            <a:fontRef idx="minor">
+              <a:schemeClr val="tx1"/>
+            </a:fontRef>
+          </p:style>
+        </p:cxnSp>
+      </p:grpSp>
     </p:spTree>
     <p:extLst>
       <p:ext uri="{BB962C8B-B14F-4D97-AF65-F5344CB8AC3E}">
-        <p14:creationId xmlns:p14="http://schemas.microsoft.com/office/powerpoint/2010/main" xmlns="" val="823508735"/>
+        <p14:creationId xmlns="" xmlns:p14="http://schemas.microsoft.com/office/powerpoint/2010/main" val="823508735"/>
+      </p:ext>
+    </p:extLst>
+  </p:cSld>
+  <p:clrMapOvr>
+    <a:masterClrMapping/>
+  </p:clrMapOvr>
+  <p:timing>
+    <p:tnLst>
+      <p:par>
+        <p:cTn id="1" dur="indefinite" restart="never" nodeType="tmRoot"/>
+      </p:par>
+    </p:tnLst>
+  </p:timing>
+</p:sld>
+</file>
+
+<file path=ppt/slides/slide13.xml><?xml version="1.0" encoding="utf-8"?>
+<p:sld xmlns:a="http://schemas.openxmlformats.org/drawingml/2006/main" xmlns:r="http://schemas.openxmlformats.org/officeDocument/2006/relationships" xmlns:p="http://schemas.openxmlformats.org/presentationml/2006/main">
+  <p:cSld>
+    <p:spTree>
+      <p:nvGrpSpPr>
+        <p:cNvPr id="1" name=""/>
+        <p:cNvGrpSpPr/>
+        <p:nvPr/>
+      </p:nvGrpSpPr>
+      <p:grpSpPr>
+        <a:xfrm>
+          <a:off x="0" y="0"/>
+          <a:ext cx="0" cy="0"/>
+          <a:chOff x="0" y="0"/>
+          <a:chExt cx="0" cy="0"/>
+        </a:xfrm>
+      </p:grpSpPr>
+      <p:grpSp>
+        <p:nvGrpSpPr>
+          <p:cNvPr id="2" name="그룹 38"/>
+          <p:cNvGrpSpPr/>
+          <p:nvPr/>
+        </p:nvGrpSpPr>
+        <p:grpSpPr>
+          <a:xfrm>
+            <a:off x="26636" y="1742752"/>
+            <a:ext cx="9852728" cy="4226244"/>
+            <a:chOff x="10365968" y="1742752"/>
+            <a:chExt cx="9852728" cy="4226244"/>
+          </a:xfrm>
+        </p:grpSpPr>
+        <p:pic>
+          <p:nvPicPr>
+            <p:cNvPr id="40" name="그림 39" descr="springframework.png"/>
+            <p:cNvPicPr>
+              <a:picLocks noChangeAspect="1"/>
+            </p:cNvPicPr>
+            <p:nvPr/>
+          </p:nvPicPr>
+          <p:blipFill>
+            <a:blip r:embed="rId3">
+              <a:duotone>
+                <a:schemeClr val="accent3">
+                  <a:shade val="45000"/>
+                  <a:satMod val="135000"/>
+                </a:schemeClr>
+                <a:prstClr val="white"/>
+              </a:duotone>
+            </a:blip>
+            <a:stretch>
+              <a:fillRect/>
+            </a:stretch>
+          </p:blipFill>
+          <p:spPr>
+            <a:xfrm>
+              <a:off x="10365968" y="1742753"/>
+              <a:ext cx="9838563" cy="4226243"/>
+            </a:xfrm>
+            <a:prstGeom prst="rect">
+              <a:avLst/>
+            </a:prstGeom>
+          </p:spPr>
+        </p:pic>
+        <p:sp>
+          <p:nvSpPr>
+            <p:cNvPr id="41" name="직사각형 40"/>
+            <p:cNvSpPr/>
+            <p:nvPr/>
+          </p:nvSpPr>
+          <p:spPr>
+            <a:xfrm>
+              <a:off x="13954000" y="1742752"/>
+              <a:ext cx="6264696" cy="4226243"/>
+            </a:xfrm>
+            <a:prstGeom prst="rect">
+              <a:avLst/>
+            </a:prstGeom>
+            <a:gradFill flip="none" rotWithShape="1">
+              <a:gsLst>
+                <a:gs pos="0">
+                  <a:schemeClr val="tx1">
+                    <a:lumMod val="85000"/>
+                    <a:lumOff val="15000"/>
+                    <a:alpha val="0"/>
+                  </a:schemeClr>
+                </a:gs>
+                <a:gs pos="70000">
+                  <a:schemeClr val="tx1">
+                    <a:lumMod val="85000"/>
+                    <a:lumOff val="15000"/>
+                    <a:alpha val="80000"/>
+                  </a:schemeClr>
+                </a:gs>
+                <a:gs pos="100000">
+                  <a:schemeClr val="tx1">
+                    <a:lumMod val="85000"/>
+                    <a:lumOff val="15000"/>
+                    <a:alpha val="90000"/>
+                  </a:schemeClr>
+                </a:gs>
+              </a:gsLst>
+              <a:lin ang="0" scaled="1"/>
+              <a:tileRect/>
+            </a:gradFill>
+            <a:ln>
+              <a:noFill/>
+            </a:ln>
+          </p:spPr>
+          <p:style>
+            <a:lnRef idx="2">
+              <a:schemeClr val="accent1">
+                <a:shade val="50000"/>
+              </a:schemeClr>
+            </a:lnRef>
+            <a:fillRef idx="1">
+              <a:schemeClr val="accent1"/>
+            </a:fillRef>
+            <a:effectRef idx="0">
+              <a:schemeClr val="accent1"/>
+            </a:effectRef>
+            <a:fontRef idx="minor">
+              <a:schemeClr val="lt1"/>
+            </a:fontRef>
+          </p:style>
+          <p:txBody>
+            <a:bodyPr rtlCol="0" anchor="ctr"/>
+            <a:lstStyle/>
+            <a:p>
+              <a:pPr algn="ctr"/>
+              <a:endParaRPr lang="ko-KR" altLang="en-US"/>
+            </a:p>
+          </p:txBody>
+        </p:sp>
+      </p:grpSp>
+      <p:grpSp>
+        <p:nvGrpSpPr>
+          <p:cNvPr id="6" name="그룹 1"/>
+          <p:cNvGrpSpPr/>
+          <p:nvPr/>
+        </p:nvGrpSpPr>
+        <p:grpSpPr>
+          <a:xfrm>
+            <a:off x="0" y="0"/>
+            <a:ext cx="9906000" cy="6970871"/>
+            <a:chOff x="0" y="0"/>
+            <a:chExt cx="9906000" cy="6970871"/>
+          </a:xfrm>
+        </p:grpSpPr>
+        <p:pic>
+          <p:nvPicPr>
+            <p:cNvPr id="2050" name="Picture 2" descr="C:\Users\USER\Desktop\2차 프로젝트(WEB)_4조\images\macbook_PNG36.png"/>
+            <p:cNvPicPr>
+              <a:picLocks noChangeAspect="1" noChangeArrowheads="1"/>
+            </p:cNvPicPr>
+            <p:nvPr/>
+          </p:nvPicPr>
+          <p:blipFill>
+            <a:blip r:embed="rId4"/>
+            <a:srcRect l="9199" r="9199"/>
+            <a:stretch>
+              <a:fillRect/>
+            </a:stretch>
+          </p:blipFill>
+          <p:spPr bwMode="auto">
+            <a:xfrm>
+              <a:off x="0" y="0"/>
+              <a:ext cx="9906000" cy="6970871"/>
+            </a:xfrm>
+            <a:prstGeom prst="rect">
+              <a:avLst/>
+            </a:prstGeom>
+            <a:noFill/>
+          </p:spPr>
+        </p:pic>
+        <p:sp>
+          <p:nvSpPr>
+            <p:cNvPr id="3" name="직사각형 2"/>
+            <p:cNvSpPr/>
+            <p:nvPr/>
+          </p:nvSpPr>
+          <p:spPr>
+            <a:xfrm>
+              <a:off x="0" y="0"/>
+              <a:ext cx="9906000" cy="6858000"/>
+            </a:xfrm>
+            <a:prstGeom prst="rect">
+              <a:avLst/>
+            </a:prstGeom>
+            <a:solidFill>
+              <a:schemeClr val="tx1">
+                <a:lumMod val="85000"/>
+                <a:lumOff val="15000"/>
+                <a:alpha val="40000"/>
+              </a:schemeClr>
+            </a:solidFill>
+            <a:ln>
+              <a:noFill/>
+            </a:ln>
+          </p:spPr>
+          <p:style>
+            <a:lnRef idx="2">
+              <a:schemeClr val="accent1">
+                <a:shade val="50000"/>
+              </a:schemeClr>
+            </a:lnRef>
+            <a:fillRef idx="1">
+              <a:schemeClr val="accent1"/>
+            </a:fillRef>
+            <a:effectRef idx="0">
+              <a:schemeClr val="accent1"/>
+            </a:effectRef>
+            <a:fontRef idx="minor">
+              <a:schemeClr val="lt1"/>
+            </a:fontRef>
+          </p:style>
+          <p:txBody>
+            <a:bodyPr rtlCol="0" anchor="ctr"/>
+            <a:lstStyle/>
+            <a:p>
+              <a:pPr algn="ctr"/>
+              <a:endParaRPr lang="ko-KR" altLang="en-US"/>
+            </a:p>
+          </p:txBody>
+        </p:sp>
+      </p:grpSp>
+      <p:grpSp>
+        <p:nvGrpSpPr>
+          <p:cNvPr id="7" name="그룹 58"/>
+          <p:cNvGrpSpPr/>
+          <p:nvPr/>
+        </p:nvGrpSpPr>
+        <p:grpSpPr>
+          <a:xfrm>
+            <a:off x="469097" y="1213678"/>
+            <a:ext cx="5222583" cy="400110"/>
+            <a:chOff x="469098" y="1285686"/>
+            <a:chExt cx="4843942" cy="400110"/>
+          </a:xfrm>
+        </p:grpSpPr>
+        <p:sp>
+          <p:nvSpPr>
+            <p:cNvPr id="60" name="TextBox 59"/>
+            <p:cNvSpPr txBox="1"/>
+            <p:nvPr/>
+          </p:nvSpPr>
+          <p:spPr>
+            <a:xfrm>
+              <a:off x="469098" y="1285686"/>
+              <a:ext cx="4843942" cy="400110"/>
+            </a:xfrm>
+            <a:prstGeom prst="rect">
+              <a:avLst/>
+            </a:prstGeom>
+            <a:noFill/>
+          </p:spPr>
+          <p:txBody>
+            <a:bodyPr wrap="square" rtlCol="0">
+              <a:spAutoFit/>
+            </a:bodyPr>
+            <a:lstStyle/>
+            <a:p>
+              <a:r>
+                <a:rPr lang="en-US" altLang="ko-KR" sz="2000" dirty="0" err="1" smtClean="0">
+                  <a:solidFill>
+                    <a:schemeClr val="bg1">
+                      <a:lumMod val="95000"/>
+                    </a:schemeClr>
+                  </a:solidFill>
+                  <a:latin typeface="한컴 윤고딕 250" pitchFamily="18" charset="-127"/>
+                  <a:ea typeface="한컴 윤고딕 250" pitchFamily="18" charset="-127"/>
+                </a:rPr>
+                <a:t>HandlerInterceptor</a:t>
+              </a:r>
+              <a:r>
+                <a:rPr lang="en-US" altLang="ko-KR" sz="2000" dirty="0" smtClean="0">
+                  <a:solidFill>
+                    <a:schemeClr val="bg1">
+                      <a:lumMod val="95000"/>
+                    </a:schemeClr>
+                  </a:solidFill>
+                  <a:latin typeface="한컴 윤고딕 250" pitchFamily="18" charset="-127"/>
+                  <a:ea typeface="한컴 윤고딕 250" pitchFamily="18" charset="-127"/>
+                </a:rPr>
+                <a:t> </a:t>
+              </a:r>
+              <a:r>
+                <a:rPr lang="ko-KR" altLang="en-US" sz="2000" dirty="0" smtClean="0">
+                  <a:solidFill>
+                    <a:schemeClr val="bg1">
+                      <a:lumMod val="95000"/>
+                    </a:schemeClr>
+                  </a:solidFill>
+                  <a:latin typeface="한컴 윤고딕 250" pitchFamily="18" charset="-127"/>
+                  <a:ea typeface="한컴 윤고딕 250" pitchFamily="18" charset="-127"/>
+                </a:rPr>
+                <a:t>사용 예제</a:t>
+              </a:r>
+              <a:endParaRPr lang="en-US" altLang="ko-KR" sz="2000" dirty="0" smtClean="0">
+                <a:solidFill>
+                  <a:schemeClr val="bg1">
+                    <a:lumMod val="95000"/>
+                  </a:schemeClr>
+                </a:solidFill>
+                <a:latin typeface="한컴 윤고딕 250" pitchFamily="18" charset="-127"/>
+                <a:ea typeface="한컴 윤고딕 250" pitchFamily="18" charset="-127"/>
+              </a:endParaRPr>
+            </a:p>
+          </p:txBody>
+        </p:sp>
+        <p:cxnSp>
+          <p:nvCxnSpPr>
+            <p:cNvPr id="65" name="직선 연결선 64"/>
+            <p:cNvCxnSpPr/>
+            <p:nvPr/>
+          </p:nvCxnSpPr>
+          <p:spPr>
+            <a:xfrm>
+              <a:off x="577204" y="1685796"/>
+              <a:ext cx="3739677" cy="0"/>
+            </a:xfrm>
+            <a:prstGeom prst="line">
+              <a:avLst/>
+            </a:prstGeom>
+            <a:ln w="19050">
+              <a:solidFill>
+                <a:schemeClr val="bg1">
+                  <a:lumMod val="75000"/>
+                </a:schemeClr>
+              </a:solidFill>
+            </a:ln>
+          </p:spPr>
+          <p:style>
+            <a:lnRef idx="1">
+              <a:schemeClr val="accent1"/>
+            </a:lnRef>
+            <a:fillRef idx="0">
+              <a:schemeClr val="accent1"/>
+            </a:fillRef>
+            <a:effectRef idx="0">
+              <a:schemeClr val="accent1"/>
+            </a:effectRef>
+            <a:fontRef idx="minor">
+              <a:schemeClr val="tx1"/>
+            </a:fontRef>
+          </p:style>
+        </p:cxnSp>
+      </p:grpSp>
+      <p:sp>
+        <p:nvSpPr>
+          <p:cNvPr id="25" name="TextBox 24"/>
+          <p:cNvSpPr txBox="1"/>
+          <p:nvPr/>
+        </p:nvSpPr>
+        <p:spPr>
+          <a:xfrm>
+            <a:off x="704528" y="1693659"/>
+            <a:ext cx="4677100" cy="369332"/>
+          </a:xfrm>
+          <a:prstGeom prst="rect">
+            <a:avLst/>
+          </a:prstGeom>
+          <a:noFill/>
+        </p:spPr>
+        <p:txBody>
+          <a:bodyPr wrap="square" rtlCol="0" anchor="ctr" anchorCtr="0">
+            <a:spAutoFit/>
+          </a:bodyPr>
+          <a:lstStyle/>
+          <a:p>
+            <a:r>
+              <a:rPr lang="en-US" altLang="ko-KR" dirty="0" smtClean="0">
+                <a:solidFill>
+                  <a:schemeClr val="bg1">
+                    <a:lumMod val="95000"/>
+                  </a:schemeClr>
+                </a:solidFill>
+                <a:latin typeface="한컴 윤고딕 250" pitchFamily="18" charset="-127"/>
+                <a:ea typeface="한컴 윤고딕 250" pitchFamily="18" charset="-127"/>
+              </a:rPr>
+              <a:t>#</a:t>
+            </a:r>
+            <a:r>
+              <a:rPr lang="ko-KR" altLang="en-US" dirty="0" smtClean="0">
+                <a:solidFill>
+                  <a:schemeClr val="bg1">
+                    <a:lumMod val="95000"/>
+                  </a:schemeClr>
+                </a:solidFill>
+                <a:latin typeface="한컴 윤고딕 250" pitchFamily="18" charset="-127"/>
+                <a:ea typeface="한컴 윤고딕 250" pitchFamily="18" charset="-127"/>
+              </a:rPr>
+              <a:t> </a:t>
+            </a:r>
+            <a:r>
+              <a:rPr lang="en-US" altLang="ko-KR" dirty="0" smtClean="0">
+                <a:solidFill>
+                  <a:schemeClr val="bg1">
+                    <a:lumMod val="95000"/>
+                  </a:schemeClr>
+                </a:solidFill>
+                <a:latin typeface="한컴 윤고딕 250" pitchFamily="18" charset="-127"/>
+                <a:ea typeface="한컴 윤고딕 250" pitchFamily="18" charset="-127"/>
+              </a:rPr>
+              <a:t>Console(</a:t>
+            </a:r>
+            <a:r>
+              <a:rPr lang="en-US" altLang="ko-KR" dirty="0" err="1" smtClean="0">
+                <a:solidFill>
+                  <a:schemeClr val="bg1">
+                    <a:lumMod val="95000"/>
+                  </a:schemeClr>
+                </a:solidFill>
+                <a:latin typeface="한컴 윤고딕 250" pitchFamily="18" charset="-127"/>
+                <a:ea typeface="한컴 윤고딕 250" pitchFamily="18" charset="-127"/>
+              </a:rPr>
+              <a:t>XmlViewResolver</a:t>
+            </a:r>
+            <a:r>
+              <a:rPr lang="en-US" altLang="ko-KR" dirty="0" smtClean="0">
+                <a:solidFill>
+                  <a:schemeClr val="bg1">
+                    <a:lumMod val="95000"/>
+                  </a:schemeClr>
+                </a:solidFill>
+                <a:latin typeface="한컴 윤고딕 250" pitchFamily="18" charset="-127"/>
+                <a:ea typeface="한컴 윤고딕 250" pitchFamily="18" charset="-127"/>
+              </a:rPr>
+              <a:t> </a:t>
+            </a:r>
+            <a:r>
+              <a:rPr lang="ko-KR" altLang="en-US" dirty="0" smtClean="0">
+                <a:solidFill>
+                  <a:schemeClr val="bg1">
+                    <a:lumMod val="95000"/>
+                  </a:schemeClr>
+                </a:solidFill>
+                <a:latin typeface="한컴 윤고딕 250" pitchFamily="18" charset="-127"/>
+                <a:ea typeface="한컴 윤고딕 250" pitchFamily="18" charset="-127"/>
+              </a:rPr>
+              <a:t>비교</a:t>
+            </a:r>
+            <a:r>
+              <a:rPr lang="en-US" altLang="ko-KR" dirty="0" smtClean="0">
+                <a:solidFill>
+                  <a:schemeClr val="bg1">
+                    <a:lumMod val="95000"/>
+                  </a:schemeClr>
+                </a:solidFill>
+                <a:latin typeface="한컴 윤고딕 250" pitchFamily="18" charset="-127"/>
+                <a:ea typeface="한컴 윤고딕 250" pitchFamily="18" charset="-127"/>
+              </a:rPr>
+              <a:t>)</a:t>
+            </a:r>
+            <a:endParaRPr lang="en-US" altLang="ko-KR" dirty="0" smtClean="0">
+              <a:solidFill>
+                <a:schemeClr val="bg1">
+                  <a:lumMod val="95000"/>
+                </a:schemeClr>
+              </a:solidFill>
+              <a:latin typeface="한컴 윤고딕 250" pitchFamily="18" charset="-127"/>
+              <a:ea typeface="한컴 윤고딕 250" pitchFamily="18" charset="-127"/>
+            </a:endParaRPr>
+          </a:p>
+        </p:txBody>
+      </p:sp>
+      <p:cxnSp>
+        <p:nvCxnSpPr>
+          <p:cNvPr id="26" name="직선 연결선 25"/>
+          <p:cNvCxnSpPr/>
+          <p:nvPr/>
+        </p:nvCxnSpPr>
+        <p:spPr>
+          <a:xfrm>
+            <a:off x="789926" y="2027646"/>
+            <a:ext cx="4428000" cy="0"/>
+          </a:xfrm>
+          <a:prstGeom prst="line">
+            <a:avLst/>
+          </a:prstGeom>
+          <a:ln w="19050">
+            <a:solidFill>
+              <a:schemeClr val="bg1">
+                <a:lumMod val="75000"/>
+              </a:schemeClr>
+            </a:solidFill>
+          </a:ln>
+        </p:spPr>
+        <p:style>
+          <a:lnRef idx="1">
+            <a:schemeClr val="accent1"/>
+          </a:lnRef>
+          <a:fillRef idx="0">
+            <a:schemeClr val="accent1"/>
+          </a:fillRef>
+          <a:effectRef idx="0">
+            <a:schemeClr val="accent1"/>
+          </a:effectRef>
+          <a:fontRef idx="minor">
+            <a:schemeClr val="tx1"/>
+          </a:fontRef>
+        </p:style>
+      </p:cxnSp>
+      <p:grpSp>
+        <p:nvGrpSpPr>
+          <p:cNvPr id="8" name="그룹 43"/>
+          <p:cNvGrpSpPr/>
+          <p:nvPr/>
+        </p:nvGrpSpPr>
+        <p:grpSpPr>
+          <a:xfrm>
+            <a:off x="5851866" y="641157"/>
+            <a:ext cx="4357718" cy="613925"/>
+            <a:chOff x="0" y="641157"/>
+            <a:chExt cx="4357718" cy="613925"/>
+          </a:xfrm>
+        </p:grpSpPr>
+        <p:sp>
+          <p:nvSpPr>
+            <p:cNvPr id="4" name="TextBox 3"/>
+            <p:cNvSpPr txBox="1"/>
+            <p:nvPr/>
+          </p:nvSpPr>
+          <p:spPr>
+            <a:xfrm>
+              <a:off x="1643074" y="641157"/>
+              <a:ext cx="2714644" cy="307777"/>
+            </a:xfrm>
+            <a:prstGeom prst="rect">
+              <a:avLst/>
+            </a:prstGeom>
+            <a:noFill/>
+            <a:ln>
+              <a:noFill/>
+            </a:ln>
+          </p:spPr>
+          <p:txBody>
+            <a:bodyPr wrap="square" rtlCol="0">
+              <a:spAutoFit/>
+            </a:bodyPr>
+            <a:lstStyle/>
+            <a:p>
+              <a:r>
+                <a:rPr lang="en-US" altLang="ko-KR" sz="1400" dirty="0" err="1" smtClean="0">
+                  <a:solidFill>
+                    <a:schemeClr val="tx1">
+                      <a:lumMod val="50000"/>
+                      <a:lumOff val="50000"/>
+                    </a:schemeClr>
+                  </a:solidFill>
+                  <a:latin typeface="한컴 윤고딕 250" pitchFamily="18" charset="-127"/>
+                  <a:ea typeface="한컴 윤고딕 250" pitchFamily="18" charset="-127"/>
+                </a:rPr>
+                <a:t>SpringFramework</a:t>
+              </a:r>
+              <a:endParaRPr lang="en-US" altLang="ko-KR" sz="1400" dirty="0" smtClean="0">
+                <a:solidFill>
+                  <a:schemeClr val="tx1">
+                    <a:lumMod val="50000"/>
+                    <a:lumOff val="50000"/>
+                  </a:schemeClr>
+                </a:solidFill>
+                <a:latin typeface="한컴 윤고딕 250" pitchFamily="18" charset="-127"/>
+                <a:ea typeface="한컴 윤고딕 250" pitchFamily="18" charset="-127"/>
+              </a:endParaRPr>
+            </a:p>
+          </p:txBody>
+        </p:sp>
+        <p:sp>
+          <p:nvSpPr>
+            <p:cNvPr id="5" name="TextBox 4"/>
+            <p:cNvSpPr txBox="1"/>
+            <p:nvPr/>
+          </p:nvSpPr>
+          <p:spPr>
+            <a:xfrm>
+              <a:off x="0" y="916528"/>
+              <a:ext cx="4357718" cy="338554"/>
+            </a:xfrm>
+            <a:prstGeom prst="rect">
+              <a:avLst/>
+            </a:prstGeom>
+            <a:noFill/>
+            <a:ln>
+              <a:noFill/>
+            </a:ln>
+          </p:spPr>
+          <p:txBody>
+            <a:bodyPr wrap="square" rtlCol="0">
+              <a:spAutoFit/>
+            </a:bodyPr>
+            <a:lstStyle/>
+            <a:p>
+              <a:pPr algn="ctr"/>
+              <a:r>
+                <a:rPr lang="en-US" altLang="ko-KR" sz="1600" dirty="0" err="1" smtClean="0">
+                  <a:solidFill>
+                    <a:schemeClr val="tx1">
+                      <a:lumMod val="50000"/>
+                      <a:lumOff val="50000"/>
+                    </a:schemeClr>
+                  </a:solidFill>
+                  <a:latin typeface="한컴 윤고딕 250" pitchFamily="18" charset="-127"/>
+                  <a:ea typeface="한컴 윤고딕 250" pitchFamily="18" charset="-127"/>
+                </a:rPr>
+                <a:t>HandlerInterceptor</a:t>
+              </a:r>
+              <a:endParaRPr lang="ko-KR" altLang="en-US" sz="1600" dirty="0">
+                <a:solidFill>
+                  <a:schemeClr val="tx1">
+                    <a:lumMod val="50000"/>
+                    <a:lumOff val="50000"/>
+                  </a:schemeClr>
+                </a:solidFill>
+                <a:latin typeface="한컴 윤고딕 250" pitchFamily="18" charset="-127"/>
+                <a:ea typeface="한컴 윤고딕 250" pitchFamily="18" charset="-127"/>
+              </a:endParaRPr>
+            </a:p>
+          </p:txBody>
+        </p:sp>
+        <p:cxnSp>
+          <p:nvCxnSpPr>
+            <p:cNvPr id="13" name="직선 연결선 12"/>
+            <p:cNvCxnSpPr/>
+            <p:nvPr/>
+          </p:nvCxnSpPr>
+          <p:spPr>
+            <a:xfrm>
+              <a:off x="1693422" y="929740"/>
+              <a:ext cx="1944216" cy="0"/>
+            </a:xfrm>
+            <a:prstGeom prst="line">
+              <a:avLst/>
+            </a:prstGeom>
+            <a:ln w="19050">
+              <a:solidFill>
+                <a:schemeClr val="bg1">
+                  <a:lumMod val="65000"/>
+                </a:schemeClr>
+              </a:solidFill>
+            </a:ln>
+          </p:spPr>
+          <p:style>
+            <a:lnRef idx="1">
+              <a:schemeClr val="accent1"/>
+            </a:lnRef>
+            <a:fillRef idx="0">
+              <a:schemeClr val="accent1"/>
+            </a:fillRef>
+            <a:effectRef idx="0">
+              <a:schemeClr val="accent1"/>
+            </a:effectRef>
+            <a:fontRef idx="minor">
+              <a:schemeClr val="tx1"/>
+            </a:fontRef>
+          </p:style>
+        </p:cxnSp>
+        <p:cxnSp>
+          <p:nvCxnSpPr>
+            <p:cNvPr id="14" name="직선 연결선 13"/>
+            <p:cNvCxnSpPr/>
+            <p:nvPr/>
+          </p:nvCxnSpPr>
+          <p:spPr>
+            <a:xfrm>
+              <a:off x="988894" y="1218345"/>
+              <a:ext cx="2376264" cy="0"/>
+            </a:xfrm>
+            <a:prstGeom prst="line">
+              <a:avLst/>
+            </a:prstGeom>
+            <a:ln w="19050">
+              <a:solidFill>
+                <a:schemeClr val="bg1">
+                  <a:lumMod val="65000"/>
+                </a:schemeClr>
+              </a:solidFill>
+            </a:ln>
+          </p:spPr>
+          <p:style>
+            <a:lnRef idx="1">
+              <a:schemeClr val="accent1"/>
+            </a:lnRef>
+            <a:fillRef idx="0">
+              <a:schemeClr val="accent1"/>
+            </a:fillRef>
+            <a:effectRef idx="0">
+              <a:schemeClr val="accent1"/>
+            </a:effectRef>
+            <a:fontRef idx="minor">
+              <a:schemeClr val="tx1"/>
+            </a:fontRef>
+          </p:style>
+        </p:cxnSp>
+      </p:grpSp>
+      <p:pic>
+        <p:nvPicPr>
+          <p:cNvPr id="9" name="Picture 2"/>
+          <p:cNvPicPr>
+            <a:picLocks noChangeAspect="1" noChangeArrowheads="1"/>
+          </p:cNvPicPr>
+          <p:nvPr/>
+        </p:nvPicPr>
+        <p:blipFill>
+          <a:blip r:embed="rId5"/>
+          <a:srcRect/>
+          <a:stretch>
+            <a:fillRect/>
+          </a:stretch>
+        </p:blipFill>
+        <p:spPr bwMode="auto">
+          <a:xfrm>
+            <a:off x="1181100" y="2138380"/>
+            <a:ext cx="7543800" cy="3790950"/>
+          </a:xfrm>
+          <a:prstGeom prst="rect">
+            <a:avLst/>
+          </a:prstGeom>
+          <a:noFill/>
+          <a:ln w="9525">
+            <a:noFill/>
+            <a:miter lim="800000"/>
+            <a:headEnd/>
+            <a:tailEnd/>
+          </a:ln>
+          <a:effectLst/>
+        </p:spPr>
+      </p:pic>
+    </p:spTree>
+    <p:extLst>
+      <p:ext uri="{BB962C8B-B14F-4D97-AF65-F5344CB8AC3E}">
+        <p14:creationId xmlns="" xmlns:p14="http://schemas.microsoft.com/office/powerpoint/2010/main" val="823508735"/>
       </p:ext>
     </p:extLst>
   </p:cSld>
@@ -9140,7 +10653,7 @@
             <a:blip r:embed="rId4">
               <a:extLst>
                 <a:ext uri="{28A0092B-C50C-407E-A947-70E740481C1C}">
-                  <a14:useLocalDpi xmlns:a14="http://schemas.microsoft.com/office/drawing/2010/main" xmlns="" val="0"/>
+                  <a14:useLocalDpi xmlns="" xmlns:a14="http://schemas.microsoft.com/office/drawing/2010/main" val="0"/>
                 </a:ext>
               </a:extLst>
             </a:blip>
@@ -9170,7 +10683,7 @@
             <a:blip r:embed="rId5">
               <a:extLst>
                 <a:ext uri="{28A0092B-C50C-407E-A947-70E740481C1C}">
-                  <a14:useLocalDpi xmlns:a14="http://schemas.microsoft.com/office/drawing/2010/main" xmlns="" val="0"/>
+                  <a14:useLocalDpi xmlns="" xmlns:a14="http://schemas.microsoft.com/office/drawing/2010/main" val="0"/>
                 </a:ext>
               </a:extLst>
             </a:blip>
@@ -10195,7 +11708,7 @@
     </p:spTree>
     <p:extLst>
       <p:ext uri="{BB962C8B-B14F-4D97-AF65-F5344CB8AC3E}">
-        <p14:creationId xmlns:p14="http://schemas.microsoft.com/office/powerpoint/2010/main" xmlns="" val="1595481233"/>
+        <p14:creationId xmlns="" xmlns:p14="http://schemas.microsoft.com/office/powerpoint/2010/main" val="1595481233"/>
       </p:ext>
     </p:extLst>
   </p:cSld>
@@ -10374,7 +11887,7 @@
             <a:blip r:embed="rId4">
               <a:extLst>
                 <a:ext uri="{28A0092B-C50C-407E-A947-70E740481C1C}">
-                  <a14:useLocalDpi xmlns:a14="http://schemas.microsoft.com/office/drawing/2010/main" xmlns="" val="0"/>
+                  <a14:useLocalDpi xmlns="" xmlns:a14="http://schemas.microsoft.com/office/drawing/2010/main" val="0"/>
                 </a:ext>
               </a:extLst>
             </a:blip>
@@ -10404,7 +11917,7 @@
             <a:blip r:embed="rId5">
               <a:extLst>
                 <a:ext uri="{28A0092B-C50C-407E-A947-70E740481C1C}">
-                  <a14:useLocalDpi xmlns:a14="http://schemas.microsoft.com/office/drawing/2010/main" xmlns="" val="0"/>
+                  <a14:useLocalDpi xmlns="" xmlns:a14="http://schemas.microsoft.com/office/drawing/2010/main" val="0"/>
                 </a:ext>
               </a:extLst>
             </a:blip>
@@ -11836,7 +13349,7 @@
     </p:spTree>
     <p:extLst>
       <p:ext uri="{BB962C8B-B14F-4D97-AF65-F5344CB8AC3E}">
-        <p14:creationId xmlns:p14="http://schemas.microsoft.com/office/powerpoint/2010/main" xmlns="" val="1016083968"/>
+        <p14:creationId xmlns="" xmlns:p14="http://schemas.microsoft.com/office/powerpoint/2010/main" val="1016083968"/>
       </p:ext>
     </p:extLst>
   </p:cSld>
@@ -13613,7 +15126,7 @@
     </p:spTree>
     <p:extLst>
       <p:ext uri="{BB962C8B-B14F-4D97-AF65-F5344CB8AC3E}">
-        <p14:creationId xmlns:p14="http://schemas.microsoft.com/office/powerpoint/2010/main" xmlns="" val="1843104547"/>
+        <p14:creationId xmlns="" xmlns:p14="http://schemas.microsoft.com/office/powerpoint/2010/main" val="1843104547"/>
       </p:ext>
     </p:extLst>
   </p:cSld>
@@ -13797,15 +15310,7 @@
                   <a:srgbClr val="999999"/>
                 </a:solidFill>
               </a:rPr>
-              <a:t>	&lt;!-- </a:t>
-            </a:r>
-            <a:r>
-              <a:rPr lang="en-US" sz="1400" dirty="0" smtClean="0">
-                <a:solidFill>
-                  <a:srgbClr val="999999"/>
-                </a:solidFill>
-              </a:rPr>
-              <a:t>interceptors --&gt;</a:t>
+              <a:t>	&lt;!-- interceptors --&gt;</a:t>
             </a:r>
             <a:endParaRPr lang="en-US" sz="1400" dirty="0" smtClean="0"/>
           </a:p>
@@ -14041,15 +15546,7 @@
                   <a:srgbClr val="999999"/>
                 </a:solidFill>
               </a:rPr>
-              <a:t>	&lt;!-- </a:t>
-            </a:r>
-            <a:r>
-              <a:rPr lang="en-US" sz="1400" dirty="0" smtClean="0">
-                <a:solidFill>
-                  <a:srgbClr val="999999"/>
-                </a:solidFill>
-              </a:rPr>
-              <a:t>JSP UI JSTL LIB --&gt;</a:t>
+              <a:t>	&lt;!-- JSP UI JSTL LIB --&gt;</a:t>
             </a:r>
             <a:endParaRPr lang="en-US" sz="1400" dirty="0" smtClean="0"/>
           </a:p>
@@ -14712,31 +16209,7 @@
                 <a:latin typeface="한컴 윤고딕 250" pitchFamily="18" charset="-127"/>
                 <a:ea typeface="한컴 윤고딕 250" pitchFamily="18" charset="-127"/>
               </a:rPr>
-              <a:t>#</a:t>
-            </a:r>
-            <a:r>
-              <a:rPr lang="en-US" altLang="ko-KR" dirty="0" smtClean="0">
-                <a:solidFill>
-                  <a:schemeClr val="bg1">
-                    <a:lumMod val="95000"/>
-                  </a:schemeClr>
-                </a:solidFill>
-                <a:latin typeface="한컴 윤고딕 250" pitchFamily="18" charset="-127"/>
-                <a:ea typeface="한컴 윤고딕 250" pitchFamily="18" charset="-127"/>
-              </a:rPr>
-              <a:t> </a:t>
-            </a:r>
-            <a:r>
-              <a:rPr lang="en-US" altLang="ko-KR" dirty="0" smtClean="0">
-                <a:solidFill>
-                  <a:schemeClr val="bg1">
-                    <a:lumMod val="95000"/>
-                  </a:schemeClr>
-                </a:solidFill>
-                <a:latin typeface="한컴 윤고딕 250" pitchFamily="18" charset="-127"/>
-                <a:ea typeface="한컴 윤고딕 250" pitchFamily="18" charset="-127"/>
-              </a:rPr>
-              <a:t>pom.xml </a:t>
+              <a:t># pom.xml </a:t>
             </a:r>
             <a:r>
               <a:rPr lang="ko-KR" altLang="en-US" dirty="0" smtClean="0">
@@ -14802,7 +16275,7 @@
     </p:spTree>
     <p:extLst>
       <p:ext uri="{BB962C8B-B14F-4D97-AF65-F5344CB8AC3E}">
-        <p14:creationId xmlns:p14="http://schemas.microsoft.com/office/powerpoint/2010/main" xmlns="" val="823508735"/>
+        <p14:creationId xmlns="" xmlns:p14="http://schemas.microsoft.com/office/powerpoint/2010/main" val="823508735"/>
       </p:ext>
     </p:extLst>
   </p:cSld>
@@ -14820,1250 +16293,6 @@
 </file>
 
 <file path=ppt/slides/slide7.xml><?xml version="1.0" encoding="utf-8"?>
-<p:sld xmlns:a="http://schemas.openxmlformats.org/drawingml/2006/main" xmlns:r="http://schemas.openxmlformats.org/officeDocument/2006/relationships" xmlns:p="http://schemas.openxmlformats.org/presentationml/2006/main">
-  <p:cSld>
-    <p:spTree>
-      <p:nvGrpSpPr>
-        <p:cNvPr id="1" name=""/>
-        <p:cNvGrpSpPr/>
-        <p:nvPr/>
-      </p:nvGrpSpPr>
-      <p:grpSpPr>
-        <a:xfrm>
-          <a:off x="0" y="0"/>
-          <a:ext cx="0" cy="0"/>
-          <a:chOff x="0" y="0"/>
-          <a:chExt cx="0" cy="0"/>
-        </a:xfrm>
-      </p:grpSpPr>
-      <p:grpSp>
-        <p:nvGrpSpPr>
-          <p:cNvPr id="2" name="그룹 38"/>
-          <p:cNvGrpSpPr/>
-          <p:nvPr/>
-        </p:nvGrpSpPr>
-        <p:grpSpPr>
-          <a:xfrm>
-            <a:off x="26636" y="1742752"/>
-            <a:ext cx="9852728" cy="4226244"/>
-            <a:chOff x="10365968" y="1742752"/>
-            <a:chExt cx="9852728" cy="4226244"/>
-          </a:xfrm>
-        </p:grpSpPr>
-        <p:pic>
-          <p:nvPicPr>
-            <p:cNvPr id="40" name="그림 39" descr="springframework.png"/>
-            <p:cNvPicPr>
-              <a:picLocks noChangeAspect="1"/>
-            </p:cNvPicPr>
-            <p:nvPr/>
-          </p:nvPicPr>
-          <p:blipFill>
-            <a:blip r:embed="rId3">
-              <a:duotone>
-                <a:schemeClr val="accent3">
-                  <a:shade val="45000"/>
-                  <a:satMod val="135000"/>
-                </a:schemeClr>
-                <a:prstClr val="white"/>
-              </a:duotone>
-            </a:blip>
-            <a:stretch>
-              <a:fillRect/>
-            </a:stretch>
-          </p:blipFill>
-          <p:spPr>
-            <a:xfrm>
-              <a:off x="10365968" y="1742753"/>
-              <a:ext cx="9838563" cy="4226243"/>
-            </a:xfrm>
-            <a:prstGeom prst="rect">
-              <a:avLst/>
-            </a:prstGeom>
-          </p:spPr>
-        </p:pic>
-        <p:sp>
-          <p:nvSpPr>
-            <p:cNvPr id="41" name="직사각형 40"/>
-            <p:cNvSpPr/>
-            <p:nvPr/>
-          </p:nvSpPr>
-          <p:spPr>
-            <a:xfrm>
-              <a:off x="13954000" y="1742752"/>
-              <a:ext cx="6264696" cy="4226243"/>
-            </a:xfrm>
-            <a:prstGeom prst="rect">
-              <a:avLst/>
-            </a:prstGeom>
-            <a:gradFill flip="none" rotWithShape="1">
-              <a:gsLst>
-                <a:gs pos="0">
-                  <a:schemeClr val="tx1">
-                    <a:lumMod val="85000"/>
-                    <a:lumOff val="15000"/>
-                    <a:alpha val="0"/>
-                  </a:schemeClr>
-                </a:gs>
-                <a:gs pos="70000">
-                  <a:schemeClr val="tx1">
-                    <a:lumMod val="85000"/>
-                    <a:lumOff val="15000"/>
-                    <a:alpha val="80000"/>
-                  </a:schemeClr>
-                </a:gs>
-                <a:gs pos="100000">
-                  <a:schemeClr val="tx1">
-                    <a:lumMod val="85000"/>
-                    <a:lumOff val="15000"/>
-                    <a:alpha val="90000"/>
-                  </a:schemeClr>
-                </a:gs>
-              </a:gsLst>
-              <a:lin ang="0" scaled="1"/>
-              <a:tileRect/>
-            </a:gradFill>
-            <a:ln>
-              <a:noFill/>
-            </a:ln>
-          </p:spPr>
-          <p:style>
-            <a:lnRef idx="2">
-              <a:schemeClr val="accent1">
-                <a:shade val="50000"/>
-              </a:schemeClr>
-            </a:lnRef>
-            <a:fillRef idx="1">
-              <a:schemeClr val="accent1"/>
-            </a:fillRef>
-            <a:effectRef idx="0">
-              <a:schemeClr val="accent1"/>
-            </a:effectRef>
-            <a:fontRef idx="minor">
-              <a:schemeClr val="lt1"/>
-            </a:fontRef>
-          </p:style>
-          <p:txBody>
-            <a:bodyPr rtlCol="0" anchor="ctr"/>
-            <a:lstStyle/>
-            <a:p>
-              <a:pPr algn="ctr"/>
-              <a:endParaRPr lang="ko-KR" altLang="en-US"/>
-            </a:p>
-          </p:txBody>
-        </p:sp>
-      </p:grpSp>
-      <p:sp>
-        <p:nvSpPr>
-          <p:cNvPr id="19" name="TextBox 18"/>
-          <p:cNvSpPr txBox="1"/>
-          <p:nvPr/>
-        </p:nvSpPr>
-        <p:spPr>
-          <a:xfrm>
-            <a:off x="309530" y="2214554"/>
-            <a:ext cx="9254468" cy="2893100"/>
-          </a:xfrm>
-          <a:prstGeom prst="rect">
-            <a:avLst/>
-          </a:prstGeom>
-          <a:solidFill>
-            <a:schemeClr val="bg1">
-              <a:lumMod val="95000"/>
-            </a:schemeClr>
-          </a:solidFill>
-        </p:spPr>
-        <p:txBody>
-          <a:bodyPr wrap="square" rtlCol="0" anchor="ctr">
-            <a:spAutoFit/>
-          </a:bodyPr>
-          <a:lstStyle/>
-          <a:p>
-            <a:pPr lvl="1" latinLnBrk="0"/>
-            <a:r>
-              <a:rPr lang="en-US" sz="1400" dirty="0" smtClean="0">
-                <a:solidFill>
-                  <a:srgbClr val="999999"/>
-                </a:solidFill>
-              </a:rPr>
-              <a:t>&lt;!-- </a:t>
-            </a:r>
-            <a:r>
-              <a:rPr lang="en-US" sz="1400" dirty="0" err="1" smtClean="0">
-                <a:solidFill>
-                  <a:srgbClr val="999999"/>
-                </a:solidFill>
-              </a:rPr>
-              <a:t>HandlerInterceptor</a:t>
-            </a:r>
-            <a:r>
-              <a:rPr lang="en-US" sz="1400" dirty="0" smtClean="0">
-                <a:solidFill>
-                  <a:srgbClr val="999999"/>
-                </a:solidFill>
-              </a:rPr>
-              <a:t> </a:t>
-            </a:r>
-            <a:r>
-              <a:rPr lang="ko-KR" altLang="en-US" sz="1400" dirty="0" smtClean="0">
-                <a:solidFill>
-                  <a:srgbClr val="999999"/>
-                </a:solidFill>
-              </a:rPr>
-              <a:t>설정 </a:t>
-            </a:r>
-            <a:r>
-              <a:rPr lang="en-US" altLang="ko-KR" sz="1400" dirty="0" smtClean="0">
-                <a:solidFill>
-                  <a:srgbClr val="999999"/>
-                </a:solidFill>
-              </a:rPr>
-              <a:t>--&gt;</a:t>
-            </a:r>
-            <a:endParaRPr lang="ko-KR" altLang="en-US" sz="1400" dirty="0" smtClean="0"/>
-          </a:p>
-          <a:p>
-            <a:pPr lvl="1" latinLnBrk="0"/>
-            <a:r>
-              <a:rPr lang="en-US" altLang="ko-KR" sz="1400" dirty="0" smtClean="0">
-                <a:solidFill>
-                  <a:srgbClr val="010101"/>
-                </a:solidFill>
-              </a:rPr>
-              <a:t>&lt;</a:t>
-            </a:r>
-            <a:r>
-              <a:rPr lang="en-US" sz="1400" dirty="0" err="1" smtClean="0">
-                <a:solidFill>
-                  <a:srgbClr val="066DE2"/>
-                </a:solidFill>
-              </a:rPr>
-              <a:t>mvc:interceptors</a:t>
-            </a:r>
-            <a:r>
-              <a:rPr lang="en-US" sz="1400" dirty="0" smtClean="0">
-                <a:solidFill>
-                  <a:srgbClr val="010101"/>
-                </a:solidFill>
-              </a:rPr>
-              <a:t>&gt;</a:t>
-            </a:r>
-            <a:endParaRPr lang="en-US" sz="1400" dirty="0" smtClean="0"/>
-          </a:p>
-          <a:p>
-            <a:pPr lvl="2" latinLnBrk="0"/>
-            <a:r>
-              <a:rPr lang="en-US" sz="1400" dirty="0" smtClean="0">
-                <a:solidFill>
-                  <a:srgbClr val="010101"/>
-                </a:solidFill>
-              </a:rPr>
-              <a:t>&lt;</a:t>
-            </a:r>
-            <a:r>
-              <a:rPr lang="en-US" sz="1400" dirty="0" err="1" smtClean="0">
-                <a:solidFill>
-                  <a:srgbClr val="066DE2"/>
-                </a:solidFill>
-              </a:rPr>
-              <a:t>mvc:interceptor</a:t>
-            </a:r>
-            <a:r>
-              <a:rPr lang="en-US" sz="1400" dirty="0" smtClean="0">
-                <a:solidFill>
-                  <a:srgbClr val="010101"/>
-                </a:solidFill>
-              </a:rPr>
-              <a:t>&gt;</a:t>
-            </a:r>
-            <a:endParaRPr lang="en-US" sz="1400" dirty="0" smtClean="0"/>
-          </a:p>
-          <a:p>
-            <a:pPr lvl="3" latinLnBrk="0"/>
-            <a:r>
-              <a:rPr lang="en-US" sz="1400" dirty="0" smtClean="0">
-                <a:solidFill>
-                  <a:srgbClr val="010101"/>
-                </a:solidFill>
-              </a:rPr>
-              <a:t>&lt;</a:t>
-            </a:r>
-            <a:r>
-              <a:rPr lang="en-US" sz="1400" dirty="0" err="1" smtClean="0">
-                <a:solidFill>
-                  <a:srgbClr val="066DE2"/>
-                </a:solidFill>
-              </a:rPr>
-              <a:t>mvc:mapping</a:t>
-            </a:r>
-            <a:r>
-              <a:rPr lang="en-US" sz="1400" dirty="0" smtClean="0"/>
-              <a:t> </a:t>
-            </a:r>
-            <a:r>
-              <a:rPr lang="en-US" sz="1400" dirty="0" smtClean="0">
-                <a:solidFill>
-                  <a:srgbClr val="0A9989"/>
-                </a:solidFill>
-              </a:rPr>
-              <a:t>path</a:t>
-            </a:r>
-            <a:r>
-              <a:rPr lang="en-US" sz="1400" dirty="0" smtClean="0"/>
-              <a:t>=</a:t>
-            </a:r>
-            <a:r>
-              <a:rPr lang="en-US" sz="1400" dirty="0" smtClean="0">
-                <a:solidFill>
-                  <a:srgbClr val="DF5000"/>
-                </a:solidFill>
-              </a:rPr>
-              <a:t>"/**"</a:t>
-            </a:r>
-            <a:r>
-              <a:rPr lang="en-US" sz="1400" dirty="0" smtClean="0"/>
-              <a:t> </a:t>
-            </a:r>
-            <a:r>
-              <a:rPr lang="en-US" sz="1400" dirty="0" smtClean="0">
-                <a:solidFill>
-                  <a:srgbClr val="0A9989"/>
-                </a:solidFill>
-              </a:rPr>
-              <a:t>/</a:t>
-            </a:r>
-            <a:r>
-              <a:rPr lang="en-US" sz="1400" dirty="0" smtClean="0">
-                <a:solidFill>
-                  <a:srgbClr val="010101"/>
-                </a:solidFill>
-              </a:rPr>
-              <a:t>&gt;</a:t>
-            </a:r>
-            <a:endParaRPr lang="en-US" sz="1400" dirty="0" smtClean="0"/>
-          </a:p>
-          <a:p>
-            <a:pPr lvl="3" latinLnBrk="0"/>
-            <a:r>
-              <a:rPr lang="en-US" sz="1400" dirty="0" smtClean="0">
-                <a:solidFill>
-                  <a:srgbClr val="010101"/>
-                </a:solidFill>
-              </a:rPr>
-              <a:t>&lt;</a:t>
-            </a:r>
-            <a:r>
-              <a:rPr lang="en-US" sz="1400" dirty="0" smtClean="0">
-                <a:solidFill>
-                  <a:srgbClr val="066DE2"/>
-                </a:solidFill>
-              </a:rPr>
-              <a:t>bean</a:t>
-            </a:r>
-            <a:r>
-              <a:rPr lang="en-US" sz="1400" dirty="0" smtClean="0"/>
-              <a:t> </a:t>
-            </a:r>
-            <a:r>
-              <a:rPr lang="en-US" sz="1400" dirty="0" smtClean="0">
-                <a:solidFill>
-                  <a:srgbClr val="0A9989"/>
-                </a:solidFill>
-              </a:rPr>
-              <a:t>class</a:t>
-            </a:r>
-            <a:r>
-              <a:rPr lang="en-US" sz="1400" dirty="0" smtClean="0"/>
-              <a:t>=</a:t>
-            </a:r>
-            <a:r>
-              <a:rPr lang="en-US" sz="1400" dirty="0" smtClean="0">
-                <a:solidFill>
-                  <a:srgbClr val="DF5000"/>
-                </a:solidFill>
-              </a:rPr>
-              <a:t>"</a:t>
-            </a:r>
-            <a:r>
-              <a:rPr lang="en-US" sz="1400" dirty="0" err="1" smtClean="0">
-                <a:solidFill>
-                  <a:srgbClr val="DF5000"/>
-                </a:solidFill>
-              </a:rPr>
-              <a:t>common.Interceptor</a:t>
-            </a:r>
-            <a:r>
-              <a:rPr lang="en-US" sz="1400" dirty="0" smtClean="0">
-                <a:solidFill>
-                  <a:srgbClr val="DF5000"/>
-                </a:solidFill>
-              </a:rPr>
-              <a:t>“ </a:t>
-            </a:r>
-            <a:r>
-              <a:rPr lang="en-US" sz="1400" dirty="0" smtClean="0">
-                <a:solidFill>
-                  <a:srgbClr val="0A9989"/>
-                </a:solidFill>
-              </a:rPr>
-              <a:t>/</a:t>
-            </a:r>
-            <a:r>
-              <a:rPr lang="en-US" sz="1400" dirty="0" smtClean="0">
-                <a:solidFill>
-                  <a:srgbClr val="010101"/>
-                </a:solidFill>
-              </a:rPr>
-              <a:t>&gt;</a:t>
-            </a:r>
-            <a:endParaRPr lang="en-US" sz="1400" dirty="0" smtClean="0"/>
-          </a:p>
-          <a:p>
-            <a:pPr lvl="2" latinLnBrk="0"/>
-            <a:r>
-              <a:rPr lang="en-US" sz="1400" dirty="0" smtClean="0">
-                <a:solidFill>
-                  <a:srgbClr val="010101"/>
-                </a:solidFill>
-              </a:rPr>
-              <a:t>&lt;/</a:t>
-            </a:r>
-            <a:r>
-              <a:rPr lang="en-US" sz="1400" dirty="0" err="1" smtClean="0">
-                <a:solidFill>
-                  <a:srgbClr val="066DE2"/>
-                </a:solidFill>
-              </a:rPr>
-              <a:t>mvc:interceptor</a:t>
-            </a:r>
-            <a:r>
-              <a:rPr lang="en-US" sz="1400" dirty="0" smtClean="0">
-                <a:solidFill>
-                  <a:srgbClr val="010101"/>
-                </a:solidFill>
-              </a:rPr>
-              <a:t>&gt;</a:t>
-            </a:r>
-          </a:p>
-          <a:p>
-            <a:pPr lvl="2" latinLnBrk="0"/>
-            <a:endParaRPr lang="en-US" sz="1400" dirty="0" smtClean="0"/>
-          </a:p>
-          <a:p>
-            <a:pPr lvl="2" latinLnBrk="0"/>
-            <a:r>
-              <a:rPr lang="en-US" sz="1400" dirty="0" smtClean="0">
-                <a:solidFill>
-                  <a:srgbClr val="999999"/>
-                </a:solidFill>
-              </a:rPr>
-              <a:t>&lt;!-- context </a:t>
-            </a:r>
-            <a:r>
-              <a:rPr lang="ko-KR" altLang="en-US" sz="1400" dirty="0" smtClean="0">
-                <a:solidFill>
-                  <a:srgbClr val="999999"/>
-                </a:solidFill>
-              </a:rPr>
-              <a:t>이후의 주소</a:t>
-            </a:r>
-            <a:r>
-              <a:rPr lang="en-US" altLang="ko-KR" sz="1400" dirty="0" smtClean="0">
-                <a:solidFill>
-                  <a:srgbClr val="999999"/>
-                </a:solidFill>
-              </a:rPr>
-              <a:t>(</a:t>
-            </a:r>
-            <a:r>
-              <a:rPr lang="ko-KR" altLang="en-US" sz="1400" dirty="0" smtClean="0">
-                <a:solidFill>
-                  <a:srgbClr val="999999"/>
-                </a:solidFill>
-              </a:rPr>
-              <a:t>요청주소</a:t>
-            </a:r>
-            <a:r>
-              <a:rPr lang="en-US" altLang="ko-KR" sz="1400" dirty="0" smtClean="0">
-                <a:solidFill>
-                  <a:srgbClr val="999999"/>
-                </a:solidFill>
-              </a:rPr>
-              <a:t>)--&gt;</a:t>
-            </a:r>
-            <a:endParaRPr lang="ko-KR" altLang="en-US" sz="1400" dirty="0" smtClean="0"/>
-          </a:p>
-          <a:p>
-            <a:pPr lvl="2" latinLnBrk="0"/>
-            <a:r>
-              <a:rPr lang="en-US" altLang="ko-KR" sz="1400" dirty="0" smtClean="0">
-                <a:solidFill>
-                  <a:srgbClr val="010101"/>
-                </a:solidFill>
-              </a:rPr>
-              <a:t>&lt;</a:t>
-            </a:r>
-            <a:r>
-              <a:rPr lang="en-US" sz="1400" dirty="0" err="1" smtClean="0">
-                <a:solidFill>
-                  <a:srgbClr val="066DE2"/>
-                </a:solidFill>
-              </a:rPr>
-              <a:t>mvc:interceptor</a:t>
-            </a:r>
-            <a:r>
-              <a:rPr lang="en-US" sz="1400" dirty="0" smtClean="0">
-                <a:solidFill>
-                  <a:srgbClr val="010101"/>
-                </a:solidFill>
-              </a:rPr>
-              <a:t>&gt;</a:t>
-            </a:r>
-            <a:endParaRPr lang="en-US" sz="1400" dirty="0" smtClean="0"/>
-          </a:p>
-          <a:p>
-            <a:pPr lvl="3" latinLnBrk="0"/>
-            <a:r>
-              <a:rPr lang="en-US" sz="1400" dirty="0" smtClean="0">
-                <a:solidFill>
-                  <a:srgbClr val="010101"/>
-                </a:solidFill>
-              </a:rPr>
-              <a:t>&lt;</a:t>
-            </a:r>
-            <a:r>
-              <a:rPr lang="en-US" sz="1400" dirty="0" err="1" smtClean="0">
-                <a:solidFill>
-                  <a:srgbClr val="066DE2"/>
-                </a:solidFill>
-              </a:rPr>
-              <a:t>mvc:mapping</a:t>
-            </a:r>
-            <a:r>
-              <a:rPr lang="en-US" sz="1400" dirty="0" smtClean="0"/>
-              <a:t> </a:t>
-            </a:r>
-            <a:r>
-              <a:rPr lang="en-US" sz="1400" dirty="0" smtClean="0">
-                <a:solidFill>
-                  <a:srgbClr val="0A9989"/>
-                </a:solidFill>
-              </a:rPr>
-              <a:t>path</a:t>
-            </a:r>
-            <a:r>
-              <a:rPr lang="en-US" sz="1400" dirty="0" smtClean="0"/>
-              <a:t>=</a:t>
-            </a:r>
-            <a:r>
-              <a:rPr lang="en-US" sz="1400" dirty="0" smtClean="0">
-                <a:solidFill>
-                  <a:srgbClr val="DF5000"/>
-                </a:solidFill>
-              </a:rPr>
-              <a:t>"/customer/*.htm"</a:t>
-            </a:r>
-            <a:r>
-              <a:rPr lang="en-US" sz="1400" dirty="0" smtClean="0"/>
-              <a:t> </a:t>
-            </a:r>
-            <a:r>
-              <a:rPr lang="en-US" sz="1400" dirty="0" smtClean="0">
-                <a:solidFill>
-                  <a:srgbClr val="0A9989"/>
-                </a:solidFill>
-              </a:rPr>
-              <a:t>/</a:t>
-            </a:r>
-            <a:r>
-              <a:rPr lang="en-US" sz="1400" dirty="0" smtClean="0">
-                <a:solidFill>
-                  <a:srgbClr val="010101"/>
-                </a:solidFill>
-              </a:rPr>
-              <a:t>&gt;</a:t>
-            </a:r>
-            <a:endParaRPr lang="en-US" sz="1400" dirty="0" smtClean="0"/>
-          </a:p>
-          <a:p>
-            <a:pPr lvl="3" latinLnBrk="0"/>
-            <a:r>
-              <a:rPr lang="en-US" sz="1400" dirty="0" smtClean="0">
-                <a:solidFill>
-                  <a:srgbClr val="010101"/>
-                </a:solidFill>
-              </a:rPr>
-              <a:t>&lt;</a:t>
-            </a:r>
-            <a:r>
-              <a:rPr lang="en-US" sz="1400" dirty="0" smtClean="0">
-                <a:solidFill>
-                  <a:srgbClr val="066DE2"/>
-                </a:solidFill>
-              </a:rPr>
-              <a:t>bean</a:t>
-            </a:r>
-            <a:r>
-              <a:rPr lang="en-US" sz="1400" dirty="0" smtClean="0"/>
-              <a:t> </a:t>
-            </a:r>
-            <a:r>
-              <a:rPr lang="en-US" sz="1400" dirty="0" smtClean="0">
-                <a:solidFill>
-                  <a:srgbClr val="0A9989"/>
-                </a:solidFill>
-              </a:rPr>
-              <a:t>class</a:t>
-            </a:r>
-            <a:r>
-              <a:rPr lang="en-US" sz="1400" dirty="0" smtClean="0"/>
-              <a:t>=</a:t>
-            </a:r>
-            <a:r>
-              <a:rPr lang="en-US" sz="1400" dirty="0" smtClean="0">
-                <a:solidFill>
-                  <a:srgbClr val="DF5000"/>
-                </a:solidFill>
-              </a:rPr>
-              <a:t>"</a:t>
-            </a:r>
-            <a:r>
-              <a:rPr lang="en-US" sz="1400" dirty="0" err="1" smtClean="0">
-                <a:solidFill>
-                  <a:srgbClr val="DF5000"/>
-                </a:solidFill>
-              </a:rPr>
-              <a:t>common.LoginInter</a:t>
-            </a:r>
-            <a:r>
-              <a:rPr lang="en-US" sz="1400" dirty="0" smtClean="0">
-                <a:solidFill>
-                  <a:srgbClr val="DF5000"/>
-                </a:solidFill>
-              </a:rPr>
-              <a:t>"</a:t>
-            </a:r>
-            <a:r>
-              <a:rPr lang="en-US" sz="1400" dirty="0" smtClean="0"/>
-              <a:t> </a:t>
-            </a:r>
-            <a:r>
-              <a:rPr lang="en-US" sz="1400" dirty="0" smtClean="0">
-                <a:solidFill>
-                  <a:srgbClr val="0A9989"/>
-                </a:solidFill>
-              </a:rPr>
-              <a:t>/</a:t>
-            </a:r>
-            <a:r>
-              <a:rPr lang="en-US" sz="1400" dirty="0" smtClean="0">
-                <a:solidFill>
-                  <a:srgbClr val="010101"/>
-                </a:solidFill>
-              </a:rPr>
-              <a:t>&gt;</a:t>
-            </a:r>
-            <a:endParaRPr lang="en-US" sz="1400" dirty="0" smtClean="0"/>
-          </a:p>
-          <a:p>
-            <a:pPr lvl="2" latinLnBrk="0"/>
-            <a:r>
-              <a:rPr lang="en-US" sz="1400" dirty="0" smtClean="0">
-                <a:solidFill>
-                  <a:srgbClr val="010101"/>
-                </a:solidFill>
-              </a:rPr>
-              <a:t>&lt;/</a:t>
-            </a:r>
-            <a:r>
-              <a:rPr lang="en-US" sz="1400" dirty="0" err="1" smtClean="0">
-                <a:solidFill>
-                  <a:srgbClr val="066DE2"/>
-                </a:solidFill>
-              </a:rPr>
-              <a:t>mvc:interceptor</a:t>
-            </a:r>
-            <a:r>
-              <a:rPr lang="en-US" sz="1400" dirty="0" smtClean="0">
-                <a:solidFill>
-                  <a:srgbClr val="010101"/>
-                </a:solidFill>
-              </a:rPr>
-              <a:t>&gt;</a:t>
-            </a:r>
-            <a:endParaRPr lang="en-US" sz="1400" dirty="0" smtClean="0"/>
-          </a:p>
-          <a:p>
-            <a:pPr lvl="1" latinLnBrk="0"/>
-            <a:r>
-              <a:rPr lang="en-US" sz="1400" dirty="0" smtClean="0">
-                <a:solidFill>
-                  <a:srgbClr val="010101"/>
-                </a:solidFill>
-              </a:rPr>
-              <a:t>&lt;/</a:t>
-            </a:r>
-            <a:r>
-              <a:rPr lang="en-US" sz="1400" dirty="0" err="1" smtClean="0">
-                <a:solidFill>
-                  <a:srgbClr val="066DE2"/>
-                </a:solidFill>
-              </a:rPr>
-              <a:t>mvc:interceptors</a:t>
-            </a:r>
-            <a:r>
-              <a:rPr lang="en-US" sz="1400" dirty="0" smtClean="0">
-                <a:solidFill>
-                  <a:srgbClr val="010101"/>
-                </a:solidFill>
-              </a:rPr>
-              <a:t>&gt;</a:t>
-            </a:r>
-            <a:endParaRPr lang="ko-KR" altLang="en-US" sz="1400" dirty="0"/>
-          </a:p>
-        </p:txBody>
-      </p:sp>
-      <p:grpSp>
-        <p:nvGrpSpPr>
-          <p:cNvPr id="6" name="그룹 1"/>
-          <p:cNvGrpSpPr/>
-          <p:nvPr/>
-        </p:nvGrpSpPr>
-        <p:grpSpPr>
-          <a:xfrm>
-            <a:off x="0" y="0"/>
-            <a:ext cx="9906000" cy="6970871"/>
-            <a:chOff x="0" y="0"/>
-            <a:chExt cx="9906000" cy="6970871"/>
-          </a:xfrm>
-        </p:grpSpPr>
-        <p:pic>
-          <p:nvPicPr>
-            <p:cNvPr id="2050" name="Picture 2" descr="C:\Users\USER\Desktop\2차 프로젝트(WEB)_4조\images\macbook_PNG36.png"/>
-            <p:cNvPicPr>
-              <a:picLocks noChangeAspect="1" noChangeArrowheads="1"/>
-            </p:cNvPicPr>
-            <p:nvPr/>
-          </p:nvPicPr>
-          <p:blipFill>
-            <a:blip r:embed="rId4"/>
-            <a:srcRect l="9199" r="9199"/>
-            <a:stretch>
-              <a:fillRect/>
-            </a:stretch>
-          </p:blipFill>
-          <p:spPr bwMode="auto">
-            <a:xfrm>
-              <a:off x="0" y="0"/>
-              <a:ext cx="9906000" cy="6970871"/>
-            </a:xfrm>
-            <a:prstGeom prst="rect">
-              <a:avLst/>
-            </a:prstGeom>
-            <a:noFill/>
-          </p:spPr>
-        </p:pic>
-        <p:sp>
-          <p:nvSpPr>
-            <p:cNvPr id="3" name="직사각형 2"/>
-            <p:cNvSpPr/>
-            <p:nvPr/>
-          </p:nvSpPr>
-          <p:spPr>
-            <a:xfrm>
-              <a:off x="0" y="0"/>
-              <a:ext cx="9906000" cy="6858000"/>
-            </a:xfrm>
-            <a:prstGeom prst="rect">
-              <a:avLst/>
-            </a:prstGeom>
-            <a:solidFill>
-              <a:schemeClr val="tx1">
-                <a:lumMod val="85000"/>
-                <a:lumOff val="15000"/>
-                <a:alpha val="60000"/>
-              </a:schemeClr>
-            </a:solidFill>
-            <a:ln>
-              <a:noFill/>
-            </a:ln>
-          </p:spPr>
-          <p:style>
-            <a:lnRef idx="2">
-              <a:schemeClr val="accent1">
-                <a:shade val="50000"/>
-              </a:schemeClr>
-            </a:lnRef>
-            <a:fillRef idx="1">
-              <a:schemeClr val="accent1"/>
-            </a:fillRef>
-            <a:effectRef idx="0">
-              <a:schemeClr val="accent1"/>
-            </a:effectRef>
-            <a:fontRef idx="minor">
-              <a:schemeClr val="lt1"/>
-            </a:fontRef>
-          </p:style>
-          <p:txBody>
-            <a:bodyPr rtlCol="0" anchor="ctr"/>
-            <a:lstStyle/>
-            <a:p>
-              <a:pPr algn="ctr"/>
-              <a:endParaRPr lang="ko-KR" altLang="en-US"/>
-            </a:p>
-          </p:txBody>
-        </p:sp>
-      </p:grpSp>
-      <p:grpSp>
-        <p:nvGrpSpPr>
-          <p:cNvPr id="7" name="그룹 43"/>
-          <p:cNvGrpSpPr/>
-          <p:nvPr/>
-        </p:nvGrpSpPr>
-        <p:grpSpPr>
-          <a:xfrm>
-            <a:off x="5851866" y="641157"/>
-            <a:ext cx="4357718" cy="613925"/>
-            <a:chOff x="0" y="641157"/>
-            <a:chExt cx="4357718" cy="613925"/>
-          </a:xfrm>
-        </p:grpSpPr>
-        <p:sp>
-          <p:nvSpPr>
-            <p:cNvPr id="4" name="TextBox 3"/>
-            <p:cNvSpPr txBox="1"/>
-            <p:nvPr/>
-          </p:nvSpPr>
-          <p:spPr>
-            <a:xfrm>
-              <a:off x="1643074" y="641157"/>
-              <a:ext cx="2714644" cy="307777"/>
-            </a:xfrm>
-            <a:prstGeom prst="rect">
-              <a:avLst/>
-            </a:prstGeom>
-            <a:noFill/>
-            <a:ln>
-              <a:noFill/>
-            </a:ln>
-          </p:spPr>
-          <p:txBody>
-            <a:bodyPr wrap="square" rtlCol="0">
-              <a:spAutoFit/>
-            </a:bodyPr>
-            <a:lstStyle/>
-            <a:p>
-              <a:r>
-                <a:rPr lang="en-US" altLang="ko-KR" sz="1400" dirty="0" err="1" smtClean="0">
-                  <a:solidFill>
-                    <a:schemeClr val="bg1">
-                      <a:lumMod val="65000"/>
-                    </a:schemeClr>
-                  </a:solidFill>
-                  <a:latin typeface="한컴 윤고딕 250" pitchFamily="18" charset="-127"/>
-                  <a:ea typeface="한컴 윤고딕 250" pitchFamily="18" charset="-127"/>
-                </a:rPr>
-                <a:t>SpringFramework</a:t>
-              </a:r>
-              <a:endParaRPr lang="en-US" altLang="ko-KR" sz="1400" dirty="0" smtClean="0">
-                <a:solidFill>
-                  <a:schemeClr val="bg1">
-                    <a:lumMod val="65000"/>
-                  </a:schemeClr>
-                </a:solidFill>
-                <a:latin typeface="한컴 윤고딕 250" pitchFamily="18" charset="-127"/>
-                <a:ea typeface="한컴 윤고딕 250" pitchFamily="18" charset="-127"/>
-              </a:endParaRPr>
-            </a:p>
-          </p:txBody>
-        </p:sp>
-        <p:sp>
-          <p:nvSpPr>
-            <p:cNvPr id="5" name="TextBox 4"/>
-            <p:cNvSpPr txBox="1"/>
-            <p:nvPr/>
-          </p:nvSpPr>
-          <p:spPr>
-            <a:xfrm>
-              <a:off x="0" y="916528"/>
-              <a:ext cx="4357718" cy="338554"/>
-            </a:xfrm>
-            <a:prstGeom prst="rect">
-              <a:avLst/>
-            </a:prstGeom>
-            <a:noFill/>
-            <a:ln>
-              <a:noFill/>
-            </a:ln>
-          </p:spPr>
-          <p:txBody>
-            <a:bodyPr wrap="square" rtlCol="0">
-              <a:spAutoFit/>
-            </a:bodyPr>
-            <a:lstStyle/>
-            <a:p>
-              <a:pPr algn="ctr"/>
-              <a:r>
-                <a:rPr lang="en-US" altLang="ko-KR" sz="1600" dirty="0" err="1" smtClean="0">
-                  <a:solidFill>
-                    <a:schemeClr val="bg1">
-                      <a:lumMod val="65000"/>
-                    </a:schemeClr>
-                  </a:solidFill>
-                  <a:latin typeface="한컴 윤고딕 250" pitchFamily="18" charset="-127"/>
-                  <a:ea typeface="한컴 윤고딕 250" pitchFamily="18" charset="-127"/>
-                </a:rPr>
-                <a:t>HandlerInterceptor</a:t>
-              </a:r>
-              <a:endParaRPr lang="ko-KR" altLang="en-US" sz="1600" dirty="0">
-                <a:solidFill>
-                  <a:schemeClr val="bg1">
-                    <a:lumMod val="65000"/>
-                  </a:schemeClr>
-                </a:solidFill>
-                <a:latin typeface="한컴 윤고딕 250" pitchFamily="18" charset="-127"/>
-                <a:ea typeface="한컴 윤고딕 250" pitchFamily="18" charset="-127"/>
-              </a:endParaRPr>
-            </a:p>
-          </p:txBody>
-        </p:sp>
-        <p:cxnSp>
-          <p:nvCxnSpPr>
-            <p:cNvPr id="13" name="직선 연결선 12"/>
-            <p:cNvCxnSpPr/>
-            <p:nvPr/>
-          </p:nvCxnSpPr>
-          <p:spPr>
-            <a:xfrm>
-              <a:off x="1693422" y="929740"/>
-              <a:ext cx="1944216" cy="0"/>
-            </a:xfrm>
-            <a:prstGeom prst="line">
-              <a:avLst/>
-            </a:prstGeom>
-            <a:ln w="19050">
-              <a:solidFill>
-                <a:schemeClr val="bg1">
-                  <a:lumMod val="65000"/>
-                </a:schemeClr>
-              </a:solidFill>
-            </a:ln>
-          </p:spPr>
-          <p:style>
-            <a:lnRef idx="1">
-              <a:schemeClr val="accent1"/>
-            </a:lnRef>
-            <a:fillRef idx="0">
-              <a:schemeClr val="accent1"/>
-            </a:fillRef>
-            <a:effectRef idx="0">
-              <a:schemeClr val="accent1"/>
-            </a:effectRef>
-            <a:fontRef idx="minor">
-              <a:schemeClr val="tx1"/>
-            </a:fontRef>
-          </p:style>
-        </p:cxnSp>
-        <p:cxnSp>
-          <p:nvCxnSpPr>
-            <p:cNvPr id="14" name="직선 연결선 13"/>
-            <p:cNvCxnSpPr/>
-            <p:nvPr/>
-          </p:nvCxnSpPr>
-          <p:spPr>
-            <a:xfrm>
-              <a:off x="988894" y="1218345"/>
-              <a:ext cx="2376264" cy="0"/>
-            </a:xfrm>
-            <a:prstGeom prst="line">
-              <a:avLst/>
-            </a:prstGeom>
-            <a:ln w="19050">
-              <a:solidFill>
-                <a:schemeClr val="bg1">
-                  <a:lumMod val="65000"/>
-                </a:schemeClr>
-              </a:solidFill>
-            </a:ln>
-          </p:spPr>
-          <p:style>
-            <a:lnRef idx="1">
-              <a:schemeClr val="accent1"/>
-            </a:lnRef>
-            <a:fillRef idx="0">
-              <a:schemeClr val="accent1"/>
-            </a:fillRef>
-            <a:effectRef idx="0">
-              <a:schemeClr val="accent1"/>
-            </a:effectRef>
-            <a:fontRef idx="minor">
-              <a:schemeClr val="tx1"/>
-            </a:fontRef>
-          </p:style>
-        </p:cxnSp>
-      </p:grpSp>
-      <p:grpSp>
-        <p:nvGrpSpPr>
-          <p:cNvPr id="8" name="그룹 58"/>
-          <p:cNvGrpSpPr/>
-          <p:nvPr/>
-        </p:nvGrpSpPr>
-        <p:grpSpPr>
-          <a:xfrm>
-            <a:off x="469097" y="1213678"/>
-            <a:ext cx="5222583" cy="400110"/>
-            <a:chOff x="469098" y="1285686"/>
-            <a:chExt cx="4843942" cy="400110"/>
-          </a:xfrm>
-        </p:grpSpPr>
-        <p:sp>
-          <p:nvSpPr>
-            <p:cNvPr id="60" name="TextBox 59"/>
-            <p:cNvSpPr txBox="1"/>
-            <p:nvPr/>
-          </p:nvSpPr>
-          <p:spPr>
-            <a:xfrm>
-              <a:off x="469098" y="1285686"/>
-              <a:ext cx="4843942" cy="400110"/>
-            </a:xfrm>
-            <a:prstGeom prst="rect">
-              <a:avLst/>
-            </a:prstGeom>
-            <a:noFill/>
-          </p:spPr>
-          <p:txBody>
-            <a:bodyPr wrap="square" rtlCol="0">
-              <a:spAutoFit/>
-            </a:bodyPr>
-            <a:lstStyle/>
-            <a:p>
-              <a:r>
-                <a:rPr lang="en-US" altLang="ko-KR" sz="2000" dirty="0" err="1" smtClean="0">
-                  <a:solidFill>
-                    <a:schemeClr val="bg1">
-                      <a:lumMod val="95000"/>
-                    </a:schemeClr>
-                  </a:solidFill>
-                  <a:latin typeface="한컴 윤고딕 250" pitchFamily="18" charset="-127"/>
-                  <a:ea typeface="한컴 윤고딕 250" pitchFamily="18" charset="-127"/>
-                </a:rPr>
-                <a:t>HandlerInterceptor</a:t>
-              </a:r>
-              <a:r>
-                <a:rPr lang="en-US" altLang="ko-KR" sz="2000" dirty="0" smtClean="0">
-                  <a:solidFill>
-                    <a:schemeClr val="bg1">
-                      <a:lumMod val="95000"/>
-                    </a:schemeClr>
-                  </a:solidFill>
-                  <a:latin typeface="한컴 윤고딕 250" pitchFamily="18" charset="-127"/>
-                  <a:ea typeface="한컴 윤고딕 250" pitchFamily="18" charset="-127"/>
-                </a:rPr>
-                <a:t> </a:t>
-              </a:r>
-              <a:r>
-                <a:rPr lang="ko-KR" altLang="en-US" sz="2000" dirty="0" smtClean="0">
-                  <a:solidFill>
-                    <a:schemeClr val="bg1">
-                      <a:lumMod val="95000"/>
-                    </a:schemeClr>
-                  </a:solidFill>
-                  <a:latin typeface="한컴 윤고딕 250" pitchFamily="18" charset="-127"/>
-                  <a:ea typeface="한컴 윤고딕 250" pitchFamily="18" charset="-127"/>
-                </a:rPr>
-                <a:t>사용 예제</a:t>
-              </a:r>
-              <a:endParaRPr lang="en-US" altLang="ko-KR" sz="2000" dirty="0" smtClean="0">
-                <a:solidFill>
-                  <a:schemeClr val="bg1">
-                    <a:lumMod val="95000"/>
-                  </a:schemeClr>
-                </a:solidFill>
-                <a:latin typeface="한컴 윤고딕 250" pitchFamily="18" charset="-127"/>
-                <a:ea typeface="한컴 윤고딕 250" pitchFamily="18" charset="-127"/>
-              </a:endParaRPr>
-            </a:p>
-          </p:txBody>
-        </p:sp>
-        <p:cxnSp>
-          <p:nvCxnSpPr>
-            <p:cNvPr id="65" name="직선 연결선 64"/>
-            <p:cNvCxnSpPr/>
-            <p:nvPr/>
-          </p:nvCxnSpPr>
-          <p:spPr>
-            <a:xfrm>
-              <a:off x="577204" y="1685796"/>
-              <a:ext cx="3739677" cy="0"/>
-            </a:xfrm>
-            <a:prstGeom prst="line">
-              <a:avLst/>
-            </a:prstGeom>
-            <a:ln w="19050">
-              <a:solidFill>
-                <a:schemeClr val="bg1">
-                  <a:lumMod val="75000"/>
-                </a:schemeClr>
-              </a:solidFill>
-            </a:ln>
-          </p:spPr>
-          <p:style>
-            <a:lnRef idx="1">
-              <a:schemeClr val="accent1"/>
-            </a:lnRef>
-            <a:fillRef idx="0">
-              <a:schemeClr val="accent1"/>
-            </a:fillRef>
-            <a:effectRef idx="0">
-              <a:schemeClr val="accent1"/>
-            </a:effectRef>
-            <a:fontRef idx="minor">
-              <a:schemeClr val="tx1"/>
-            </a:fontRef>
-          </p:style>
-        </p:cxnSp>
-      </p:grpSp>
-      <p:sp>
-        <p:nvSpPr>
-          <p:cNvPr id="25" name="TextBox 24"/>
-          <p:cNvSpPr txBox="1"/>
-          <p:nvPr/>
-        </p:nvSpPr>
-        <p:spPr>
-          <a:xfrm>
-            <a:off x="704528" y="1693659"/>
-            <a:ext cx="4247838" cy="369332"/>
-          </a:xfrm>
-          <a:prstGeom prst="rect">
-            <a:avLst/>
-          </a:prstGeom>
-          <a:noFill/>
-        </p:spPr>
-        <p:txBody>
-          <a:bodyPr wrap="square" rtlCol="0" anchor="ctr" anchorCtr="0">
-            <a:spAutoFit/>
-          </a:bodyPr>
-          <a:lstStyle/>
-          <a:p>
-            <a:r>
-              <a:rPr lang="en-US" altLang="ko-KR" dirty="0" smtClean="0">
-                <a:solidFill>
-                  <a:schemeClr val="bg1">
-                    <a:lumMod val="95000"/>
-                  </a:schemeClr>
-                </a:solidFill>
-                <a:latin typeface="한컴 윤고딕 250" pitchFamily="18" charset="-127"/>
-                <a:ea typeface="한컴 윤고딕 250" pitchFamily="18" charset="-127"/>
-              </a:rPr>
-              <a:t>#</a:t>
-            </a:r>
-            <a:r>
-              <a:rPr lang="en-US" altLang="ko-KR" dirty="0" smtClean="0">
-                <a:solidFill>
-                  <a:schemeClr val="bg1">
-                    <a:lumMod val="95000"/>
-                  </a:schemeClr>
-                </a:solidFill>
-                <a:latin typeface="한컴 윤고딕 250" pitchFamily="18" charset="-127"/>
-                <a:ea typeface="한컴 윤고딕 250" pitchFamily="18" charset="-127"/>
-              </a:rPr>
-              <a:t> </a:t>
-            </a:r>
-            <a:r>
-              <a:rPr lang="en-US" altLang="ko-KR" dirty="0" smtClean="0">
-                <a:solidFill>
-                  <a:schemeClr val="bg1">
-                    <a:lumMod val="95000"/>
-                  </a:schemeClr>
-                </a:solidFill>
-                <a:latin typeface="한컴 윤고딕 250" pitchFamily="18" charset="-127"/>
-                <a:ea typeface="한컴 윤고딕 250" pitchFamily="18" charset="-127"/>
-              </a:rPr>
-              <a:t>servlet-context.xml </a:t>
-            </a:r>
-            <a:r>
-              <a:rPr lang="ko-KR" altLang="en-US" dirty="0" smtClean="0">
-                <a:solidFill>
-                  <a:schemeClr val="bg1">
-                    <a:lumMod val="95000"/>
-                  </a:schemeClr>
-                </a:solidFill>
-                <a:latin typeface="한컴 윤고딕 250" pitchFamily="18" charset="-127"/>
-                <a:ea typeface="한컴 윤고딕 250" pitchFamily="18" charset="-127"/>
-              </a:rPr>
-              <a:t>설정</a:t>
-            </a:r>
-            <a:endParaRPr lang="en-US" altLang="ko-KR" dirty="0" smtClean="0">
-              <a:solidFill>
-                <a:schemeClr val="bg1">
-                  <a:lumMod val="95000"/>
-                </a:schemeClr>
-              </a:solidFill>
-              <a:latin typeface="한컴 윤고딕 250" pitchFamily="18" charset="-127"/>
-              <a:ea typeface="한컴 윤고딕 250" pitchFamily="18" charset="-127"/>
-            </a:endParaRPr>
-          </a:p>
-        </p:txBody>
-      </p:sp>
-      <p:cxnSp>
-        <p:nvCxnSpPr>
-          <p:cNvPr id="26" name="직선 연결선 25"/>
-          <p:cNvCxnSpPr/>
-          <p:nvPr/>
-        </p:nvCxnSpPr>
-        <p:spPr>
-          <a:xfrm>
-            <a:off x="818058" y="2071678"/>
-            <a:ext cx="3492000" cy="0"/>
-          </a:xfrm>
-          <a:prstGeom prst="line">
-            <a:avLst/>
-          </a:prstGeom>
-          <a:ln w="19050">
-            <a:solidFill>
-              <a:schemeClr val="bg1">
-                <a:lumMod val="75000"/>
-              </a:schemeClr>
-            </a:solidFill>
-          </a:ln>
-        </p:spPr>
-        <p:style>
-          <a:lnRef idx="1">
-            <a:schemeClr val="accent1"/>
-          </a:lnRef>
-          <a:fillRef idx="0">
-            <a:schemeClr val="accent1"/>
-          </a:fillRef>
-          <a:effectRef idx="0">
-            <a:schemeClr val="accent1"/>
-          </a:effectRef>
-          <a:fontRef idx="minor">
-            <a:schemeClr val="tx1"/>
-          </a:fontRef>
-        </p:style>
-      </p:cxnSp>
-    </p:spTree>
-    <p:extLst>
-      <p:ext uri="{BB962C8B-B14F-4D97-AF65-F5344CB8AC3E}">
-        <p14:creationId xmlns:p14="http://schemas.microsoft.com/office/powerpoint/2010/main" xmlns="" val="823508735"/>
-      </p:ext>
-    </p:extLst>
-  </p:cSld>
-  <p:clrMapOvr>
-    <a:masterClrMapping/>
-  </p:clrMapOvr>
-  <p:timing>
-    <p:tnLst>
-      <p:par>
-        <p:cTn id="1" dur="indefinite" restart="never" nodeType="tmRoot"/>
-      </p:par>
-    </p:tnLst>
-  </p:timing>
-</p:sld>
-</file>
-
-<file path=ppt/slides/slide8.xml><?xml version="1.0" encoding="utf-8"?>
 <p:sld xmlns:a="http://schemas.openxmlformats.org/drawingml/2006/main" xmlns:r="http://schemas.openxmlformats.org/officeDocument/2006/relationships" xmlns:p="http://schemas.openxmlformats.org/presentationml/2006/main">
   <p:cSld>
     <p:spTree>
@@ -16312,28 +16541,235 @@
                 </a:solidFill>
                 <a:latin typeface="Consolas"/>
               </a:rPr>
-              <a:t>	@</a:t>
-            </a:r>
+              <a:t>	@Override</a:t>
+            </a:r>
+          </a:p>
+          <a:p>
+            <a:pPr marL="180000"/>
+            <a:r>
+              <a:rPr lang="en-US" altLang="ko-KR" sz="1600" b="1" dirty="0" smtClean="0">
+                <a:solidFill>
+                  <a:srgbClr val="7F0055"/>
+                </a:solidFill>
+                <a:latin typeface="Consolas"/>
+              </a:rPr>
+              <a:t>	public</a:t>
+            </a:r>
+            <a:r>
+              <a:rPr lang="en-US" altLang="ko-KR" sz="1600" b="1" dirty="0" smtClean="0">
+                <a:solidFill>
+                  <a:srgbClr val="000000"/>
+                </a:solidFill>
+                <a:latin typeface="Consolas"/>
+              </a:rPr>
+              <a:t> </a:t>
+            </a:r>
+            <a:r>
+              <a:rPr lang="en-US" altLang="ko-KR" sz="1600" b="1" dirty="0" err="1" smtClean="0">
+                <a:solidFill>
+                  <a:srgbClr val="7F0055"/>
+                </a:solidFill>
+                <a:latin typeface="Consolas"/>
+              </a:rPr>
+              <a:t>boolean</a:t>
+            </a:r>
+            <a:r>
+              <a:rPr lang="en-US" altLang="ko-KR" sz="1600" b="1" dirty="0" smtClean="0">
+                <a:solidFill>
+                  <a:srgbClr val="000000"/>
+                </a:solidFill>
+                <a:latin typeface="Consolas"/>
+              </a:rPr>
+              <a:t> </a:t>
+            </a:r>
+            <a:r>
+              <a:rPr lang="en-US" altLang="ko-KR" sz="1600" b="1" dirty="0" err="1" smtClean="0">
+                <a:solidFill>
+                  <a:srgbClr val="000000"/>
+                </a:solidFill>
+                <a:latin typeface="Consolas"/>
+              </a:rPr>
+              <a:t>preHandle</a:t>
+            </a:r>
+            <a:r>
+              <a:rPr lang="en-US" altLang="ko-KR" sz="1600" b="1" dirty="0" smtClean="0">
+                <a:solidFill>
+                  <a:srgbClr val="000000"/>
+                </a:solidFill>
+                <a:latin typeface="Consolas"/>
+              </a:rPr>
+              <a:t>(</a:t>
+            </a:r>
+          </a:p>
+          <a:p>
+            <a:pPr marL="180000"/>
             <a:r>
               <a:rPr lang="en-US" altLang="ko-KR" sz="1600" dirty="0" smtClean="0">
                 <a:solidFill>
-                  <a:srgbClr val="646464"/>
-                </a:solidFill>
-                <a:latin typeface="Consolas"/>
-              </a:rPr>
-              <a:t>Override</a:t>
+                  <a:srgbClr val="000000"/>
+                </a:solidFill>
+                <a:latin typeface="Consolas"/>
+              </a:rPr>
+              <a:t>			</a:t>
+            </a:r>
+            <a:r>
+              <a:rPr lang="en-US" altLang="ko-KR" sz="1600" dirty="0" err="1" smtClean="0">
+                <a:solidFill>
+                  <a:srgbClr val="000000"/>
+                </a:solidFill>
+                <a:latin typeface="Consolas"/>
+              </a:rPr>
+              <a:t>HttpServletRequest</a:t>
+            </a:r>
+            <a:r>
+              <a:rPr lang="en-US" altLang="ko-KR" sz="1600" dirty="0" smtClean="0">
+                <a:solidFill>
+                  <a:srgbClr val="000000"/>
+                </a:solidFill>
+                <a:latin typeface="Consolas"/>
+              </a:rPr>
+              <a:t> </a:t>
+            </a:r>
+            <a:r>
+              <a:rPr lang="en-US" altLang="ko-KR" sz="1600" dirty="0" smtClean="0">
+                <a:solidFill>
+                  <a:srgbClr val="6A3E3E"/>
+                </a:solidFill>
+                <a:latin typeface="Consolas"/>
+              </a:rPr>
+              <a:t>request</a:t>
+            </a:r>
+            <a:r>
+              <a:rPr lang="en-US" altLang="ko-KR" sz="1600" dirty="0" smtClean="0">
+                <a:solidFill>
+                  <a:srgbClr val="000000"/>
+                </a:solidFill>
+                <a:latin typeface="Consolas"/>
+              </a:rPr>
+              <a:t>, </a:t>
+            </a:r>
+            <a:r>
+              <a:rPr lang="en-US" altLang="ko-KR" sz="1600" dirty="0" err="1" smtClean="0">
+                <a:solidFill>
+                  <a:srgbClr val="000000"/>
+                </a:solidFill>
+                <a:latin typeface="Consolas"/>
+              </a:rPr>
+              <a:t>HttpServletResponse</a:t>
+            </a:r>
+            <a:r>
+              <a:rPr lang="en-US" altLang="ko-KR" sz="1600" dirty="0" smtClean="0">
+                <a:solidFill>
+                  <a:srgbClr val="000000"/>
+                </a:solidFill>
+                <a:latin typeface="Consolas"/>
+              </a:rPr>
+              <a:t> </a:t>
+            </a:r>
+            <a:r>
+              <a:rPr lang="en-US" altLang="ko-KR" sz="1600" dirty="0" smtClean="0">
+                <a:solidFill>
+                  <a:srgbClr val="6A3E3E"/>
+                </a:solidFill>
+                <a:latin typeface="Consolas"/>
+              </a:rPr>
+              <a:t>response</a:t>
+            </a:r>
+            <a:r>
+              <a:rPr lang="en-US" altLang="ko-KR" sz="1600" dirty="0" smtClean="0">
+                <a:solidFill>
+                  <a:srgbClr val="000000"/>
+                </a:solidFill>
+                <a:latin typeface="Consolas"/>
+              </a:rPr>
+              <a:t>, </a:t>
             </a:r>
           </a:p>
           <a:p>
             <a:pPr marL="180000"/>
             <a:r>
+              <a:rPr lang="en-US" altLang="ko-KR" sz="1600" dirty="0" smtClean="0">
+                <a:solidFill>
+                  <a:srgbClr val="000000"/>
+                </a:solidFill>
+                <a:latin typeface="Consolas"/>
+              </a:rPr>
+              <a:t>			Object </a:t>
+            </a:r>
+            <a:r>
+              <a:rPr lang="en-US" altLang="ko-KR" sz="1600" dirty="0" smtClean="0">
+                <a:solidFill>
+                  <a:srgbClr val="6A3E3E"/>
+                </a:solidFill>
+                <a:latin typeface="Consolas"/>
+              </a:rPr>
+              <a:t>handler</a:t>
+            </a:r>
+            <a:r>
+              <a:rPr lang="en-US" altLang="ko-KR" sz="1600" dirty="0" smtClean="0">
+                <a:solidFill>
+                  <a:srgbClr val="000000"/>
+                </a:solidFill>
+                <a:latin typeface="Consolas"/>
+              </a:rPr>
+              <a:t>) {</a:t>
+            </a:r>
+          </a:p>
+          <a:p>
+            <a:pPr marL="180000"/>
+            <a:r>
+              <a:rPr lang="en-US" altLang="ko-KR" sz="1600" dirty="0" smtClean="0">
+                <a:solidFill>
+                  <a:srgbClr val="000000"/>
+                </a:solidFill>
+                <a:latin typeface="Consolas"/>
+              </a:rPr>
+              <a:t>		</a:t>
+            </a:r>
+            <a:r>
+              <a:rPr lang="en-US" altLang="ko-KR" sz="1600" dirty="0" err="1" smtClean="0">
+                <a:solidFill>
+                  <a:srgbClr val="000000"/>
+                </a:solidFill>
+                <a:latin typeface="Consolas"/>
+              </a:rPr>
+              <a:t>StopWatch</a:t>
+            </a:r>
+            <a:r>
+              <a:rPr lang="en-US" altLang="ko-KR" sz="1600" dirty="0" smtClean="0">
+                <a:solidFill>
+                  <a:srgbClr val="000000"/>
+                </a:solidFill>
+                <a:latin typeface="Consolas"/>
+              </a:rPr>
+              <a:t> </a:t>
+            </a:r>
+            <a:r>
+              <a:rPr lang="en-US" altLang="ko-KR" sz="1600" dirty="0" err="1" smtClean="0">
+                <a:solidFill>
+                  <a:srgbClr val="6A3E3E"/>
+                </a:solidFill>
+                <a:latin typeface="Consolas"/>
+              </a:rPr>
+              <a:t>sw</a:t>
+            </a:r>
+            <a:r>
+              <a:rPr lang="en-US" altLang="ko-KR" sz="1600" dirty="0" smtClean="0">
+                <a:solidFill>
+                  <a:srgbClr val="000000"/>
+                </a:solidFill>
+                <a:latin typeface="Consolas"/>
+              </a:rPr>
+              <a:t> = </a:t>
+            </a:r>
+            <a:r>
               <a:rPr lang="en-US" altLang="ko-KR" sz="1600" b="1" dirty="0" smtClean="0">
                 <a:solidFill>
                   <a:srgbClr val="7F0055"/>
                 </a:solidFill>
                 <a:latin typeface="Consolas"/>
               </a:rPr>
-              <a:t>	public</a:t>
+              <a:t>new</a:t>
             </a:r>
             <a:r>
               <a:rPr lang="en-US" altLang="ko-KR" sz="1600" b="1" dirty="0" smtClean="0">
@@ -16347,11 +16783,230 @@
             <a:r>
               <a:rPr lang="en-US" altLang="ko-KR" sz="1600" b="1" dirty="0" err="1" smtClean="0">
                 <a:solidFill>
+                  <a:srgbClr val="000000"/>
+                </a:solidFill>
+                <a:latin typeface="Consolas"/>
+              </a:rPr>
+              <a:t>StopWatch</a:t>
+            </a:r>
+            <a:r>
+              <a:rPr lang="en-US" altLang="ko-KR" sz="1600" b="1" dirty="0" smtClean="0">
+                <a:solidFill>
+                  <a:srgbClr val="000000"/>
+                </a:solidFill>
+                <a:latin typeface="Consolas"/>
+              </a:rPr>
+              <a:t>();</a:t>
+            </a:r>
+          </a:p>
+          <a:p>
+            <a:pPr marL="180000"/>
+            <a:r>
+              <a:rPr lang="en-US" altLang="ko-KR" sz="1600" dirty="0" smtClean="0">
+                <a:solidFill>
+                  <a:srgbClr val="6A3E3E"/>
+                </a:solidFill>
+                <a:latin typeface="Consolas"/>
+              </a:rPr>
+              <a:t>		</a:t>
+            </a:r>
+            <a:r>
+              <a:rPr lang="en-US" altLang="ko-KR" sz="1600" dirty="0" err="1" smtClean="0">
+                <a:solidFill>
+                  <a:srgbClr val="6A3E3E"/>
+                </a:solidFill>
+                <a:latin typeface="Consolas"/>
+              </a:rPr>
+              <a:t>request</a:t>
+            </a:r>
+            <a:r>
+              <a:rPr lang="en-US" altLang="ko-KR" sz="1600" dirty="0" err="1" smtClean="0">
+                <a:solidFill>
+                  <a:srgbClr val="000000"/>
+                </a:solidFill>
+                <a:latin typeface="Consolas"/>
+              </a:rPr>
+              <a:t>.setAttribute</a:t>
+            </a:r>
+            <a:r>
+              <a:rPr lang="en-US" altLang="ko-KR" sz="1600" dirty="0" smtClean="0">
+                <a:solidFill>
+                  <a:srgbClr val="000000"/>
+                </a:solidFill>
+                <a:latin typeface="Consolas"/>
+              </a:rPr>
+              <a:t>(</a:t>
+            </a:r>
+            <a:r>
+              <a:rPr lang="en-US" altLang="ko-KR" sz="1600" dirty="0" smtClean="0">
+                <a:solidFill>
+                  <a:srgbClr val="2A00FF"/>
+                </a:solidFill>
+                <a:latin typeface="Consolas"/>
+              </a:rPr>
+              <a:t>"</a:t>
+            </a:r>
+            <a:r>
+              <a:rPr lang="en-US" altLang="ko-KR" sz="1600" dirty="0" err="1" smtClean="0">
+                <a:solidFill>
+                  <a:srgbClr val="2A00FF"/>
+                </a:solidFill>
+                <a:latin typeface="Consolas"/>
+              </a:rPr>
+              <a:t>sw</a:t>
+            </a:r>
+            <a:r>
+              <a:rPr lang="en-US" altLang="ko-KR" sz="1600" dirty="0" smtClean="0">
+                <a:solidFill>
+                  <a:srgbClr val="2A00FF"/>
+                </a:solidFill>
+                <a:latin typeface="Consolas"/>
+              </a:rPr>
+              <a:t>"</a:t>
+            </a:r>
+            <a:r>
+              <a:rPr lang="en-US" altLang="ko-KR" sz="1600" dirty="0" smtClean="0">
+                <a:solidFill>
+                  <a:srgbClr val="000000"/>
+                </a:solidFill>
+                <a:latin typeface="Consolas"/>
+              </a:rPr>
+              <a:t>, </a:t>
+            </a:r>
+            <a:r>
+              <a:rPr lang="en-US" altLang="ko-KR" sz="1600" dirty="0" err="1" smtClean="0">
+                <a:solidFill>
+                  <a:srgbClr val="6A3E3E"/>
+                </a:solidFill>
+                <a:latin typeface="Consolas"/>
+              </a:rPr>
+              <a:t>sw</a:t>
+            </a:r>
+            <a:r>
+              <a:rPr lang="en-US" altLang="ko-KR" sz="1600" dirty="0" smtClean="0">
+                <a:solidFill>
+                  <a:srgbClr val="000000"/>
+                </a:solidFill>
+                <a:latin typeface="Consolas"/>
+              </a:rPr>
+              <a:t>);</a:t>
+            </a:r>
+          </a:p>
+          <a:p>
+            <a:pPr marL="180000"/>
+            <a:r>
+              <a:rPr lang="en-US" altLang="ko-KR" sz="1600" dirty="0" smtClean="0">
+                <a:solidFill>
+                  <a:srgbClr val="6A3E3E"/>
+                </a:solidFill>
+                <a:latin typeface="Consolas"/>
+              </a:rPr>
+              <a:t>		</a:t>
+            </a:r>
+            <a:r>
+              <a:rPr lang="en-US" altLang="ko-KR" sz="1600" dirty="0" err="1" smtClean="0">
+                <a:solidFill>
+                  <a:srgbClr val="6A3E3E"/>
+                </a:solidFill>
+                <a:latin typeface="Consolas"/>
+              </a:rPr>
+              <a:t>sw</a:t>
+            </a:r>
+            <a:r>
+              <a:rPr lang="en-US" altLang="ko-KR" sz="1600" dirty="0" err="1" smtClean="0">
+                <a:solidFill>
+                  <a:srgbClr val="000000"/>
+                </a:solidFill>
+                <a:latin typeface="Consolas"/>
+              </a:rPr>
+              <a:t>.start</a:t>
+            </a:r>
+            <a:r>
+              <a:rPr lang="en-US" altLang="ko-KR" sz="1600" dirty="0" smtClean="0">
+                <a:solidFill>
+                  <a:srgbClr val="000000"/>
+                </a:solidFill>
+                <a:latin typeface="Consolas"/>
+              </a:rPr>
+              <a:t>();</a:t>
+            </a:r>
+          </a:p>
+          <a:p>
+            <a:pPr marL="180000"/>
+            <a:r>
+              <a:rPr lang="en-US" altLang="ko-KR" sz="1600" dirty="0" smtClean="0">
+                <a:solidFill>
+                  <a:srgbClr val="000000"/>
+                </a:solidFill>
+                <a:latin typeface="Consolas"/>
+              </a:rPr>
+              <a:t>		</a:t>
+            </a:r>
+            <a:r>
+              <a:rPr lang="en-US" altLang="ko-KR" sz="1600" dirty="0" err="1" smtClean="0">
+                <a:solidFill>
+                  <a:srgbClr val="000000"/>
+                </a:solidFill>
+                <a:latin typeface="Consolas"/>
+              </a:rPr>
+              <a:t>System.</a:t>
+            </a:r>
+            <a:r>
+              <a:rPr lang="en-US" altLang="ko-KR" sz="1600" b="1" i="1" dirty="0" err="1" smtClean="0">
+                <a:solidFill>
+                  <a:srgbClr val="0000C0"/>
+                </a:solidFill>
+                <a:latin typeface="Consolas"/>
+              </a:rPr>
+              <a:t>out</a:t>
+            </a:r>
+            <a:r>
+              <a:rPr lang="en-US" altLang="ko-KR" sz="1600" b="1" i="1" dirty="0" err="1" smtClean="0">
+                <a:solidFill>
+                  <a:srgbClr val="000000"/>
+                </a:solidFill>
+                <a:latin typeface="Consolas"/>
+              </a:rPr>
+              <a:t>.println</a:t>
+            </a:r>
+            <a:r>
+              <a:rPr lang="en-US" altLang="ko-KR" sz="1600" b="1" i="1" dirty="0" smtClean="0">
+                <a:solidFill>
+                  <a:srgbClr val="000000"/>
+                </a:solidFill>
+                <a:latin typeface="Consolas"/>
+              </a:rPr>
+              <a:t>(</a:t>
+            </a:r>
+            <a:r>
+              <a:rPr lang="en-US" altLang="ko-KR" sz="1600" b="1" i="1" dirty="0" smtClean="0">
+                <a:solidFill>
+                  <a:srgbClr val="2A00FF"/>
+                </a:solidFill>
+                <a:latin typeface="Consolas"/>
+              </a:rPr>
+              <a:t>"Time Start"</a:t>
+            </a:r>
+            <a:r>
+              <a:rPr lang="en-US" altLang="ko-KR" sz="1600" b="1" i="1" dirty="0" smtClean="0">
+                <a:solidFill>
+                  <a:srgbClr val="000000"/>
+                </a:solidFill>
+                <a:latin typeface="Consolas"/>
+              </a:rPr>
+              <a:t>);</a:t>
+            </a:r>
+          </a:p>
+          <a:p>
+            <a:pPr marL="180000"/>
+            <a:r>
+              <a:rPr lang="en-US" altLang="ko-KR" sz="1600" b="1" dirty="0" smtClean="0">
+                <a:solidFill>
                   <a:srgbClr val="7F0055"/>
                 </a:solidFill>
                 <a:latin typeface="Consolas"/>
               </a:rPr>
-              <a:t>boolean</a:t>
+              <a:t>		return</a:t>
             </a:r>
             <a:r>
               <a:rPr lang="en-US" altLang="ko-KR" sz="1600" b="1" dirty="0" smtClean="0">
@@ -16363,476 +17018,35 @@
               <a:t> </a:t>
             </a:r>
             <a:r>
-              <a:rPr lang="en-US" altLang="ko-KR" sz="1600" b="1" dirty="0" err="1" smtClean="0">
+              <a:rPr lang="en-US" altLang="ko-KR" sz="1600" b="1" dirty="0" smtClean="0">
+                <a:solidFill>
+                  <a:srgbClr val="7F0055"/>
+                </a:solidFill>
+                <a:latin typeface="Consolas"/>
+              </a:rPr>
+              <a:t>true</a:t>
+            </a:r>
+            <a:r>
+              <a:rPr lang="en-US" altLang="ko-KR" sz="1600" b="1" dirty="0" smtClean="0">
                 <a:solidFill>
                   <a:srgbClr val="000000"/>
                 </a:solidFill>
                 <a:latin typeface="Consolas"/>
               </a:rPr>
-              <a:t>preHandle</a:t>
-            </a:r>
-            <a:r>
-              <a:rPr lang="en-US" altLang="ko-KR" sz="1600" b="1" dirty="0" smtClean="0">
+              <a:t>;</a:t>
+            </a:r>
+          </a:p>
+          <a:p>
+            <a:pPr marL="180000"/>
+            <a:r>
+              <a:rPr lang="en-US" altLang="ko-KR" sz="1600" dirty="0" smtClean="0">
                 <a:solidFill>
                   <a:srgbClr val="000000"/>
                 </a:solidFill>
                 <a:latin typeface="Consolas"/>
               </a:rPr>
-              <a:t>(</a:t>
-            </a:r>
-          </a:p>
-          <a:p>
-            <a:pPr marL="180000"/>
-            <a:r>
-              <a:rPr lang="en-US" altLang="ko-KR" sz="1600" dirty="0" smtClean="0">
-                <a:solidFill>
-                  <a:srgbClr val="000000"/>
-                </a:solidFill>
-                <a:latin typeface="Consolas"/>
-              </a:rPr>
-              <a:t>			</a:t>
-            </a:r>
-            <a:r>
-              <a:rPr lang="en-US" altLang="ko-KR" sz="1600" dirty="0" err="1" smtClean="0">
-                <a:solidFill>
-                  <a:srgbClr val="000000"/>
-                </a:solidFill>
-                <a:latin typeface="Consolas"/>
-              </a:rPr>
-              <a:t>HttpServletRequest</a:t>
-            </a:r>
-            <a:r>
-              <a:rPr lang="en-US" altLang="ko-KR" sz="1600" dirty="0" smtClean="0">
-                <a:solidFill>
-                  <a:srgbClr val="000000"/>
-                </a:solidFill>
-                <a:latin typeface="Consolas"/>
-              </a:rPr>
-              <a:t> </a:t>
-            </a:r>
-            <a:r>
-              <a:rPr lang="en-US" altLang="ko-KR" sz="1600" dirty="0" smtClean="0">
-                <a:solidFill>
-                  <a:srgbClr val="6A3E3E"/>
-                </a:solidFill>
-                <a:latin typeface="Consolas"/>
-              </a:rPr>
-              <a:t>request</a:t>
-            </a:r>
-            <a:r>
-              <a:rPr lang="en-US" altLang="ko-KR" sz="1600" dirty="0" smtClean="0">
-                <a:solidFill>
-                  <a:srgbClr val="000000"/>
-                </a:solidFill>
-                <a:latin typeface="Consolas"/>
-              </a:rPr>
-              <a:t>, </a:t>
-            </a:r>
-            <a:r>
-              <a:rPr lang="en-US" altLang="ko-KR" sz="1600" dirty="0" err="1" smtClean="0">
-                <a:solidFill>
-                  <a:srgbClr val="000000"/>
-                </a:solidFill>
-                <a:latin typeface="Consolas"/>
-              </a:rPr>
-              <a:t>HttpServletResponse</a:t>
-            </a:r>
-            <a:r>
-              <a:rPr lang="en-US" altLang="ko-KR" sz="1600" dirty="0" smtClean="0">
-                <a:solidFill>
-                  <a:srgbClr val="000000"/>
-                </a:solidFill>
-                <a:latin typeface="Consolas"/>
-              </a:rPr>
-              <a:t> </a:t>
-            </a:r>
-            <a:r>
-              <a:rPr lang="en-US" altLang="ko-KR" sz="1600" dirty="0" smtClean="0">
-                <a:solidFill>
-                  <a:srgbClr val="6A3E3E"/>
-                </a:solidFill>
-                <a:latin typeface="Consolas"/>
-              </a:rPr>
-              <a:t>response</a:t>
-            </a:r>
-            <a:r>
-              <a:rPr lang="en-US" altLang="ko-KR" sz="1600" dirty="0" smtClean="0">
-                <a:solidFill>
-                  <a:srgbClr val="000000"/>
-                </a:solidFill>
-                <a:latin typeface="Consolas"/>
-              </a:rPr>
-              <a:t>, </a:t>
-            </a:r>
-          </a:p>
-          <a:p>
-            <a:pPr marL="180000"/>
-            <a:r>
-              <a:rPr lang="en-US" altLang="ko-KR" sz="1600" dirty="0" smtClean="0">
-                <a:solidFill>
-                  <a:srgbClr val="000000"/>
-                </a:solidFill>
-                <a:latin typeface="Consolas"/>
-              </a:rPr>
-              <a:t>			Object </a:t>
-            </a:r>
-            <a:r>
-              <a:rPr lang="en-US" altLang="ko-KR" sz="1600" dirty="0" smtClean="0">
-                <a:solidFill>
-                  <a:srgbClr val="6A3E3E"/>
-                </a:solidFill>
-                <a:latin typeface="Consolas"/>
-              </a:rPr>
-              <a:t>handler</a:t>
-            </a:r>
-            <a:r>
-              <a:rPr lang="en-US" altLang="ko-KR" sz="1600" dirty="0" smtClean="0">
-                <a:solidFill>
-                  <a:srgbClr val="000000"/>
-                </a:solidFill>
-                <a:latin typeface="Consolas"/>
-              </a:rPr>
-              <a:t>) {</a:t>
-            </a:r>
-          </a:p>
-          <a:p>
-            <a:pPr marL="180000"/>
-            <a:r>
-              <a:rPr lang="en-US" altLang="ko-KR" sz="1600" dirty="0" smtClean="0">
-                <a:solidFill>
-                  <a:srgbClr val="000000"/>
-                </a:solidFill>
-                <a:latin typeface="Consolas"/>
-              </a:rPr>
-              <a:t>		</a:t>
-            </a:r>
-            <a:r>
-              <a:rPr lang="en-US" altLang="ko-KR" sz="1600" dirty="0" err="1" smtClean="0">
-                <a:solidFill>
-                  <a:srgbClr val="000000"/>
-                </a:solidFill>
-                <a:latin typeface="Consolas"/>
-              </a:rPr>
-              <a:t>StopWatch</a:t>
-            </a:r>
-            <a:r>
-              <a:rPr lang="en-US" altLang="ko-KR" sz="1600" dirty="0" smtClean="0">
-                <a:solidFill>
-                  <a:srgbClr val="000000"/>
-                </a:solidFill>
-                <a:latin typeface="Consolas"/>
-              </a:rPr>
-              <a:t> </a:t>
-            </a:r>
-            <a:r>
-              <a:rPr lang="en-US" altLang="ko-KR" sz="1600" dirty="0" err="1" smtClean="0">
-                <a:solidFill>
-                  <a:srgbClr val="6A3E3E"/>
-                </a:solidFill>
-                <a:latin typeface="Consolas"/>
-              </a:rPr>
-              <a:t>sw</a:t>
-            </a:r>
-            <a:r>
-              <a:rPr lang="en-US" altLang="ko-KR" sz="1600" dirty="0" smtClean="0">
-                <a:solidFill>
-                  <a:srgbClr val="000000"/>
-                </a:solidFill>
-                <a:latin typeface="Consolas"/>
-              </a:rPr>
-              <a:t> = </a:t>
-            </a:r>
-            <a:r>
-              <a:rPr lang="en-US" altLang="ko-KR" sz="1600" b="1" dirty="0" smtClean="0">
-                <a:solidFill>
-                  <a:srgbClr val="7F0055"/>
-                </a:solidFill>
-                <a:latin typeface="Consolas"/>
-              </a:rPr>
-              <a:t>new</a:t>
-            </a:r>
-            <a:r>
-              <a:rPr lang="en-US" altLang="ko-KR" sz="1600" b="1" dirty="0" smtClean="0">
-                <a:solidFill>
-                  <a:srgbClr val="000000"/>
-                </a:solidFill>
-                <a:latin typeface="Consolas"/>
-              </a:rPr>
-              <a:t> </a:t>
-            </a:r>
-            <a:r>
-              <a:rPr lang="en-US" altLang="ko-KR" sz="1600" b="1" dirty="0" err="1" smtClean="0">
-                <a:solidFill>
-                  <a:srgbClr val="000000"/>
-                </a:solidFill>
-                <a:latin typeface="Consolas"/>
-              </a:rPr>
-              <a:t>StopWatch</a:t>
-            </a:r>
-            <a:r>
-              <a:rPr lang="en-US" altLang="ko-KR" sz="1600" b="1" dirty="0" smtClean="0">
-                <a:solidFill>
-                  <a:srgbClr val="000000"/>
-                </a:solidFill>
-                <a:latin typeface="Consolas"/>
-              </a:rPr>
-              <a:t>();</a:t>
-            </a:r>
-          </a:p>
-          <a:p>
-            <a:pPr marL="180000"/>
-            <a:r>
-              <a:rPr lang="en-US" altLang="ko-KR" sz="1600" dirty="0" smtClean="0">
-                <a:solidFill>
-                  <a:srgbClr val="6A3E3E"/>
-                </a:solidFill>
-                <a:latin typeface="Consolas"/>
-              </a:rPr>
-              <a:t>		</a:t>
-            </a:r>
-            <a:r>
-              <a:rPr lang="en-US" altLang="ko-KR" sz="1600" dirty="0" err="1" smtClean="0">
-                <a:solidFill>
-                  <a:srgbClr val="6A3E3E"/>
-                </a:solidFill>
-                <a:latin typeface="Consolas"/>
-              </a:rPr>
-              <a:t>request</a:t>
-            </a:r>
-            <a:r>
-              <a:rPr lang="en-US" altLang="ko-KR" sz="1600" dirty="0" err="1" smtClean="0">
-                <a:solidFill>
-                  <a:srgbClr val="000000"/>
-                </a:solidFill>
-                <a:latin typeface="Consolas"/>
-              </a:rPr>
-              <a:t>.setAttribute</a:t>
-            </a:r>
-            <a:r>
-              <a:rPr lang="en-US" altLang="ko-KR" sz="1600" dirty="0" smtClean="0">
-                <a:solidFill>
-                  <a:srgbClr val="000000"/>
-                </a:solidFill>
-                <a:latin typeface="Consolas"/>
-              </a:rPr>
-              <a:t>(</a:t>
-            </a:r>
-            <a:r>
-              <a:rPr lang="en-US" altLang="ko-KR" sz="1600" dirty="0" smtClean="0">
-                <a:solidFill>
-                  <a:srgbClr val="2A00FF"/>
-                </a:solidFill>
-                <a:latin typeface="Consolas"/>
-              </a:rPr>
-              <a:t>"</a:t>
-            </a:r>
-            <a:r>
-              <a:rPr lang="en-US" altLang="ko-KR" sz="1600" dirty="0" err="1" smtClean="0">
-                <a:solidFill>
-                  <a:srgbClr val="2A00FF"/>
-                </a:solidFill>
-                <a:latin typeface="Consolas"/>
-              </a:rPr>
-              <a:t>sw</a:t>
-            </a:r>
-            <a:r>
-              <a:rPr lang="en-US" altLang="ko-KR" sz="1600" dirty="0" smtClean="0">
-                <a:solidFill>
-                  <a:srgbClr val="2A00FF"/>
-                </a:solidFill>
-                <a:latin typeface="Consolas"/>
-              </a:rPr>
-              <a:t>"</a:t>
-            </a:r>
-            <a:r>
-              <a:rPr lang="en-US" altLang="ko-KR" sz="1600" dirty="0" smtClean="0">
-                <a:solidFill>
-                  <a:srgbClr val="000000"/>
-                </a:solidFill>
-                <a:latin typeface="Consolas"/>
-              </a:rPr>
-              <a:t>, </a:t>
-            </a:r>
-            <a:r>
-              <a:rPr lang="en-US" altLang="ko-KR" sz="1600" dirty="0" err="1" smtClean="0">
-                <a:solidFill>
-                  <a:srgbClr val="6A3E3E"/>
-                </a:solidFill>
-                <a:latin typeface="Consolas"/>
-              </a:rPr>
-              <a:t>sw</a:t>
-            </a:r>
-            <a:r>
-              <a:rPr lang="en-US" altLang="ko-KR" sz="1600" dirty="0" smtClean="0">
-                <a:solidFill>
-                  <a:srgbClr val="000000"/>
-                </a:solidFill>
-                <a:latin typeface="Consolas"/>
-              </a:rPr>
-              <a:t>);</a:t>
-            </a:r>
-          </a:p>
-          <a:p>
-            <a:pPr marL="180000"/>
-            <a:r>
-              <a:rPr lang="en-US" altLang="ko-KR" sz="1600" dirty="0" smtClean="0">
-                <a:solidFill>
-                  <a:srgbClr val="6A3E3E"/>
-                </a:solidFill>
-                <a:latin typeface="Consolas"/>
-              </a:rPr>
-              <a:t>		</a:t>
-            </a:r>
-            <a:r>
-              <a:rPr lang="en-US" altLang="ko-KR" sz="1600" dirty="0" err="1" smtClean="0">
-                <a:solidFill>
-                  <a:srgbClr val="6A3E3E"/>
-                </a:solidFill>
-                <a:latin typeface="Consolas"/>
-              </a:rPr>
-              <a:t>sw</a:t>
-            </a:r>
-            <a:r>
-              <a:rPr lang="en-US" altLang="ko-KR" sz="1600" dirty="0" err="1" smtClean="0">
-                <a:solidFill>
-                  <a:srgbClr val="000000"/>
-                </a:solidFill>
-                <a:latin typeface="Consolas"/>
-              </a:rPr>
-              <a:t>.start</a:t>
-            </a:r>
-            <a:r>
-              <a:rPr lang="en-US" altLang="ko-KR" sz="1600" dirty="0" smtClean="0">
-                <a:solidFill>
-                  <a:srgbClr val="000000"/>
-                </a:solidFill>
-                <a:latin typeface="Consolas"/>
-              </a:rPr>
-              <a:t>();</a:t>
-            </a:r>
-          </a:p>
-          <a:p>
-            <a:pPr marL="180000"/>
-            <a:r>
-              <a:rPr lang="en-US" altLang="ko-KR" sz="1600" dirty="0" smtClean="0">
-                <a:solidFill>
-                  <a:srgbClr val="000000"/>
-                </a:solidFill>
-                <a:latin typeface="Consolas"/>
-              </a:rPr>
-              <a:t>		</a:t>
-            </a:r>
-            <a:r>
-              <a:rPr lang="en-US" altLang="ko-KR" sz="1600" dirty="0" err="1" smtClean="0">
-                <a:solidFill>
-                  <a:srgbClr val="000000"/>
-                </a:solidFill>
-                <a:latin typeface="Consolas"/>
-              </a:rPr>
-              <a:t>System.</a:t>
-            </a:r>
-            <a:r>
-              <a:rPr lang="en-US" altLang="ko-KR" sz="1600" b="1" i="1" dirty="0" err="1" smtClean="0">
-                <a:solidFill>
-                  <a:srgbClr val="0000C0"/>
-                </a:solidFill>
-                <a:latin typeface="Consolas"/>
-              </a:rPr>
-              <a:t>out</a:t>
-            </a:r>
-            <a:r>
-              <a:rPr lang="en-US" altLang="ko-KR" sz="1600" b="1" i="1" dirty="0" err="1" smtClean="0">
-                <a:solidFill>
-                  <a:srgbClr val="000000"/>
-                </a:solidFill>
-                <a:latin typeface="Consolas"/>
-              </a:rPr>
-              <a:t>.println</a:t>
-            </a:r>
-            <a:r>
-              <a:rPr lang="en-US" altLang="ko-KR" sz="1600" b="1" i="1" dirty="0" smtClean="0">
-                <a:solidFill>
-                  <a:srgbClr val="000000"/>
-                </a:solidFill>
-                <a:latin typeface="Consolas"/>
-              </a:rPr>
-              <a:t>(</a:t>
-            </a:r>
-            <a:r>
-              <a:rPr lang="en-US" altLang="ko-KR" sz="1600" b="1" i="1" dirty="0" smtClean="0">
-                <a:solidFill>
-                  <a:srgbClr val="2A00FF"/>
-                </a:solidFill>
-                <a:latin typeface="Consolas"/>
-              </a:rPr>
-              <a:t>"Time Start"</a:t>
-            </a:r>
-            <a:r>
-              <a:rPr lang="en-US" altLang="ko-KR" sz="1600" b="1" i="1" dirty="0" smtClean="0">
-                <a:solidFill>
-                  <a:srgbClr val="000000"/>
-                </a:solidFill>
-                <a:latin typeface="Consolas"/>
-              </a:rPr>
-              <a:t>);</a:t>
-            </a:r>
-          </a:p>
-          <a:p>
-            <a:pPr marL="180000"/>
-            <a:r>
-              <a:rPr lang="en-US" altLang="ko-KR" sz="1600" b="1" dirty="0" smtClean="0">
-                <a:solidFill>
-                  <a:srgbClr val="7F0055"/>
-                </a:solidFill>
-                <a:latin typeface="Consolas"/>
-              </a:rPr>
-              <a:t>		return</a:t>
-            </a:r>
-            <a:r>
-              <a:rPr lang="en-US" altLang="ko-KR" sz="1600" b="1" dirty="0" smtClean="0">
-                <a:solidFill>
-                  <a:srgbClr val="000000"/>
-                </a:solidFill>
-                <a:latin typeface="Consolas"/>
-              </a:rPr>
-              <a:t> </a:t>
-            </a:r>
-            <a:r>
-              <a:rPr lang="en-US" altLang="ko-KR" sz="1600" b="1" dirty="0" smtClean="0">
-                <a:solidFill>
-                  <a:srgbClr val="7F0055"/>
-                </a:solidFill>
-                <a:latin typeface="Consolas"/>
-              </a:rPr>
-              <a:t>true</a:t>
-            </a:r>
-            <a:r>
-              <a:rPr lang="en-US" altLang="ko-KR" sz="1600" b="1" dirty="0" smtClean="0">
-                <a:solidFill>
-                  <a:srgbClr val="000000"/>
-                </a:solidFill>
-                <a:latin typeface="Consolas"/>
-              </a:rPr>
-              <a:t>;</a:t>
-            </a:r>
-          </a:p>
-          <a:p>
-            <a:pPr marL="180000"/>
-            <a:r>
-              <a:rPr lang="en-US" altLang="ko-KR" sz="1600" dirty="0" smtClean="0">
-                <a:solidFill>
-                  <a:srgbClr val="000000"/>
-                </a:solidFill>
-                <a:latin typeface="Consolas"/>
-              </a:rPr>
               <a:t>	}</a:t>
             </a:r>
-            <a:endParaRPr lang="en-US" altLang="ko-KR" sz="1600" dirty="0" smtClean="0">
-              <a:solidFill>
-                <a:srgbClr val="000000"/>
-              </a:solidFill>
-              <a:latin typeface="Consolas"/>
-            </a:endParaRPr>
           </a:p>
           <a:p>
             <a:pPr marL="180000"/>
@@ -17360,7 +17574,1138 @@
     </p:spTree>
     <p:extLst>
       <p:ext uri="{BB962C8B-B14F-4D97-AF65-F5344CB8AC3E}">
-        <p14:creationId xmlns:p14="http://schemas.microsoft.com/office/powerpoint/2010/main" xmlns="" val="823508735"/>
+        <p14:creationId xmlns="" xmlns:p14="http://schemas.microsoft.com/office/powerpoint/2010/main" val="823508735"/>
+      </p:ext>
+    </p:extLst>
+  </p:cSld>
+  <p:clrMapOvr>
+    <a:masterClrMapping/>
+  </p:clrMapOvr>
+  <p:timing>
+    <p:tnLst>
+      <p:par>
+        <p:cTn id="1" dur="indefinite" restart="never" nodeType="tmRoot"/>
+      </p:par>
+    </p:tnLst>
+  </p:timing>
+</p:sld>
+</file>
+
+<file path=ppt/slides/slide8.xml><?xml version="1.0" encoding="utf-8"?>
+<p:sld xmlns:a="http://schemas.openxmlformats.org/drawingml/2006/main" xmlns:r="http://schemas.openxmlformats.org/officeDocument/2006/relationships" xmlns:p="http://schemas.openxmlformats.org/presentationml/2006/main">
+  <p:cSld>
+    <p:spTree>
+      <p:nvGrpSpPr>
+        <p:cNvPr id="1" name=""/>
+        <p:cNvGrpSpPr/>
+        <p:nvPr/>
+      </p:nvGrpSpPr>
+      <p:grpSpPr>
+        <a:xfrm>
+          <a:off x="0" y="0"/>
+          <a:ext cx="0" cy="0"/>
+          <a:chOff x="0" y="0"/>
+          <a:chExt cx="0" cy="0"/>
+        </a:xfrm>
+      </p:grpSpPr>
+      <p:grpSp>
+        <p:nvGrpSpPr>
+          <p:cNvPr id="2" name="그룹 38"/>
+          <p:cNvGrpSpPr/>
+          <p:nvPr/>
+        </p:nvGrpSpPr>
+        <p:grpSpPr>
+          <a:xfrm>
+            <a:off x="26636" y="1742752"/>
+            <a:ext cx="9852728" cy="4226244"/>
+            <a:chOff x="10365968" y="1742752"/>
+            <a:chExt cx="9852728" cy="4226244"/>
+          </a:xfrm>
+        </p:grpSpPr>
+        <p:pic>
+          <p:nvPicPr>
+            <p:cNvPr id="40" name="그림 39" descr="springframework.png"/>
+            <p:cNvPicPr>
+              <a:picLocks noChangeAspect="1"/>
+            </p:cNvPicPr>
+            <p:nvPr/>
+          </p:nvPicPr>
+          <p:blipFill>
+            <a:blip r:embed="rId3">
+              <a:duotone>
+                <a:schemeClr val="accent3">
+                  <a:shade val="45000"/>
+                  <a:satMod val="135000"/>
+                </a:schemeClr>
+                <a:prstClr val="white"/>
+              </a:duotone>
+            </a:blip>
+            <a:stretch>
+              <a:fillRect/>
+            </a:stretch>
+          </p:blipFill>
+          <p:spPr>
+            <a:xfrm>
+              <a:off x="10365968" y="1742753"/>
+              <a:ext cx="9838563" cy="4226243"/>
+            </a:xfrm>
+            <a:prstGeom prst="rect">
+              <a:avLst/>
+            </a:prstGeom>
+          </p:spPr>
+        </p:pic>
+        <p:sp>
+          <p:nvSpPr>
+            <p:cNvPr id="41" name="직사각형 40"/>
+            <p:cNvSpPr/>
+            <p:nvPr/>
+          </p:nvSpPr>
+          <p:spPr>
+            <a:xfrm>
+              <a:off x="13954000" y="1742752"/>
+              <a:ext cx="6264696" cy="4226243"/>
+            </a:xfrm>
+            <a:prstGeom prst="rect">
+              <a:avLst/>
+            </a:prstGeom>
+            <a:gradFill flip="none" rotWithShape="1">
+              <a:gsLst>
+                <a:gs pos="0">
+                  <a:schemeClr val="tx1">
+                    <a:lumMod val="85000"/>
+                    <a:lumOff val="15000"/>
+                    <a:alpha val="0"/>
+                  </a:schemeClr>
+                </a:gs>
+                <a:gs pos="70000">
+                  <a:schemeClr val="tx1">
+                    <a:lumMod val="85000"/>
+                    <a:lumOff val="15000"/>
+                    <a:alpha val="80000"/>
+                  </a:schemeClr>
+                </a:gs>
+                <a:gs pos="100000">
+                  <a:schemeClr val="tx1">
+                    <a:lumMod val="85000"/>
+                    <a:lumOff val="15000"/>
+                    <a:alpha val="90000"/>
+                  </a:schemeClr>
+                </a:gs>
+              </a:gsLst>
+              <a:lin ang="0" scaled="1"/>
+              <a:tileRect/>
+            </a:gradFill>
+            <a:ln>
+              <a:noFill/>
+            </a:ln>
+          </p:spPr>
+          <p:style>
+            <a:lnRef idx="2">
+              <a:schemeClr val="accent1">
+                <a:shade val="50000"/>
+              </a:schemeClr>
+            </a:lnRef>
+            <a:fillRef idx="1">
+              <a:schemeClr val="accent1"/>
+            </a:fillRef>
+            <a:effectRef idx="0">
+              <a:schemeClr val="accent1"/>
+            </a:effectRef>
+            <a:fontRef idx="minor">
+              <a:schemeClr val="lt1"/>
+            </a:fontRef>
+          </p:style>
+          <p:txBody>
+            <a:bodyPr rtlCol="0" anchor="ctr"/>
+            <a:lstStyle/>
+            <a:p>
+              <a:pPr algn="ctr"/>
+              <a:endParaRPr lang="ko-KR" altLang="en-US"/>
+            </a:p>
+          </p:txBody>
+        </p:sp>
+      </p:grpSp>
+      <p:sp>
+        <p:nvSpPr>
+          <p:cNvPr id="24" name="TextBox 23"/>
+          <p:cNvSpPr txBox="1"/>
+          <p:nvPr/>
+        </p:nvSpPr>
+        <p:spPr>
+          <a:xfrm>
+            <a:off x="309530" y="2143116"/>
+            <a:ext cx="9254468" cy="2308324"/>
+          </a:xfrm>
+          <a:prstGeom prst="rect">
+            <a:avLst/>
+          </a:prstGeom>
+          <a:solidFill>
+            <a:schemeClr val="bg1">
+              <a:lumMod val="95000"/>
+            </a:schemeClr>
+          </a:solidFill>
+        </p:spPr>
+        <p:txBody>
+          <a:bodyPr wrap="square" rtlCol="0">
+            <a:spAutoFit/>
+          </a:bodyPr>
+          <a:lstStyle/>
+          <a:p>
+            <a:pPr marL="180000"/>
+            <a:r>
+              <a:rPr lang="en-US" altLang="ko-KR" sz="1600" b="1" dirty="0" smtClean="0">
+                <a:solidFill>
+                  <a:srgbClr val="7F0055"/>
+                </a:solidFill>
+                <a:latin typeface="Consolas"/>
+              </a:rPr>
+              <a:t>public</a:t>
+            </a:r>
+            <a:r>
+              <a:rPr lang="en-US" altLang="ko-KR" sz="1600" b="1" dirty="0" smtClean="0">
+                <a:solidFill>
+                  <a:srgbClr val="000000"/>
+                </a:solidFill>
+                <a:latin typeface="Consolas"/>
+              </a:rPr>
+              <a:t> </a:t>
+            </a:r>
+            <a:r>
+              <a:rPr lang="en-US" altLang="ko-KR" sz="1600" b="1" dirty="0" smtClean="0">
+                <a:solidFill>
+                  <a:srgbClr val="7F0055"/>
+                </a:solidFill>
+                <a:latin typeface="Consolas"/>
+              </a:rPr>
+              <a:t>class</a:t>
+            </a:r>
+            <a:r>
+              <a:rPr lang="en-US" altLang="ko-KR" sz="1600" b="1" dirty="0" smtClean="0">
+                <a:solidFill>
+                  <a:srgbClr val="000000"/>
+                </a:solidFill>
+                <a:latin typeface="Consolas"/>
+              </a:rPr>
+              <a:t> Interceptor </a:t>
+            </a:r>
+            <a:r>
+              <a:rPr lang="en-US" altLang="ko-KR" sz="1600" b="1" dirty="0" smtClean="0">
+                <a:solidFill>
+                  <a:srgbClr val="7F0055"/>
+                </a:solidFill>
+                <a:latin typeface="Consolas"/>
+              </a:rPr>
+              <a:t>extends</a:t>
+            </a:r>
+            <a:r>
+              <a:rPr lang="en-US" altLang="ko-KR" sz="1600" b="1" dirty="0" smtClean="0">
+                <a:solidFill>
+                  <a:srgbClr val="000000"/>
+                </a:solidFill>
+                <a:latin typeface="Consolas"/>
+              </a:rPr>
+              <a:t> </a:t>
+            </a:r>
+            <a:r>
+              <a:rPr lang="en-US" altLang="ko-KR" sz="1600" b="1" dirty="0" err="1" smtClean="0">
+                <a:solidFill>
+                  <a:srgbClr val="000000"/>
+                </a:solidFill>
+                <a:latin typeface="Consolas"/>
+              </a:rPr>
+              <a:t>HandlerInterceptorAdapter</a:t>
+            </a:r>
+            <a:r>
+              <a:rPr lang="en-US" altLang="ko-KR" sz="1600" b="1" dirty="0" smtClean="0">
+                <a:solidFill>
+                  <a:srgbClr val="000000"/>
+                </a:solidFill>
+                <a:latin typeface="Consolas"/>
+              </a:rPr>
+              <a:t>{</a:t>
+            </a:r>
+          </a:p>
+          <a:p>
+            <a:pPr marL="180000"/>
+            <a:endParaRPr lang="ko-KR" altLang="en-US" sz="1600" dirty="0" smtClean="0">
+              <a:latin typeface="Consolas"/>
+            </a:endParaRPr>
+          </a:p>
+          <a:p>
+            <a:pPr marL="180000"/>
+            <a:r>
+              <a:rPr lang="en-US" altLang="ko-KR" sz="1600" dirty="0" smtClean="0">
+                <a:solidFill>
+                  <a:srgbClr val="646464"/>
+                </a:solidFill>
+                <a:latin typeface="Consolas"/>
+              </a:rPr>
+              <a:t>	@Override</a:t>
+            </a:r>
+          </a:p>
+          <a:p>
+            <a:pPr marL="180000"/>
+            <a:r>
+              <a:rPr lang="en-US" altLang="ko-KR" sz="1600" b="1" dirty="0" smtClean="0">
+                <a:solidFill>
+                  <a:srgbClr val="7F0055"/>
+                </a:solidFill>
+                <a:latin typeface="Consolas"/>
+              </a:rPr>
+              <a:t>	public</a:t>
+            </a:r>
+            <a:r>
+              <a:rPr lang="en-US" altLang="ko-KR" sz="1600" b="1" dirty="0" smtClean="0">
+                <a:solidFill>
+                  <a:srgbClr val="000000"/>
+                </a:solidFill>
+                <a:latin typeface="Consolas"/>
+              </a:rPr>
+              <a:t> </a:t>
+            </a:r>
+            <a:r>
+              <a:rPr lang="en-US" altLang="ko-KR" sz="1600" b="1" dirty="0" err="1" smtClean="0">
+                <a:solidFill>
+                  <a:srgbClr val="7F0055"/>
+                </a:solidFill>
+                <a:latin typeface="Consolas"/>
+              </a:rPr>
+              <a:t>boolean</a:t>
+            </a:r>
+            <a:r>
+              <a:rPr lang="en-US" altLang="ko-KR" sz="1600" b="1" dirty="0" smtClean="0">
+                <a:solidFill>
+                  <a:srgbClr val="000000"/>
+                </a:solidFill>
+                <a:latin typeface="Consolas"/>
+              </a:rPr>
+              <a:t> </a:t>
+            </a:r>
+            <a:r>
+              <a:rPr lang="en-US" altLang="ko-KR" sz="1600" b="1" dirty="0" err="1" smtClean="0">
+                <a:solidFill>
+                  <a:srgbClr val="000000"/>
+                </a:solidFill>
+                <a:latin typeface="Consolas"/>
+              </a:rPr>
+              <a:t>postHandle</a:t>
+            </a:r>
+            <a:r>
+              <a:rPr lang="en-US" altLang="ko-KR" sz="1600" b="1" dirty="0" smtClean="0">
+                <a:solidFill>
+                  <a:srgbClr val="000000"/>
+                </a:solidFill>
+                <a:latin typeface="Consolas"/>
+              </a:rPr>
+              <a:t>(</a:t>
+            </a:r>
+          </a:p>
+          <a:p>
+            <a:pPr marL="180000"/>
+            <a:r>
+              <a:rPr lang="en-US" altLang="ko-KR" sz="1600" dirty="0" smtClean="0">
+                <a:solidFill>
+                  <a:srgbClr val="000000"/>
+                </a:solidFill>
+                <a:latin typeface="Consolas"/>
+              </a:rPr>
+              <a:t>			</a:t>
+            </a:r>
+            <a:r>
+              <a:rPr lang="en-US" altLang="ko-KR" sz="1600" dirty="0" err="1" smtClean="0">
+                <a:solidFill>
+                  <a:srgbClr val="000000"/>
+                </a:solidFill>
+                <a:latin typeface="Consolas"/>
+              </a:rPr>
+              <a:t>HttpServletRequest</a:t>
+            </a:r>
+            <a:r>
+              <a:rPr lang="en-US" altLang="ko-KR" sz="1600" dirty="0" smtClean="0">
+                <a:solidFill>
+                  <a:srgbClr val="000000"/>
+                </a:solidFill>
+                <a:latin typeface="Consolas"/>
+              </a:rPr>
+              <a:t> </a:t>
+            </a:r>
+            <a:r>
+              <a:rPr lang="en-US" altLang="ko-KR" sz="1600" dirty="0" smtClean="0">
+                <a:solidFill>
+                  <a:srgbClr val="6A3E3E"/>
+                </a:solidFill>
+                <a:latin typeface="Consolas"/>
+              </a:rPr>
+              <a:t>request</a:t>
+            </a:r>
+            <a:r>
+              <a:rPr lang="en-US" altLang="ko-KR" sz="1600" dirty="0" smtClean="0">
+                <a:solidFill>
+                  <a:srgbClr val="000000"/>
+                </a:solidFill>
+                <a:latin typeface="Consolas"/>
+              </a:rPr>
+              <a:t>, </a:t>
+            </a:r>
+            <a:r>
+              <a:rPr lang="en-US" altLang="ko-KR" sz="1600" dirty="0" err="1" smtClean="0">
+                <a:solidFill>
+                  <a:srgbClr val="000000"/>
+                </a:solidFill>
+                <a:latin typeface="Consolas"/>
+              </a:rPr>
+              <a:t>HttpServletResponse</a:t>
+            </a:r>
+            <a:r>
+              <a:rPr lang="en-US" altLang="ko-KR" sz="1600" dirty="0" smtClean="0">
+                <a:solidFill>
+                  <a:srgbClr val="000000"/>
+                </a:solidFill>
+                <a:latin typeface="Consolas"/>
+              </a:rPr>
+              <a:t> </a:t>
+            </a:r>
+            <a:r>
+              <a:rPr lang="en-US" altLang="ko-KR" sz="1600" dirty="0" smtClean="0">
+                <a:solidFill>
+                  <a:srgbClr val="6A3E3E"/>
+                </a:solidFill>
+                <a:latin typeface="Consolas"/>
+              </a:rPr>
+              <a:t>response</a:t>
+            </a:r>
+            <a:r>
+              <a:rPr lang="en-US" altLang="ko-KR" sz="1600" dirty="0" smtClean="0">
+                <a:solidFill>
+                  <a:srgbClr val="000000"/>
+                </a:solidFill>
+                <a:latin typeface="Consolas"/>
+              </a:rPr>
+              <a:t>, </a:t>
+            </a:r>
+          </a:p>
+          <a:p>
+            <a:pPr marL="180000"/>
+            <a:r>
+              <a:rPr lang="en-US" altLang="ko-KR" sz="1600" dirty="0" smtClean="0">
+                <a:solidFill>
+                  <a:srgbClr val="000000"/>
+                </a:solidFill>
+                <a:latin typeface="Consolas"/>
+              </a:rPr>
+              <a:t>			Object </a:t>
+            </a:r>
+            <a:r>
+              <a:rPr lang="en-US" altLang="ko-KR" sz="1600" dirty="0" smtClean="0">
+                <a:solidFill>
+                  <a:srgbClr val="6A3E3E"/>
+                </a:solidFill>
+                <a:latin typeface="Consolas"/>
+              </a:rPr>
+              <a:t>handler, </a:t>
+            </a:r>
+            <a:r>
+              <a:rPr lang="en-US" altLang="ko-KR" sz="1600" dirty="0" err="1" smtClean="0">
+                <a:solidFill>
+                  <a:srgbClr val="6A3E3E"/>
+                </a:solidFill>
+                <a:latin typeface="Consolas"/>
+              </a:rPr>
+              <a:t>ModelAndView</a:t>
+            </a:r>
+            <a:r>
+              <a:rPr lang="en-US" altLang="ko-KR" sz="1600" dirty="0" smtClean="0">
+                <a:solidFill>
+                  <a:srgbClr val="6A3E3E"/>
+                </a:solidFill>
+                <a:latin typeface="Consolas"/>
+              </a:rPr>
+              <a:t> </a:t>
+            </a:r>
+            <a:r>
+              <a:rPr lang="en-US" altLang="ko-KR" sz="1600" dirty="0" err="1" smtClean="0">
+                <a:solidFill>
+                  <a:srgbClr val="6A3E3E"/>
+                </a:solidFill>
+                <a:latin typeface="Consolas"/>
+              </a:rPr>
+              <a:t>modelAndView</a:t>
+            </a:r>
+            <a:r>
+              <a:rPr lang="en-US" altLang="ko-KR" sz="1600" dirty="0" smtClean="0">
+                <a:solidFill>
+                  <a:srgbClr val="000000"/>
+                </a:solidFill>
+                <a:latin typeface="Consolas"/>
+              </a:rPr>
+              <a:t>) {</a:t>
+            </a:r>
+          </a:p>
+          <a:p>
+            <a:pPr marL="180000"/>
+            <a:r>
+              <a:rPr lang="en-US" altLang="ko-KR" sz="1600" dirty="0" smtClean="0">
+                <a:solidFill>
+                  <a:srgbClr val="000000"/>
+                </a:solidFill>
+                <a:latin typeface="Consolas"/>
+              </a:rPr>
+              <a:t>		</a:t>
+            </a:r>
+            <a:r>
+              <a:rPr lang="en-US" altLang="ko-KR" sz="1600" dirty="0" err="1" smtClean="0">
+                <a:solidFill>
+                  <a:srgbClr val="000000"/>
+                </a:solidFill>
+                <a:latin typeface="Consolas"/>
+              </a:rPr>
+              <a:t>System.</a:t>
+            </a:r>
+            <a:r>
+              <a:rPr lang="en-US" altLang="ko-KR" sz="1600" b="1" i="1" dirty="0" err="1" smtClean="0">
+                <a:solidFill>
+                  <a:srgbClr val="0000C0"/>
+                </a:solidFill>
+                <a:latin typeface="Consolas"/>
+              </a:rPr>
+              <a:t>out</a:t>
+            </a:r>
+            <a:r>
+              <a:rPr lang="en-US" altLang="ko-KR" sz="1600" b="1" i="1" dirty="0" err="1" smtClean="0">
+                <a:solidFill>
+                  <a:srgbClr val="000000"/>
+                </a:solidFill>
+                <a:latin typeface="Consolas"/>
+              </a:rPr>
+              <a:t>.println</a:t>
+            </a:r>
+            <a:r>
+              <a:rPr lang="en-US" altLang="ko-KR" sz="1600" b="1" i="1" dirty="0" smtClean="0">
+                <a:solidFill>
+                  <a:srgbClr val="000000"/>
+                </a:solidFill>
+                <a:latin typeface="Consolas"/>
+              </a:rPr>
+              <a:t>(</a:t>
+            </a:r>
+            <a:r>
+              <a:rPr lang="en-US" altLang="ko-KR" sz="1600" b="1" i="1" dirty="0" smtClean="0">
+                <a:solidFill>
+                  <a:srgbClr val="2A00FF"/>
+                </a:solidFill>
+                <a:latin typeface="Consolas"/>
+              </a:rPr>
+              <a:t>“</a:t>
+            </a:r>
+            <a:r>
+              <a:rPr lang="en-US" altLang="ko-KR" sz="1600" b="1" i="1" dirty="0" err="1" smtClean="0">
+                <a:solidFill>
+                  <a:srgbClr val="2A00FF"/>
+                </a:solidFill>
+                <a:latin typeface="Consolas"/>
+              </a:rPr>
+              <a:t>postHandle</a:t>
+            </a:r>
+            <a:r>
+              <a:rPr lang="en-US" altLang="ko-KR" sz="1600" b="1" i="1" dirty="0" smtClean="0">
+                <a:solidFill>
+                  <a:srgbClr val="2A00FF"/>
+                </a:solidFill>
+                <a:latin typeface="Consolas"/>
+              </a:rPr>
+              <a:t>(Controller </a:t>
+            </a:r>
+            <a:r>
+              <a:rPr lang="ko-KR" altLang="en-US" sz="1600" b="1" i="1" dirty="0" smtClean="0">
+                <a:solidFill>
+                  <a:srgbClr val="2A00FF"/>
+                </a:solidFill>
+                <a:latin typeface="Consolas"/>
+              </a:rPr>
+              <a:t>실행 후</a:t>
+            </a:r>
+            <a:r>
+              <a:rPr lang="en-US" altLang="ko-KR" sz="1600" b="1" i="1" dirty="0" smtClean="0">
+                <a:solidFill>
+                  <a:srgbClr val="2A00FF"/>
+                </a:solidFill>
+                <a:latin typeface="Consolas"/>
+              </a:rPr>
+              <a:t>) View </a:t>
+            </a:r>
+            <a:r>
+              <a:rPr lang="ko-KR" altLang="en-US" sz="1600" b="1" i="1" dirty="0" smtClean="0">
+                <a:solidFill>
+                  <a:srgbClr val="2A00FF"/>
+                </a:solidFill>
+                <a:latin typeface="Consolas"/>
+              </a:rPr>
+              <a:t>실행 전</a:t>
+            </a:r>
+            <a:r>
+              <a:rPr lang="en-US" altLang="ko-KR" sz="1600" b="1" i="1" dirty="0" smtClean="0">
+                <a:solidFill>
+                  <a:srgbClr val="2A00FF"/>
+                </a:solidFill>
+                <a:latin typeface="Consolas"/>
+              </a:rPr>
+              <a:t>"</a:t>
+            </a:r>
+            <a:r>
+              <a:rPr lang="en-US" altLang="ko-KR" sz="1600" b="1" i="1" dirty="0" smtClean="0">
+                <a:solidFill>
+                  <a:srgbClr val="000000"/>
+                </a:solidFill>
+                <a:latin typeface="Consolas"/>
+              </a:rPr>
+              <a:t>);</a:t>
+            </a:r>
+            <a:endParaRPr lang="en-US" altLang="ko-KR" sz="1600" b="1" dirty="0" smtClean="0">
+              <a:solidFill>
+                <a:srgbClr val="000000"/>
+              </a:solidFill>
+              <a:latin typeface="Consolas"/>
+            </a:endParaRPr>
+          </a:p>
+          <a:p>
+            <a:pPr marL="180000"/>
+            <a:r>
+              <a:rPr lang="en-US" altLang="ko-KR" sz="1600" dirty="0" smtClean="0">
+                <a:solidFill>
+                  <a:srgbClr val="000000"/>
+                </a:solidFill>
+                <a:latin typeface="Consolas"/>
+              </a:rPr>
+              <a:t>	}</a:t>
+            </a:r>
+          </a:p>
+          <a:p>
+            <a:pPr marL="180000"/>
+            <a:r>
+              <a:rPr lang="en-US" altLang="ko-KR" sz="1600" dirty="0" smtClean="0">
+                <a:solidFill>
+                  <a:srgbClr val="000000"/>
+                </a:solidFill>
+                <a:latin typeface="Consolas"/>
+              </a:rPr>
+              <a:t>}</a:t>
+            </a:r>
+            <a:endParaRPr lang="ko-KR" altLang="en-US" sz="1600" dirty="0"/>
+          </a:p>
+        </p:txBody>
+      </p:sp>
+      <p:grpSp>
+        <p:nvGrpSpPr>
+          <p:cNvPr id="6" name="그룹 1"/>
+          <p:cNvGrpSpPr/>
+          <p:nvPr/>
+        </p:nvGrpSpPr>
+        <p:grpSpPr>
+          <a:xfrm>
+            <a:off x="0" y="0"/>
+            <a:ext cx="9906000" cy="6970871"/>
+            <a:chOff x="0" y="0"/>
+            <a:chExt cx="9906000" cy="6970871"/>
+          </a:xfrm>
+        </p:grpSpPr>
+        <p:pic>
+          <p:nvPicPr>
+            <p:cNvPr id="2050" name="Picture 2" descr="C:\Users\USER\Desktop\2차 프로젝트(WEB)_4조\images\macbook_PNG36.png"/>
+            <p:cNvPicPr>
+              <a:picLocks noChangeAspect="1" noChangeArrowheads="1"/>
+            </p:cNvPicPr>
+            <p:nvPr/>
+          </p:nvPicPr>
+          <p:blipFill>
+            <a:blip r:embed="rId4"/>
+            <a:srcRect l="9199" r="9199"/>
+            <a:stretch>
+              <a:fillRect/>
+            </a:stretch>
+          </p:blipFill>
+          <p:spPr bwMode="auto">
+            <a:xfrm>
+              <a:off x="0" y="0"/>
+              <a:ext cx="9906000" cy="6970871"/>
+            </a:xfrm>
+            <a:prstGeom prst="rect">
+              <a:avLst/>
+            </a:prstGeom>
+            <a:noFill/>
+          </p:spPr>
+        </p:pic>
+        <p:sp>
+          <p:nvSpPr>
+            <p:cNvPr id="3" name="직사각형 2"/>
+            <p:cNvSpPr/>
+            <p:nvPr/>
+          </p:nvSpPr>
+          <p:spPr>
+            <a:xfrm>
+              <a:off x="0" y="0"/>
+              <a:ext cx="9906000" cy="6858000"/>
+            </a:xfrm>
+            <a:prstGeom prst="rect">
+              <a:avLst/>
+            </a:prstGeom>
+            <a:solidFill>
+              <a:schemeClr val="tx1">
+                <a:lumMod val="85000"/>
+                <a:lumOff val="15000"/>
+                <a:alpha val="60000"/>
+              </a:schemeClr>
+            </a:solidFill>
+            <a:ln>
+              <a:noFill/>
+            </a:ln>
+          </p:spPr>
+          <p:style>
+            <a:lnRef idx="2">
+              <a:schemeClr val="accent1">
+                <a:shade val="50000"/>
+              </a:schemeClr>
+            </a:lnRef>
+            <a:fillRef idx="1">
+              <a:schemeClr val="accent1"/>
+            </a:fillRef>
+            <a:effectRef idx="0">
+              <a:schemeClr val="accent1"/>
+            </a:effectRef>
+            <a:fontRef idx="minor">
+              <a:schemeClr val="lt1"/>
+            </a:fontRef>
+          </p:style>
+          <p:txBody>
+            <a:bodyPr rtlCol="0" anchor="ctr"/>
+            <a:lstStyle/>
+            <a:p>
+              <a:pPr algn="ctr"/>
+              <a:endParaRPr lang="ko-KR" altLang="en-US"/>
+            </a:p>
+          </p:txBody>
+        </p:sp>
+      </p:grpSp>
+      <p:grpSp>
+        <p:nvGrpSpPr>
+          <p:cNvPr id="7" name="그룹 43"/>
+          <p:cNvGrpSpPr/>
+          <p:nvPr/>
+        </p:nvGrpSpPr>
+        <p:grpSpPr>
+          <a:xfrm>
+            <a:off x="5851866" y="641157"/>
+            <a:ext cx="4357718" cy="613925"/>
+            <a:chOff x="0" y="641157"/>
+            <a:chExt cx="4357718" cy="613925"/>
+          </a:xfrm>
+        </p:grpSpPr>
+        <p:sp>
+          <p:nvSpPr>
+            <p:cNvPr id="4" name="TextBox 3"/>
+            <p:cNvSpPr txBox="1"/>
+            <p:nvPr/>
+          </p:nvSpPr>
+          <p:spPr>
+            <a:xfrm>
+              <a:off x="1643074" y="641157"/>
+              <a:ext cx="2714644" cy="307777"/>
+            </a:xfrm>
+            <a:prstGeom prst="rect">
+              <a:avLst/>
+            </a:prstGeom>
+            <a:noFill/>
+            <a:ln>
+              <a:noFill/>
+            </a:ln>
+          </p:spPr>
+          <p:txBody>
+            <a:bodyPr wrap="square" rtlCol="0">
+              <a:spAutoFit/>
+            </a:bodyPr>
+            <a:lstStyle/>
+            <a:p>
+              <a:r>
+                <a:rPr lang="en-US" altLang="ko-KR" sz="1400" dirty="0" err="1" smtClean="0">
+                  <a:solidFill>
+                    <a:schemeClr val="bg1">
+                      <a:lumMod val="65000"/>
+                    </a:schemeClr>
+                  </a:solidFill>
+                  <a:latin typeface="한컴 윤고딕 250" pitchFamily="18" charset="-127"/>
+                  <a:ea typeface="한컴 윤고딕 250" pitchFamily="18" charset="-127"/>
+                </a:rPr>
+                <a:t>SpringFramework</a:t>
+              </a:r>
+              <a:endParaRPr lang="en-US" altLang="ko-KR" sz="1400" dirty="0" smtClean="0">
+                <a:solidFill>
+                  <a:schemeClr val="bg1">
+                    <a:lumMod val="65000"/>
+                  </a:schemeClr>
+                </a:solidFill>
+                <a:latin typeface="한컴 윤고딕 250" pitchFamily="18" charset="-127"/>
+                <a:ea typeface="한컴 윤고딕 250" pitchFamily="18" charset="-127"/>
+              </a:endParaRPr>
+            </a:p>
+          </p:txBody>
+        </p:sp>
+        <p:sp>
+          <p:nvSpPr>
+            <p:cNvPr id="5" name="TextBox 4"/>
+            <p:cNvSpPr txBox="1"/>
+            <p:nvPr/>
+          </p:nvSpPr>
+          <p:spPr>
+            <a:xfrm>
+              <a:off x="0" y="916528"/>
+              <a:ext cx="4357718" cy="338554"/>
+            </a:xfrm>
+            <a:prstGeom prst="rect">
+              <a:avLst/>
+            </a:prstGeom>
+            <a:noFill/>
+            <a:ln>
+              <a:noFill/>
+            </a:ln>
+          </p:spPr>
+          <p:txBody>
+            <a:bodyPr wrap="square" rtlCol="0">
+              <a:spAutoFit/>
+            </a:bodyPr>
+            <a:lstStyle/>
+            <a:p>
+              <a:pPr algn="ctr"/>
+              <a:r>
+                <a:rPr lang="en-US" altLang="ko-KR" sz="1600" dirty="0" err="1" smtClean="0">
+                  <a:solidFill>
+                    <a:schemeClr val="bg1">
+                      <a:lumMod val="65000"/>
+                    </a:schemeClr>
+                  </a:solidFill>
+                  <a:latin typeface="한컴 윤고딕 250" pitchFamily="18" charset="-127"/>
+                  <a:ea typeface="한컴 윤고딕 250" pitchFamily="18" charset="-127"/>
+                </a:rPr>
+                <a:t>HandlerInterceptor</a:t>
+              </a:r>
+              <a:endParaRPr lang="ko-KR" altLang="en-US" sz="1600" dirty="0">
+                <a:solidFill>
+                  <a:schemeClr val="bg1">
+                    <a:lumMod val="65000"/>
+                  </a:schemeClr>
+                </a:solidFill>
+                <a:latin typeface="한컴 윤고딕 250" pitchFamily="18" charset="-127"/>
+                <a:ea typeface="한컴 윤고딕 250" pitchFamily="18" charset="-127"/>
+              </a:endParaRPr>
+            </a:p>
+          </p:txBody>
+        </p:sp>
+        <p:cxnSp>
+          <p:nvCxnSpPr>
+            <p:cNvPr id="13" name="직선 연결선 12"/>
+            <p:cNvCxnSpPr/>
+            <p:nvPr/>
+          </p:nvCxnSpPr>
+          <p:spPr>
+            <a:xfrm>
+              <a:off x="1693422" y="929740"/>
+              <a:ext cx="1944216" cy="0"/>
+            </a:xfrm>
+            <a:prstGeom prst="line">
+              <a:avLst/>
+            </a:prstGeom>
+            <a:ln w="19050">
+              <a:solidFill>
+                <a:schemeClr val="bg1">
+                  <a:lumMod val="65000"/>
+                </a:schemeClr>
+              </a:solidFill>
+            </a:ln>
+          </p:spPr>
+          <p:style>
+            <a:lnRef idx="1">
+              <a:schemeClr val="accent1"/>
+            </a:lnRef>
+            <a:fillRef idx="0">
+              <a:schemeClr val="accent1"/>
+            </a:fillRef>
+            <a:effectRef idx="0">
+              <a:schemeClr val="accent1"/>
+            </a:effectRef>
+            <a:fontRef idx="minor">
+              <a:schemeClr val="tx1"/>
+            </a:fontRef>
+          </p:style>
+        </p:cxnSp>
+        <p:cxnSp>
+          <p:nvCxnSpPr>
+            <p:cNvPr id="14" name="직선 연결선 13"/>
+            <p:cNvCxnSpPr/>
+            <p:nvPr/>
+          </p:nvCxnSpPr>
+          <p:spPr>
+            <a:xfrm>
+              <a:off x="988894" y="1218345"/>
+              <a:ext cx="2376264" cy="0"/>
+            </a:xfrm>
+            <a:prstGeom prst="line">
+              <a:avLst/>
+            </a:prstGeom>
+            <a:ln w="19050">
+              <a:solidFill>
+                <a:schemeClr val="bg1">
+                  <a:lumMod val="65000"/>
+                </a:schemeClr>
+              </a:solidFill>
+            </a:ln>
+          </p:spPr>
+          <p:style>
+            <a:lnRef idx="1">
+              <a:schemeClr val="accent1"/>
+            </a:lnRef>
+            <a:fillRef idx="0">
+              <a:schemeClr val="accent1"/>
+            </a:fillRef>
+            <a:effectRef idx="0">
+              <a:schemeClr val="accent1"/>
+            </a:effectRef>
+            <a:fontRef idx="minor">
+              <a:schemeClr val="tx1"/>
+            </a:fontRef>
+          </p:style>
+        </p:cxnSp>
+      </p:grpSp>
+      <p:grpSp>
+        <p:nvGrpSpPr>
+          <p:cNvPr id="8" name="그룹 58"/>
+          <p:cNvGrpSpPr/>
+          <p:nvPr/>
+        </p:nvGrpSpPr>
+        <p:grpSpPr>
+          <a:xfrm>
+            <a:off x="469097" y="1213678"/>
+            <a:ext cx="5222583" cy="400110"/>
+            <a:chOff x="469098" y="1285686"/>
+            <a:chExt cx="4843942" cy="400110"/>
+          </a:xfrm>
+        </p:grpSpPr>
+        <p:sp>
+          <p:nvSpPr>
+            <p:cNvPr id="60" name="TextBox 59"/>
+            <p:cNvSpPr txBox="1"/>
+            <p:nvPr/>
+          </p:nvSpPr>
+          <p:spPr>
+            <a:xfrm>
+              <a:off x="469098" y="1285686"/>
+              <a:ext cx="4843942" cy="400110"/>
+            </a:xfrm>
+            <a:prstGeom prst="rect">
+              <a:avLst/>
+            </a:prstGeom>
+            <a:noFill/>
+          </p:spPr>
+          <p:txBody>
+            <a:bodyPr wrap="square" rtlCol="0">
+              <a:spAutoFit/>
+            </a:bodyPr>
+            <a:lstStyle/>
+            <a:p>
+              <a:r>
+                <a:rPr lang="en-US" altLang="ko-KR" sz="2000" dirty="0" err="1" smtClean="0">
+                  <a:solidFill>
+                    <a:schemeClr val="bg1">
+                      <a:lumMod val="95000"/>
+                    </a:schemeClr>
+                  </a:solidFill>
+                  <a:latin typeface="한컴 윤고딕 250" pitchFamily="18" charset="-127"/>
+                  <a:ea typeface="한컴 윤고딕 250" pitchFamily="18" charset="-127"/>
+                </a:rPr>
+                <a:t>HandlerInterceptor</a:t>
+              </a:r>
+              <a:r>
+                <a:rPr lang="en-US" altLang="ko-KR" sz="2000" dirty="0" smtClean="0">
+                  <a:solidFill>
+                    <a:schemeClr val="bg1">
+                      <a:lumMod val="95000"/>
+                    </a:schemeClr>
+                  </a:solidFill>
+                  <a:latin typeface="한컴 윤고딕 250" pitchFamily="18" charset="-127"/>
+                  <a:ea typeface="한컴 윤고딕 250" pitchFamily="18" charset="-127"/>
+                </a:rPr>
+                <a:t> </a:t>
+              </a:r>
+              <a:r>
+                <a:rPr lang="ko-KR" altLang="en-US" sz="2000" dirty="0" smtClean="0">
+                  <a:solidFill>
+                    <a:schemeClr val="bg1">
+                      <a:lumMod val="95000"/>
+                    </a:schemeClr>
+                  </a:solidFill>
+                  <a:latin typeface="한컴 윤고딕 250" pitchFamily="18" charset="-127"/>
+                  <a:ea typeface="한컴 윤고딕 250" pitchFamily="18" charset="-127"/>
+                </a:rPr>
+                <a:t>사용 예제</a:t>
+              </a:r>
+              <a:endParaRPr lang="en-US" altLang="ko-KR" sz="2000" dirty="0" smtClean="0">
+                <a:solidFill>
+                  <a:schemeClr val="bg1">
+                    <a:lumMod val="95000"/>
+                  </a:schemeClr>
+                </a:solidFill>
+                <a:latin typeface="한컴 윤고딕 250" pitchFamily="18" charset="-127"/>
+                <a:ea typeface="한컴 윤고딕 250" pitchFamily="18" charset="-127"/>
+              </a:endParaRPr>
+            </a:p>
+          </p:txBody>
+        </p:sp>
+        <p:cxnSp>
+          <p:nvCxnSpPr>
+            <p:cNvPr id="65" name="직선 연결선 64"/>
+            <p:cNvCxnSpPr/>
+            <p:nvPr/>
+          </p:nvCxnSpPr>
+          <p:spPr>
+            <a:xfrm>
+              <a:off x="577204" y="1685796"/>
+              <a:ext cx="3739677" cy="0"/>
+            </a:xfrm>
+            <a:prstGeom prst="line">
+              <a:avLst/>
+            </a:prstGeom>
+            <a:ln w="19050">
+              <a:solidFill>
+                <a:schemeClr val="bg1">
+                  <a:lumMod val="75000"/>
+                </a:schemeClr>
+              </a:solidFill>
+            </a:ln>
+          </p:spPr>
+          <p:style>
+            <a:lnRef idx="1">
+              <a:schemeClr val="accent1"/>
+            </a:lnRef>
+            <a:fillRef idx="0">
+              <a:schemeClr val="accent1"/>
+            </a:fillRef>
+            <a:effectRef idx="0">
+              <a:schemeClr val="accent1"/>
+            </a:effectRef>
+            <a:fontRef idx="minor">
+              <a:schemeClr val="tx1"/>
+            </a:fontRef>
+          </p:style>
+        </p:cxnSp>
+      </p:grpSp>
+      <p:sp>
+        <p:nvSpPr>
+          <p:cNvPr id="25" name="TextBox 24"/>
+          <p:cNvSpPr txBox="1"/>
+          <p:nvPr/>
+        </p:nvSpPr>
+        <p:spPr>
+          <a:xfrm>
+            <a:off x="704528" y="1693659"/>
+            <a:ext cx="4247838" cy="369332"/>
+          </a:xfrm>
+          <a:prstGeom prst="rect">
+            <a:avLst/>
+          </a:prstGeom>
+          <a:noFill/>
+        </p:spPr>
+        <p:txBody>
+          <a:bodyPr wrap="square" rtlCol="0" anchor="ctr" anchorCtr="0">
+            <a:spAutoFit/>
+          </a:bodyPr>
+          <a:lstStyle/>
+          <a:p>
+            <a:r>
+              <a:rPr lang="en-US" altLang="ko-KR" dirty="0" smtClean="0">
+                <a:solidFill>
+                  <a:schemeClr val="bg1">
+                    <a:lumMod val="95000"/>
+                  </a:schemeClr>
+                </a:solidFill>
+                <a:latin typeface="한컴 윤고딕 250" pitchFamily="18" charset="-127"/>
+                <a:ea typeface="한컴 윤고딕 250" pitchFamily="18" charset="-127"/>
+              </a:rPr>
+              <a:t>#</a:t>
+            </a:r>
+            <a:r>
+              <a:rPr lang="ko-KR" altLang="en-US" dirty="0" smtClean="0">
+                <a:solidFill>
+                  <a:schemeClr val="bg1">
+                    <a:lumMod val="95000"/>
+                  </a:schemeClr>
+                </a:solidFill>
+                <a:latin typeface="한컴 윤고딕 250" pitchFamily="18" charset="-127"/>
+                <a:ea typeface="한컴 윤고딕 250" pitchFamily="18" charset="-127"/>
+              </a:rPr>
+              <a:t> </a:t>
+            </a:r>
+            <a:r>
+              <a:rPr lang="en-US" altLang="ko-KR" dirty="0" err="1" smtClean="0">
+                <a:solidFill>
+                  <a:schemeClr val="bg1">
+                    <a:lumMod val="95000"/>
+                  </a:schemeClr>
+                </a:solidFill>
+                <a:latin typeface="한컴 윤고딕 250" pitchFamily="18" charset="-127"/>
+                <a:ea typeface="한컴 윤고딕 250" pitchFamily="18" charset="-127"/>
+              </a:rPr>
+              <a:t>postHandle</a:t>
+            </a:r>
+            <a:endParaRPr lang="en-US" altLang="ko-KR" dirty="0" smtClean="0">
+              <a:solidFill>
+                <a:schemeClr val="bg1">
+                  <a:lumMod val="95000"/>
+                </a:schemeClr>
+              </a:solidFill>
+              <a:latin typeface="한컴 윤고딕 250" pitchFamily="18" charset="-127"/>
+              <a:ea typeface="한컴 윤고딕 250" pitchFamily="18" charset="-127"/>
+            </a:endParaRPr>
+          </a:p>
+        </p:txBody>
+      </p:sp>
+      <p:cxnSp>
+        <p:nvCxnSpPr>
+          <p:cNvPr id="26" name="직선 연결선 25"/>
+          <p:cNvCxnSpPr/>
+          <p:nvPr/>
+        </p:nvCxnSpPr>
+        <p:spPr>
+          <a:xfrm>
+            <a:off x="776536" y="2027646"/>
+            <a:ext cx="1836000" cy="0"/>
+          </a:xfrm>
+          <a:prstGeom prst="line">
+            <a:avLst/>
+          </a:prstGeom>
+          <a:ln w="19050">
+            <a:solidFill>
+              <a:schemeClr val="bg1">
+                <a:lumMod val="75000"/>
+              </a:schemeClr>
+            </a:solidFill>
+          </a:ln>
+        </p:spPr>
+        <p:style>
+          <a:lnRef idx="1">
+            <a:schemeClr val="accent1"/>
+          </a:lnRef>
+          <a:fillRef idx="0">
+            <a:schemeClr val="accent1"/>
+          </a:fillRef>
+          <a:effectRef idx="0">
+            <a:schemeClr val="accent1"/>
+          </a:effectRef>
+          <a:fontRef idx="minor">
+            <a:schemeClr val="tx1"/>
+          </a:fontRef>
+        </p:style>
+      </p:cxnSp>
+    </p:spTree>
+    <p:extLst>
+      <p:ext uri="{BB962C8B-B14F-4D97-AF65-F5344CB8AC3E}">
+        <p14:creationId xmlns="" xmlns:p14="http://schemas.microsoft.com/office/powerpoint/2010/main" val="823508735"/>
       </p:ext>
     </p:extLst>
   </p:cSld>
@@ -17766,16 +19111,7 @@
                 </a:solidFill>
                 <a:latin typeface="Consolas"/>
               </a:rPr>
-              <a:t>, </a:t>
-            </a:r>
-            <a:r>
-              <a:rPr lang="en-US" altLang="ko-KR" sz="1600" dirty="0" smtClean="0">
-                <a:solidFill>
-                  <a:srgbClr val="000000"/>
-                </a:solidFill>
-                <a:latin typeface="Consolas"/>
-              </a:rPr>
-              <a:t>		Object </a:t>
+              <a:t>, 		Object </a:t>
             </a:r>
             <a:r>
               <a:rPr lang="en-US" altLang="ko-KR" sz="1600" dirty="0" smtClean="0">
@@ -18706,7 +20042,7 @@
     </p:spTree>
     <p:extLst>
       <p:ext uri="{BB962C8B-B14F-4D97-AF65-F5344CB8AC3E}">
-        <p14:creationId xmlns:p14="http://schemas.microsoft.com/office/powerpoint/2010/main" xmlns="" val="823508735"/>
+        <p14:creationId xmlns="" xmlns:p14="http://schemas.microsoft.com/office/powerpoint/2010/main" val="823508735"/>
       </p:ext>
     </p:extLst>
   </p:cSld>
@@ -19261,7 +20597,7 @@
   <a:extraClrSchemeLst/>
   <a:extLst>
     <a:ext uri="{05A4C25C-085E-4340-85A3-A5531E510DB2}">
-      <thm15:themeFamily xmlns:thm15="http://schemas.microsoft.com/office/thememl/2012/main" xmlns="" name="Office Theme" id="{62F939B6-93AF-4DB8-9C6B-D6C7DFDC589F}" vid="{4A3C46E8-61CC-4603-A589-7422A47A8E4A}"/>
+      <thm15:themeFamily xmlns="" xmlns:thm15="http://schemas.microsoft.com/office/thememl/2012/main" name="Office Theme" id="{62F939B6-93AF-4DB8-9C6B-D6C7DFDC589F}" vid="{4A3C46E8-61CC-4603-A589-7422A47A8E4A}"/>
     </a:ext>
   </a:extLst>
 </a:theme>
